--- a/IBM CI for SF Demo.pptx
+++ b/IBM CI for SF Demo.pptx
@@ -5,7 +5,7 @@
     <p:sldMasterId id="2147483660" r:id="rId1"/>
   </p:sldMasterIdLst>
   <p:notesMasterIdLst>
-    <p:notesMasterId r:id="rId19"/>
+    <p:notesMasterId r:id="rId24"/>
   </p:notesMasterIdLst>
   <p:sldIdLst>
     <p:sldId id="262" r:id="rId2"/>
@@ -18,13 +18,18 @@
     <p:sldId id="266" r:id="rId9"/>
     <p:sldId id="271" r:id="rId10"/>
     <p:sldId id="272" r:id="rId11"/>
-    <p:sldId id="292" r:id="rId12"/>
-    <p:sldId id="291" r:id="rId13"/>
-    <p:sldId id="276" r:id="rId14"/>
-    <p:sldId id="288" r:id="rId15"/>
-    <p:sldId id="256" r:id="rId16"/>
-    <p:sldId id="285" r:id="rId17"/>
-    <p:sldId id="286" r:id="rId18"/>
+    <p:sldId id="291" r:id="rId12"/>
+    <p:sldId id="298" r:id="rId13"/>
+    <p:sldId id="294" r:id="rId14"/>
+    <p:sldId id="295" r:id="rId15"/>
+    <p:sldId id="296" r:id="rId16"/>
+    <p:sldId id="297" r:id="rId17"/>
+    <p:sldId id="276" r:id="rId18"/>
+    <p:sldId id="288" r:id="rId19"/>
+    <p:sldId id="256" r:id="rId20"/>
+    <p:sldId id="292" r:id="rId21"/>
+    <p:sldId id="285" r:id="rId22"/>
+    <p:sldId id="286" r:id="rId23"/>
   </p:sldIdLst>
   <p:sldSz cx="9144000" cy="5143500" type="screen16x9"/>
   <p:notesSz cx="6858000" cy="9144000"/>
@@ -213,7 +218,7 @@
           <a:p>
             <a:fld id="{2D037ECA-5F89-9740-A7CF-10665958A7F9}" type="datetimeFigureOut">
               <a:rPr lang="en-US" smtClean="0"/>
-              <a:t>8/11/17</a:t>
+              <a:t>8/18/17</a:t>
             </a:fld>
             <a:endParaRPr lang="en-US"/>
           </a:p>
@@ -1656,7 +1661,7 @@
             <a:fld id="{DA18DD8D-D3F0-403F-91B6-E010589A7EEB}" type="slidenum">
               <a:rPr lang="en-US" altLang="en-US"/>
               <a:pPr/>
-              <a:t>11</a:t>
+              <a:t>20</a:t>
             </a:fld>
             <a:endParaRPr lang="en-US" altLang="en-US"/>
           </a:p>
@@ -5247,2866 +5252,6 @@
 </file>
 
 <file path=ppt/slideLayouts/slideLayout27.xml><?xml version="1.0" encoding="utf-8"?>
-<p:sldLayout xmlns:a="http://schemas.openxmlformats.org/drawingml/2006/main" xmlns:r="http://schemas.openxmlformats.org/officeDocument/2006/relationships" xmlns:p="http://schemas.openxmlformats.org/presentationml/2006/main" userDrawn="1">
-  <p:cSld name="Content - Title 1 Line">
-    <p:spTree>
-      <p:nvGrpSpPr>
-        <p:cNvPr id="1" name=""/>
-        <p:cNvGrpSpPr/>
-        <p:nvPr/>
-      </p:nvGrpSpPr>
-      <p:grpSpPr>
-        <a:xfrm>
-          <a:off x="0" y="0"/>
-          <a:ext cx="0" cy="0"/>
-          <a:chOff x="0" y="0"/>
-          <a:chExt cx="0" cy="0"/>
-        </a:xfrm>
-      </p:grpSpPr>
-      <p:sp>
-        <p:nvSpPr>
-          <p:cNvPr id="8" name="Slide Number Placeholder 3"/>
-          <p:cNvSpPr>
-            <a:spLocks noGrp="1"/>
-          </p:cNvSpPr>
-          <p:nvPr>
-            <p:ph type="sldNum" sz="quarter" idx="4"/>
-          </p:nvPr>
-        </p:nvSpPr>
-        <p:spPr>
-          <a:xfrm>
-            <a:off x="291832" y="4853747"/>
-            <a:ext cx="435499" cy="187359"/>
-          </a:xfrm>
-          <a:prstGeom prst="rect">
-            <a:avLst/>
-          </a:prstGeom>
-        </p:spPr>
-        <p:txBody>
-          <a:bodyPr vert="horz" lIns="91440" tIns="45720" rIns="91440" bIns="45720" rtlCol="0" anchor="ctr"/>
-          <a:lstStyle>
-            <a:lvl1pPr algn="l">
-              <a:defRPr sz="900" baseline="0">
-                <a:solidFill>
-                  <a:srgbClr val="655A5B"/>
-                </a:solidFill>
-              </a:defRPr>
-            </a:lvl1pPr>
-          </a:lstStyle>
-          <a:p>
-            <a:fld id="{64A8A213-8E92-D94A-82D7-8578C89CAF17}" type="slidenum">
-              <a:rPr lang="en-US" smtClean="0"/>
-              <a:pPr/>
-              <a:t>‹#›</a:t>
-            </a:fld>
-            <a:endParaRPr lang="en-US" dirty="0"/>
-          </a:p>
-        </p:txBody>
-      </p:sp>
-      <p:sp>
-        <p:nvSpPr>
-          <p:cNvPr id="9" name="Date Placeholder 4"/>
-          <p:cNvSpPr>
-            <a:spLocks noGrp="1"/>
-          </p:cNvSpPr>
-          <p:nvPr>
-            <p:ph type="dt" sz="half" idx="2"/>
-          </p:nvPr>
-        </p:nvSpPr>
-        <p:spPr>
-          <a:xfrm>
-            <a:off x="727241" y="4853747"/>
-            <a:ext cx="2057400" cy="187359"/>
-          </a:xfrm>
-          <a:prstGeom prst="rect">
-            <a:avLst/>
-          </a:prstGeom>
-        </p:spPr>
-        <p:txBody>
-          <a:bodyPr vert="horz" lIns="91440" tIns="45720" rIns="91440" bIns="45720" rtlCol="0" anchor="ctr"/>
-          <a:lstStyle>
-            <a:lvl1pPr algn="l">
-              <a:defRPr sz="900" baseline="0">
-                <a:solidFill>
-                  <a:srgbClr val="655A5B"/>
-                </a:solidFill>
-              </a:defRPr>
-            </a:lvl1pPr>
-          </a:lstStyle>
-          <a:p>
-            <a:endParaRPr lang="en-US" dirty="0"/>
-          </a:p>
-        </p:txBody>
-      </p:sp>
-      <p:sp>
-        <p:nvSpPr>
-          <p:cNvPr id="10" name="Text Placeholder 15"/>
-          <p:cNvSpPr>
-            <a:spLocks noGrp="1"/>
-          </p:cNvSpPr>
-          <p:nvPr>
-            <p:ph type="body" sz="quarter" idx="11" hasCustomPrompt="1"/>
-          </p:nvPr>
-        </p:nvSpPr>
-        <p:spPr>
-          <a:xfrm>
-            <a:off x="202517" y="290927"/>
-            <a:ext cx="3770265" cy="464018"/>
-          </a:xfrm>
-        </p:spPr>
-        <p:txBody>
-          <a:bodyPr>
-            <a:noAutofit/>
-          </a:bodyPr>
-          <a:lstStyle>
-            <a:lvl1pPr marL="0" indent="0" fontAlgn="t">
-              <a:buFontTx/>
-              <a:buNone/>
-              <a:defRPr sz="2250" baseline="0">
-                <a:solidFill>
-                  <a:srgbClr val="5498E4"/>
-                </a:solidFill>
-                <a:latin typeface="Arial" charset="0"/>
-              </a:defRPr>
-            </a:lvl1pPr>
-          </a:lstStyle>
-          <a:p>
-            <a:r>
-              <a:rPr lang="en-US" dirty="0" smtClean="0"/>
-              <a:t>One line headline goes here</a:t>
-            </a:r>
-            <a:endParaRPr lang="en-US" dirty="0"/>
-          </a:p>
-        </p:txBody>
-      </p:sp>
-      <p:sp>
-        <p:nvSpPr>
-          <p:cNvPr id="6" name="Text Placeholder 5"/>
-          <p:cNvSpPr>
-            <a:spLocks noGrp="1"/>
-          </p:cNvSpPr>
-          <p:nvPr>
-            <p:ph type="body" sz="quarter" idx="13" hasCustomPrompt="1"/>
-          </p:nvPr>
-        </p:nvSpPr>
-        <p:spPr>
-          <a:xfrm>
-            <a:off x="200026" y="841455"/>
-            <a:ext cx="8181975" cy="3229769"/>
-          </a:xfrm>
-        </p:spPr>
-        <p:txBody>
-          <a:bodyPr numCol="2" spcCol="822960"/>
-          <a:lstStyle>
-            <a:lvl1pPr marL="0" marR="0" indent="0" algn="l" defTabSz="685800" rtl="0" eaLnBrk="1" fontAlgn="auto" latinLnBrk="0" hangingPunct="1">
-              <a:lnSpc>
-                <a:spcPct val="95000"/>
-              </a:lnSpc>
-              <a:spcBef>
-                <a:spcPts val="0"/>
-              </a:spcBef>
-              <a:spcAft>
-                <a:spcPts val="900"/>
-              </a:spcAft>
-              <a:buClrTx/>
-              <a:buSzTx/>
-              <a:buFont typeface="Arial"/>
-              <a:buNone/>
-              <a:tabLst/>
-              <a:defRPr lang="en-US" sz="1350" kern="1200" baseline="0">
-                <a:effectLst/>
-                <a:latin typeface="+mn-lt"/>
-              </a:defRPr>
-            </a:lvl1pPr>
-            <a:lvl2pPr marL="342900" indent="0">
-              <a:buNone/>
-              <a:defRPr/>
-            </a:lvl2pPr>
-            <a:lvl3pPr marL="685800" indent="0">
-              <a:buNone/>
-              <a:defRPr/>
-            </a:lvl3pPr>
-            <a:lvl4pPr marL="1028700" indent="0">
-              <a:buNone/>
-              <a:defRPr/>
-            </a:lvl4pPr>
-            <a:lvl5pPr marL="1371600" indent="0">
-              <a:buNone/>
-              <a:defRPr/>
-            </a:lvl5pPr>
-          </a:lstStyle>
-          <a:p>
-            <a:r>
-              <a:rPr lang="en-US" sz="1350" dirty="0" smtClean="0">
-                <a:effectLst/>
-                <a:latin typeface="+mn-lt"/>
-                <a:ea typeface="ＭＳ 明朝"/>
-                <a:cs typeface="Times New Roman"/>
-              </a:rPr>
-              <a:t>Copy goes here for two column </a:t>
-            </a:r>
-            <a:r>
-              <a:rPr lang="en-US" sz="1350" dirty="0" err="1" smtClean="0">
-                <a:effectLst/>
-                <a:latin typeface="+mn-lt"/>
-                <a:ea typeface="ＭＳ 明朝"/>
-                <a:cs typeface="Times New Roman"/>
-              </a:rPr>
-              <a:t>lorem</a:t>
-            </a:r>
-            <a:r>
-              <a:rPr lang="en-US" sz="1350" dirty="0" smtClean="0">
-                <a:effectLst/>
-                <a:latin typeface="+mn-lt"/>
-                <a:ea typeface="ＭＳ 明朝"/>
-                <a:cs typeface="Times New Roman"/>
-              </a:rPr>
-              <a:t> </a:t>
-            </a:r>
-            <a:r>
-              <a:rPr lang="en-US" sz="1350" dirty="0" err="1" smtClean="0">
-                <a:effectLst/>
-                <a:latin typeface="+mn-lt"/>
-                <a:ea typeface="ＭＳ 明朝"/>
-                <a:cs typeface="Times New Roman"/>
-              </a:rPr>
-              <a:t>ipsum</a:t>
-            </a:r>
-            <a:r>
-              <a:rPr lang="en-US" sz="1350" dirty="0" smtClean="0">
-                <a:effectLst/>
-                <a:latin typeface="+mn-lt"/>
-                <a:ea typeface="ＭＳ 明朝"/>
-                <a:cs typeface="Times New Roman"/>
-              </a:rPr>
-              <a:t> </a:t>
-            </a:r>
-            <a:r>
-              <a:rPr lang="en-US" sz="1350" dirty="0" err="1" smtClean="0">
-                <a:effectLst/>
-                <a:latin typeface="+mn-lt"/>
-                <a:ea typeface="ＭＳ 明朝"/>
-                <a:cs typeface="Times New Roman"/>
-              </a:rPr>
-              <a:t>dolar</a:t>
-            </a:r>
-            <a:r>
-              <a:rPr lang="en-US" sz="1350" dirty="0" smtClean="0">
-                <a:effectLst/>
-                <a:latin typeface="+mn-lt"/>
-                <a:ea typeface="ＭＳ 明朝"/>
-                <a:cs typeface="Times New Roman"/>
-              </a:rPr>
-              <a:t> sit </a:t>
-            </a:r>
-            <a:r>
-              <a:rPr lang="en-US" sz="1350" dirty="0" err="1" smtClean="0">
-                <a:effectLst/>
-                <a:latin typeface="+mn-lt"/>
-                <a:ea typeface="ＭＳ 明朝"/>
-                <a:cs typeface="Times New Roman"/>
-              </a:rPr>
-              <a:t>amet</a:t>
-            </a:r>
-            <a:r>
-              <a:rPr lang="en-US" sz="1350" dirty="0" smtClean="0">
-                <a:effectLst/>
-                <a:latin typeface="+mn-lt"/>
-                <a:ea typeface="ＭＳ 明朝"/>
-                <a:cs typeface="Times New Roman"/>
-              </a:rPr>
-              <a:t>, </a:t>
-            </a:r>
-            <a:r>
-              <a:rPr lang="en-US" sz="1350" dirty="0" err="1" smtClean="0">
-                <a:effectLst/>
-                <a:latin typeface="+mn-lt"/>
-                <a:ea typeface="ＭＳ 明朝"/>
-                <a:cs typeface="Times New Roman"/>
-              </a:rPr>
-              <a:t>consectetur</a:t>
-            </a:r>
-            <a:r>
-              <a:rPr lang="en-US" sz="1350" dirty="0" smtClean="0">
-                <a:effectLst/>
-                <a:latin typeface="+mn-lt"/>
-                <a:ea typeface="ＭＳ 明朝"/>
-                <a:cs typeface="Times New Roman"/>
-              </a:rPr>
-              <a:t> </a:t>
-            </a:r>
-            <a:r>
-              <a:rPr lang="en-US" sz="1350" dirty="0" err="1" smtClean="0">
-                <a:effectLst/>
-                <a:latin typeface="+mn-lt"/>
-                <a:ea typeface="ＭＳ 明朝"/>
-                <a:cs typeface="Times New Roman"/>
-              </a:rPr>
-              <a:t>adipiscing</a:t>
-            </a:r>
-            <a:r>
-              <a:rPr lang="en-US" sz="1350" dirty="0" smtClean="0">
-                <a:effectLst/>
-                <a:latin typeface="+mn-lt"/>
-                <a:ea typeface="ＭＳ 明朝"/>
-                <a:cs typeface="Times New Roman"/>
-              </a:rPr>
-              <a:t> </a:t>
-            </a:r>
-            <a:r>
-              <a:rPr lang="en-US" sz="1350" dirty="0" err="1" smtClean="0">
-                <a:effectLst/>
-                <a:latin typeface="+mn-lt"/>
-                <a:ea typeface="ＭＳ 明朝"/>
-                <a:cs typeface="Times New Roman"/>
-              </a:rPr>
-              <a:t>elit</a:t>
-            </a:r>
-            <a:r>
-              <a:rPr lang="en-US" sz="1350" dirty="0" smtClean="0">
-                <a:effectLst/>
-                <a:latin typeface="+mn-lt"/>
-                <a:ea typeface="ＭＳ 明朝"/>
-                <a:cs typeface="Times New Roman"/>
-              </a:rPr>
-              <a:t>. </a:t>
-            </a:r>
-            <a:r>
-              <a:rPr lang="en-US" sz="1350" dirty="0" err="1" smtClean="0">
-                <a:effectLst/>
-                <a:latin typeface="+mn-lt"/>
-                <a:ea typeface="ＭＳ 明朝"/>
-                <a:cs typeface="Times New Roman"/>
-              </a:rPr>
-              <a:t>Donec</a:t>
-            </a:r>
-            <a:r>
-              <a:rPr lang="en-US" sz="1350" dirty="0" smtClean="0">
-                <a:effectLst/>
-                <a:latin typeface="+mn-lt"/>
-                <a:ea typeface="ＭＳ 明朝"/>
-                <a:cs typeface="Times New Roman"/>
-              </a:rPr>
-              <a:t> </a:t>
-            </a:r>
-            <a:r>
-              <a:rPr lang="en-US" sz="1350" dirty="0" err="1" smtClean="0">
-                <a:effectLst/>
-                <a:latin typeface="+mn-lt"/>
-                <a:ea typeface="ＭＳ 明朝"/>
-                <a:cs typeface="Times New Roman"/>
-              </a:rPr>
-              <a:t>vehicula</a:t>
-            </a:r>
-            <a:r>
-              <a:rPr lang="en-US" sz="1350" dirty="0" smtClean="0">
-                <a:effectLst/>
-                <a:latin typeface="+mn-lt"/>
-                <a:ea typeface="ＭＳ 明朝"/>
-                <a:cs typeface="Times New Roman"/>
-              </a:rPr>
-              <a:t> </a:t>
-            </a:r>
-            <a:r>
-              <a:rPr lang="en-US" sz="1350" dirty="0" err="1" smtClean="0">
-                <a:effectLst/>
-                <a:latin typeface="+mn-lt"/>
-                <a:ea typeface="ＭＳ 明朝"/>
-                <a:cs typeface="Times New Roman"/>
-              </a:rPr>
-              <a:t>lorem</a:t>
-            </a:r>
-            <a:r>
-              <a:rPr lang="en-US" sz="1350" dirty="0" smtClean="0">
-                <a:effectLst/>
-                <a:latin typeface="+mn-lt"/>
-                <a:ea typeface="ＭＳ 明朝"/>
-                <a:cs typeface="Times New Roman"/>
-              </a:rPr>
-              <a:t> </a:t>
-            </a:r>
-            <a:r>
-              <a:rPr lang="en-US" sz="1350" dirty="0" err="1" smtClean="0">
-                <a:effectLst/>
-                <a:latin typeface="+mn-lt"/>
-                <a:ea typeface="ＭＳ 明朝"/>
-                <a:cs typeface="Times New Roman"/>
-              </a:rPr>
-              <a:t>enim</a:t>
-            </a:r>
-            <a:r>
-              <a:rPr lang="en-US" sz="1350" dirty="0" smtClean="0">
-                <a:effectLst/>
-                <a:latin typeface="+mn-lt"/>
-                <a:ea typeface="ＭＳ 明朝"/>
-                <a:cs typeface="Times New Roman"/>
-              </a:rPr>
-              <a:t>, </a:t>
-            </a:r>
-            <a:r>
-              <a:rPr lang="en-US" sz="1350" dirty="0" err="1" smtClean="0">
-                <a:effectLst/>
-                <a:latin typeface="+mn-lt"/>
-                <a:ea typeface="ＭＳ 明朝"/>
-                <a:cs typeface="Times New Roman"/>
-              </a:rPr>
-              <a:t>quis</a:t>
-            </a:r>
-            <a:r>
-              <a:rPr lang="en-US" sz="1350" dirty="0" smtClean="0">
-                <a:effectLst/>
-                <a:latin typeface="+mn-lt"/>
-                <a:ea typeface="ＭＳ 明朝"/>
-                <a:cs typeface="Times New Roman"/>
-              </a:rPr>
-              <a:t> </a:t>
-            </a:r>
-            <a:r>
-              <a:rPr lang="en-US" sz="1350" dirty="0" err="1" smtClean="0">
-                <a:effectLst/>
-                <a:latin typeface="+mn-lt"/>
-                <a:ea typeface="ＭＳ 明朝"/>
-                <a:cs typeface="Times New Roman"/>
-              </a:rPr>
-              <a:t>convallis</a:t>
-            </a:r>
-            <a:r>
-              <a:rPr lang="en-US" sz="1350" dirty="0" smtClean="0">
-                <a:effectLst/>
-                <a:latin typeface="+mn-lt"/>
-                <a:ea typeface="ＭＳ 明朝"/>
-                <a:cs typeface="Times New Roman"/>
-              </a:rPr>
-              <a:t> lacus </a:t>
-            </a:r>
-            <a:r>
-              <a:rPr lang="en-US" sz="1350" dirty="0" err="1" smtClean="0">
-                <a:effectLst/>
-                <a:latin typeface="+mn-lt"/>
-                <a:ea typeface="ＭＳ 明朝"/>
-                <a:cs typeface="Times New Roman"/>
-              </a:rPr>
-              <a:t>sodales</a:t>
-            </a:r>
-            <a:r>
-              <a:rPr lang="en-US" sz="1350" dirty="0" smtClean="0">
-                <a:effectLst/>
-                <a:latin typeface="+mn-lt"/>
-                <a:ea typeface="ＭＳ 明朝"/>
-                <a:cs typeface="Times New Roman"/>
-              </a:rPr>
-              <a:t> in.</a:t>
-            </a:r>
-            <a:endParaRPr lang="en-US" sz="900" dirty="0" smtClean="0">
-              <a:effectLst/>
-              <a:latin typeface="Cambria"/>
-              <a:ea typeface="ＭＳ 明朝"/>
-              <a:cs typeface="Times New Roman"/>
-            </a:endParaRPr>
-          </a:p>
-          <a:p>
-            <a:r>
-              <a:rPr lang="en-US" sz="1350" dirty="0" smtClean="0">
-                <a:effectLst/>
-                <a:latin typeface="+mn-lt"/>
-                <a:ea typeface="ＭＳ 明朝"/>
-                <a:cs typeface="Times New Roman"/>
-              </a:rPr>
-              <a:t>In </a:t>
-            </a:r>
-            <a:r>
-              <a:rPr lang="en-US" sz="1350" dirty="0" err="1" smtClean="0">
-                <a:effectLst/>
-                <a:latin typeface="+mn-lt"/>
-                <a:ea typeface="ＭＳ 明朝"/>
-                <a:cs typeface="Times New Roman"/>
-              </a:rPr>
-              <a:t>ut</a:t>
-            </a:r>
-            <a:r>
-              <a:rPr lang="en-US" sz="1350" dirty="0" smtClean="0">
-                <a:effectLst/>
-                <a:latin typeface="+mn-lt"/>
-                <a:ea typeface="ＭＳ 明朝"/>
-                <a:cs typeface="Times New Roman"/>
-              </a:rPr>
-              <a:t> </a:t>
-            </a:r>
-            <a:r>
-              <a:rPr lang="en-US" sz="1350" dirty="0" err="1" smtClean="0">
-                <a:effectLst/>
-                <a:latin typeface="+mn-lt"/>
-                <a:ea typeface="ＭＳ 明朝"/>
-                <a:cs typeface="Times New Roman"/>
-              </a:rPr>
-              <a:t>lobortis</a:t>
-            </a:r>
-            <a:r>
-              <a:rPr lang="en-US" sz="1350" dirty="0" smtClean="0">
-                <a:effectLst/>
-                <a:latin typeface="+mn-lt"/>
-                <a:ea typeface="ＭＳ 明朝"/>
-                <a:cs typeface="Times New Roman"/>
-              </a:rPr>
-              <a:t> </a:t>
-            </a:r>
-            <a:r>
-              <a:rPr lang="en-US" sz="1350" dirty="0" err="1" smtClean="0">
-                <a:effectLst/>
-                <a:latin typeface="+mn-lt"/>
-                <a:ea typeface="ＭＳ 明朝"/>
-                <a:cs typeface="Times New Roman"/>
-              </a:rPr>
-              <a:t>neque</a:t>
-            </a:r>
-            <a:r>
-              <a:rPr lang="en-US" sz="1350" dirty="0" smtClean="0">
-                <a:effectLst/>
-                <a:latin typeface="+mn-lt"/>
-                <a:ea typeface="ＭＳ 明朝"/>
-                <a:cs typeface="Times New Roman"/>
-              </a:rPr>
-              <a:t>, </a:t>
-            </a:r>
-            <a:r>
-              <a:rPr lang="en-US" sz="1350" dirty="0" err="1" smtClean="0">
-                <a:effectLst/>
-                <a:latin typeface="+mn-lt"/>
-                <a:ea typeface="ＭＳ 明朝"/>
-                <a:cs typeface="Times New Roman"/>
-              </a:rPr>
-              <a:t>quis</a:t>
-            </a:r>
-            <a:r>
-              <a:rPr lang="en-US" sz="1350" dirty="0" smtClean="0">
-                <a:effectLst/>
-                <a:latin typeface="+mn-lt"/>
-                <a:ea typeface="ＭＳ 明朝"/>
-                <a:cs typeface="Times New Roman"/>
-              </a:rPr>
-              <a:t> </a:t>
-            </a:r>
-            <a:r>
-              <a:rPr lang="en-US" sz="1350" dirty="0" err="1" smtClean="0">
-                <a:effectLst/>
-                <a:latin typeface="+mn-lt"/>
-                <a:ea typeface="ＭＳ 明朝"/>
-                <a:cs typeface="Times New Roman"/>
-              </a:rPr>
-              <a:t>lobortis</a:t>
-            </a:r>
-            <a:r>
-              <a:rPr lang="en-US" sz="1350" dirty="0" smtClean="0">
-                <a:effectLst/>
-                <a:latin typeface="+mn-lt"/>
-                <a:ea typeface="ＭＳ 明朝"/>
-                <a:cs typeface="Times New Roman"/>
-              </a:rPr>
-              <a:t> </a:t>
-            </a:r>
-            <a:r>
-              <a:rPr lang="en-US" sz="1350" dirty="0" err="1" smtClean="0">
-                <a:effectLst/>
-                <a:latin typeface="+mn-lt"/>
-                <a:ea typeface="ＭＳ 明朝"/>
-                <a:cs typeface="Times New Roman"/>
-              </a:rPr>
-              <a:t>velit</a:t>
-            </a:r>
-            <a:r>
-              <a:rPr lang="en-US" sz="1350" dirty="0" smtClean="0">
-                <a:effectLst/>
-                <a:latin typeface="+mn-lt"/>
-                <a:ea typeface="ＭＳ 明朝"/>
-                <a:cs typeface="Times New Roman"/>
-              </a:rPr>
-              <a:t>. </a:t>
-            </a:r>
-            <a:r>
-              <a:rPr lang="en-US" sz="1350" dirty="0" err="1" smtClean="0">
-                <a:effectLst/>
-                <a:latin typeface="+mn-lt"/>
-                <a:ea typeface="ＭＳ 明朝"/>
-                <a:cs typeface="Times New Roman"/>
-              </a:rPr>
-              <a:t>Praesent</a:t>
-            </a:r>
-            <a:r>
-              <a:rPr lang="en-US" sz="1350" dirty="0" smtClean="0">
-                <a:effectLst/>
-                <a:latin typeface="+mn-lt"/>
-                <a:ea typeface="ＭＳ 明朝"/>
-                <a:cs typeface="Times New Roman"/>
-              </a:rPr>
-              <a:t> non </a:t>
-            </a:r>
-            <a:r>
-              <a:rPr lang="en-US" sz="1350" dirty="0" err="1" smtClean="0">
-                <a:effectLst/>
-                <a:latin typeface="+mn-lt"/>
-                <a:ea typeface="ＭＳ 明朝"/>
-                <a:cs typeface="Times New Roman"/>
-              </a:rPr>
-              <a:t>feugiat</a:t>
-            </a:r>
-            <a:r>
-              <a:rPr lang="en-US" sz="1350" dirty="0" smtClean="0">
-                <a:effectLst/>
-                <a:latin typeface="+mn-lt"/>
-                <a:ea typeface="ＭＳ 明朝"/>
-                <a:cs typeface="Times New Roman"/>
-              </a:rPr>
-              <a:t> </a:t>
-            </a:r>
-            <a:r>
-              <a:rPr lang="en-US" sz="1350" dirty="0" err="1" smtClean="0">
-                <a:effectLst/>
-                <a:latin typeface="+mn-lt"/>
-                <a:ea typeface="ＭＳ 明朝"/>
-                <a:cs typeface="Times New Roman"/>
-              </a:rPr>
-              <a:t>sapien</a:t>
-            </a:r>
-            <a:r>
-              <a:rPr lang="en-US" sz="1350" dirty="0" smtClean="0">
-                <a:effectLst/>
-                <a:latin typeface="+mn-lt"/>
-                <a:ea typeface="ＭＳ 明朝"/>
-                <a:cs typeface="Times New Roman"/>
-              </a:rPr>
-              <a:t>, </a:t>
-            </a:r>
-            <a:r>
-              <a:rPr lang="en-US" sz="1350" dirty="0" err="1" smtClean="0">
-                <a:effectLst/>
-                <a:latin typeface="+mn-lt"/>
-                <a:ea typeface="ＭＳ 明朝"/>
-                <a:cs typeface="Times New Roman"/>
-              </a:rPr>
-              <a:t>sed</a:t>
-            </a:r>
-            <a:r>
-              <a:rPr lang="en-US" sz="1350" dirty="0" smtClean="0">
-                <a:effectLst/>
-                <a:latin typeface="+mn-lt"/>
-                <a:ea typeface="ＭＳ 明朝"/>
-                <a:cs typeface="Times New Roman"/>
-              </a:rPr>
-              <a:t> </a:t>
-            </a:r>
-            <a:r>
-              <a:rPr lang="en-US" sz="1350" dirty="0" err="1" smtClean="0">
-                <a:effectLst/>
-                <a:latin typeface="+mn-lt"/>
-                <a:ea typeface="ＭＳ 明朝"/>
-                <a:cs typeface="Times New Roman"/>
-              </a:rPr>
-              <a:t>rhoncus</a:t>
-            </a:r>
-            <a:r>
-              <a:rPr lang="en-US" sz="1350" dirty="0" smtClean="0">
-                <a:effectLst/>
-                <a:latin typeface="+mn-lt"/>
-                <a:ea typeface="ＭＳ 明朝"/>
-                <a:cs typeface="Times New Roman"/>
-              </a:rPr>
-              <a:t>.</a:t>
-            </a:r>
-            <a:endParaRPr lang="en-US" sz="900" dirty="0" smtClean="0">
-              <a:effectLst/>
-              <a:latin typeface="Cambria"/>
-              <a:ea typeface="ＭＳ 明朝"/>
-              <a:cs typeface="Times New Roman"/>
-            </a:endParaRPr>
-          </a:p>
-          <a:p>
-            <a:r>
-              <a:rPr lang="en-US" sz="1350" dirty="0" err="1" smtClean="0">
-                <a:effectLst/>
-                <a:latin typeface="+mn-lt"/>
-                <a:ea typeface="ＭＳ 明朝"/>
-                <a:cs typeface="Times New Roman"/>
-              </a:rPr>
-              <a:t>Ut</a:t>
-            </a:r>
-            <a:r>
-              <a:rPr lang="en-US" sz="1350" dirty="0" smtClean="0">
-                <a:effectLst/>
-                <a:latin typeface="+mn-lt"/>
-                <a:ea typeface="ＭＳ 明朝"/>
-                <a:cs typeface="Times New Roman"/>
-              </a:rPr>
-              <a:t> </a:t>
-            </a:r>
-            <a:r>
-              <a:rPr lang="en-US" sz="1350" dirty="0" err="1" smtClean="0">
-                <a:effectLst/>
-                <a:latin typeface="+mn-lt"/>
-                <a:ea typeface="ＭＳ 明朝"/>
-                <a:cs typeface="Times New Roman"/>
-              </a:rPr>
-              <a:t>wisi</a:t>
-            </a:r>
-            <a:r>
-              <a:rPr lang="en-US" sz="1350" dirty="0" smtClean="0">
-                <a:effectLst/>
-                <a:latin typeface="+mn-lt"/>
-                <a:ea typeface="ＭＳ 明朝"/>
-                <a:cs typeface="Times New Roman"/>
-              </a:rPr>
-              <a:t> </a:t>
-            </a:r>
-            <a:r>
-              <a:rPr lang="en-US" sz="1350" dirty="0" err="1" smtClean="0">
-                <a:effectLst/>
-                <a:latin typeface="+mn-lt"/>
-                <a:ea typeface="ＭＳ 明朝"/>
-                <a:cs typeface="Times New Roman"/>
-              </a:rPr>
-              <a:t>enim</a:t>
-            </a:r>
-            <a:r>
-              <a:rPr lang="en-US" sz="1350" dirty="0" smtClean="0">
-                <a:effectLst/>
-                <a:latin typeface="+mn-lt"/>
-                <a:ea typeface="ＭＳ 明朝"/>
-                <a:cs typeface="Times New Roman"/>
-              </a:rPr>
-              <a:t> ad minim </a:t>
-            </a:r>
-            <a:r>
-              <a:rPr lang="en-US" sz="1350" dirty="0" err="1" smtClean="0">
-                <a:effectLst/>
-                <a:latin typeface="+mn-lt"/>
-                <a:ea typeface="ＭＳ 明朝"/>
-                <a:cs typeface="Times New Roman"/>
-              </a:rPr>
-              <a:t>veniam</a:t>
-            </a:r>
-            <a:r>
-              <a:rPr lang="en-US" sz="1350" dirty="0" smtClean="0">
-                <a:effectLst/>
-                <a:latin typeface="+mn-lt"/>
-                <a:ea typeface="ＭＳ 明朝"/>
-                <a:cs typeface="Times New Roman"/>
-              </a:rPr>
-              <a:t>, </a:t>
-            </a:r>
-            <a:r>
-              <a:rPr lang="en-US" sz="1350" dirty="0" err="1" smtClean="0">
-                <a:effectLst/>
-                <a:latin typeface="+mn-lt"/>
-                <a:ea typeface="ＭＳ 明朝"/>
-                <a:cs typeface="Times New Roman"/>
-              </a:rPr>
-              <a:t>quis</a:t>
-            </a:r>
-            <a:r>
-              <a:rPr lang="en-US" sz="1350" dirty="0" smtClean="0">
-                <a:effectLst/>
-                <a:latin typeface="+mn-lt"/>
-                <a:ea typeface="ＭＳ 明朝"/>
-                <a:cs typeface="Times New Roman"/>
-              </a:rPr>
-              <a:t> </a:t>
-            </a:r>
-            <a:r>
-              <a:rPr lang="en-US" sz="1350" dirty="0" err="1" smtClean="0">
-                <a:effectLst/>
-                <a:latin typeface="+mn-lt"/>
-                <a:ea typeface="ＭＳ 明朝"/>
-                <a:cs typeface="Times New Roman"/>
-              </a:rPr>
-              <a:t>nostrud</a:t>
-            </a:r>
-            <a:r>
-              <a:rPr lang="en-US" sz="1350" dirty="0" smtClean="0">
-                <a:effectLst/>
-                <a:latin typeface="+mn-lt"/>
-                <a:ea typeface="ＭＳ 明朝"/>
-                <a:cs typeface="Times New Roman"/>
-              </a:rPr>
-              <a:t> </a:t>
-            </a:r>
-            <a:r>
-              <a:rPr lang="en-US" sz="1350" dirty="0" err="1" smtClean="0">
-                <a:effectLst/>
-                <a:latin typeface="+mn-lt"/>
-                <a:ea typeface="ＭＳ 明朝"/>
-                <a:cs typeface="Times New Roman"/>
-              </a:rPr>
-              <a:t>exerci</a:t>
-            </a:r>
-            <a:r>
-              <a:rPr lang="en-US" sz="1350" dirty="0" smtClean="0">
-                <a:effectLst/>
-                <a:latin typeface="+mn-lt"/>
-                <a:ea typeface="ＭＳ 明朝"/>
-                <a:cs typeface="Times New Roman"/>
-              </a:rPr>
-              <a:t> </a:t>
-            </a:r>
-            <a:r>
-              <a:rPr lang="en-US" sz="1350" dirty="0" err="1" smtClean="0">
-                <a:effectLst/>
-                <a:latin typeface="+mn-lt"/>
-                <a:ea typeface="ＭＳ 明朝"/>
-                <a:cs typeface="Times New Roman"/>
-              </a:rPr>
-              <a:t>tation</a:t>
-            </a:r>
-            <a:r>
-              <a:rPr lang="en-US" sz="1350" dirty="0" smtClean="0">
-                <a:effectLst/>
-                <a:latin typeface="+mn-lt"/>
-                <a:ea typeface="ＭＳ 明朝"/>
-                <a:cs typeface="Times New Roman"/>
-              </a:rPr>
-              <a:t> </a:t>
-            </a:r>
-            <a:r>
-              <a:rPr lang="en-US" sz="1350" dirty="0" err="1" smtClean="0">
-                <a:effectLst/>
-                <a:latin typeface="+mn-lt"/>
-                <a:ea typeface="ＭＳ 明朝"/>
-                <a:cs typeface="Times New Roman"/>
-              </a:rPr>
-              <a:t>ullamcorper</a:t>
-            </a:r>
-            <a:r>
-              <a:rPr lang="en-US" sz="1350" dirty="0" smtClean="0">
-                <a:effectLst/>
-                <a:latin typeface="+mn-lt"/>
-                <a:ea typeface="ＭＳ 明朝"/>
-                <a:cs typeface="Times New Roman"/>
-              </a:rPr>
-              <a:t> </a:t>
-            </a:r>
-            <a:r>
-              <a:rPr lang="en-US" sz="1350" dirty="0" err="1" smtClean="0">
-                <a:effectLst/>
-                <a:latin typeface="+mn-lt"/>
-                <a:ea typeface="ＭＳ 明朝"/>
-                <a:cs typeface="Times New Roman"/>
-              </a:rPr>
-              <a:t>suscipit</a:t>
-            </a:r>
-            <a:r>
-              <a:rPr lang="en-US" sz="1350" dirty="0" smtClean="0">
-                <a:effectLst/>
-                <a:latin typeface="+mn-lt"/>
-                <a:ea typeface="ＭＳ 明朝"/>
-                <a:cs typeface="Times New Roman"/>
-              </a:rPr>
-              <a:t> </a:t>
-            </a:r>
-            <a:r>
-              <a:rPr lang="en-US" sz="1350" dirty="0" err="1" smtClean="0">
-                <a:effectLst/>
-                <a:latin typeface="+mn-lt"/>
-                <a:ea typeface="ＭＳ 明朝"/>
-                <a:cs typeface="Times New Roman"/>
-              </a:rPr>
-              <a:t>lobortis</a:t>
-            </a:r>
-            <a:r>
-              <a:rPr lang="en-US" sz="1350" dirty="0" smtClean="0">
-                <a:effectLst/>
-                <a:latin typeface="+mn-lt"/>
-                <a:ea typeface="ＭＳ 明朝"/>
-                <a:cs typeface="Times New Roman"/>
-              </a:rPr>
-              <a:t> </a:t>
-            </a:r>
-            <a:r>
-              <a:rPr lang="en-US" sz="1350" dirty="0" err="1" smtClean="0">
-                <a:effectLst/>
-                <a:latin typeface="+mn-lt"/>
-                <a:ea typeface="ＭＳ 明朝"/>
-                <a:cs typeface="Times New Roman"/>
-              </a:rPr>
-              <a:t>nisl</a:t>
-            </a:r>
-            <a:r>
-              <a:rPr lang="en-US" sz="1350" dirty="0" smtClean="0">
-                <a:effectLst/>
-                <a:latin typeface="+mn-lt"/>
-                <a:ea typeface="ＭＳ 明朝"/>
-                <a:cs typeface="Times New Roman"/>
-              </a:rPr>
-              <a:t> </a:t>
-            </a:r>
-            <a:r>
-              <a:rPr lang="en-US" sz="1350" dirty="0" err="1" smtClean="0">
-                <a:effectLst/>
-                <a:latin typeface="+mn-lt"/>
-                <a:ea typeface="ＭＳ 明朝"/>
-                <a:cs typeface="Times New Roman"/>
-              </a:rPr>
-              <a:t>ut</a:t>
-            </a:r>
-            <a:r>
-              <a:rPr lang="en-US" sz="1350" dirty="0" smtClean="0">
-                <a:effectLst/>
-                <a:latin typeface="+mn-lt"/>
-                <a:ea typeface="ＭＳ 明朝"/>
-                <a:cs typeface="Times New Roman"/>
-              </a:rPr>
-              <a:t> </a:t>
-            </a:r>
-            <a:r>
-              <a:rPr lang="en-US" sz="1350" dirty="0" err="1" smtClean="0">
-                <a:effectLst/>
-                <a:latin typeface="+mn-lt"/>
-                <a:ea typeface="ＭＳ 明朝"/>
-                <a:cs typeface="Times New Roman"/>
-              </a:rPr>
-              <a:t>aliquip</a:t>
-            </a:r>
-            <a:r>
-              <a:rPr lang="en-US" sz="1350" dirty="0" smtClean="0">
-                <a:effectLst/>
-                <a:latin typeface="+mn-lt"/>
-                <a:ea typeface="ＭＳ 明朝"/>
-                <a:cs typeface="Times New Roman"/>
-              </a:rPr>
-              <a:t> ex </a:t>
-            </a:r>
-            <a:r>
-              <a:rPr lang="en-US" sz="1350" dirty="0" err="1" smtClean="0">
-                <a:effectLst/>
-                <a:latin typeface="+mn-lt"/>
-                <a:ea typeface="ＭＳ 明朝"/>
-                <a:cs typeface="Times New Roman"/>
-              </a:rPr>
-              <a:t>ea</a:t>
-            </a:r>
-            <a:r>
-              <a:rPr lang="en-US" sz="1350" dirty="0" smtClean="0">
-                <a:effectLst/>
-                <a:latin typeface="+mn-lt"/>
-                <a:ea typeface="ＭＳ 明朝"/>
-                <a:cs typeface="Times New Roman"/>
-              </a:rPr>
-              <a:t> </a:t>
-            </a:r>
-            <a:r>
-              <a:rPr lang="en-US" sz="1350" dirty="0" err="1" smtClean="0">
-                <a:effectLst/>
-                <a:latin typeface="+mn-lt"/>
-                <a:ea typeface="ＭＳ 明朝"/>
-                <a:cs typeface="Times New Roman"/>
-              </a:rPr>
-              <a:t>commodo</a:t>
-            </a:r>
-            <a:r>
-              <a:rPr lang="en-US" sz="1350" dirty="0" smtClean="0">
-                <a:effectLst/>
-                <a:latin typeface="+mn-lt"/>
-                <a:ea typeface="ＭＳ 明朝"/>
-                <a:cs typeface="Times New Roman"/>
-              </a:rPr>
-              <a:t> </a:t>
-            </a:r>
-            <a:r>
-              <a:rPr lang="en-US" sz="1350" dirty="0" err="1" smtClean="0">
-                <a:effectLst/>
-                <a:latin typeface="+mn-lt"/>
-                <a:ea typeface="ＭＳ 明朝"/>
-                <a:cs typeface="Times New Roman"/>
-              </a:rPr>
-              <a:t>consequat</a:t>
-            </a:r>
-            <a:r>
-              <a:rPr lang="en-US" sz="1350" dirty="0" smtClean="0">
-                <a:effectLst/>
-                <a:latin typeface="+mn-lt"/>
-                <a:ea typeface="ＭＳ 明朝"/>
-                <a:cs typeface="Times New Roman"/>
-              </a:rPr>
-              <a:t>. </a:t>
-            </a:r>
-            <a:r>
-              <a:rPr lang="en-US" sz="1350" dirty="0" err="1" smtClean="0">
-                <a:effectLst/>
-                <a:latin typeface="+mn-lt"/>
-                <a:ea typeface="ＭＳ 明朝"/>
-                <a:cs typeface="Times New Roman"/>
-              </a:rPr>
-              <a:t>Duis</a:t>
-            </a:r>
-            <a:r>
-              <a:rPr lang="en-US" sz="1350" dirty="0" smtClean="0">
-                <a:effectLst/>
-                <a:latin typeface="+mn-lt"/>
-                <a:ea typeface="ＭＳ 明朝"/>
-                <a:cs typeface="Times New Roman"/>
-              </a:rPr>
-              <a:t> </a:t>
-            </a:r>
-            <a:r>
-              <a:rPr lang="en-US" sz="1350" dirty="0" err="1" smtClean="0">
-                <a:effectLst/>
-                <a:latin typeface="+mn-lt"/>
-                <a:ea typeface="ＭＳ 明朝"/>
-                <a:cs typeface="Times New Roman"/>
-              </a:rPr>
-              <a:t>autem</a:t>
-            </a:r>
-            <a:r>
-              <a:rPr lang="en-US" sz="1350" dirty="0" smtClean="0">
-                <a:effectLst/>
-                <a:latin typeface="+mn-lt"/>
-                <a:ea typeface="ＭＳ 明朝"/>
-                <a:cs typeface="Times New Roman"/>
-              </a:rPr>
-              <a:t> </a:t>
-            </a:r>
-            <a:r>
-              <a:rPr lang="en-US" sz="1350" dirty="0" err="1" smtClean="0">
-                <a:effectLst/>
-                <a:latin typeface="+mn-lt"/>
-                <a:ea typeface="ＭＳ 明朝"/>
-                <a:cs typeface="Times New Roman"/>
-              </a:rPr>
-              <a:t>vel</a:t>
-            </a:r>
-            <a:r>
-              <a:rPr lang="en-US" sz="1350" dirty="0" smtClean="0">
-                <a:effectLst/>
-                <a:latin typeface="+mn-lt"/>
-                <a:ea typeface="ＭＳ 明朝"/>
-                <a:cs typeface="Times New Roman"/>
-              </a:rPr>
-              <a:t> </a:t>
-            </a:r>
-            <a:r>
-              <a:rPr lang="en-US" sz="1350" dirty="0" err="1" smtClean="0">
-                <a:effectLst/>
-                <a:latin typeface="+mn-lt"/>
-                <a:ea typeface="ＭＳ 明朝"/>
-                <a:cs typeface="Times New Roman"/>
-              </a:rPr>
-              <a:t>eum</a:t>
-            </a:r>
-            <a:r>
-              <a:rPr lang="en-US" sz="1350" dirty="0" smtClean="0">
-                <a:effectLst/>
-                <a:latin typeface="+mn-lt"/>
-                <a:ea typeface="ＭＳ 明朝"/>
-                <a:cs typeface="Times New Roman"/>
-              </a:rPr>
-              <a:t> </a:t>
-            </a:r>
-            <a:r>
-              <a:rPr lang="en-US" sz="1350" dirty="0" err="1" smtClean="0">
-                <a:effectLst/>
-                <a:latin typeface="+mn-lt"/>
-                <a:ea typeface="ＭＳ 明朝"/>
-                <a:cs typeface="Times New Roman"/>
-              </a:rPr>
-              <a:t>iriure</a:t>
-            </a:r>
-            <a:r>
-              <a:rPr lang="en-US" sz="1350" dirty="0" smtClean="0">
-                <a:effectLst/>
-                <a:latin typeface="+mn-lt"/>
-                <a:ea typeface="ＭＳ 明朝"/>
-                <a:cs typeface="Times New Roman"/>
-              </a:rPr>
-              <a:t> dolor in </a:t>
-            </a:r>
-            <a:r>
-              <a:rPr lang="en-US" sz="1350" dirty="0" err="1" smtClean="0">
-                <a:effectLst/>
-                <a:latin typeface="+mn-lt"/>
-                <a:ea typeface="ＭＳ 明朝"/>
-                <a:cs typeface="Times New Roman"/>
-              </a:rPr>
-              <a:t>hendrerit</a:t>
-            </a:r>
-            <a:r>
-              <a:rPr lang="en-US" sz="1350" dirty="0" smtClean="0">
-                <a:effectLst/>
-                <a:latin typeface="+mn-lt"/>
-                <a:ea typeface="ＭＳ 明朝"/>
-                <a:cs typeface="Times New Roman"/>
-              </a:rPr>
-              <a:t> in </a:t>
-            </a:r>
-            <a:r>
-              <a:rPr lang="en-US" sz="1350" dirty="0" err="1" smtClean="0">
-                <a:effectLst/>
-                <a:latin typeface="+mn-lt"/>
-                <a:ea typeface="ＭＳ 明朝"/>
-                <a:cs typeface="Times New Roman"/>
-              </a:rPr>
-              <a:t>vulputate</a:t>
-            </a:r>
-            <a:r>
-              <a:rPr lang="en-US" sz="1350" dirty="0" smtClean="0">
-                <a:effectLst/>
-                <a:latin typeface="+mn-lt"/>
-                <a:ea typeface="ＭＳ 明朝"/>
-                <a:cs typeface="Times New Roman"/>
-              </a:rPr>
-              <a:t> </a:t>
-            </a:r>
-            <a:r>
-              <a:rPr lang="en-US" sz="1350" dirty="0" err="1" smtClean="0">
-                <a:effectLst/>
-                <a:latin typeface="+mn-lt"/>
-                <a:ea typeface="ＭＳ 明朝"/>
-                <a:cs typeface="Times New Roman"/>
-              </a:rPr>
-              <a:t>velit</a:t>
-            </a:r>
-            <a:r>
-              <a:rPr lang="en-US" sz="1350" dirty="0" smtClean="0">
-                <a:effectLst/>
-                <a:latin typeface="+mn-lt"/>
-                <a:ea typeface="ＭＳ 明朝"/>
-                <a:cs typeface="Times New Roman"/>
-              </a:rPr>
-              <a:t> </a:t>
-            </a:r>
-            <a:r>
-              <a:rPr lang="en-US" sz="1350" dirty="0" err="1" smtClean="0">
-                <a:effectLst/>
-                <a:latin typeface="+mn-lt"/>
-                <a:ea typeface="ＭＳ 明朝"/>
-                <a:cs typeface="Times New Roman"/>
-              </a:rPr>
-              <a:t>esse</a:t>
-            </a:r>
-            <a:r>
-              <a:rPr lang="en-US" sz="1350" dirty="0" smtClean="0">
-                <a:effectLst/>
-                <a:latin typeface="+mn-lt"/>
-                <a:ea typeface="ＭＳ 明朝"/>
-                <a:cs typeface="Times New Roman"/>
-              </a:rPr>
-              <a:t> </a:t>
-            </a:r>
-            <a:r>
-              <a:rPr lang="en-US" sz="1350" dirty="0" err="1" smtClean="0">
-                <a:effectLst/>
-                <a:latin typeface="+mn-lt"/>
-                <a:ea typeface="ＭＳ 明朝"/>
-                <a:cs typeface="Times New Roman"/>
-              </a:rPr>
-              <a:t>molestie</a:t>
-            </a:r>
-            <a:r>
-              <a:rPr lang="en-US" sz="1350" dirty="0" smtClean="0">
-                <a:effectLst/>
-                <a:latin typeface="+mn-lt"/>
-                <a:ea typeface="ＭＳ 明朝"/>
-                <a:cs typeface="Times New Roman"/>
-              </a:rPr>
-              <a:t> </a:t>
-            </a:r>
-            <a:r>
-              <a:rPr lang="en-US" sz="1350" dirty="0" err="1" smtClean="0">
-                <a:effectLst/>
-                <a:latin typeface="+mn-lt"/>
-                <a:ea typeface="ＭＳ 明朝"/>
-                <a:cs typeface="Times New Roman"/>
-              </a:rPr>
-              <a:t>consequat</a:t>
-            </a:r>
-            <a:r>
-              <a:rPr lang="en-US" sz="1350" dirty="0" smtClean="0">
-                <a:effectLst/>
-                <a:latin typeface="+mn-lt"/>
-                <a:ea typeface="ＭＳ 明朝"/>
-                <a:cs typeface="Times New Roman"/>
-              </a:rPr>
-              <a:t>, </a:t>
-            </a:r>
-            <a:r>
-              <a:rPr lang="en-US" sz="1350" dirty="0" err="1" smtClean="0">
-                <a:effectLst/>
-                <a:latin typeface="+mn-lt"/>
-                <a:ea typeface="ＭＳ 明朝"/>
-                <a:cs typeface="Times New Roman"/>
-              </a:rPr>
-              <a:t>vel</a:t>
-            </a:r>
-            <a:r>
-              <a:rPr lang="en-US" sz="1350" dirty="0" smtClean="0">
-                <a:effectLst/>
-                <a:latin typeface="+mn-lt"/>
-                <a:ea typeface="ＭＳ 明朝"/>
-                <a:cs typeface="Times New Roman"/>
-              </a:rPr>
-              <a:t> </a:t>
-            </a:r>
-            <a:r>
-              <a:rPr lang="en-US" sz="1350" dirty="0" err="1" smtClean="0">
-                <a:effectLst/>
-                <a:latin typeface="+mn-lt"/>
-                <a:ea typeface="ＭＳ 明朝"/>
-                <a:cs typeface="Times New Roman"/>
-              </a:rPr>
-              <a:t>illum</a:t>
-            </a:r>
-            <a:r>
-              <a:rPr lang="en-US" sz="1350" dirty="0" smtClean="0">
-                <a:effectLst/>
-                <a:latin typeface="+mn-lt"/>
-                <a:ea typeface="ＭＳ 明朝"/>
-                <a:cs typeface="Times New Roman"/>
-              </a:rPr>
-              <a:t> </a:t>
-            </a:r>
-            <a:r>
-              <a:rPr lang="en-US" sz="1350" dirty="0" err="1" smtClean="0">
-                <a:effectLst/>
-                <a:latin typeface="+mn-lt"/>
-                <a:ea typeface="ＭＳ 明朝"/>
-                <a:cs typeface="Times New Roman"/>
-              </a:rPr>
-              <a:t>dolore</a:t>
-            </a:r>
-            <a:r>
-              <a:rPr lang="en-US" sz="1350" dirty="0" smtClean="0">
-                <a:effectLst/>
-                <a:latin typeface="+mn-lt"/>
-                <a:ea typeface="ＭＳ 明朝"/>
-                <a:cs typeface="Times New Roman"/>
-              </a:rPr>
-              <a:t> </a:t>
-            </a:r>
-            <a:r>
-              <a:rPr lang="en-US" sz="1350" dirty="0" err="1" smtClean="0">
-                <a:effectLst/>
-                <a:latin typeface="+mn-lt"/>
-                <a:ea typeface="ＭＳ 明朝"/>
-                <a:cs typeface="Times New Roman"/>
-              </a:rPr>
-              <a:t>eu</a:t>
-            </a:r>
-            <a:r>
-              <a:rPr lang="en-US" sz="1350" dirty="0" smtClean="0">
-                <a:effectLst/>
-                <a:latin typeface="+mn-lt"/>
-                <a:ea typeface="ＭＳ 明朝"/>
-                <a:cs typeface="Times New Roman"/>
-              </a:rPr>
-              <a:t> </a:t>
-            </a:r>
-            <a:r>
-              <a:rPr lang="en-US" sz="1350" dirty="0" err="1" smtClean="0">
-                <a:effectLst/>
-                <a:latin typeface="+mn-lt"/>
-                <a:ea typeface="ＭＳ 明朝"/>
-                <a:cs typeface="Times New Roman"/>
-              </a:rPr>
-              <a:t>feugiat</a:t>
-            </a:r>
-            <a:r>
-              <a:rPr lang="en-US" sz="1350" dirty="0" smtClean="0">
-                <a:effectLst/>
-                <a:latin typeface="+mn-lt"/>
-                <a:ea typeface="ＭＳ 明朝"/>
-                <a:cs typeface="Times New Roman"/>
-              </a:rPr>
-              <a:t> </a:t>
-            </a:r>
-            <a:r>
-              <a:rPr lang="en-US" sz="1350" dirty="0" err="1" smtClean="0">
-                <a:effectLst/>
-                <a:latin typeface="+mn-lt"/>
-                <a:ea typeface="ＭＳ 明朝"/>
-                <a:cs typeface="Times New Roman"/>
-              </a:rPr>
-              <a:t>nulla</a:t>
-            </a:r>
-            <a:r>
-              <a:rPr lang="en-US" sz="1350" dirty="0" smtClean="0">
-                <a:effectLst/>
-                <a:latin typeface="+mn-lt"/>
-                <a:ea typeface="ＭＳ 明朝"/>
-                <a:cs typeface="Times New Roman"/>
-              </a:rPr>
-              <a:t> </a:t>
-            </a:r>
-            <a:r>
-              <a:rPr lang="en-US" sz="1350" dirty="0" err="1" smtClean="0">
-                <a:effectLst/>
-                <a:latin typeface="+mn-lt"/>
-                <a:ea typeface="ＭＳ 明朝"/>
-                <a:cs typeface="Times New Roman"/>
-              </a:rPr>
-              <a:t>facilisis</a:t>
-            </a:r>
-            <a:r>
-              <a:rPr lang="en-US" sz="1350" dirty="0" smtClean="0">
-                <a:effectLst/>
-                <a:latin typeface="+mn-lt"/>
-                <a:ea typeface="ＭＳ 明朝"/>
-                <a:cs typeface="Times New Roman"/>
-              </a:rPr>
-              <a:t> at </a:t>
-            </a:r>
-            <a:r>
-              <a:rPr lang="en-US" sz="1350" dirty="0" err="1" smtClean="0">
-                <a:effectLst/>
-                <a:latin typeface="+mn-lt"/>
-                <a:ea typeface="ＭＳ 明朝"/>
-                <a:cs typeface="Times New Roman"/>
-              </a:rPr>
-              <a:t>vero</a:t>
-            </a:r>
-            <a:r>
-              <a:rPr lang="en-US" sz="1350" dirty="0" smtClean="0">
-                <a:effectLst/>
-                <a:latin typeface="+mn-lt"/>
-                <a:ea typeface="ＭＳ 明朝"/>
-                <a:cs typeface="Times New Roman"/>
-              </a:rPr>
-              <a:t> </a:t>
-            </a:r>
-            <a:r>
-              <a:rPr lang="en-US" sz="1350" dirty="0" err="1" smtClean="0">
-                <a:effectLst/>
-                <a:latin typeface="+mn-lt"/>
-                <a:ea typeface="ＭＳ 明朝"/>
-                <a:cs typeface="Times New Roman"/>
-              </a:rPr>
-              <a:t>eros</a:t>
-            </a:r>
-            <a:r>
-              <a:rPr lang="en-US" sz="1350" dirty="0" smtClean="0">
-                <a:effectLst/>
-                <a:latin typeface="+mn-lt"/>
-                <a:ea typeface="ＭＳ 明朝"/>
-                <a:cs typeface="Times New Roman"/>
-              </a:rPr>
-              <a:t> et </a:t>
-            </a:r>
-            <a:r>
-              <a:rPr lang="en-US" sz="1350" dirty="0" err="1" smtClean="0">
-                <a:effectLst/>
-                <a:latin typeface="+mn-lt"/>
-                <a:ea typeface="ＭＳ 明朝"/>
-                <a:cs typeface="Times New Roman"/>
-              </a:rPr>
-              <a:t>accumsan</a:t>
-            </a:r>
-            <a:r>
-              <a:rPr lang="en-US" sz="1350" dirty="0" smtClean="0">
-                <a:effectLst/>
-                <a:latin typeface="+mn-lt"/>
-                <a:ea typeface="ＭＳ 明朝"/>
-                <a:cs typeface="Times New Roman"/>
-              </a:rPr>
-              <a:t> et </a:t>
-            </a:r>
-            <a:r>
-              <a:rPr lang="en-US" sz="1350" dirty="0" err="1" smtClean="0">
-                <a:effectLst/>
-                <a:latin typeface="+mn-lt"/>
-                <a:ea typeface="ＭＳ 明朝"/>
-                <a:cs typeface="Times New Roman"/>
-              </a:rPr>
-              <a:t>iusto</a:t>
-            </a:r>
-            <a:r>
-              <a:rPr lang="en-US" sz="1350" dirty="0" smtClean="0">
-                <a:effectLst/>
-                <a:latin typeface="+mn-lt"/>
-                <a:ea typeface="ＭＳ 明朝"/>
-                <a:cs typeface="Times New Roman"/>
-              </a:rPr>
-              <a:t> </a:t>
-            </a:r>
-            <a:r>
-              <a:rPr lang="en-US" sz="1350" dirty="0" err="1" smtClean="0">
-                <a:effectLst/>
-                <a:latin typeface="+mn-lt"/>
-                <a:ea typeface="ＭＳ 明朝"/>
-                <a:cs typeface="Times New Roman"/>
-              </a:rPr>
-              <a:t>odio</a:t>
-            </a:r>
-            <a:r>
-              <a:rPr lang="en-US" sz="1350" dirty="0" smtClean="0">
-                <a:effectLst/>
-                <a:latin typeface="+mn-lt"/>
-                <a:ea typeface="ＭＳ 明朝"/>
-                <a:cs typeface="Times New Roman"/>
-              </a:rPr>
-              <a:t> </a:t>
-            </a:r>
-            <a:r>
-              <a:rPr lang="en-US" sz="1350" dirty="0" err="1" smtClean="0">
-                <a:effectLst/>
-                <a:latin typeface="+mn-lt"/>
-                <a:ea typeface="ＭＳ 明朝"/>
-                <a:cs typeface="Times New Roman"/>
-              </a:rPr>
-              <a:t>dignissim</a:t>
-            </a:r>
-            <a:r>
-              <a:rPr lang="en-US" sz="1350" dirty="0" smtClean="0">
-                <a:effectLst/>
-                <a:latin typeface="+mn-lt"/>
-                <a:ea typeface="ＭＳ 明朝"/>
-                <a:cs typeface="Times New Roman"/>
-              </a:rPr>
-              <a:t> qui </a:t>
-            </a:r>
-            <a:r>
-              <a:rPr lang="en-US" sz="1350" dirty="0" err="1" smtClean="0">
-                <a:effectLst/>
-                <a:latin typeface="+mn-lt"/>
-                <a:ea typeface="ＭＳ 明朝"/>
-                <a:cs typeface="Times New Roman"/>
-              </a:rPr>
-              <a:t>blandit</a:t>
-            </a:r>
-            <a:r>
-              <a:rPr lang="en-US" sz="1350" dirty="0" smtClean="0">
-                <a:effectLst/>
-                <a:latin typeface="+mn-lt"/>
-                <a:ea typeface="ＭＳ 明朝"/>
-                <a:cs typeface="Times New Roman"/>
-              </a:rPr>
-              <a:t> </a:t>
-            </a:r>
-            <a:r>
-              <a:rPr lang="en-US" sz="1350" dirty="0" err="1" smtClean="0">
-                <a:effectLst/>
-                <a:latin typeface="+mn-lt"/>
-                <a:ea typeface="ＭＳ 明朝"/>
-                <a:cs typeface="Times New Roman"/>
-              </a:rPr>
-              <a:t>praesent</a:t>
-            </a:r>
-            <a:r>
-              <a:rPr lang="en-US" sz="1350" dirty="0" smtClean="0">
-                <a:effectLst/>
-                <a:latin typeface="+mn-lt"/>
-                <a:ea typeface="ＭＳ 明朝"/>
-                <a:cs typeface="Times New Roman"/>
-              </a:rPr>
-              <a:t> </a:t>
-            </a:r>
-            <a:r>
-              <a:rPr lang="en-US" sz="1350" dirty="0" err="1" smtClean="0">
-                <a:effectLst/>
-                <a:latin typeface="+mn-lt"/>
-                <a:ea typeface="ＭＳ 明朝"/>
-                <a:cs typeface="Times New Roman"/>
-              </a:rPr>
-              <a:t>luptatum</a:t>
-            </a:r>
-            <a:r>
-              <a:rPr lang="en-US" sz="1350" dirty="0" smtClean="0">
-                <a:effectLst/>
-                <a:latin typeface="+mn-lt"/>
-                <a:ea typeface="ＭＳ 明朝"/>
-                <a:cs typeface="Times New Roman"/>
-              </a:rPr>
-              <a:t> </a:t>
-            </a:r>
-            <a:r>
-              <a:rPr lang="en-US" sz="1350" dirty="0" err="1" smtClean="0">
-                <a:effectLst/>
-                <a:latin typeface="+mn-lt"/>
-                <a:ea typeface="ＭＳ 明朝"/>
-                <a:cs typeface="Times New Roman"/>
-              </a:rPr>
-              <a:t>zzril</a:t>
-            </a:r>
-            <a:r>
-              <a:rPr lang="en-US" sz="1350" dirty="0" smtClean="0">
-                <a:effectLst/>
-                <a:latin typeface="+mn-lt"/>
-                <a:ea typeface="ＭＳ 明朝"/>
-                <a:cs typeface="Times New Roman"/>
-              </a:rPr>
-              <a:t> </a:t>
-            </a:r>
-            <a:r>
-              <a:rPr lang="en-US" sz="1350" dirty="0" err="1" smtClean="0">
-                <a:effectLst/>
-                <a:latin typeface="+mn-lt"/>
-                <a:ea typeface="ＭＳ 明朝"/>
-                <a:cs typeface="Times New Roman"/>
-              </a:rPr>
-              <a:t>delenit</a:t>
-            </a:r>
-            <a:r>
-              <a:rPr lang="en-US" sz="1350" dirty="0" smtClean="0">
-                <a:effectLst/>
-                <a:latin typeface="+mn-lt"/>
-                <a:ea typeface="ＭＳ 明朝"/>
-                <a:cs typeface="Times New Roman"/>
-              </a:rPr>
-              <a:t> </a:t>
-            </a:r>
-            <a:r>
-              <a:rPr lang="en-US" sz="1350" dirty="0" err="1" smtClean="0">
-                <a:effectLst/>
-                <a:latin typeface="+mn-lt"/>
-                <a:ea typeface="ＭＳ 明朝"/>
-                <a:cs typeface="Times New Roman"/>
-              </a:rPr>
-              <a:t>augue</a:t>
-            </a:r>
-            <a:r>
-              <a:rPr lang="en-US" sz="1350" dirty="0" smtClean="0">
-                <a:effectLst/>
-                <a:latin typeface="+mn-lt"/>
-                <a:ea typeface="ＭＳ 明朝"/>
-                <a:cs typeface="Times New Roman"/>
-              </a:rPr>
-              <a:t> </a:t>
-            </a:r>
-            <a:r>
-              <a:rPr lang="en-US" sz="1350" dirty="0" err="1" smtClean="0">
-                <a:effectLst/>
-                <a:latin typeface="+mn-lt"/>
-                <a:ea typeface="ＭＳ 明朝"/>
-                <a:cs typeface="Times New Roman"/>
-              </a:rPr>
-              <a:t>duis</a:t>
-            </a:r>
-            <a:r>
-              <a:rPr lang="en-US" sz="1350" dirty="0" smtClean="0">
-                <a:effectLst/>
-                <a:latin typeface="+mn-lt"/>
-                <a:ea typeface="ＭＳ 明朝"/>
-                <a:cs typeface="Times New Roman"/>
-              </a:rPr>
-              <a:t> </a:t>
-            </a:r>
-            <a:r>
-              <a:rPr lang="en-US" sz="1350" dirty="0" err="1" smtClean="0">
-                <a:effectLst/>
-                <a:latin typeface="+mn-lt"/>
-                <a:ea typeface="ＭＳ 明朝"/>
-                <a:cs typeface="Times New Roman"/>
-              </a:rPr>
-              <a:t>dolore</a:t>
-            </a:r>
-            <a:r>
-              <a:rPr lang="en-US" sz="1350" dirty="0" smtClean="0">
-                <a:effectLst/>
-                <a:latin typeface="+mn-lt"/>
-                <a:ea typeface="ＭＳ 明朝"/>
-                <a:cs typeface="Times New Roman"/>
-              </a:rPr>
-              <a:t> </a:t>
-            </a:r>
-            <a:r>
-              <a:rPr lang="en-US" sz="1350" dirty="0" err="1" smtClean="0">
-                <a:effectLst/>
-                <a:latin typeface="+mn-lt"/>
-                <a:ea typeface="ＭＳ 明朝"/>
-                <a:cs typeface="Times New Roman"/>
-              </a:rPr>
-              <a:t>te</a:t>
-            </a:r>
-            <a:r>
-              <a:rPr lang="en-US" sz="1350" dirty="0" smtClean="0">
-                <a:effectLst/>
-                <a:latin typeface="+mn-lt"/>
-                <a:ea typeface="ＭＳ 明朝"/>
-                <a:cs typeface="Times New Roman"/>
-              </a:rPr>
-              <a:t> </a:t>
-            </a:r>
-            <a:r>
-              <a:rPr lang="en-US" sz="1350" dirty="0" err="1" smtClean="0">
-                <a:effectLst/>
-                <a:latin typeface="+mn-lt"/>
-                <a:ea typeface="ＭＳ 明朝"/>
-                <a:cs typeface="Times New Roman"/>
-              </a:rPr>
-              <a:t>feugait</a:t>
-            </a:r>
-            <a:r>
-              <a:rPr lang="en-US" sz="1350" dirty="0" smtClean="0">
-                <a:effectLst/>
-                <a:latin typeface="+mn-lt"/>
-                <a:ea typeface="ＭＳ 明朝"/>
-                <a:cs typeface="Times New Roman"/>
-              </a:rPr>
-              <a:t> </a:t>
-            </a:r>
-            <a:r>
-              <a:rPr lang="en-US" sz="1350" dirty="0" err="1" smtClean="0">
-                <a:effectLst/>
-                <a:latin typeface="+mn-lt"/>
-                <a:ea typeface="ＭＳ 明朝"/>
-                <a:cs typeface="Times New Roman"/>
-              </a:rPr>
-              <a:t>nulla</a:t>
-            </a:r>
-            <a:r>
-              <a:rPr lang="en-US" sz="1350" dirty="0" smtClean="0">
-                <a:effectLst/>
-                <a:latin typeface="+mn-lt"/>
-                <a:ea typeface="ＭＳ 明朝"/>
-                <a:cs typeface="Times New Roman"/>
-              </a:rPr>
-              <a:t> </a:t>
-            </a:r>
-            <a:r>
-              <a:rPr lang="en-US" sz="1350" dirty="0" err="1" smtClean="0">
-                <a:effectLst/>
-                <a:latin typeface="+mn-lt"/>
-                <a:ea typeface="ＭＳ 明朝"/>
-                <a:cs typeface="Times New Roman"/>
-              </a:rPr>
-              <a:t>facilisi</a:t>
-            </a:r>
-            <a:r>
-              <a:rPr lang="en-US" sz="1350" dirty="0" smtClean="0">
-                <a:effectLst/>
-                <a:latin typeface="+mn-lt"/>
-                <a:ea typeface="ＭＳ 明朝"/>
-                <a:cs typeface="Times New Roman"/>
-              </a:rPr>
-              <a:t>. </a:t>
-            </a:r>
-          </a:p>
-          <a:p>
-            <a:r>
-              <a:rPr lang="en-US" sz="1350" dirty="0" smtClean="0">
-                <a:effectLst/>
-                <a:latin typeface="+mn-lt"/>
-                <a:ea typeface="ＭＳ 明朝"/>
-                <a:cs typeface="Times New Roman"/>
-              </a:rPr>
-              <a:t>Nam liber </a:t>
-            </a:r>
-            <a:r>
-              <a:rPr lang="en-US" sz="1350" dirty="0" err="1" smtClean="0">
-                <a:effectLst/>
-                <a:latin typeface="+mn-lt"/>
-                <a:ea typeface="ＭＳ 明朝"/>
-                <a:cs typeface="Times New Roman"/>
-              </a:rPr>
-              <a:t>tempor</a:t>
-            </a:r>
-            <a:r>
-              <a:rPr lang="en-US" sz="1350" dirty="0" smtClean="0">
-                <a:effectLst/>
-                <a:latin typeface="+mn-lt"/>
-                <a:ea typeface="ＭＳ 明朝"/>
-                <a:cs typeface="Times New Roman"/>
-              </a:rPr>
-              <a:t> cum </a:t>
-            </a:r>
-            <a:r>
-              <a:rPr lang="en-US" sz="1350" dirty="0" err="1" smtClean="0">
-                <a:effectLst/>
-                <a:latin typeface="+mn-lt"/>
-                <a:ea typeface="ＭＳ 明朝"/>
-                <a:cs typeface="Times New Roman"/>
-              </a:rPr>
-              <a:t>soluta</a:t>
-            </a:r>
-            <a:r>
-              <a:rPr lang="en-US" sz="1350" dirty="0" smtClean="0">
-                <a:effectLst/>
-                <a:latin typeface="+mn-lt"/>
-                <a:ea typeface="ＭＳ 明朝"/>
-                <a:cs typeface="Times New Roman"/>
-              </a:rPr>
-              <a:t> </a:t>
-            </a:r>
-            <a:r>
-              <a:rPr lang="en-US" sz="1350" dirty="0" err="1" smtClean="0">
-                <a:effectLst/>
-                <a:latin typeface="+mn-lt"/>
-                <a:ea typeface="ＭＳ 明朝"/>
-                <a:cs typeface="Times New Roman"/>
-              </a:rPr>
-              <a:t>nobis</a:t>
-            </a:r>
-            <a:r>
-              <a:rPr lang="en-US" sz="1350" dirty="0" smtClean="0">
-                <a:effectLst/>
-                <a:latin typeface="+mn-lt"/>
-                <a:ea typeface="ＭＳ 明朝"/>
-                <a:cs typeface="Times New Roman"/>
-              </a:rPr>
-              <a:t> </a:t>
-            </a:r>
-            <a:r>
-              <a:rPr lang="en-US" sz="1350" dirty="0" err="1" smtClean="0">
-                <a:effectLst/>
-                <a:latin typeface="+mn-lt"/>
-                <a:ea typeface="ＭＳ 明朝"/>
-                <a:cs typeface="Times New Roman"/>
-              </a:rPr>
-              <a:t>eleifend</a:t>
-            </a:r>
-            <a:r>
-              <a:rPr lang="en-US" sz="1350" dirty="0" smtClean="0">
-                <a:effectLst/>
-                <a:latin typeface="+mn-lt"/>
-                <a:ea typeface="ＭＳ 明朝"/>
-                <a:cs typeface="Times New Roman"/>
-              </a:rPr>
-              <a:t> option </a:t>
-            </a:r>
-            <a:r>
-              <a:rPr lang="en-US" sz="1350" dirty="0" err="1" smtClean="0">
-                <a:effectLst/>
-                <a:latin typeface="+mn-lt"/>
-                <a:ea typeface="ＭＳ 明朝"/>
-                <a:cs typeface="Times New Roman"/>
-              </a:rPr>
-              <a:t>congue</a:t>
-            </a:r>
-            <a:r>
-              <a:rPr lang="en-US" sz="1350" dirty="0" smtClean="0">
-                <a:effectLst/>
-                <a:latin typeface="+mn-lt"/>
-                <a:ea typeface="ＭＳ 明朝"/>
-                <a:cs typeface="Times New Roman"/>
-              </a:rPr>
-              <a:t> </a:t>
-            </a:r>
-            <a:r>
-              <a:rPr lang="en-US" sz="1350" dirty="0" err="1" smtClean="0">
-                <a:effectLst/>
-                <a:latin typeface="+mn-lt"/>
-                <a:ea typeface="ＭＳ 明朝"/>
-                <a:cs typeface="Times New Roman"/>
-              </a:rPr>
-              <a:t>nihil</a:t>
-            </a:r>
-            <a:r>
-              <a:rPr lang="en-US" sz="1350" dirty="0" smtClean="0">
-                <a:effectLst/>
-                <a:latin typeface="+mn-lt"/>
-                <a:ea typeface="ＭＳ 明朝"/>
-                <a:cs typeface="Times New Roman"/>
-              </a:rPr>
-              <a:t> </a:t>
-            </a:r>
-            <a:r>
-              <a:rPr lang="en-US" sz="1350" dirty="0" err="1" smtClean="0">
-                <a:effectLst/>
-                <a:latin typeface="+mn-lt"/>
-                <a:ea typeface="ＭＳ 明朝"/>
-                <a:cs typeface="Times New Roman"/>
-              </a:rPr>
-              <a:t>imperdiet</a:t>
-            </a:r>
-            <a:r>
-              <a:rPr lang="en-US" sz="1350" dirty="0" smtClean="0">
-                <a:effectLst/>
-                <a:latin typeface="+mn-lt"/>
-                <a:ea typeface="ＭＳ 明朝"/>
-                <a:cs typeface="Times New Roman"/>
-              </a:rPr>
-              <a:t> doming id quod </a:t>
-            </a:r>
-            <a:r>
-              <a:rPr lang="en-US" sz="1350" dirty="0" err="1" smtClean="0">
-                <a:effectLst/>
-                <a:latin typeface="+mn-lt"/>
-                <a:ea typeface="ＭＳ 明朝"/>
-                <a:cs typeface="Times New Roman"/>
-              </a:rPr>
-              <a:t>mazim</a:t>
-            </a:r>
-            <a:r>
-              <a:rPr lang="en-US" sz="1350" dirty="0" smtClean="0">
-                <a:effectLst/>
-                <a:latin typeface="+mn-lt"/>
-                <a:ea typeface="ＭＳ 明朝"/>
-                <a:cs typeface="Times New Roman"/>
-              </a:rPr>
-              <a:t> </a:t>
-            </a:r>
-            <a:r>
-              <a:rPr lang="en-US" sz="1350" dirty="0" err="1" smtClean="0">
-                <a:effectLst/>
-                <a:latin typeface="+mn-lt"/>
-                <a:ea typeface="ＭＳ 明朝"/>
-                <a:cs typeface="Times New Roman"/>
-              </a:rPr>
-              <a:t>placerat</a:t>
-            </a:r>
-            <a:r>
-              <a:rPr lang="en-US" sz="1350" dirty="0" smtClean="0">
-                <a:effectLst/>
-                <a:latin typeface="+mn-lt"/>
-                <a:ea typeface="ＭＳ 明朝"/>
-                <a:cs typeface="Times New Roman"/>
-              </a:rPr>
-              <a:t> facer </a:t>
-            </a:r>
-            <a:r>
-              <a:rPr lang="en-US" sz="1350" dirty="0" err="1" smtClean="0">
-                <a:effectLst/>
-                <a:latin typeface="+mn-lt"/>
-                <a:ea typeface="ＭＳ 明朝"/>
-                <a:cs typeface="Times New Roman"/>
-              </a:rPr>
-              <a:t>possim</a:t>
-            </a:r>
-            <a:r>
-              <a:rPr lang="en-US" sz="1350" dirty="0" smtClean="0">
-                <a:effectLst/>
-                <a:latin typeface="+mn-lt"/>
-                <a:ea typeface="ＭＳ 明朝"/>
-                <a:cs typeface="Times New Roman"/>
-              </a:rPr>
-              <a:t> </a:t>
-            </a:r>
-            <a:r>
-              <a:rPr lang="en-US" sz="1350" dirty="0" err="1" smtClean="0">
-                <a:effectLst/>
-                <a:latin typeface="+mn-lt"/>
-                <a:ea typeface="ＭＳ 明朝"/>
-                <a:cs typeface="Times New Roman"/>
-              </a:rPr>
-              <a:t>assum</a:t>
-            </a:r>
-            <a:r>
-              <a:rPr lang="en-US" sz="1350" dirty="0" smtClean="0">
-                <a:effectLst/>
-                <a:latin typeface="+mn-lt"/>
-                <a:ea typeface="ＭＳ 明朝"/>
-                <a:cs typeface="Times New Roman"/>
-              </a:rPr>
-              <a:t>. </a:t>
-            </a:r>
-          </a:p>
-          <a:p>
-            <a:r>
-              <a:rPr lang="en-US" sz="1350" dirty="0" err="1" smtClean="0">
-                <a:effectLst/>
-                <a:latin typeface="+mn-lt"/>
-                <a:ea typeface="ＭＳ 明朝"/>
-                <a:cs typeface="Times New Roman"/>
-              </a:rPr>
-              <a:t>Typi</a:t>
-            </a:r>
-            <a:r>
-              <a:rPr lang="en-US" sz="1350" dirty="0" smtClean="0">
-                <a:effectLst/>
-                <a:latin typeface="+mn-lt"/>
-                <a:ea typeface="ＭＳ 明朝"/>
-                <a:cs typeface="Times New Roman"/>
-              </a:rPr>
-              <a:t> non </a:t>
-            </a:r>
-            <a:r>
-              <a:rPr lang="en-US" sz="1350" dirty="0" err="1" smtClean="0">
-                <a:effectLst/>
-                <a:latin typeface="+mn-lt"/>
-                <a:ea typeface="ＭＳ 明朝"/>
-                <a:cs typeface="Times New Roman"/>
-              </a:rPr>
-              <a:t>habent</a:t>
-            </a:r>
-            <a:r>
-              <a:rPr lang="en-US" sz="1350" dirty="0" smtClean="0">
-                <a:effectLst/>
-                <a:latin typeface="+mn-lt"/>
-                <a:ea typeface="ＭＳ 明朝"/>
-                <a:cs typeface="Times New Roman"/>
-              </a:rPr>
-              <a:t> </a:t>
-            </a:r>
-            <a:r>
-              <a:rPr lang="en-US" sz="1350" dirty="0" err="1" smtClean="0">
-                <a:effectLst/>
-                <a:latin typeface="+mn-lt"/>
-                <a:ea typeface="ＭＳ 明朝"/>
-                <a:cs typeface="Times New Roman"/>
-              </a:rPr>
-              <a:t>claritatem</a:t>
-            </a:r>
-            <a:r>
-              <a:rPr lang="en-US" sz="1350" dirty="0" smtClean="0">
-                <a:effectLst/>
-                <a:latin typeface="+mn-lt"/>
-                <a:ea typeface="ＭＳ 明朝"/>
-                <a:cs typeface="Times New Roman"/>
-              </a:rPr>
-              <a:t> </a:t>
-            </a:r>
-            <a:r>
-              <a:rPr lang="en-US" sz="1350" dirty="0" err="1" smtClean="0">
-                <a:effectLst/>
-                <a:latin typeface="+mn-lt"/>
-                <a:ea typeface="ＭＳ 明朝"/>
-                <a:cs typeface="Times New Roman"/>
-              </a:rPr>
-              <a:t>insitam</a:t>
-            </a:r>
-            <a:r>
-              <a:rPr lang="en-US" sz="1350" dirty="0" smtClean="0">
-                <a:effectLst/>
-                <a:latin typeface="+mn-lt"/>
-                <a:ea typeface="ＭＳ 明朝"/>
-                <a:cs typeface="Times New Roman"/>
-              </a:rPr>
-              <a:t>; </a:t>
-            </a:r>
-            <a:r>
-              <a:rPr lang="en-US" sz="1350" dirty="0" err="1" smtClean="0">
-                <a:effectLst/>
-                <a:latin typeface="+mn-lt"/>
-                <a:ea typeface="ＭＳ 明朝"/>
-                <a:cs typeface="Times New Roman"/>
-              </a:rPr>
-              <a:t>est</a:t>
-            </a:r>
-            <a:r>
-              <a:rPr lang="en-US" sz="1350" dirty="0" smtClean="0">
-                <a:effectLst/>
-                <a:latin typeface="+mn-lt"/>
-                <a:ea typeface="ＭＳ 明朝"/>
-                <a:cs typeface="Times New Roman"/>
-              </a:rPr>
-              <a:t> </a:t>
-            </a:r>
-            <a:r>
-              <a:rPr lang="en-US" sz="1350" dirty="0" err="1" smtClean="0">
-                <a:effectLst/>
-                <a:latin typeface="+mn-lt"/>
-                <a:ea typeface="ＭＳ 明朝"/>
-                <a:cs typeface="Times New Roman"/>
-              </a:rPr>
-              <a:t>usus</a:t>
-            </a:r>
-            <a:r>
-              <a:rPr lang="en-US" sz="1350" dirty="0" smtClean="0">
-                <a:effectLst/>
-                <a:latin typeface="+mn-lt"/>
-                <a:ea typeface="ＭＳ 明朝"/>
-                <a:cs typeface="Times New Roman"/>
-              </a:rPr>
-              <a:t> </a:t>
-            </a:r>
-            <a:r>
-              <a:rPr lang="en-US" sz="1350" dirty="0" err="1" smtClean="0">
-                <a:effectLst/>
-                <a:latin typeface="+mn-lt"/>
-                <a:ea typeface="ＭＳ 明朝"/>
-                <a:cs typeface="Times New Roman"/>
-              </a:rPr>
-              <a:t>legentis</a:t>
-            </a:r>
-            <a:r>
-              <a:rPr lang="en-US" sz="1350" dirty="0" smtClean="0">
-                <a:effectLst/>
-                <a:latin typeface="+mn-lt"/>
-                <a:ea typeface="ＭＳ 明朝"/>
-                <a:cs typeface="Times New Roman"/>
-              </a:rPr>
-              <a:t> in </a:t>
-            </a:r>
-            <a:r>
-              <a:rPr lang="en-US" sz="1350" dirty="0" err="1" smtClean="0">
-                <a:effectLst/>
-                <a:latin typeface="+mn-lt"/>
-                <a:ea typeface="ＭＳ 明朝"/>
-                <a:cs typeface="Times New Roman"/>
-              </a:rPr>
-              <a:t>iis</a:t>
-            </a:r>
-            <a:r>
-              <a:rPr lang="en-US" sz="1350" dirty="0" smtClean="0">
-                <a:effectLst/>
-                <a:latin typeface="+mn-lt"/>
-                <a:ea typeface="ＭＳ 明朝"/>
-                <a:cs typeface="Times New Roman"/>
-              </a:rPr>
-              <a:t> qui </a:t>
-            </a:r>
-            <a:r>
-              <a:rPr lang="en-US" sz="1350" dirty="0" err="1" smtClean="0">
-                <a:effectLst/>
-                <a:latin typeface="+mn-lt"/>
-                <a:ea typeface="ＭＳ 明朝"/>
-                <a:cs typeface="Times New Roman"/>
-              </a:rPr>
-              <a:t>facit</a:t>
-            </a:r>
-            <a:r>
-              <a:rPr lang="en-US" sz="1350" dirty="0" smtClean="0">
-                <a:effectLst/>
-                <a:latin typeface="+mn-lt"/>
-                <a:ea typeface="ＭＳ 明朝"/>
-                <a:cs typeface="Times New Roman"/>
-              </a:rPr>
-              <a:t> </a:t>
-            </a:r>
-            <a:r>
-              <a:rPr lang="en-US" sz="1350" dirty="0" err="1" smtClean="0">
-                <a:effectLst/>
-                <a:latin typeface="+mn-lt"/>
-                <a:ea typeface="ＭＳ 明朝"/>
-                <a:cs typeface="Times New Roman"/>
-              </a:rPr>
-              <a:t>eorum</a:t>
-            </a:r>
-            <a:r>
-              <a:rPr lang="en-US" sz="1350" dirty="0" smtClean="0">
-                <a:effectLst/>
-                <a:latin typeface="+mn-lt"/>
-                <a:ea typeface="ＭＳ 明朝"/>
-                <a:cs typeface="Times New Roman"/>
-              </a:rPr>
-              <a:t> </a:t>
-            </a:r>
-            <a:r>
-              <a:rPr lang="en-US" sz="1350" dirty="0" err="1" smtClean="0">
-                <a:effectLst/>
-                <a:latin typeface="+mn-lt"/>
-                <a:ea typeface="ＭＳ 明朝"/>
-                <a:cs typeface="Times New Roman"/>
-              </a:rPr>
-              <a:t>claritatem</a:t>
-            </a:r>
-            <a:r>
-              <a:rPr lang="en-US" sz="1350" dirty="0" smtClean="0">
-                <a:effectLst/>
-                <a:latin typeface="+mn-lt"/>
-                <a:ea typeface="ＭＳ 明朝"/>
-                <a:cs typeface="Times New Roman"/>
-              </a:rPr>
-              <a:t>. </a:t>
-            </a:r>
-            <a:r>
-              <a:rPr lang="en-US" sz="1350" dirty="0" err="1" smtClean="0">
-                <a:effectLst/>
-                <a:latin typeface="+mn-lt"/>
-                <a:ea typeface="ＭＳ 明朝"/>
-                <a:cs typeface="Times New Roman"/>
-              </a:rPr>
-              <a:t>Investigationes</a:t>
-            </a:r>
-            <a:r>
-              <a:rPr lang="en-US" sz="1350" dirty="0" smtClean="0">
-                <a:effectLst/>
-                <a:latin typeface="+mn-lt"/>
-                <a:ea typeface="ＭＳ 明朝"/>
-                <a:cs typeface="Times New Roman"/>
-              </a:rPr>
-              <a:t> </a:t>
-            </a:r>
-            <a:r>
-              <a:rPr lang="en-US" sz="1350" dirty="0" err="1" smtClean="0">
-                <a:effectLst/>
-                <a:latin typeface="+mn-lt"/>
-                <a:ea typeface="ＭＳ 明朝"/>
-                <a:cs typeface="Times New Roman"/>
-              </a:rPr>
-              <a:t>demonstraverunt</a:t>
-            </a:r>
-            <a:r>
-              <a:rPr lang="en-US" sz="1350" dirty="0" smtClean="0">
-                <a:effectLst/>
-                <a:latin typeface="+mn-lt"/>
-                <a:ea typeface="ＭＳ 明朝"/>
-                <a:cs typeface="Times New Roman"/>
-              </a:rPr>
-              <a:t> </a:t>
-            </a:r>
-            <a:r>
-              <a:rPr lang="en-US" sz="1350" dirty="0" err="1" smtClean="0">
-                <a:effectLst/>
-                <a:latin typeface="+mn-lt"/>
-                <a:ea typeface="ＭＳ 明朝"/>
-                <a:cs typeface="Times New Roman"/>
-              </a:rPr>
-              <a:t>lectores</a:t>
-            </a:r>
-            <a:r>
-              <a:rPr lang="en-US" sz="1350" dirty="0" smtClean="0">
-                <a:effectLst/>
-                <a:latin typeface="+mn-lt"/>
-                <a:ea typeface="ＭＳ 明朝"/>
-                <a:cs typeface="Times New Roman"/>
-              </a:rPr>
-              <a:t> </a:t>
-            </a:r>
-            <a:r>
-              <a:rPr lang="en-US" sz="1350" dirty="0" err="1" smtClean="0">
-                <a:effectLst/>
-                <a:latin typeface="+mn-lt"/>
-                <a:ea typeface="ＭＳ 明朝"/>
-                <a:cs typeface="Times New Roman"/>
-              </a:rPr>
-              <a:t>legere</a:t>
-            </a:r>
-            <a:r>
-              <a:rPr lang="en-US" sz="1350" dirty="0" smtClean="0">
-                <a:effectLst/>
-                <a:latin typeface="+mn-lt"/>
-                <a:ea typeface="ＭＳ 明朝"/>
-                <a:cs typeface="Times New Roman"/>
-              </a:rPr>
-              <a:t> me </a:t>
-            </a:r>
-            <a:r>
-              <a:rPr lang="en-US" sz="1350" dirty="0" err="1" smtClean="0">
-                <a:effectLst/>
-                <a:latin typeface="+mn-lt"/>
-                <a:ea typeface="ＭＳ 明朝"/>
-                <a:cs typeface="Times New Roman"/>
-              </a:rPr>
-              <a:t>lius</a:t>
-            </a:r>
-            <a:r>
-              <a:rPr lang="en-US" sz="1350" dirty="0" smtClean="0">
-                <a:effectLst/>
-                <a:latin typeface="+mn-lt"/>
-                <a:ea typeface="ＭＳ 明朝"/>
-                <a:cs typeface="Times New Roman"/>
-              </a:rPr>
-              <a:t> quod ii </a:t>
-            </a:r>
-            <a:r>
-              <a:rPr lang="en-US" sz="1350" dirty="0" err="1" smtClean="0">
-                <a:effectLst/>
-                <a:latin typeface="+mn-lt"/>
-                <a:ea typeface="ＭＳ 明朝"/>
-                <a:cs typeface="Times New Roman"/>
-              </a:rPr>
-              <a:t>legunt</a:t>
-            </a:r>
-            <a:r>
-              <a:rPr lang="en-US" sz="1350" dirty="0" smtClean="0">
-                <a:effectLst/>
-                <a:latin typeface="+mn-lt"/>
-                <a:ea typeface="ＭＳ 明朝"/>
-                <a:cs typeface="Times New Roman"/>
-              </a:rPr>
-              <a:t> </a:t>
-            </a:r>
-            <a:r>
-              <a:rPr lang="en-US" sz="1350" dirty="0" err="1" smtClean="0">
-                <a:effectLst/>
-                <a:latin typeface="+mn-lt"/>
-                <a:ea typeface="ＭＳ 明朝"/>
-                <a:cs typeface="Times New Roman"/>
-              </a:rPr>
-              <a:t>saepius</a:t>
-            </a:r>
-            <a:r>
-              <a:rPr lang="en-US" sz="1350" dirty="0" smtClean="0">
-                <a:effectLst/>
-                <a:latin typeface="+mn-lt"/>
-                <a:ea typeface="ＭＳ 明朝"/>
-                <a:cs typeface="Times New Roman"/>
-              </a:rPr>
-              <a:t>. </a:t>
-            </a:r>
-            <a:r>
-              <a:rPr lang="en-US" sz="1350" dirty="0" err="1" smtClean="0">
-                <a:effectLst/>
-                <a:latin typeface="+mn-lt"/>
-                <a:ea typeface="ＭＳ 明朝"/>
-                <a:cs typeface="Times New Roman"/>
-              </a:rPr>
-              <a:t>Claritas</a:t>
-            </a:r>
-            <a:r>
-              <a:rPr lang="en-US" sz="1350" dirty="0" smtClean="0">
-                <a:effectLst/>
-                <a:latin typeface="+mn-lt"/>
-                <a:ea typeface="ＭＳ 明朝"/>
-                <a:cs typeface="Times New Roman"/>
-              </a:rPr>
-              <a:t> </a:t>
-            </a:r>
-            <a:r>
-              <a:rPr lang="en-US" sz="1350" dirty="0" err="1" smtClean="0">
-                <a:effectLst/>
-                <a:latin typeface="+mn-lt"/>
-                <a:ea typeface="ＭＳ 明朝"/>
-                <a:cs typeface="Times New Roman"/>
-              </a:rPr>
-              <a:t>est</a:t>
-            </a:r>
-            <a:r>
-              <a:rPr lang="en-US" sz="1350" dirty="0" smtClean="0">
-                <a:effectLst/>
-                <a:latin typeface="+mn-lt"/>
-                <a:ea typeface="ＭＳ 明朝"/>
-                <a:cs typeface="Times New Roman"/>
-              </a:rPr>
-              <a:t> </a:t>
-            </a:r>
-            <a:r>
-              <a:rPr lang="en-US" sz="1350" dirty="0" err="1" smtClean="0">
-                <a:effectLst/>
-                <a:latin typeface="+mn-lt"/>
-                <a:ea typeface="ＭＳ 明朝"/>
-                <a:cs typeface="Times New Roman"/>
-              </a:rPr>
-              <a:t>etiam</a:t>
-            </a:r>
-            <a:r>
-              <a:rPr lang="en-US" sz="1350" dirty="0" smtClean="0">
-                <a:effectLst/>
-                <a:latin typeface="+mn-lt"/>
-                <a:ea typeface="ＭＳ 明朝"/>
-                <a:cs typeface="Times New Roman"/>
-              </a:rPr>
-              <a:t> </a:t>
-            </a:r>
-            <a:r>
-              <a:rPr lang="en-US" sz="1350" dirty="0" err="1" smtClean="0">
-                <a:effectLst/>
-                <a:latin typeface="+mn-lt"/>
-                <a:ea typeface="ＭＳ 明朝"/>
-                <a:cs typeface="Times New Roman"/>
-              </a:rPr>
-              <a:t>processus</a:t>
-            </a:r>
-            <a:r>
-              <a:rPr lang="en-US" sz="1350" dirty="0" smtClean="0">
-                <a:effectLst/>
-                <a:latin typeface="+mn-lt"/>
-                <a:ea typeface="ＭＳ 明朝"/>
-                <a:cs typeface="Times New Roman"/>
-              </a:rPr>
-              <a:t> </a:t>
-            </a:r>
-            <a:r>
-              <a:rPr lang="en-US" sz="1350" dirty="0" err="1" smtClean="0">
-                <a:effectLst/>
-                <a:latin typeface="+mn-lt"/>
-                <a:ea typeface="ＭＳ 明朝"/>
-                <a:cs typeface="Times New Roman"/>
-              </a:rPr>
-              <a:t>dynamicus</a:t>
-            </a:r>
-            <a:r>
-              <a:rPr lang="en-US" sz="1350" dirty="0" smtClean="0">
-                <a:effectLst/>
-                <a:latin typeface="+mn-lt"/>
-                <a:ea typeface="ＭＳ 明朝"/>
-                <a:cs typeface="Times New Roman"/>
-              </a:rPr>
-              <a:t>, qui sequitur </a:t>
-            </a:r>
-            <a:r>
-              <a:rPr lang="en-US" sz="1350" dirty="0" err="1" smtClean="0">
-                <a:effectLst/>
-                <a:latin typeface="+mn-lt"/>
-                <a:ea typeface="ＭＳ 明朝"/>
-                <a:cs typeface="Times New Roman"/>
-              </a:rPr>
-              <a:t>mutationem</a:t>
-            </a:r>
-            <a:r>
-              <a:rPr lang="en-US" sz="1350" dirty="0" smtClean="0">
-                <a:effectLst/>
-                <a:latin typeface="+mn-lt"/>
-                <a:ea typeface="ＭＳ 明朝"/>
-                <a:cs typeface="Times New Roman"/>
-              </a:rPr>
-              <a:t> </a:t>
-            </a:r>
-            <a:r>
-              <a:rPr lang="en-US" sz="1350" dirty="0" err="1" smtClean="0">
-                <a:effectLst/>
-                <a:latin typeface="+mn-lt"/>
-                <a:ea typeface="ＭＳ 明朝"/>
-                <a:cs typeface="Times New Roman"/>
-              </a:rPr>
-              <a:t>consuetudium</a:t>
-            </a:r>
-            <a:r>
-              <a:rPr lang="en-US" sz="1350" dirty="0" smtClean="0">
-                <a:effectLst/>
-                <a:latin typeface="+mn-lt"/>
-                <a:ea typeface="ＭＳ 明朝"/>
-                <a:cs typeface="Times New Roman"/>
-              </a:rPr>
-              <a:t> </a:t>
-            </a:r>
-            <a:r>
-              <a:rPr lang="en-US" sz="1350" dirty="0" err="1" smtClean="0">
-                <a:effectLst/>
-                <a:latin typeface="+mn-lt"/>
-                <a:ea typeface="ＭＳ 明朝"/>
-                <a:cs typeface="Times New Roman"/>
-              </a:rPr>
-              <a:t>lectorum</a:t>
-            </a:r>
-            <a:r>
-              <a:rPr lang="en-US" sz="1350" dirty="0" smtClean="0">
-                <a:effectLst/>
-                <a:latin typeface="+mn-lt"/>
-                <a:ea typeface="ＭＳ 明朝"/>
-                <a:cs typeface="Times New Roman"/>
-              </a:rPr>
-              <a:t>. </a:t>
-            </a:r>
-          </a:p>
-          <a:p>
-            <a:r>
-              <a:rPr lang="en-US" sz="1350" dirty="0" err="1" smtClean="0">
-                <a:effectLst/>
-                <a:latin typeface="+mn-lt"/>
-                <a:ea typeface="ＭＳ 明朝"/>
-                <a:cs typeface="Times New Roman"/>
-              </a:rPr>
-              <a:t>Mirum</a:t>
-            </a:r>
-            <a:r>
-              <a:rPr lang="en-US" sz="1350" dirty="0" smtClean="0">
-                <a:effectLst/>
-                <a:latin typeface="+mn-lt"/>
-                <a:ea typeface="ＭＳ 明朝"/>
-                <a:cs typeface="Times New Roman"/>
-              </a:rPr>
-              <a:t> </a:t>
-            </a:r>
-            <a:r>
-              <a:rPr lang="en-US" sz="1350" dirty="0" err="1" smtClean="0">
-                <a:effectLst/>
-                <a:latin typeface="+mn-lt"/>
-                <a:ea typeface="ＭＳ 明朝"/>
-                <a:cs typeface="Times New Roman"/>
-              </a:rPr>
-              <a:t>est</a:t>
-            </a:r>
-            <a:r>
-              <a:rPr lang="en-US" sz="1350" dirty="0" smtClean="0">
-                <a:effectLst/>
-                <a:latin typeface="+mn-lt"/>
-                <a:ea typeface="ＭＳ 明朝"/>
-                <a:cs typeface="Times New Roman"/>
-              </a:rPr>
-              <a:t> </a:t>
-            </a:r>
-            <a:r>
-              <a:rPr lang="en-US" sz="1350" dirty="0" err="1" smtClean="0">
-                <a:effectLst/>
-                <a:latin typeface="+mn-lt"/>
-                <a:ea typeface="ＭＳ 明朝"/>
-                <a:cs typeface="Times New Roman"/>
-              </a:rPr>
-              <a:t>notare</a:t>
-            </a:r>
-            <a:r>
-              <a:rPr lang="en-US" sz="1350" dirty="0" smtClean="0">
-                <a:effectLst/>
-                <a:latin typeface="+mn-lt"/>
-                <a:ea typeface="ＭＳ 明朝"/>
-                <a:cs typeface="Times New Roman"/>
-              </a:rPr>
-              <a:t> quam </a:t>
-            </a:r>
-            <a:r>
-              <a:rPr lang="en-US" sz="1350" dirty="0" err="1" smtClean="0">
-                <a:effectLst/>
-                <a:latin typeface="+mn-lt"/>
-                <a:ea typeface="ＭＳ 明朝"/>
-                <a:cs typeface="Times New Roman"/>
-              </a:rPr>
-              <a:t>littera</a:t>
-            </a:r>
-            <a:r>
-              <a:rPr lang="en-US" sz="1350" dirty="0" smtClean="0">
-                <a:effectLst/>
-                <a:latin typeface="+mn-lt"/>
-                <a:ea typeface="ＭＳ 明朝"/>
-                <a:cs typeface="Times New Roman"/>
-              </a:rPr>
-              <a:t> </a:t>
-            </a:r>
-            <a:r>
-              <a:rPr lang="en-US" sz="1350" dirty="0" err="1" smtClean="0">
-                <a:effectLst/>
-                <a:latin typeface="+mn-lt"/>
-                <a:ea typeface="ＭＳ 明朝"/>
-                <a:cs typeface="Times New Roman"/>
-              </a:rPr>
-              <a:t>gothica</a:t>
-            </a:r>
-            <a:r>
-              <a:rPr lang="en-US" sz="1350" dirty="0" smtClean="0">
-                <a:effectLst/>
-                <a:latin typeface="+mn-lt"/>
-                <a:ea typeface="ＭＳ 明朝"/>
-                <a:cs typeface="Times New Roman"/>
-              </a:rPr>
-              <a:t>, quam </a:t>
-            </a:r>
-            <a:r>
-              <a:rPr lang="en-US" sz="1350" dirty="0" err="1" smtClean="0">
-                <a:effectLst/>
-                <a:latin typeface="+mn-lt"/>
-                <a:ea typeface="ＭＳ 明朝"/>
-                <a:cs typeface="Times New Roman"/>
-              </a:rPr>
-              <a:t>nunc</a:t>
-            </a:r>
-            <a:r>
-              <a:rPr lang="en-US" sz="1350" dirty="0" smtClean="0">
-                <a:effectLst/>
-                <a:latin typeface="+mn-lt"/>
-                <a:ea typeface="ＭＳ 明朝"/>
-                <a:cs typeface="Times New Roman"/>
-              </a:rPr>
-              <a:t> </a:t>
-            </a:r>
-            <a:r>
-              <a:rPr lang="en-US" sz="1350" dirty="0" err="1" smtClean="0">
-                <a:effectLst/>
-                <a:latin typeface="+mn-lt"/>
-                <a:ea typeface="ＭＳ 明朝"/>
-                <a:cs typeface="Times New Roman"/>
-              </a:rPr>
-              <a:t>putamus</a:t>
-            </a:r>
-            <a:r>
-              <a:rPr lang="en-US" sz="1350" dirty="0" smtClean="0">
-                <a:effectLst/>
-                <a:latin typeface="+mn-lt"/>
-                <a:ea typeface="ＭＳ 明朝"/>
-                <a:cs typeface="Times New Roman"/>
-              </a:rPr>
-              <a:t> </a:t>
-            </a:r>
-            <a:r>
-              <a:rPr lang="en-US" sz="1350" dirty="0" err="1" smtClean="0">
-                <a:effectLst/>
-                <a:latin typeface="+mn-lt"/>
-                <a:ea typeface="ＭＳ 明朝"/>
-                <a:cs typeface="Times New Roman"/>
-              </a:rPr>
-              <a:t>parum</a:t>
-            </a:r>
-            <a:r>
-              <a:rPr lang="en-US" sz="1350" dirty="0" smtClean="0">
-                <a:effectLst/>
-                <a:latin typeface="+mn-lt"/>
-                <a:ea typeface="ＭＳ 明朝"/>
-                <a:cs typeface="Times New Roman"/>
-              </a:rPr>
-              <a:t> </a:t>
-            </a:r>
-            <a:r>
-              <a:rPr lang="en-US" sz="1350" dirty="0" err="1" smtClean="0">
-                <a:effectLst/>
-                <a:latin typeface="+mn-lt"/>
-                <a:ea typeface="ＭＳ 明朝"/>
-                <a:cs typeface="Times New Roman"/>
-              </a:rPr>
-              <a:t>claram</a:t>
-            </a:r>
-            <a:r>
-              <a:rPr lang="en-US" sz="1350" dirty="0" smtClean="0">
-                <a:effectLst/>
-                <a:latin typeface="+mn-lt"/>
-                <a:ea typeface="ＭＳ 明朝"/>
-                <a:cs typeface="Times New Roman"/>
-              </a:rPr>
-              <a:t>, </a:t>
-            </a:r>
-            <a:r>
-              <a:rPr lang="en-US" sz="1350" dirty="0" err="1" smtClean="0">
-                <a:effectLst/>
-                <a:latin typeface="+mn-lt"/>
-                <a:ea typeface="ＭＳ 明朝"/>
-                <a:cs typeface="Times New Roman"/>
-              </a:rPr>
-              <a:t>anteposuerit</a:t>
-            </a:r>
-            <a:r>
-              <a:rPr lang="en-US" sz="1350" dirty="0" smtClean="0">
-                <a:effectLst/>
-                <a:latin typeface="+mn-lt"/>
-                <a:ea typeface="ＭＳ 明朝"/>
-                <a:cs typeface="Times New Roman"/>
-              </a:rPr>
-              <a:t> </a:t>
-            </a:r>
-            <a:r>
-              <a:rPr lang="en-US" sz="1350" dirty="0" err="1" smtClean="0">
-                <a:effectLst/>
-                <a:latin typeface="+mn-lt"/>
-                <a:ea typeface="ＭＳ 明朝"/>
-                <a:cs typeface="Times New Roman"/>
-              </a:rPr>
-              <a:t>litterarum</a:t>
-            </a:r>
-            <a:r>
-              <a:rPr lang="en-US" sz="1350" dirty="0" smtClean="0">
-                <a:effectLst/>
-                <a:latin typeface="+mn-lt"/>
-                <a:ea typeface="ＭＳ 明朝"/>
-                <a:cs typeface="Times New Roman"/>
-              </a:rPr>
-              <a:t> </a:t>
-            </a:r>
-            <a:r>
-              <a:rPr lang="en-US" sz="1350" dirty="0" err="1" smtClean="0">
-                <a:effectLst/>
-                <a:latin typeface="+mn-lt"/>
-                <a:ea typeface="ＭＳ 明朝"/>
-                <a:cs typeface="Times New Roman"/>
-              </a:rPr>
-              <a:t>formas</a:t>
-            </a:r>
-            <a:r>
-              <a:rPr lang="en-US" sz="1350" dirty="0" smtClean="0">
-                <a:effectLst/>
-                <a:latin typeface="+mn-lt"/>
-                <a:ea typeface="ＭＳ 明朝"/>
-                <a:cs typeface="Times New Roman"/>
-              </a:rPr>
-              <a:t> </a:t>
-            </a:r>
-            <a:r>
-              <a:rPr lang="en-US" sz="1350" dirty="0" err="1" smtClean="0">
-                <a:effectLst/>
-                <a:latin typeface="+mn-lt"/>
-                <a:ea typeface="ＭＳ 明朝"/>
-                <a:cs typeface="Times New Roman"/>
-              </a:rPr>
-              <a:t>humanitatis</a:t>
-            </a:r>
-            <a:r>
-              <a:rPr lang="en-US" sz="1350" dirty="0" smtClean="0">
-                <a:effectLst/>
-                <a:latin typeface="+mn-lt"/>
-                <a:ea typeface="ＭＳ 明朝"/>
-                <a:cs typeface="Times New Roman"/>
-              </a:rPr>
-              <a:t> per </a:t>
-            </a:r>
-            <a:r>
-              <a:rPr lang="en-US" sz="1350" dirty="0" err="1" smtClean="0">
-                <a:effectLst/>
-                <a:latin typeface="+mn-lt"/>
-                <a:ea typeface="ＭＳ 明朝"/>
-                <a:cs typeface="Times New Roman"/>
-              </a:rPr>
-              <a:t>seacula</a:t>
-            </a:r>
-            <a:r>
-              <a:rPr lang="en-US" sz="1350" dirty="0" smtClean="0">
-                <a:effectLst/>
-                <a:latin typeface="+mn-lt"/>
-                <a:ea typeface="ＭＳ 明朝"/>
-                <a:cs typeface="Times New Roman"/>
-              </a:rPr>
-              <a:t> </a:t>
-            </a:r>
-            <a:r>
-              <a:rPr lang="en-US" sz="1350" dirty="0" err="1" smtClean="0">
-                <a:effectLst/>
-                <a:latin typeface="+mn-lt"/>
-                <a:ea typeface="ＭＳ 明朝"/>
-                <a:cs typeface="Times New Roman"/>
-              </a:rPr>
-              <a:t>quarta</a:t>
-            </a:r>
-            <a:r>
-              <a:rPr lang="en-US" sz="1350" dirty="0" smtClean="0">
-                <a:effectLst/>
-                <a:latin typeface="+mn-lt"/>
-                <a:ea typeface="ＭＳ 明朝"/>
-                <a:cs typeface="Times New Roman"/>
-              </a:rPr>
-              <a:t> </a:t>
-            </a:r>
-            <a:r>
-              <a:rPr lang="en-US" sz="1350" dirty="0" err="1" smtClean="0">
-                <a:effectLst/>
-                <a:latin typeface="+mn-lt"/>
-                <a:ea typeface="ＭＳ 明朝"/>
-                <a:cs typeface="Times New Roman"/>
-              </a:rPr>
-              <a:t>decima</a:t>
-            </a:r>
-            <a:r>
-              <a:rPr lang="en-US" sz="1350" dirty="0" smtClean="0">
-                <a:effectLst/>
-                <a:latin typeface="+mn-lt"/>
-                <a:ea typeface="ＭＳ 明朝"/>
-                <a:cs typeface="Times New Roman"/>
-              </a:rPr>
-              <a:t> et </a:t>
-            </a:r>
-            <a:r>
-              <a:rPr lang="en-US" sz="1350" dirty="0" err="1" smtClean="0">
-                <a:effectLst/>
-                <a:latin typeface="+mn-lt"/>
-                <a:ea typeface="ＭＳ 明朝"/>
-                <a:cs typeface="Times New Roman"/>
-              </a:rPr>
-              <a:t>quinta</a:t>
-            </a:r>
-            <a:r>
-              <a:rPr lang="en-US" sz="1350" dirty="0" smtClean="0">
-                <a:effectLst/>
-                <a:latin typeface="+mn-lt"/>
-                <a:ea typeface="ＭＳ 明朝"/>
-                <a:cs typeface="Times New Roman"/>
-              </a:rPr>
-              <a:t> </a:t>
-            </a:r>
-            <a:r>
-              <a:rPr lang="en-US" sz="1350" dirty="0" err="1" smtClean="0">
-                <a:effectLst/>
-                <a:latin typeface="+mn-lt"/>
-                <a:ea typeface="ＭＳ 明朝"/>
-                <a:cs typeface="Times New Roman"/>
-              </a:rPr>
-              <a:t>decima</a:t>
-            </a:r>
-            <a:r>
-              <a:rPr lang="en-US" sz="1350" dirty="0" smtClean="0">
-                <a:effectLst/>
-                <a:latin typeface="+mn-lt"/>
-                <a:ea typeface="ＭＳ 明朝"/>
-                <a:cs typeface="Times New Roman"/>
-              </a:rPr>
-              <a:t>. </a:t>
-            </a:r>
-            <a:r>
-              <a:rPr lang="en-US" sz="1350" dirty="0" err="1" smtClean="0">
-                <a:effectLst/>
-                <a:latin typeface="+mn-lt"/>
-                <a:ea typeface="ＭＳ 明朝"/>
-                <a:cs typeface="Times New Roman"/>
-              </a:rPr>
-              <a:t>Eodem</a:t>
-            </a:r>
-            <a:r>
-              <a:rPr lang="en-US" sz="1350" dirty="0" smtClean="0">
-                <a:effectLst/>
-                <a:latin typeface="+mn-lt"/>
-                <a:ea typeface="ＭＳ 明朝"/>
-                <a:cs typeface="Times New Roman"/>
-              </a:rPr>
-              <a:t> </a:t>
-            </a:r>
-            <a:r>
-              <a:rPr lang="en-US" sz="1350" dirty="0" err="1" smtClean="0">
-                <a:effectLst/>
-                <a:latin typeface="+mn-lt"/>
-                <a:ea typeface="ＭＳ 明朝"/>
-                <a:cs typeface="Times New Roman"/>
-              </a:rPr>
-              <a:t>modo</a:t>
-            </a:r>
-            <a:r>
-              <a:rPr lang="en-US" sz="1350" dirty="0" smtClean="0">
-                <a:effectLst/>
-                <a:latin typeface="+mn-lt"/>
-                <a:ea typeface="ＭＳ 明朝"/>
-                <a:cs typeface="Times New Roman"/>
-              </a:rPr>
-              <a:t> </a:t>
-            </a:r>
-            <a:r>
-              <a:rPr lang="en-US" sz="1350" dirty="0" err="1" smtClean="0">
-                <a:effectLst/>
-                <a:latin typeface="+mn-lt"/>
-                <a:ea typeface="ＭＳ 明朝"/>
-                <a:cs typeface="Times New Roman"/>
-              </a:rPr>
-              <a:t>typi</a:t>
-            </a:r>
-            <a:r>
-              <a:rPr lang="en-US" sz="1350" dirty="0" smtClean="0">
-                <a:effectLst/>
-                <a:latin typeface="+mn-lt"/>
-                <a:ea typeface="ＭＳ 明朝"/>
-                <a:cs typeface="Times New Roman"/>
-              </a:rPr>
-              <a:t>, qui </a:t>
-            </a:r>
-            <a:r>
-              <a:rPr lang="en-US" sz="1350" dirty="0" err="1" smtClean="0">
-                <a:effectLst/>
-                <a:latin typeface="+mn-lt"/>
-                <a:ea typeface="ＭＳ 明朝"/>
-                <a:cs typeface="Times New Roman"/>
-              </a:rPr>
-              <a:t>nunc</a:t>
-            </a:r>
-            <a:r>
-              <a:rPr lang="en-US" sz="1350" dirty="0" smtClean="0">
-                <a:effectLst/>
-                <a:latin typeface="+mn-lt"/>
-                <a:ea typeface="ＭＳ 明朝"/>
-                <a:cs typeface="Times New Roman"/>
-              </a:rPr>
-              <a:t> </a:t>
-            </a:r>
-            <a:r>
-              <a:rPr lang="en-US" sz="1350" dirty="0" err="1" smtClean="0">
-                <a:effectLst/>
-                <a:latin typeface="+mn-lt"/>
-                <a:ea typeface="ＭＳ 明朝"/>
-                <a:cs typeface="Times New Roman"/>
-              </a:rPr>
-              <a:t>nobis</a:t>
-            </a:r>
-            <a:r>
-              <a:rPr lang="en-US" sz="1350" dirty="0" smtClean="0">
-                <a:effectLst/>
-                <a:latin typeface="+mn-lt"/>
-                <a:ea typeface="ＭＳ 明朝"/>
-                <a:cs typeface="Times New Roman"/>
-              </a:rPr>
-              <a:t> </a:t>
-            </a:r>
-            <a:r>
-              <a:rPr lang="en-US" sz="1350" dirty="0" err="1" smtClean="0">
-                <a:effectLst/>
-                <a:latin typeface="+mn-lt"/>
-                <a:ea typeface="ＭＳ 明朝"/>
-                <a:cs typeface="Times New Roman"/>
-              </a:rPr>
-              <a:t>videntur</a:t>
-            </a:r>
-            <a:r>
-              <a:rPr lang="en-US" sz="1350" dirty="0" smtClean="0">
-                <a:effectLst/>
-                <a:latin typeface="+mn-lt"/>
-                <a:ea typeface="ＭＳ 明朝"/>
-                <a:cs typeface="Times New Roman"/>
-              </a:rPr>
-              <a:t> </a:t>
-            </a:r>
-            <a:r>
-              <a:rPr lang="en-US" sz="1350" dirty="0" err="1" smtClean="0">
-                <a:effectLst/>
-                <a:latin typeface="+mn-lt"/>
-                <a:ea typeface="ＭＳ 明朝"/>
-                <a:cs typeface="Times New Roman"/>
-              </a:rPr>
-              <a:t>parum</a:t>
-            </a:r>
-            <a:r>
-              <a:rPr lang="en-US" sz="1350" dirty="0" smtClean="0">
-                <a:effectLst/>
-                <a:latin typeface="+mn-lt"/>
-                <a:ea typeface="ＭＳ 明朝"/>
-                <a:cs typeface="Times New Roman"/>
-              </a:rPr>
-              <a:t> </a:t>
-            </a:r>
-            <a:r>
-              <a:rPr lang="en-US" sz="1350" dirty="0" err="1" smtClean="0">
-                <a:effectLst/>
-                <a:latin typeface="+mn-lt"/>
-                <a:ea typeface="ＭＳ 明朝"/>
-                <a:cs typeface="Times New Roman"/>
-              </a:rPr>
-              <a:t>clari</a:t>
-            </a:r>
-            <a:r>
-              <a:rPr lang="en-US" sz="1350" dirty="0" smtClean="0">
-                <a:effectLst/>
-                <a:latin typeface="+mn-lt"/>
-                <a:ea typeface="ＭＳ 明朝"/>
-                <a:cs typeface="Times New Roman"/>
-              </a:rPr>
-              <a:t>, </a:t>
-            </a:r>
-            <a:r>
-              <a:rPr lang="en-US" sz="1350" dirty="0" err="1" smtClean="0">
-                <a:effectLst/>
-                <a:latin typeface="+mn-lt"/>
-                <a:ea typeface="ＭＳ 明朝"/>
-                <a:cs typeface="Times New Roman"/>
-              </a:rPr>
-              <a:t>fiant</a:t>
-            </a:r>
-            <a:r>
-              <a:rPr lang="en-US" sz="1350" dirty="0" smtClean="0">
-                <a:effectLst/>
-                <a:latin typeface="+mn-lt"/>
-                <a:ea typeface="ＭＳ 明朝"/>
-                <a:cs typeface="Times New Roman"/>
-              </a:rPr>
-              <a:t> </a:t>
-            </a:r>
-            <a:r>
-              <a:rPr lang="en-US" sz="1350" dirty="0" err="1" smtClean="0">
-                <a:effectLst/>
-                <a:latin typeface="+mn-lt"/>
-                <a:ea typeface="ＭＳ 明朝"/>
-                <a:cs typeface="Times New Roman"/>
-              </a:rPr>
-              <a:t>sollemnes</a:t>
-            </a:r>
-            <a:r>
-              <a:rPr lang="en-US" sz="1350" dirty="0" smtClean="0">
-                <a:effectLst/>
-                <a:latin typeface="+mn-lt"/>
-                <a:ea typeface="ＭＳ 明朝"/>
-                <a:cs typeface="Times New Roman"/>
-              </a:rPr>
-              <a:t> in </a:t>
-            </a:r>
-            <a:r>
-              <a:rPr lang="en-US" sz="1350" dirty="0" err="1" smtClean="0">
-                <a:effectLst/>
-                <a:latin typeface="+mn-lt"/>
-                <a:ea typeface="ＭＳ 明朝"/>
-                <a:cs typeface="Times New Roman"/>
-              </a:rPr>
-              <a:t>futurum</a:t>
-            </a:r>
-            <a:r>
-              <a:rPr lang="en-US" sz="1350" dirty="0" smtClean="0">
-                <a:effectLst/>
-                <a:latin typeface="+mn-lt"/>
-                <a:ea typeface="ＭＳ 明朝"/>
-                <a:cs typeface="Times New Roman"/>
-              </a:rPr>
-              <a:t>.</a:t>
-            </a:r>
-            <a:endParaRPr lang="en-US" sz="900" dirty="0">
-              <a:effectLst/>
-              <a:latin typeface="Cambria"/>
-              <a:ea typeface="ＭＳ 明朝"/>
-              <a:cs typeface="Times New Roman"/>
-            </a:endParaRPr>
-          </a:p>
-        </p:txBody>
-      </p:sp>
-    </p:spTree>
-    <p:extLst>
-      <p:ext uri="{BB962C8B-B14F-4D97-AF65-F5344CB8AC3E}">
-        <p14:creationId xmlns:p14="http://schemas.microsoft.com/office/powerpoint/2010/main" val="22903899"/>
-      </p:ext>
-    </p:extLst>
-  </p:cSld>
-  <p:clrMapOvr>
-    <a:masterClrMapping/>
-  </p:clrMapOvr>
-  <p:timing>
-    <p:tnLst>
-      <p:par>
-        <p:cTn id="1" dur="indefinite" restart="never" nodeType="tmRoot"/>
-      </p:par>
-    </p:tnLst>
-  </p:timing>
-</p:sldLayout>
-</file>
-
-<file path=ppt/slideLayouts/slideLayout28.xml><?xml version="1.0" encoding="utf-8"?>
 <p:sldLayout xmlns:a="http://schemas.openxmlformats.org/drawingml/2006/main" xmlns:r="http://schemas.openxmlformats.org/officeDocument/2006/relationships" xmlns:p="http://schemas.openxmlformats.org/presentationml/2006/main" showMasterSp="0" type="tx">
   <p:cSld name="Title and Subtitle  - No Logo">
     <p:bg>
@@ -9848,7 +6993,7 @@
           <p:nvPr userDrawn="1"/>
         </p:nvPicPr>
         <p:blipFill>
-          <a:blip r:embed="rId30"/>
+          <a:blip r:embed="rId29"/>
           <a:srcRect/>
           <a:stretch>
             <a:fillRect/>
@@ -9947,8 +7092,7 @@
     <p:sldLayoutId id="2147483684" r:id="rId24"/>
     <p:sldLayoutId id="2147483685" r:id="rId25"/>
     <p:sldLayoutId id="2147483686" r:id="rId26"/>
-    <p:sldLayoutId id="2147483689" r:id="rId27"/>
-    <p:sldLayoutId id="2147483690" r:id="rId28"/>
+    <p:sldLayoutId id="2147483690" r:id="rId27"/>
   </p:sldLayoutIdLst>
   <p:hf hdr="0" dt="0"/>
   <p:txStyles>
@@ -10479,15 +7623,7 @@
                 <a:ea typeface="Helvetica Neue" charset="0"/>
                 <a:cs typeface="Helvetica Neue" charset="0"/>
               </a:rPr>
-              <a:t>Andy.Grohman</a:t>
-            </a:r>
-            <a:r>
-              <a:rPr lang="en-US" sz="1400" dirty="0" err="1" smtClean="0">
-                <a:latin typeface="Helvetica Neue" charset="0"/>
-                <a:ea typeface="Helvetica Neue" charset="0"/>
-                <a:cs typeface="Helvetica Neue" charset="0"/>
-              </a:rPr>
-              <a:t>@us.ibm.com</a:t>
+              <a:t>Yournamehere@place.com</a:t>
             </a:r>
             <a:endParaRPr lang="en-US" sz="1400" dirty="0" smtClean="0">
               <a:latin typeface="Helvetica Neue" charset="0"/>
@@ -10502,7 +7638,7 @@
                 <a:ea typeface="Helvetica Neue" charset="0"/>
                 <a:cs typeface="Helvetica Neue" charset="0"/>
               </a:rPr>
-              <a:t>Worldwide Technical Sales Executive, IBM Cloud Integration</a:t>
+              <a:t>Title</a:t>
             </a:r>
             <a:endParaRPr lang="en-US" dirty="0">
               <a:latin typeface="Helvetica Neue" charset="0"/>
@@ -12017,1010 +9153,6 @@
       </p:grpSpPr>
       <p:sp>
         <p:nvSpPr>
-          <p:cNvPr id="11266" name="Title 1"/>
-          <p:cNvSpPr>
-            <a:spLocks noGrp="1"/>
-          </p:cNvSpPr>
-          <p:nvPr>
-            <p:ph type="title"/>
-          </p:nvPr>
-        </p:nvSpPr>
-        <p:spPr>
-          <a:xfrm>
-            <a:off x="173449" y="-43935"/>
-            <a:ext cx="8781208" cy="775597"/>
-          </a:xfrm>
-        </p:spPr>
-        <p:txBody>
-          <a:bodyPr/>
-          <a:lstStyle/>
-          <a:p>
-            <a:pPr eaLnBrk="1" hangingPunct="1"/>
-            <a:r>
-              <a:rPr lang="en-US" altLang="en-US" dirty="0" smtClean="0"/>
-              <a:t>Use case: Streaming Salesforce events to MQ messaging backbone</a:t>
-            </a:r>
-          </a:p>
-        </p:txBody>
-      </p:sp>
-      <p:sp>
-        <p:nvSpPr>
-          <p:cNvPr id="4" name="Slide Number Placeholder 3"/>
-          <p:cNvSpPr>
-            <a:spLocks noGrp="1"/>
-          </p:cNvSpPr>
-          <p:nvPr>
-            <p:ph type="sldNum" sz="quarter" idx="4294967295"/>
-          </p:nvPr>
-        </p:nvSpPr>
-        <p:spPr>
-          <a:xfrm>
-            <a:off x="628650" y="4767263"/>
-            <a:ext cx="2057400" cy="273844"/>
-          </a:xfrm>
-          <a:prstGeom prst="rect">
-            <a:avLst/>
-          </a:prstGeom>
-        </p:spPr>
-        <p:txBody>
-          <a:bodyPr/>
-          <a:lstStyle/>
-          <a:p>
-            <a:pPr algn="l">
-              <a:defRPr/>
-            </a:pPr>
-            <a:fld id="{D0BD209A-9680-4698-B097-ED026E5F0058}" type="slidenum">
-              <a:rPr lang="en-US" smtClean="0"/>
-              <a:pPr algn="l">
-                <a:defRPr/>
-              </a:pPr>
-              <a:t>11</a:t>
-            </a:fld>
-            <a:endParaRPr lang="en-US" dirty="0"/>
-          </a:p>
-        </p:txBody>
-      </p:sp>
-      <p:sp>
-        <p:nvSpPr>
-          <p:cNvPr id="7" name="Rectangle 6"/>
-          <p:cNvSpPr/>
-          <p:nvPr/>
-        </p:nvSpPr>
-        <p:spPr>
-          <a:xfrm>
-            <a:off x="318943" y="1257724"/>
-            <a:ext cx="3674834" cy="2908489"/>
-          </a:xfrm>
-          <a:prstGeom prst="rect">
-            <a:avLst/>
-          </a:prstGeom>
-          <a:noFill/>
-        </p:spPr>
-        <p:txBody>
-          <a:bodyPr wrap="square">
-            <a:spAutoFit/>
-          </a:bodyPr>
-          <a:lstStyle/>
-          <a:p>
-            <a:pPr marL="214313" indent="-214313">
-              <a:lnSpc>
-                <a:spcPct val="107000"/>
-              </a:lnSpc>
-              <a:spcBef>
-                <a:spcPts val="900"/>
-              </a:spcBef>
-              <a:buFont typeface="Wingdings" charset="2"/>
-              <a:buChar char="§"/>
-            </a:pPr>
-            <a:r>
-              <a:rPr lang="en-US" sz="1500" dirty="0">
-                <a:latin typeface="Arial" charset="0"/>
-                <a:ea typeface="Arial" charset="0"/>
-                <a:cs typeface="Arial" charset="0"/>
-              </a:rPr>
-              <a:t>Define the Push Topic using Salesforce Developer Console</a:t>
-            </a:r>
-          </a:p>
-          <a:p>
-            <a:pPr marL="214313" indent="-214313">
-              <a:lnSpc>
-                <a:spcPct val="107000"/>
-              </a:lnSpc>
-              <a:spcBef>
-                <a:spcPts val="900"/>
-              </a:spcBef>
-              <a:buFont typeface="Wingdings" charset="2"/>
-              <a:buChar char="§"/>
-            </a:pPr>
-            <a:r>
-              <a:rPr lang="en-US" sz="1500" dirty="0">
-                <a:latin typeface="Arial" charset="0"/>
-                <a:ea typeface="Arial" charset="0"/>
-                <a:cs typeface="Arial" charset="0"/>
-              </a:rPr>
-              <a:t>Configure MQ bridge for salesforce and specify details like login credentials, Push Topic, MQ Topic </a:t>
-            </a:r>
-          </a:p>
-          <a:p>
-            <a:pPr marL="214313" indent="-214313">
-              <a:lnSpc>
-                <a:spcPct val="107000"/>
-              </a:lnSpc>
-              <a:spcBef>
-                <a:spcPts val="900"/>
-              </a:spcBef>
-              <a:buFont typeface="Wingdings" charset="2"/>
-              <a:buChar char="§"/>
-            </a:pPr>
-            <a:r>
-              <a:rPr lang="en-US" sz="1500" dirty="0">
-                <a:latin typeface="Arial" charset="0"/>
-                <a:ea typeface="Arial" charset="0"/>
-                <a:cs typeface="Arial" charset="0"/>
-              </a:rPr>
-              <a:t>Start MQ bridge for Salesforce which subscribes to the Push Topic</a:t>
-            </a:r>
-          </a:p>
-          <a:p>
-            <a:pPr marL="214313" indent="-214313">
-              <a:lnSpc>
-                <a:spcPct val="107000"/>
-              </a:lnSpc>
-              <a:spcBef>
-                <a:spcPts val="900"/>
-              </a:spcBef>
-              <a:buFont typeface="Wingdings" charset="2"/>
-              <a:buChar char="§"/>
-            </a:pPr>
-            <a:r>
-              <a:rPr lang="en-US" sz="1500" dirty="0">
-                <a:latin typeface="Arial" charset="0"/>
-                <a:ea typeface="Arial" charset="0"/>
-                <a:cs typeface="Arial" charset="0"/>
-              </a:rPr>
-              <a:t>Streaming events from Salesforce are received on MQ as messages and can trigger off enterprise work flows</a:t>
-            </a:r>
-          </a:p>
-        </p:txBody>
-      </p:sp>
-      <p:sp>
-        <p:nvSpPr>
-          <p:cNvPr id="3" name="TextBox 2"/>
-          <p:cNvSpPr txBox="1"/>
-          <p:nvPr/>
-        </p:nvSpPr>
-        <p:spPr>
-          <a:xfrm>
-            <a:off x="5165623" y="4424516"/>
-            <a:ext cx="685800" cy="685800"/>
-          </a:xfrm>
-          <a:prstGeom prst="rect">
-            <a:avLst/>
-          </a:prstGeom>
-        </p:spPr>
-        <p:txBody>
-          <a:bodyPr vert="horz" wrap="none" lIns="68580" tIns="34290" rIns="68580" bIns="34290" rtlCol="0" anchor="t" anchorCtr="0">
-            <a:noAutofit/>
-          </a:bodyPr>
-          <a:lstStyle/>
-          <a:p>
-            <a:pPr>
-              <a:lnSpc>
-                <a:spcPct val="90000"/>
-              </a:lnSpc>
-              <a:spcBef>
-                <a:spcPts val="750"/>
-              </a:spcBef>
-            </a:pPr>
-            <a:endParaRPr lang="en-US" sz="1875" dirty="0"/>
-          </a:p>
-        </p:txBody>
-      </p:sp>
-      <p:sp>
-        <p:nvSpPr>
-          <p:cNvPr id="6" name="Rectangle 5"/>
-          <p:cNvSpPr/>
-          <p:nvPr/>
-        </p:nvSpPr>
-        <p:spPr>
-          <a:xfrm>
-            <a:off x="5698873" y="770747"/>
-            <a:ext cx="3255785" cy="1569660"/>
-          </a:xfrm>
-          <a:prstGeom prst="rect">
-            <a:avLst/>
-          </a:prstGeom>
-          <a:ln>
-            <a:solidFill>
-              <a:srgbClr val="474747"/>
-            </a:solidFill>
-          </a:ln>
-        </p:spPr>
-        <p:txBody>
-          <a:bodyPr wrap="square">
-            <a:spAutoFit/>
-          </a:bodyPr>
-          <a:lstStyle/>
-          <a:p>
-            <a:r>
-              <a:rPr lang="en-GB" sz="1200" dirty="0" err="1">
-                <a:latin typeface="Courier" charset="0"/>
-                <a:ea typeface="Calibri" charset="0"/>
-                <a:cs typeface="Times New Roman" charset="0"/>
-              </a:rPr>
-              <a:t>PushTopic</a:t>
-            </a:r>
-            <a:r>
-              <a:rPr lang="en-GB" sz="1200" dirty="0">
-                <a:latin typeface="Courier" charset="0"/>
-                <a:ea typeface="Calibri" charset="0"/>
-                <a:cs typeface="Times New Roman" charset="0"/>
-              </a:rPr>
-              <a:t> </a:t>
-            </a:r>
-            <a:r>
-              <a:rPr lang="en-GB" sz="1200" dirty="0" err="1">
-                <a:latin typeface="Courier" charset="0"/>
-                <a:ea typeface="Calibri" charset="0"/>
-                <a:cs typeface="Times New Roman" charset="0"/>
-              </a:rPr>
-              <a:t>pushTopic</a:t>
-            </a:r>
-            <a:r>
-              <a:rPr lang="en-GB" sz="1200" dirty="0">
-                <a:latin typeface="Courier" charset="0"/>
-                <a:ea typeface="Calibri" charset="0"/>
-                <a:cs typeface="Times New Roman" charset="0"/>
-              </a:rPr>
-              <a:t> = new </a:t>
-            </a:r>
-            <a:r>
-              <a:rPr lang="en-GB" sz="1200" dirty="0" err="1">
-                <a:latin typeface="Courier" charset="0"/>
-                <a:ea typeface="Calibri" charset="0"/>
-                <a:cs typeface="Times New Roman" charset="0"/>
-              </a:rPr>
-              <a:t>PushTopic</a:t>
-            </a:r>
-            <a:r>
-              <a:rPr lang="en-GB" sz="1200" dirty="0">
-                <a:latin typeface="Courier" charset="0"/>
-                <a:ea typeface="Calibri" charset="0"/>
-                <a:cs typeface="Times New Roman" charset="0"/>
-              </a:rPr>
-              <a:t>();</a:t>
-            </a:r>
-            <a:endParaRPr lang="en-GB" sz="1200" dirty="0">
-              <a:latin typeface="Calibri" charset="0"/>
-              <a:ea typeface="Calibri" charset="0"/>
-              <a:cs typeface="Times New Roman" charset="0"/>
-            </a:endParaRPr>
-          </a:p>
-          <a:p>
-            <a:r>
-              <a:rPr lang="en-GB" sz="1200" dirty="0" err="1">
-                <a:latin typeface="Courier" charset="0"/>
-                <a:ea typeface="Calibri" charset="0"/>
-                <a:cs typeface="Times New Roman" charset="0"/>
-              </a:rPr>
-              <a:t>pushTopic.Name</a:t>
-            </a:r>
-            <a:r>
-              <a:rPr lang="en-GB" sz="1200" dirty="0">
-                <a:latin typeface="Courier" charset="0"/>
-                <a:ea typeface="Calibri" charset="0"/>
-                <a:cs typeface="Times New Roman" charset="0"/>
-              </a:rPr>
-              <a:t> = '</a:t>
-            </a:r>
-            <a:r>
-              <a:rPr lang="en-GB" sz="1200" dirty="0" err="1">
-                <a:latin typeface="Courier" charset="0"/>
-                <a:ea typeface="Calibri" charset="0"/>
-                <a:cs typeface="Times New Roman" charset="0"/>
-              </a:rPr>
-              <a:t>EscalatedCaseUpdates</a:t>
-            </a:r>
-            <a:r>
-              <a:rPr lang="en-GB" sz="1200" dirty="0">
-                <a:latin typeface="Courier" charset="0"/>
-                <a:ea typeface="Calibri" charset="0"/>
-                <a:cs typeface="Times New Roman" charset="0"/>
-              </a:rPr>
-              <a:t>';</a:t>
-            </a:r>
-            <a:endParaRPr lang="en-GB" sz="1200" dirty="0">
-              <a:latin typeface="Calibri" charset="0"/>
-              <a:ea typeface="Calibri" charset="0"/>
-              <a:cs typeface="Times New Roman" charset="0"/>
-            </a:endParaRPr>
-          </a:p>
-          <a:p>
-            <a:r>
-              <a:rPr lang="en-GB" sz="1200" dirty="0" err="1">
-                <a:latin typeface="Courier" charset="0"/>
-                <a:ea typeface="Calibri" charset="0"/>
-                <a:cs typeface="Times New Roman" charset="0"/>
-              </a:rPr>
-              <a:t>pushTopic.Query</a:t>
-            </a:r>
-            <a:r>
-              <a:rPr lang="en-GB" sz="1200" dirty="0">
-                <a:latin typeface="Courier" charset="0"/>
-                <a:ea typeface="Calibri" charset="0"/>
-                <a:cs typeface="Times New Roman" charset="0"/>
-              </a:rPr>
-              <a:t> = 'SELECT Id, </a:t>
-            </a:r>
-            <a:r>
-              <a:rPr lang="en-GB" sz="1200" dirty="0" err="1">
-                <a:latin typeface="Courier" charset="0"/>
-                <a:ea typeface="Calibri" charset="0"/>
-                <a:cs typeface="Times New Roman" charset="0"/>
-              </a:rPr>
-              <a:t>AccountId</a:t>
-            </a:r>
-            <a:r>
-              <a:rPr lang="en-GB" sz="1200" dirty="0">
-                <a:latin typeface="Courier" charset="0"/>
-                <a:ea typeface="Calibri" charset="0"/>
-                <a:cs typeface="Times New Roman" charset="0"/>
-              </a:rPr>
-              <a:t>, </a:t>
-            </a:r>
-            <a:r>
-              <a:rPr lang="en-GB" sz="1200" dirty="0" err="1">
-                <a:latin typeface="Courier" charset="0"/>
-                <a:ea typeface="Calibri" charset="0"/>
-                <a:cs typeface="Times New Roman" charset="0"/>
-              </a:rPr>
-              <a:t>ContactId</a:t>
-            </a:r>
-            <a:r>
-              <a:rPr lang="en-GB" sz="1200" dirty="0">
-                <a:latin typeface="Courier" charset="0"/>
-                <a:ea typeface="Calibri" charset="0"/>
-                <a:cs typeface="Times New Roman" charset="0"/>
-              </a:rPr>
-              <a:t>, Subject FROM Case WHERE Status = \'Escalated\'';</a:t>
-            </a:r>
-            <a:endParaRPr lang="en-GB" sz="1200" dirty="0">
-              <a:latin typeface="Calibri" charset="0"/>
-              <a:ea typeface="Calibri" charset="0"/>
-              <a:cs typeface="Times New Roman" charset="0"/>
-            </a:endParaRPr>
-          </a:p>
-        </p:txBody>
-      </p:sp>
-      <p:sp>
-        <p:nvSpPr>
-          <p:cNvPr id="10" name="Rectangle 9"/>
-          <p:cNvSpPr/>
-          <p:nvPr/>
-        </p:nvSpPr>
-        <p:spPr>
-          <a:xfrm>
-            <a:off x="4504362" y="2386534"/>
-            <a:ext cx="4572000" cy="2677656"/>
-          </a:xfrm>
-          <a:prstGeom prst="rect">
-            <a:avLst/>
-          </a:prstGeom>
-          <a:ln>
-            <a:solidFill>
-              <a:srgbClr val="474747"/>
-            </a:solidFill>
-          </a:ln>
-        </p:spPr>
-        <p:txBody>
-          <a:bodyPr>
-            <a:spAutoFit/>
-          </a:bodyPr>
-          <a:lstStyle/>
-          <a:p>
-            <a:r>
-              <a:rPr lang="en-GB" sz="1050" dirty="0">
-                <a:latin typeface="Courier" charset="0"/>
-                <a:ea typeface="Courier" charset="0"/>
-                <a:cs typeface="Courier" charset="0"/>
-              </a:rPr>
-              <a:t>{</a:t>
-            </a:r>
-          </a:p>
-          <a:p>
-            <a:r>
-              <a:rPr lang="en-GB" sz="1050" b="1" dirty="0">
-                <a:latin typeface="Courier" charset="0"/>
-                <a:ea typeface="Courier" charset="0"/>
-                <a:cs typeface="Courier" charset="0"/>
-              </a:rPr>
-              <a:t>"</a:t>
-            </a:r>
-            <a:r>
-              <a:rPr lang="en-GB" sz="1050" b="1" dirty="0" err="1">
-                <a:latin typeface="Courier" charset="0"/>
-                <a:ea typeface="Courier" charset="0"/>
-                <a:cs typeface="Courier" charset="0"/>
-              </a:rPr>
-              <a:t>QueueManager</a:t>
-            </a:r>
-            <a:r>
-              <a:rPr lang="en-GB" sz="1050" b="1" dirty="0">
-                <a:latin typeface="Courier" charset="0"/>
-                <a:ea typeface="Courier" charset="0"/>
-                <a:cs typeface="Courier" charset="0"/>
-              </a:rPr>
-              <a:t>":"</a:t>
-            </a:r>
-            <a:r>
-              <a:rPr lang="en-GB" sz="1050" b="1" dirty="0" err="1">
-                <a:latin typeface="Courier" charset="0"/>
-                <a:ea typeface="Courier" charset="0"/>
-                <a:cs typeface="Courier" charset="0"/>
-              </a:rPr>
-              <a:t>MQSFDemo</a:t>
-            </a:r>
-            <a:r>
-              <a:rPr lang="en-GB" sz="1050" b="1" dirty="0">
-                <a:latin typeface="Courier" charset="0"/>
-                <a:ea typeface="Courier" charset="0"/>
-                <a:cs typeface="Courier" charset="0"/>
-              </a:rPr>
-              <a:t>",</a:t>
-            </a:r>
-            <a:endParaRPr lang="en-GB" sz="1050" dirty="0">
-              <a:latin typeface="Courier" charset="0"/>
-              <a:ea typeface="Courier" charset="0"/>
-              <a:cs typeface="Courier" charset="0"/>
-            </a:endParaRPr>
-          </a:p>
-          <a:p>
-            <a:r>
-              <a:rPr lang="en-GB" sz="1050" b="1" dirty="0">
-                <a:latin typeface="Courier" charset="0"/>
-                <a:ea typeface="Courier" charset="0"/>
-                <a:cs typeface="Courier" charset="0"/>
-              </a:rPr>
-              <a:t>"</a:t>
-            </a:r>
-            <a:r>
-              <a:rPr lang="en-GB" sz="1050" b="1" dirty="0" err="1">
-                <a:latin typeface="Courier" charset="0"/>
-                <a:ea typeface="Courier" charset="0"/>
-                <a:cs typeface="Courier" charset="0"/>
-              </a:rPr>
-              <a:t>MQBaseTopic</a:t>
-            </a:r>
-            <a:r>
-              <a:rPr lang="en-GB" sz="1050" b="1" dirty="0">
-                <a:latin typeface="Courier" charset="0"/>
-                <a:ea typeface="Courier" charset="0"/>
-                <a:cs typeface="Courier" charset="0"/>
-              </a:rPr>
-              <a:t>":"</a:t>
-            </a:r>
-            <a:r>
-              <a:rPr lang="en-GB" sz="1050" b="1" dirty="0" err="1">
-                <a:latin typeface="Courier" charset="0"/>
-                <a:ea typeface="Courier" charset="0"/>
-                <a:cs typeface="Courier" charset="0"/>
-              </a:rPr>
-              <a:t>SFBase</a:t>
-            </a:r>
-            <a:r>
-              <a:rPr lang="en-GB" sz="1050" b="1" dirty="0">
-                <a:latin typeface="Courier" charset="0"/>
-                <a:ea typeface="Courier" charset="0"/>
-                <a:cs typeface="Courier" charset="0"/>
-              </a:rPr>
-              <a:t>",</a:t>
-            </a:r>
-            <a:endParaRPr lang="en-GB" sz="1050" dirty="0">
-              <a:latin typeface="Courier" charset="0"/>
-              <a:ea typeface="Courier" charset="0"/>
-              <a:cs typeface="Courier" charset="0"/>
-            </a:endParaRPr>
-          </a:p>
-          <a:p>
-            <a:r>
-              <a:rPr lang="en-GB" sz="1050" dirty="0">
-                <a:latin typeface="Courier" charset="0"/>
-                <a:ea typeface="Courier" charset="0"/>
-                <a:cs typeface="Courier" charset="0"/>
-              </a:rPr>
-              <a:t>"</a:t>
-            </a:r>
-            <a:r>
-              <a:rPr lang="en-GB" sz="1050" dirty="0" err="1">
-                <a:latin typeface="Courier" charset="0"/>
-                <a:ea typeface="Courier" charset="0"/>
-                <a:cs typeface="Courier" charset="0"/>
-              </a:rPr>
-              <a:t>MQChannel</a:t>
-            </a:r>
-            <a:r>
-              <a:rPr lang="en-GB" sz="1050" dirty="0">
-                <a:latin typeface="Courier" charset="0"/>
-                <a:ea typeface="Courier" charset="0"/>
-                <a:cs typeface="Courier" charset="0"/>
-              </a:rPr>
-              <a:t>":"",</a:t>
-            </a:r>
-          </a:p>
-          <a:p>
-            <a:r>
-              <a:rPr lang="en-GB" sz="1050" dirty="0">
-                <a:latin typeface="Courier" charset="0"/>
-                <a:ea typeface="Courier" charset="0"/>
-                <a:cs typeface="Courier" charset="0"/>
-              </a:rPr>
-              <a:t>"</a:t>
-            </a:r>
-            <a:r>
-              <a:rPr lang="en-GB" sz="1050" dirty="0" err="1">
-                <a:latin typeface="Courier" charset="0"/>
-                <a:ea typeface="Courier" charset="0"/>
-                <a:cs typeface="Courier" charset="0"/>
-              </a:rPr>
-              <a:t>MQConname</a:t>
-            </a:r>
-            <a:r>
-              <a:rPr lang="en-GB" sz="1050" dirty="0">
-                <a:latin typeface="Courier" charset="0"/>
-                <a:ea typeface="Courier" charset="0"/>
-                <a:cs typeface="Courier" charset="0"/>
-              </a:rPr>
-              <a:t>":"",</a:t>
-            </a:r>
-          </a:p>
-          <a:p>
-            <a:r>
-              <a:rPr lang="en-GB" sz="1050" b="1" dirty="0">
-                <a:latin typeface="Courier" charset="0"/>
-                <a:ea typeface="Courier" charset="0"/>
-                <a:cs typeface="Courier" charset="0"/>
-              </a:rPr>
-              <a:t>"SFUserName":"admin@interconnect17.demo",</a:t>
-            </a:r>
-            <a:endParaRPr lang="en-GB" sz="1050" dirty="0">
-              <a:latin typeface="Courier" charset="0"/>
-              <a:ea typeface="Courier" charset="0"/>
-              <a:cs typeface="Courier" charset="0"/>
-            </a:endParaRPr>
-          </a:p>
-          <a:p>
-            <a:r>
-              <a:rPr lang="en-GB" sz="1050" b="1" dirty="0">
-                <a:solidFill>
-                  <a:srgbClr val="000000"/>
-                </a:solidFill>
-                <a:latin typeface="Courier" charset="0"/>
-                <a:ea typeface="Courier" charset="0"/>
-                <a:cs typeface="Courier" charset="0"/>
-              </a:rPr>
-              <a:t>"</a:t>
-            </a:r>
-            <a:r>
-              <a:rPr lang="en-GB" sz="1050" b="1" dirty="0" err="1">
-                <a:solidFill>
-                  <a:srgbClr val="000000"/>
-                </a:solidFill>
-                <a:latin typeface="Courier" charset="0"/>
-                <a:ea typeface="Courier" charset="0"/>
-                <a:cs typeface="Courier" charset="0"/>
-              </a:rPr>
-              <a:t>SFPassword</a:t>
-            </a:r>
-            <a:r>
-              <a:rPr lang="en-GB" sz="1050" b="1" dirty="0">
-                <a:solidFill>
-                  <a:srgbClr val="000000"/>
-                </a:solidFill>
-                <a:latin typeface="Courier" charset="0"/>
-                <a:ea typeface="Courier" charset="0"/>
-                <a:cs typeface="Courier" charset="0"/>
-              </a:rPr>
-              <a:t>":"+</a:t>
-            </a:r>
-            <a:r>
-              <a:rPr lang="en-GB" sz="1050" b="1" dirty="0" err="1">
-                <a:solidFill>
-                  <a:srgbClr val="000000"/>
-                </a:solidFill>
-                <a:latin typeface="Courier" charset="0"/>
-                <a:ea typeface="Courier" charset="0"/>
-                <a:cs typeface="Courier" charset="0"/>
-              </a:rPr>
-              <a:t>EjoyhKZhmQ</a:t>
-            </a:r>
-            <a:r>
-              <a:rPr lang="en-GB" sz="1050" b="1" dirty="0">
-                <a:solidFill>
-                  <a:srgbClr val="000000"/>
-                </a:solidFill>
-                <a:latin typeface="Courier" charset="0"/>
-                <a:ea typeface="Courier" charset="0"/>
-                <a:cs typeface="Courier" charset="0"/>
-              </a:rPr>
-              <a:t>=</a:t>
-            </a:r>
-            <a:r>
-              <a:rPr lang="en-GB" sz="1050" b="1" dirty="0">
-                <a:solidFill>
-                  <a:srgbClr val="B23015"/>
-                </a:solidFill>
-                <a:latin typeface="Courier" charset="0"/>
-                <a:ea typeface="Courier" charset="0"/>
-                <a:cs typeface="Courier" charset="0"/>
-              </a:rPr>
-              <a:t>,N2UtcI\/8p8QovKWm6t17HQ==",</a:t>
-            </a:r>
-            <a:endParaRPr lang="en-GB" sz="1050" dirty="0">
-              <a:solidFill>
-                <a:srgbClr val="B23015"/>
-              </a:solidFill>
-              <a:latin typeface="Courier" charset="0"/>
-              <a:ea typeface="Courier" charset="0"/>
-              <a:cs typeface="Courier" charset="0"/>
-            </a:endParaRPr>
-          </a:p>
-          <a:p>
-            <a:r>
-              <a:rPr lang="en-GB" sz="1050" dirty="0">
-                <a:latin typeface="Courier" charset="0"/>
-                <a:ea typeface="Courier" charset="0"/>
-                <a:cs typeface="Courier" charset="0"/>
-              </a:rPr>
-              <a:t>"</a:t>
-            </a:r>
-            <a:r>
-              <a:rPr lang="en-GB" sz="1050" dirty="0" err="1">
-                <a:latin typeface="Courier" charset="0"/>
-                <a:ea typeface="Courier" charset="0"/>
-                <a:cs typeface="Courier" charset="0"/>
-              </a:rPr>
-              <a:t>SFToken</a:t>
-            </a:r>
-            <a:r>
-              <a:rPr lang="en-GB" sz="1050" dirty="0">
-                <a:latin typeface="Courier" charset="0"/>
-                <a:ea typeface="Courier" charset="0"/>
-                <a:cs typeface="Courier" charset="0"/>
-              </a:rPr>
-              <a:t>":"",</a:t>
-            </a:r>
-          </a:p>
-          <a:p>
-            <a:r>
-              <a:rPr lang="en-GB" sz="1050" dirty="0">
-                <a:solidFill>
-                  <a:srgbClr val="000000"/>
-                </a:solidFill>
-                <a:latin typeface="Courier" charset="0"/>
-                <a:ea typeface="Courier" charset="0"/>
-                <a:cs typeface="Courier" charset="0"/>
-              </a:rPr>
-              <a:t>"</a:t>
-            </a:r>
-            <a:r>
-              <a:rPr lang="en-GB" sz="1050" dirty="0" err="1">
-                <a:solidFill>
-                  <a:srgbClr val="000000"/>
-                </a:solidFill>
-                <a:latin typeface="Courier" charset="0"/>
-                <a:ea typeface="Courier" charset="0"/>
-                <a:cs typeface="Courier" charset="0"/>
-              </a:rPr>
-              <a:t>SFEndpoint</a:t>
-            </a:r>
-            <a:r>
-              <a:rPr lang="en-GB" sz="1050" dirty="0">
-                <a:solidFill>
-                  <a:srgbClr val="000000"/>
-                </a:solidFill>
-                <a:latin typeface="Courier" charset="0"/>
-                <a:ea typeface="Courier" charset="0"/>
-                <a:cs typeface="Courier" charset="0"/>
-              </a:rPr>
-              <a:t>":"</a:t>
-            </a:r>
-            <a:r>
-              <a:rPr lang="en-GB" sz="1050" u="sng" dirty="0">
-                <a:solidFill>
-                  <a:srgbClr val="000000"/>
-                </a:solidFill>
-                <a:latin typeface="Courier" charset="0"/>
-                <a:ea typeface="Courier" charset="0"/>
-                <a:cs typeface="Courier" charset="0"/>
-                <a:hlinkClick r:id="rId3"/>
-              </a:rPr>
-              <a:t>https:\/\/login.salesforce.com</a:t>
-            </a:r>
-            <a:r>
-              <a:rPr lang="en-GB" sz="1050" dirty="0">
-                <a:solidFill>
-                  <a:srgbClr val="000000"/>
-                </a:solidFill>
-                <a:latin typeface="Courier" charset="0"/>
-                <a:ea typeface="Courier" charset="0"/>
-                <a:cs typeface="Courier" charset="0"/>
-              </a:rPr>
-              <a:t>",</a:t>
-            </a:r>
-            <a:endParaRPr lang="en-GB" sz="1050" dirty="0">
-              <a:solidFill>
-                <a:srgbClr val="0433FF"/>
-              </a:solidFill>
-              <a:latin typeface="Courier" charset="0"/>
-              <a:ea typeface="Courier" charset="0"/>
-              <a:cs typeface="Courier" charset="0"/>
-            </a:endParaRPr>
-          </a:p>
-          <a:p>
-            <a:r>
-              <a:rPr lang="en-GB" sz="1050" dirty="0">
-                <a:latin typeface="Courier" charset="0"/>
-                <a:ea typeface="Courier" charset="0"/>
-                <a:cs typeface="Courier" charset="0"/>
-              </a:rPr>
-              <a:t>"</a:t>
-            </a:r>
-            <a:r>
-              <a:rPr lang="en-GB" sz="1050" dirty="0" err="1">
-                <a:latin typeface="Courier" charset="0"/>
-                <a:ea typeface="Courier" charset="0"/>
-                <a:cs typeface="Courier" charset="0"/>
-              </a:rPr>
-              <a:t>SFStreamingEndpoint</a:t>
-            </a:r>
-            <a:r>
-              <a:rPr lang="en-GB" sz="1050" dirty="0">
-                <a:latin typeface="Courier" charset="0"/>
-                <a:ea typeface="Courier" charset="0"/>
-                <a:cs typeface="Courier" charset="0"/>
-              </a:rPr>
-              <a:t>":"\/</a:t>
-            </a:r>
-            <a:r>
-              <a:rPr lang="en-GB" sz="1050" dirty="0" err="1">
-                <a:latin typeface="Courier" charset="0"/>
-                <a:ea typeface="Courier" charset="0"/>
-                <a:cs typeface="Courier" charset="0"/>
-              </a:rPr>
-              <a:t>cometd</a:t>
-            </a:r>
-            <a:r>
-              <a:rPr lang="en-GB" sz="1050" dirty="0">
-                <a:latin typeface="Courier" charset="0"/>
-                <a:ea typeface="Courier" charset="0"/>
-                <a:cs typeface="Courier" charset="0"/>
-              </a:rPr>
-              <a:t>\/37.0",</a:t>
-            </a:r>
-          </a:p>
-          <a:p>
-            <a:r>
-              <a:rPr lang="en-GB" sz="1050" b="1" dirty="0">
-                <a:latin typeface="Courier" charset="0"/>
-                <a:ea typeface="Courier" charset="0"/>
-                <a:cs typeface="Courier" charset="0"/>
-              </a:rPr>
-              <a:t>"SFConsumerKey":"3MVG9i1HRpGLXp.rZ5hNAP3UVBH.SCh45TAcr3tQwuWei2Fh4uPAj060oZeG3UjfPxY58u8oLzN2dqNPosOOm",</a:t>
-            </a:r>
-            <a:endParaRPr lang="en-GB" sz="1050" dirty="0">
-              <a:latin typeface="Courier" charset="0"/>
-              <a:ea typeface="Courier" charset="0"/>
-              <a:cs typeface="Courier" charset="0"/>
-            </a:endParaRPr>
-          </a:p>
-          <a:p>
-            <a:r>
-              <a:rPr lang="en-GB" sz="1050" b="1" dirty="0">
-                <a:solidFill>
-                  <a:srgbClr val="000000"/>
-                </a:solidFill>
-                <a:latin typeface="Courier" charset="0"/>
-                <a:ea typeface="Courier" charset="0"/>
-                <a:cs typeface="Courier" charset="0"/>
-              </a:rPr>
-              <a:t>"SFConsumerSecret":"gAbwxS7eCSg=</a:t>
-            </a:r>
-            <a:r>
-              <a:rPr lang="en-GB" sz="1050" b="1" dirty="0">
-                <a:solidFill>
-                  <a:srgbClr val="B23015"/>
-                </a:solidFill>
-                <a:latin typeface="Courier" charset="0"/>
-                <a:ea typeface="Courier" charset="0"/>
-                <a:cs typeface="Courier" charset="0"/>
-              </a:rPr>
-              <a:t>,Csw+x5+yjW3XsilDAaOSkDUELckJ4rv,</a:t>
-            </a:r>
-            <a:endParaRPr lang="en-GB" sz="1050" dirty="0">
-              <a:solidFill>
-                <a:srgbClr val="B23015"/>
-              </a:solidFill>
-              <a:latin typeface="Courier" charset="0"/>
-              <a:ea typeface="Courier" charset="0"/>
-              <a:cs typeface="Courier" charset="0"/>
-            </a:endParaRPr>
-          </a:p>
-          <a:p>
-            <a:r>
-              <a:rPr lang="en-GB" sz="1050" b="1" dirty="0">
-                <a:solidFill>
-                  <a:srgbClr val="000000"/>
-                </a:solidFill>
-                <a:latin typeface="Courier" charset="0"/>
-                <a:ea typeface="Courier" charset="0"/>
-                <a:cs typeface="Courier" charset="0"/>
-              </a:rPr>
-              <a:t>"</a:t>
-            </a:r>
-            <a:r>
-              <a:rPr lang="en-GB" sz="1050" b="1" dirty="0" err="1">
-                <a:solidFill>
-                  <a:srgbClr val="000000"/>
-                </a:solidFill>
-                <a:latin typeface="Courier" charset="0"/>
-                <a:ea typeface="Courier" charset="0"/>
-                <a:cs typeface="Courier" charset="0"/>
-              </a:rPr>
-              <a:t>PushTopics</a:t>
-            </a:r>
-            <a:r>
-              <a:rPr lang="en-GB" sz="1050" b="1" dirty="0">
-                <a:solidFill>
-                  <a:srgbClr val="000000"/>
-                </a:solidFill>
-                <a:latin typeface="Courier" charset="0"/>
-                <a:ea typeface="Courier" charset="0"/>
-                <a:cs typeface="Courier" charset="0"/>
-              </a:rPr>
-              <a:t>":</a:t>
-            </a:r>
-            <a:r>
-              <a:rPr lang="en-GB" sz="1050" b="1" dirty="0">
-                <a:solidFill>
-                  <a:srgbClr val="00C800"/>
-                </a:solidFill>
-                <a:latin typeface="Courier" charset="0"/>
-                <a:ea typeface="Courier" charset="0"/>
-                <a:cs typeface="Courier" charset="0"/>
-              </a:rPr>
-              <a:t>["</a:t>
-            </a:r>
-            <a:r>
-              <a:rPr lang="en-GB" sz="1050" b="1" dirty="0" err="1">
-                <a:solidFill>
-                  <a:srgbClr val="00C800"/>
-                </a:solidFill>
-                <a:latin typeface="Courier" charset="0"/>
-                <a:ea typeface="Courier" charset="0"/>
-                <a:cs typeface="Courier" charset="0"/>
-              </a:rPr>
-              <a:t>EscalatedCaseUpdates</a:t>
-            </a:r>
-            <a:r>
-              <a:rPr lang="en-GB" sz="1050" b="1" dirty="0">
-                <a:solidFill>
-                  <a:srgbClr val="00C800"/>
-                </a:solidFill>
-                <a:latin typeface="Courier" charset="0"/>
-                <a:ea typeface="Courier" charset="0"/>
-                <a:cs typeface="Courier" charset="0"/>
-              </a:rPr>
-              <a:t>"]</a:t>
-            </a:r>
-            <a:r>
-              <a:rPr lang="en-GB" sz="1050" b="1" dirty="0">
-                <a:solidFill>
-                  <a:srgbClr val="000000"/>
-                </a:solidFill>
-                <a:latin typeface="Courier" charset="0"/>
-                <a:ea typeface="Courier" charset="0"/>
-                <a:cs typeface="Courier" charset="0"/>
-              </a:rPr>
-              <a:t>,</a:t>
-            </a:r>
-            <a:endParaRPr lang="en-GB" sz="1050" dirty="0">
-              <a:solidFill>
-                <a:srgbClr val="00C800"/>
-              </a:solidFill>
-              <a:latin typeface="Courier" charset="0"/>
-              <a:ea typeface="Courier" charset="0"/>
-              <a:cs typeface="Courier" charset="0"/>
-            </a:endParaRPr>
-          </a:p>
-          <a:p>
-            <a:r>
-              <a:rPr lang="en-GB" sz="1050" dirty="0">
-                <a:latin typeface="Courier" charset="0"/>
-                <a:ea typeface="Courier" charset="0"/>
-                <a:cs typeface="Courier" charset="0"/>
-              </a:rPr>
-              <a:t>"</a:t>
-            </a:r>
-            <a:r>
-              <a:rPr lang="en-GB" sz="1050" dirty="0" err="1">
-                <a:latin typeface="Courier" charset="0"/>
-                <a:ea typeface="Courier" charset="0"/>
-                <a:cs typeface="Courier" charset="0"/>
-              </a:rPr>
-              <a:t>PlatformEvents</a:t>
-            </a:r>
-            <a:r>
-              <a:rPr lang="en-GB" sz="1050" dirty="0">
-                <a:latin typeface="Courier" charset="0"/>
-                <a:ea typeface="Courier" charset="0"/>
-                <a:cs typeface="Courier" charset="0"/>
-              </a:rPr>
-              <a:t>":</a:t>
-            </a:r>
-            <a:r>
-              <a:rPr lang="en-GB" sz="1050" dirty="0">
-                <a:solidFill>
-                  <a:srgbClr val="00C800"/>
-                </a:solidFill>
-                <a:latin typeface="Courier" charset="0"/>
-                <a:ea typeface="Courier" charset="0"/>
-                <a:cs typeface="Courier" charset="0"/>
-              </a:rPr>
-              <a:t>[]</a:t>
-            </a:r>
-            <a:r>
-              <a:rPr lang="en-GB" sz="1050" dirty="0">
-                <a:latin typeface="Courier" charset="0"/>
-                <a:ea typeface="Courier" charset="0"/>
-                <a:cs typeface="Courier" charset="0"/>
-              </a:rPr>
-              <a:t>,</a:t>
-            </a:r>
-          </a:p>
-        </p:txBody>
-      </p:sp>
-    </p:spTree>
-    <p:extLst>
-      <p:ext uri="{BB962C8B-B14F-4D97-AF65-F5344CB8AC3E}">
-        <p14:creationId xmlns:p14="http://schemas.microsoft.com/office/powerpoint/2010/main" val="1650754609"/>
-      </p:ext>
-    </p:extLst>
-  </p:cSld>
-  <p:clrMapOvr>
-    <a:masterClrMapping/>
-  </p:clrMapOvr>
-  <p:transition spd="med">
-    <p:fade/>
-  </p:transition>
-  <p:timing>
-    <p:tnLst>
-      <p:par>
-        <p:cTn id="1" dur="indefinite" restart="never" nodeType="tmRoot"/>
-      </p:par>
-    </p:tnLst>
-  </p:timing>
-</p:sld>
-</file>
-
-<file path=ppt/slides/slide12.xml><?xml version="1.0" encoding="utf-8"?>
-<p:sld xmlns:a="http://schemas.openxmlformats.org/drawingml/2006/main" xmlns:r="http://schemas.openxmlformats.org/officeDocument/2006/relationships" xmlns:p="http://schemas.openxmlformats.org/presentationml/2006/main">
-  <p:cSld>
-    <p:spTree>
-      <p:nvGrpSpPr>
-        <p:cNvPr id="1" name=""/>
-        <p:cNvGrpSpPr/>
-        <p:nvPr/>
-      </p:nvGrpSpPr>
-      <p:grpSpPr>
-        <a:xfrm>
-          <a:off x="0" y="0"/>
-          <a:ext cx="0" cy="0"/>
-          <a:chOff x="0" y="0"/>
-          <a:chExt cx="0" cy="0"/>
-        </a:xfrm>
-      </p:grpSpPr>
-      <p:sp>
-        <p:nvSpPr>
           <p:cNvPr id="2" name="Title 1"/>
           <p:cNvSpPr>
             <a:spLocks noGrp="1"/>
@@ -13063,18 +9195,7 @@
                 <a:ea typeface="Helvetica Neue" charset="0"/>
                 <a:cs typeface="Helvetica Neue" charset="0"/>
               </a:rPr>
-              <a:t>Field </a:t>
-            </a:r>
-            <a:r>
-              <a:rPr lang="en-US" sz="1800" dirty="0">
-                <a:solidFill>
-                  <a:srgbClr val="7030A0"/>
-                </a:solidFill>
-                <a:latin typeface="Helvetica Neue" charset="0"/>
-                <a:ea typeface="Helvetica Neue" charset="0"/>
-                <a:cs typeface="Helvetica Neue" charset="0"/>
-              </a:rPr>
-              <a:t>Rep expedites shipment</a:t>
+              <a:t>Create new incident on custom help desk system</a:t>
             </a:r>
             <a:endParaRPr lang="en-US" sz="2400" dirty="0">
               <a:solidFill>
@@ -13854,37 +9975,6 @@
       </p:sp>
       <p:sp>
         <p:nvSpPr>
-          <p:cNvPr id="36" name="Slide Number Placeholder 1"/>
-          <p:cNvSpPr>
-            <a:spLocks noGrp="1"/>
-          </p:cNvSpPr>
-          <p:nvPr>
-            <p:ph type="sldNum" sz="quarter" idx="10"/>
-          </p:nvPr>
-        </p:nvSpPr>
-        <p:spPr>
-          <a:xfrm>
-            <a:off x="328613" y="4894263"/>
-            <a:ext cx="2124075" cy="171450"/>
-          </a:xfrm>
-        </p:spPr>
-        <p:txBody>
-          <a:bodyPr/>
-          <a:lstStyle/>
-          <a:p>
-            <a:pPr algn="l">
-              <a:defRPr/>
-            </a:pPr>
-            <a:r>
-              <a:rPr lang="en-US" dirty="0" smtClean="0"/>
-              <a:t>13</a:t>
-            </a:r>
-            <a:endParaRPr lang="en-US" dirty="0"/>
-          </a:p>
-        </p:txBody>
-      </p:sp>
-      <p:sp>
-        <p:nvSpPr>
           <p:cNvPr id="23" name="Rounded Rectangle 22"/>
           <p:cNvSpPr/>
           <p:nvPr/>
@@ -14093,7 +10183,7 @@
         <p:spPr bwMode="auto">
           <a:xfrm>
             <a:off x="7026294" y="3303549"/>
-            <a:ext cx="1018947" cy="852430"/>
+            <a:ext cx="1018947" cy="662661"/>
           </a:xfrm>
           <a:prstGeom prst="wedgeRectCallout">
             <a:avLst>
@@ -14162,7 +10252,40 @@
                 <a:ea typeface="Helvetica Neue Light" charset="0"/>
                 <a:cs typeface="Helvetica Neue Light" charset="0"/>
               </a:rPr>
-              <a:t>. Integration with custom help desk system (including sync with SF Cases)</a:t>
+              <a:t>. </a:t>
+            </a:r>
+            <a:r>
+              <a:rPr lang="en-US" sz="1000" dirty="0" smtClean="0">
+                <a:solidFill>
+                  <a:srgbClr val="191919"/>
+                </a:solidFill>
+                <a:latin typeface="Helvetica Neue Light" charset="0"/>
+                <a:ea typeface="Helvetica Neue Light" charset="0"/>
+                <a:cs typeface="Helvetica Neue Light" charset="0"/>
+              </a:rPr>
+              <a:t>Create new Ticket in custom </a:t>
+            </a:r>
+            <a:r>
+              <a:rPr lang="en-US" sz="1000" dirty="0" smtClean="0">
+                <a:solidFill>
+                  <a:srgbClr val="191919"/>
+                </a:solidFill>
+                <a:latin typeface="Helvetica Neue Light" charset="0"/>
+                <a:ea typeface="Helvetica Neue Light" charset="0"/>
+                <a:cs typeface="Helvetica Neue Light" charset="0"/>
+              </a:rPr>
+              <a:t>help desk </a:t>
+            </a:r>
+            <a:r>
+              <a:rPr lang="en-US" sz="1000" dirty="0" smtClean="0">
+                <a:solidFill>
+                  <a:srgbClr val="191919"/>
+                </a:solidFill>
+                <a:latin typeface="Helvetica Neue Light" charset="0"/>
+                <a:ea typeface="Helvetica Neue Light" charset="0"/>
+                <a:cs typeface="Helvetica Neue Light" charset="0"/>
+              </a:rPr>
+              <a:t>system</a:t>
             </a:r>
             <a:endParaRPr kumimoji="0" lang="en-US" sz="1000" u="none" strike="noStrike" cap="none" normalizeH="0" baseline="0" dirty="0" smtClean="0">
               <a:ln>
@@ -14394,7 +10517,2250 @@
 </p:sld>
 </file>
 
+<file path=ppt/slides/slide12.xml><?xml version="1.0" encoding="utf-8"?>
+<p:sld xmlns:a="http://schemas.openxmlformats.org/drawingml/2006/main" xmlns:r="http://schemas.openxmlformats.org/officeDocument/2006/relationships" xmlns:p="http://schemas.openxmlformats.org/presentationml/2006/main">
+  <p:cSld>
+    <p:spTree>
+      <p:nvGrpSpPr>
+        <p:cNvPr id="1" name=""/>
+        <p:cNvGrpSpPr/>
+        <p:nvPr/>
+      </p:nvGrpSpPr>
+      <p:grpSpPr>
+        <a:xfrm>
+          <a:off x="0" y="0"/>
+          <a:ext cx="0" cy="0"/>
+          <a:chOff x="0" y="0"/>
+          <a:chExt cx="0" cy="0"/>
+        </a:xfrm>
+      </p:grpSpPr>
+      <p:sp>
+        <p:nvSpPr>
+          <p:cNvPr id="2" name="Title 1"/>
+          <p:cNvSpPr>
+            <a:spLocks noGrp="1"/>
+          </p:cNvSpPr>
+          <p:nvPr>
+            <p:ph type="title"/>
+          </p:nvPr>
+        </p:nvSpPr>
+        <p:spPr>
+          <a:xfrm>
+            <a:off x="328613" y="219075"/>
+            <a:ext cx="8686800" cy="637097"/>
+          </a:xfrm>
+        </p:spPr>
+        <p:txBody>
+          <a:bodyPr/>
+          <a:lstStyle/>
+          <a:p>
+            <a:r>
+              <a:rPr lang="en-US" dirty="0" smtClean="0">
+                <a:latin typeface="Helvetica Neue" charset="0"/>
+                <a:ea typeface="Helvetica Neue" charset="0"/>
+                <a:cs typeface="Helvetica Neue" charset="0"/>
+              </a:rPr>
+              <a:t>IBM Cloud Integration for Salesforce Demo</a:t>
+            </a:r>
+            <a:br>
+              <a:rPr lang="en-US" dirty="0" smtClean="0">
+                <a:latin typeface="Helvetica Neue" charset="0"/>
+                <a:ea typeface="Helvetica Neue" charset="0"/>
+                <a:cs typeface="Helvetica Neue" charset="0"/>
+              </a:rPr>
+            </a:br>
+            <a:r>
+              <a:rPr lang="en-US" sz="1800" dirty="0" smtClean="0">
+                <a:solidFill>
+                  <a:srgbClr val="7030A0"/>
+                </a:solidFill>
+                <a:latin typeface="Helvetica Neue" charset="0"/>
+                <a:ea typeface="Helvetica Neue" charset="0"/>
+                <a:cs typeface="Helvetica Neue" charset="0"/>
+              </a:rPr>
+              <a:t>Trouble tickets synchronized to Cases in SF</a:t>
+            </a:r>
+            <a:endParaRPr lang="en-US" sz="2400" dirty="0">
+              <a:solidFill>
+                <a:srgbClr val="7030A0"/>
+              </a:solidFill>
+              <a:latin typeface="Helvetica Neue" charset="0"/>
+              <a:ea typeface="Helvetica Neue" charset="0"/>
+              <a:cs typeface="Helvetica Neue" charset="0"/>
+            </a:endParaRPr>
+          </a:p>
+        </p:txBody>
+      </p:sp>
+      <p:sp>
+        <p:nvSpPr>
+          <p:cNvPr id="5" name="Rounded Rectangle 4"/>
+          <p:cNvSpPr/>
+          <p:nvPr/>
+        </p:nvSpPr>
+        <p:spPr bwMode="auto">
+          <a:xfrm>
+            <a:off x="3331819" y="1674866"/>
+            <a:ext cx="2706880" cy="1110126"/>
+          </a:xfrm>
+          <a:prstGeom prst="roundRect">
+            <a:avLst/>
+          </a:prstGeom>
+          <a:ln>
+            <a:solidFill>
+              <a:srgbClr val="002060"/>
+            </a:solidFill>
+            <a:headEnd type="none" w="med" len="med"/>
+            <a:tailEnd type="none" w="med" len="med"/>
+          </a:ln>
+        </p:spPr>
+        <p:style>
+          <a:lnRef idx="2">
+            <a:schemeClr val="dk1"/>
+          </a:lnRef>
+          <a:fillRef idx="1">
+            <a:schemeClr val="lt1"/>
+          </a:fillRef>
+          <a:effectRef idx="0">
+            <a:schemeClr val="dk1"/>
+          </a:effectRef>
+          <a:fontRef idx="minor">
+            <a:schemeClr val="dk1"/>
+          </a:fontRef>
+        </p:style>
+        <p:txBody>
+          <a:bodyPr vert="horz" wrap="square" lIns="914400" tIns="0" rIns="0" bIns="0" numCol="1" rtlCol="0" anchor="ctr" anchorCtr="0" compatLnSpc="1">
+            <a:prstTxWarp prst="textNoShape">
+              <a:avLst/>
+            </a:prstTxWarp>
+          </a:bodyPr>
+          <a:lstStyle/>
+          <a:p>
+            <a:pPr marL="0" marR="0" indent="0" defTabSz="914400" rtl="0" eaLnBrk="1" fontAlgn="base" latinLnBrk="0" hangingPunct="1">
+              <a:lnSpc>
+                <a:spcPct val="90000"/>
+              </a:lnSpc>
+              <a:spcBef>
+                <a:spcPct val="0"/>
+              </a:spcBef>
+              <a:spcAft>
+                <a:spcPct val="0"/>
+              </a:spcAft>
+              <a:buClrTx/>
+              <a:buSzTx/>
+              <a:buFontTx/>
+              <a:buNone/>
+              <a:tabLst/>
+            </a:pPr>
+            <a:r>
+              <a:rPr kumimoji="0" lang="en-US" b="1" u="none" strike="noStrike" cap="none" normalizeH="0" baseline="0" dirty="0" smtClean="0">
+                <a:ln>
+                  <a:noFill/>
+                </a:ln>
+                <a:solidFill>
+                  <a:schemeClr val="tx2">
+                    <a:lumMod val="75000"/>
+                  </a:schemeClr>
+                </a:solidFill>
+                <a:effectLst/>
+                <a:latin typeface="Helvetica Neue Light" charset="0"/>
+                <a:ea typeface="Helvetica Neue Light" charset="0"/>
+                <a:cs typeface="Helvetica Neue Light" charset="0"/>
+              </a:rPr>
+              <a:t>App</a:t>
+            </a:r>
+          </a:p>
+          <a:p>
+            <a:pPr marL="0" marR="0" indent="0" defTabSz="914400" rtl="0" eaLnBrk="1" fontAlgn="base" latinLnBrk="0" hangingPunct="1">
+              <a:lnSpc>
+                <a:spcPct val="90000"/>
+              </a:lnSpc>
+              <a:spcBef>
+                <a:spcPct val="0"/>
+              </a:spcBef>
+              <a:spcAft>
+                <a:spcPct val="0"/>
+              </a:spcAft>
+              <a:buClrTx/>
+              <a:buSzTx/>
+              <a:buFontTx/>
+              <a:buNone/>
+              <a:tabLst/>
+            </a:pPr>
+            <a:r>
+              <a:rPr kumimoji="0" lang="en-US" u="none" strike="noStrike" cap="none" normalizeH="0" baseline="0" dirty="0" smtClean="0">
+                <a:ln>
+                  <a:noFill/>
+                </a:ln>
+                <a:solidFill>
+                  <a:schemeClr val="tx2">
+                    <a:lumMod val="75000"/>
+                  </a:schemeClr>
+                </a:solidFill>
+                <a:effectLst/>
+                <a:latin typeface="Helvetica Neue Light" charset="0"/>
+                <a:ea typeface="Helvetica Neue Light" charset="0"/>
+                <a:cs typeface="Helvetica Neue Light" charset="0"/>
+              </a:rPr>
+              <a:t>Connect</a:t>
+            </a:r>
+          </a:p>
+        </p:txBody>
+      </p:sp>
+      <p:pic>
+        <p:nvPicPr>
+          <p:cNvPr id="24" name="Picture 23"/>
+          <p:cNvPicPr>
+            <a:picLocks noChangeAspect="1"/>
+          </p:cNvPicPr>
+          <p:nvPr/>
+        </p:nvPicPr>
+        <p:blipFill>
+          <a:blip r:embed="rId2"/>
+          <a:stretch>
+            <a:fillRect/>
+          </a:stretch>
+        </p:blipFill>
+        <p:spPr>
+          <a:xfrm>
+            <a:off x="762990" y="3140118"/>
+            <a:ext cx="1833847" cy="1151248"/>
+          </a:xfrm>
+          <a:prstGeom prst="rect">
+            <a:avLst/>
+          </a:prstGeom>
+        </p:spPr>
+      </p:pic>
+      <p:pic>
+        <p:nvPicPr>
+          <p:cNvPr id="26" name="Picture 25"/>
+          <p:cNvPicPr>
+            <a:picLocks noChangeAspect="1"/>
+          </p:cNvPicPr>
+          <p:nvPr/>
+        </p:nvPicPr>
+        <p:blipFill>
+          <a:blip r:embed="rId3" cstate="hqprint">
+            <a:extLst>
+              <a:ext uri="{28A0092B-C50C-407E-A947-70E740481C1C}">
+                <a14:useLocalDpi xmlns:a14="http://schemas.microsoft.com/office/drawing/2010/main"/>
+              </a:ext>
+            </a:extLst>
+          </a:blip>
+          <a:stretch>
+            <a:fillRect/>
+          </a:stretch>
+        </p:blipFill>
+        <p:spPr>
+          <a:xfrm>
+            <a:off x="3448188" y="1782098"/>
+            <a:ext cx="501795" cy="501795"/>
+          </a:xfrm>
+          <a:prstGeom prst="rect">
+            <a:avLst/>
+          </a:prstGeom>
+        </p:spPr>
+      </p:pic>
+      <p:pic>
+        <p:nvPicPr>
+          <p:cNvPr id="43" name="Picture 42"/>
+          <p:cNvPicPr>
+            <a:picLocks noChangeAspect="1"/>
+          </p:cNvPicPr>
+          <p:nvPr/>
+        </p:nvPicPr>
+        <p:blipFill>
+          <a:blip r:embed="rId4" cstate="hqprint">
+            <a:extLst>
+              <a:ext uri="{28A0092B-C50C-407E-A947-70E740481C1C}">
+                <a14:useLocalDpi xmlns:a14="http://schemas.microsoft.com/office/drawing/2010/main"/>
+              </a:ext>
+            </a:extLst>
+          </a:blip>
+          <a:stretch>
+            <a:fillRect/>
+          </a:stretch>
+        </p:blipFill>
+        <p:spPr>
+          <a:xfrm>
+            <a:off x="1043836" y="1487812"/>
+            <a:ext cx="841682" cy="841682"/>
+          </a:xfrm>
+          <a:prstGeom prst="rect">
+            <a:avLst/>
+          </a:prstGeom>
+        </p:spPr>
+      </p:pic>
+      <p:cxnSp>
+        <p:nvCxnSpPr>
+          <p:cNvPr id="63" name="Straight Arrow Connector 62"/>
+          <p:cNvCxnSpPr/>
+          <p:nvPr/>
+        </p:nvCxnSpPr>
+        <p:spPr bwMode="auto">
+          <a:xfrm>
+            <a:off x="1754215" y="1941454"/>
+            <a:ext cx="1485389" cy="0"/>
+          </a:xfrm>
+          <a:prstGeom prst="straightConnector1">
+            <a:avLst/>
+          </a:prstGeom>
+          <a:noFill/>
+          <a:ln w="12700" cap="flat" cmpd="sng" algn="ctr">
+            <a:solidFill>
+              <a:schemeClr val="bg1">
+                <a:lumMod val="50000"/>
+              </a:schemeClr>
+            </a:solidFill>
+            <a:prstDash val="solid"/>
+            <a:round/>
+            <a:headEnd type="none" w="med" len="med"/>
+            <a:tailEnd type="triangle"/>
+          </a:ln>
+          <a:effectLst/>
+        </p:spPr>
+      </p:cxnSp>
+      <p:cxnSp>
+        <p:nvCxnSpPr>
+          <p:cNvPr id="28" name="Straight Arrow Connector 27"/>
+          <p:cNvCxnSpPr/>
+          <p:nvPr/>
+        </p:nvCxnSpPr>
+        <p:spPr bwMode="auto">
+          <a:xfrm>
+            <a:off x="6142934" y="1941454"/>
+            <a:ext cx="751673" cy="0"/>
+          </a:xfrm>
+          <a:prstGeom prst="straightConnector1">
+            <a:avLst/>
+          </a:prstGeom>
+          <a:noFill/>
+          <a:ln w="12700" cap="flat" cmpd="sng" algn="ctr">
+            <a:solidFill>
+              <a:schemeClr val="bg1">
+                <a:lumMod val="50000"/>
+              </a:schemeClr>
+            </a:solidFill>
+            <a:prstDash val="solid"/>
+            <a:round/>
+            <a:headEnd type="none" w="med" len="med"/>
+            <a:tailEnd type="triangle"/>
+          </a:ln>
+          <a:effectLst/>
+        </p:spPr>
+      </p:cxnSp>
+      <p:sp>
+        <p:nvSpPr>
+          <p:cNvPr id="21" name="Rectangular Callout 20"/>
+          <p:cNvSpPr/>
+          <p:nvPr/>
+        </p:nvSpPr>
+        <p:spPr bwMode="auto">
+          <a:xfrm>
+            <a:off x="2612445" y="4270348"/>
+            <a:ext cx="1723616" cy="233491"/>
+          </a:xfrm>
+          <a:prstGeom prst="wedgeRectCallout">
+            <a:avLst>
+              <a:gd name="adj1" fmla="val -61099"/>
+              <a:gd name="adj2" fmla="val -244459"/>
+            </a:avLst>
+          </a:prstGeom>
+          <a:solidFill>
+            <a:schemeClr val="accent4">
+              <a:lumMod val="20000"/>
+              <a:lumOff val="80000"/>
+            </a:schemeClr>
+          </a:solidFill>
+          <a:ln w="9525" cap="flat" cmpd="sng" algn="ctr">
+            <a:solidFill>
+              <a:srgbClr val="7030A0"/>
+            </a:solidFill>
+            <a:prstDash val="solid"/>
+            <a:round/>
+            <a:headEnd type="none" w="med" len="med"/>
+            <a:tailEnd type="none" w="med" len="med"/>
+          </a:ln>
+          <a:effectLst/>
+        </p:spPr>
+        <p:txBody>
+          <a:bodyPr vert="horz" wrap="square" lIns="45720" tIns="45720" rIns="45720" bIns="45720" numCol="1" rtlCol="0" anchor="t" anchorCtr="0" compatLnSpc="1">
+            <a:prstTxWarp prst="textNoShape">
+              <a:avLst/>
+            </a:prstTxWarp>
+          </a:bodyPr>
+          <a:lstStyle/>
+          <a:p>
+            <a:pPr marL="0" marR="0" indent="0" algn="l" defTabSz="914400" rtl="0" eaLnBrk="1" fontAlgn="base" latinLnBrk="0" hangingPunct="1">
+              <a:lnSpc>
+                <a:spcPct val="90000"/>
+              </a:lnSpc>
+              <a:spcBef>
+                <a:spcPct val="0"/>
+              </a:spcBef>
+              <a:spcAft>
+                <a:spcPct val="0"/>
+              </a:spcAft>
+              <a:buClrTx/>
+              <a:buSzTx/>
+              <a:buFontTx/>
+              <a:buNone/>
+              <a:tabLst/>
+            </a:pPr>
+            <a:r>
+              <a:rPr lang="en-US" sz="1000" dirty="0">
+                <a:solidFill>
+                  <a:srgbClr val="191919"/>
+                </a:solidFill>
+                <a:latin typeface="Helvetica Neue Light" charset="0"/>
+                <a:ea typeface="Helvetica Neue Light" charset="0"/>
+                <a:cs typeface="Helvetica Neue Light" charset="0"/>
+              </a:rPr>
+              <a:t>4</a:t>
+            </a:r>
+            <a:r>
+              <a:rPr kumimoji="0" lang="en-US" sz="1000" u="none" strike="noStrike" cap="none" normalizeH="0" baseline="0" dirty="0" smtClean="0">
+                <a:ln>
+                  <a:noFill/>
+                </a:ln>
+                <a:solidFill>
+                  <a:srgbClr val="191919"/>
+                </a:solidFill>
+                <a:effectLst/>
+                <a:latin typeface="Helvetica Neue Light" charset="0"/>
+                <a:ea typeface="Helvetica Neue Light" charset="0"/>
+                <a:cs typeface="Helvetica Neue Light" charset="0"/>
+              </a:rPr>
+              <a:t>. </a:t>
+            </a:r>
+            <a:r>
+              <a:rPr lang="en-US" sz="1000" dirty="0" smtClean="0">
+                <a:solidFill>
+                  <a:srgbClr val="191919"/>
+                </a:solidFill>
+                <a:latin typeface="Helvetica Neue Light" charset="0"/>
+                <a:ea typeface="Helvetica Neue Light" charset="0"/>
+                <a:cs typeface="Helvetica Neue Light" charset="0"/>
+              </a:rPr>
+              <a:t>T</a:t>
+            </a:r>
+            <a:r>
+              <a:rPr kumimoji="0" lang="en-US" sz="1000" u="none" strike="noStrike" cap="none" normalizeH="0" baseline="0" dirty="0" smtClean="0">
+                <a:ln>
+                  <a:noFill/>
+                </a:ln>
+                <a:solidFill>
+                  <a:srgbClr val="191919"/>
+                </a:solidFill>
+                <a:effectLst/>
+                <a:latin typeface="Helvetica Neue Light" charset="0"/>
+                <a:ea typeface="Helvetica Neue Light" charset="0"/>
+                <a:cs typeface="Helvetica Neue Light" charset="0"/>
+              </a:rPr>
+              <a:t>rigger notification to </a:t>
+            </a:r>
+            <a:r>
+              <a:rPr kumimoji="0" lang="en-US" sz="1000" b="1" u="none" strike="noStrike" cap="none" normalizeH="0" baseline="0" dirty="0" smtClean="0">
+                <a:ln>
+                  <a:noFill/>
+                </a:ln>
+                <a:solidFill>
+                  <a:srgbClr val="191919"/>
+                </a:solidFill>
+                <a:effectLst/>
+                <a:latin typeface="Helvetica Neue Light" charset="0"/>
+                <a:ea typeface="Helvetica Neue Light" charset="0"/>
+                <a:cs typeface="Helvetica Neue Light" charset="0"/>
+              </a:rPr>
+              <a:t>MQ</a:t>
+            </a:r>
+          </a:p>
+        </p:txBody>
+      </p:sp>
+      <p:sp>
+        <p:nvSpPr>
+          <p:cNvPr id="30" name="Rectangular Callout 29"/>
+          <p:cNvSpPr/>
+          <p:nvPr/>
+        </p:nvSpPr>
+        <p:spPr bwMode="auto">
+          <a:xfrm>
+            <a:off x="5475449" y="3150220"/>
+            <a:ext cx="996603" cy="394753"/>
+          </a:xfrm>
+          <a:prstGeom prst="wedgeRectCallout">
+            <a:avLst>
+              <a:gd name="adj1" fmla="val -116960"/>
+              <a:gd name="adj2" fmla="val -12076"/>
+            </a:avLst>
+          </a:prstGeom>
+          <a:solidFill>
+            <a:schemeClr val="accent4">
+              <a:lumMod val="20000"/>
+              <a:lumOff val="80000"/>
+            </a:schemeClr>
+          </a:solidFill>
+          <a:ln w="9525" cap="flat" cmpd="sng" algn="ctr">
+            <a:solidFill>
+              <a:schemeClr val="accent4">
+                <a:lumMod val="50000"/>
+              </a:schemeClr>
+            </a:solidFill>
+            <a:prstDash val="solid"/>
+            <a:round/>
+            <a:headEnd type="none" w="med" len="med"/>
+            <a:tailEnd type="none" w="med" len="med"/>
+          </a:ln>
+          <a:effectLst/>
+        </p:spPr>
+        <p:txBody>
+          <a:bodyPr vert="horz" wrap="square" lIns="45720" tIns="45720" rIns="45720" bIns="45720" numCol="1" rtlCol="0" anchor="t" anchorCtr="0" compatLnSpc="1">
+            <a:prstTxWarp prst="textNoShape">
+              <a:avLst/>
+            </a:prstTxWarp>
+          </a:bodyPr>
+          <a:lstStyle/>
+          <a:p>
+            <a:pPr marL="0" marR="0" indent="0" algn="l" defTabSz="914400" rtl="0" eaLnBrk="1" fontAlgn="base" latinLnBrk="0" hangingPunct="1">
+              <a:lnSpc>
+                <a:spcPct val="90000"/>
+              </a:lnSpc>
+              <a:spcBef>
+                <a:spcPct val="0"/>
+              </a:spcBef>
+              <a:spcAft>
+                <a:spcPct val="0"/>
+              </a:spcAft>
+              <a:buClrTx/>
+              <a:buSzTx/>
+              <a:buFontTx/>
+              <a:buNone/>
+              <a:tabLst/>
+            </a:pPr>
+            <a:r>
+              <a:rPr lang="en-US" sz="1000" dirty="0">
+                <a:solidFill>
+                  <a:srgbClr val="191919"/>
+                </a:solidFill>
+                <a:latin typeface="Helvetica Neue Light" charset="0"/>
+                <a:ea typeface="Helvetica Neue Light" charset="0"/>
+                <a:cs typeface="Helvetica Neue Light" charset="0"/>
+              </a:rPr>
+              <a:t>5</a:t>
+            </a:r>
+            <a:r>
+              <a:rPr lang="en-US" sz="1000" dirty="0" smtClean="0">
+                <a:solidFill>
+                  <a:srgbClr val="191919"/>
+                </a:solidFill>
+                <a:latin typeface="Helvetica Neue Light" charset="0"/>
+                <a:ea typeface="Helvetica Neue Light" charset="0"/>
+                <a:cs typeface="Helvetica Neue Light" charset="0"/>
+              </a:rPr>
+              <a:t>. Publish to </a:t>
+            </a:r>
+            <a:r>
+              <a:rPr lang="en-US" sz="1000" b="1" dirty="0" smtClean="0">
+                <a:solidFill>
+                  <a:srgbClr val="191919"/>
+                </a:solidFill>
+                <a:latin typeface="Helvetica Neue Light" charset="0"/>
+                <a:ea typeface="Helvetica Neue Light" charset="0"/>
+                <a:cs typeface="Helvetica Neue Light" charset="0"/>
+              </a:rPr>
+              <a:t>App Connect</a:t>
+            </a:r>
+            <a:endParaRPr kumimoji="0" lang="en-US" sz="1000" b="1" u="none" strike="noStrike" cap="none" normalizeH="0" baseline="0" dirty="0" smtClean="0">
+              <a:ln>
+                <a:noFill/>
+              </a:ln>
+              <a:solidFill>
+                <a:srgbClr val="191919"/>
+              </a:solidFill>
+              <a:effectLst/>
+              <a:latin typeface="Helvetica Neue Light" charset="0"/>
+              <a:ea typeface="Helvetica Neue Light" charset="0"/>
+              <a:cs typeface="Helvetica Neue Light" charset="0"/>
+            </a:endParaRPr>
+          </a:p>
+        </p:txBody>
+      </p:sp>
+      <p:sp>
+        <p:nvSpPr>
+          <p:cNvPr id="31" name="Rectangular Callout 30"/>
+          <p:cNvSpPr/>
+          <p:nvPr/>
+        </p:nvSpPr>
+        <p:spPr bwMode="auto">
+          <a:xfrm>
+            <a:off x="2531742" y="2886508"/>
+            <a:ext cx="665777" cy="507219"/>
+          </a:xfrm>
+          <a:prstGeom prst="wedgeRectCallout">
+            <a:avLst>
+              <a:gd name="adj1" fmla="val 37993"/>
+              <a:gd name="adj2" fmla="val -105549"/>
+            </a:avLst>
+          </a:prstGeom>
+          <a:solidFill>
+            <a:schemeClr val="accent4">
+              <a:lumMod val="20000"/>
+              <a:lumOff val="80000"/>
+            </a:schemeClr>
+          </a:solidFill>
+          <a:ln w="9525" cap="flat" cmpd="sng" algn="ctr">
+            <a:solidFill>
+              <a:srgbClr val="7030A0"/>
+            </a:solidFill>
+            <a:prstDash val="solid"/>
+            <a:round/>
+            <a:headEnd type="none" w="med" len="med"/>
+            <a:tailEnd type="none" w="med" len="med"/>
+          </a:ln>
+          <a:effectLst/>
+        </p:spPr>
+        <p:txBody>
+          <a:bodyPr vert="horz" wrap="square" lIns="45720" tIns="45720" rIns="45720" bIns="45720" numCol="1" rtlCol="0" anchor="t" anchorCtr="0" compatLnSpc="1">
+            <a:prstTxWarp prst="textNoShape">
+              <a:avLst/>
+            </a:prstTxWarp>
+          </a:bodyPr>
+          <a:lstStyle/>
+          <a:p>
+            <a:pPr marL="0" marR="0" indent="0" algn="l" defTabSz="914400" rtl="0" eaLnBrk="1" fontAlgn="base" latinLnBrk="0" hangingPunct="1">
+              <a:lnSpc>
+                <a:spcPct val="90000"/>
+              </a:lnSpc>
+              <a:spcBef>
+                <a:spcPct val="0"/>
+              </a:spcBef>
+              <a:spcAft>
+                <a:spcPct val="0"/>
+              </a:spcAft>
+              <a:buClrTx/>
+              <a:buSzTx/>
+              <a:buFontTx/>
+              <a:buNone/>
+              <a:tabLst/>
+            </a:pPr>
+            <a:r>
+              <a:rPr lang="en-US" sz="1000" dirty="0">
+                <a:solidFill>
+                  <a:srgbClr val="191919"/>
+                </a:solidFill>
+                <a:latin typeface="Helvetica Neue Light" charset="0"/>
+                <a:ea typeface="Helvetica Neue Light" charset="0"/>
+                <a:cs typeface="Helvetica Neue Light" charset="0"/>
+              </a:rPr>
+              <a:t>6</a:t>
+            </a:r>
+            <a:r>
+              <a:rPr lang="en-US" sz="1000" dirty="0" smtClean="0">
+                <a:solidFill>
+                  <a:srgbClr val="191919"/>
+                </a:solidFill>
+                <a:latin typeface="Helvetica Neue Light" charset="0"/>
+                <a:ea typeface="Helvetica Neue Light" charset="0"/>
+                <a:cs typeface="Helvetica Neue Light" charset="0"/>
+              </a:rPr>
+              <a:t>. Confirm shipment started</a:t>
+            </a:r>
+            <a:endParaRPr kumimoji="0" lang="en-US" sz="1000" u="none" strike="noStrike" cap="none" normalizeH="0" baseline="0" dirty="0" smtClean="0">
+              <a:ln>
+                <a:noFill/>
+              </a:ln>
+              <a:solidFill>
+                <a:srgbClr val="191919"/>
+              </a:solidFill>
+              <a:effectLst/>
+              <a:latin typeface="Helvetica Neue Light" charset="0"/>
+              <a:ea typeface="Helvetica Neue Light" charset="0"/>
+              <a:cs typeface="Helvetica Neue Light" charset="0"/>
+            </a:endParaRPr>
+          </a:p>
+        </p:txBody>
+      </p:sp>
+      <p:sp>
+        <p:nvSpPr>
+          <p:cNvPr id="32" name="Rectangular Callout 31"/>
+          <p:cNvSpPr/>
+          <p:nvPr/>
+        </p:nvSpPr>
+        <p:spPr bwMode="auto">
+          <a:xfrm>
+            <a:off x="287461" y="2283892"/>
+            <a:ext cx="814447" cy="501099"/>
+          </a:xfrm>
+          <a:prstGeom prst="wedgeRectCallout">
+            <a:avLst>
+              <a:gd name="adj1" fmla="val 82633"/>
+              <a:gd name="adj2" fmla="val 55817"/>
+            </a:avLst>
+          </a:prstGeom>
+          <a:solidFill>
+            <a:schemeClr val="accent4">
+              <a:lumMod val="20000"/>
+              <a:lumOff val="80000"/>
+            </a:schemeClr>
+          </a:solidFill>
+          <a:ln w="9525" cap="flat" cmpd="sng" algn="ctr">
+            <a:solidFill>
+              <a:schemeClr val="accent4">
+                <a:lumMod val="50000"/>
+              </a:schemeClr>
+            </a:solidFill>
+            <a:prstDash val="solid"/>
+            <a:round/>
+            <a:headEnd type="none" w="med" len="med"/>
+            <a:tailEnd type="none" w="med" len="med"/>
+          </a:ln>
+          <a:effectLst/>
+        </p:spPr>
+        <p:txBody>
+          <a:bodyPr vert="horz" wrap="square" lIns="45720" tIns="45720" rIns="45720" bIns="45720" numCol="1" rtlCol="0" anchor="t" anchorCtr="0" compatLnSpc="1">
+            <a:prstTxWarp prst="textNoShape">
+              <a:avLst/>
+            </a:prstTxWarp>
+          </a:bodyPr>
+          <a:lstStyle/>
+          <a:p>
+            <a:pPr marL="0" marR="0" indent="0" algn="l" defTabSz="914400" rtl="0" eaLnBrk="1" fontAlgn="base" latinLnBrk="0" hangingPunct="1">
+              <a:lnSpc>
+                <a:spcPct val="90000"/>
+              </a:lnSpc>
+              <a:spcBef>
+                <a:spcPct val="0"/>
+              </a:spcBef>
+              <a:spcAft>
+                <a:spcPct val="0"/>
+              </a:spcAft>
+              <a:buClrTx/>
+              <a:buSzTx/>
+              <a:buFontTx/>
+              <a:buNone/>
+              <a:tabLst/>
+            </a:pPr>
+            <a:r>
+              <a:rPr lang="en-US" sz="1000" dirty="0">
+                <a:solidFill>
+                  <a:srgbClr val="191919"/>
+                </a:solidFill>
+                <a:latin typeface="Helvetica Neue Light" charset="0"/>
+                <a:ea typeface="Helvetica Neue Light" charset="0"/>
+                <a:cs typeface="Helvetica Neue Light" charset="0"/>
+              </a:rPr>
+              <a:t>3</a:t>
+            </a:r>
+            <a:r>
+              <a:rPr lang="en-US" sz="1000" dirty="0" smtClean="0">
+                <a:solidFill>
+                  <a:srgbClr val="191919"/>
+                </a:solidFill>
+                <a:latin typeface="Helvetica Neue Light" charset="0"/>
+                <a:ea typeface="Helvetica Neue Light" charset="0"/>
+                <a:cs typeface="Helvetica Neue Light" charset="0"/>
+              </a:rPr>
+              <a:t>. Request shipment upgrade</a:t>
+            </a:r>
+            <a:endParaRPr kumimoji="0" lang="en-US" sz="1000" u="none" strike="noStrike" cap="none" normalizeH="0" baseline="0" dirty="0" smtClean="0">
+              <a:ln>
+                <a:noFill/>
+              </a:ln>
+              <a:solidFill>
+                <a:srgbClr val="191919"/>
+              </a:solidFill>
+              <a:effectLst/>
+              <a:latin typeface="Helvetica Neue Light" charset="0"/>
+              <a:ea typeface="Helvetica Neue Light" charset="0"/>
+              <a:cs typeface="Helvetica Neue Light" charset="0"/>
+            </a:endParaRPr>
+          </a:p>
+        </p:txBody>
+      </p:sp>
+      <p:sp>
+        <p:nvSpPr>
+          <p:cNvPr id="33" name="Rounded Rectangle 32"/>
+          <p:cNvSpPr/>
+          <p:nvPr/>
+        </p:nvSpPr>
+        <p:spPr bwMode="auto">
+          <a:xfrm>
+            <a:off x="4120452" y="3504483"/>
+            <a:ext cx="1046177" cy="654628"/>
+          </a:xfrm>
+          <a:prstGeom prst="roundRect">
+            <a:avLst/>
+          </a:prstGeom>
+          <a:ln>
+            <a:solidFill>
+              <a:srgbClr val="002060"/>
+            </a:solidFill>
+            <a:headEnd type="none" w="med" len="med"/>
+            <a:tailEnd type="none" w="med" len="med"/>
+          </a:ln>
+        </p:spPr>
+        <p:style>
+          <a:lnRef idx="2">
+            <a:schemeClr val="dk1"/>
+          </a:lnRef>
+          <a:fillRef idx="1">
+            <a:schemeClr val="lt1"/>
+          </a:fillRef>
+          <a:effectRef idx="0">
+            <a:schemeClr val="dk1"/>
+          </a:effectRef>
+          <a:fontRef idx="minor">
+            <a:schemeClr val="dk1"/>
+          </a:fontRef>
+        </p:style>
+        <p:txBody>
+          <a:bodyPr vert="horz" wrap="square" lIns="0" tIns="0" rIns="0" bIns="0" numCol="1" rtlCol="0" anchor="ctr" anchorCtr="0" compatLnSpc="1">
+            <a:prstTxWarp prst="textNoShape">
+              <a:avLst/>
+            </a:prstTxWarp>
+          </a:bodyPr>
+          <a:lstStyle/>
+          <a:p>
+            <a:pPr marL="0" marR="0" indent="0" algn="ctr" defTabSz="914400" rtl="0" eaLnBrk="1" fontAlgn="base" latinLnBrk="0" hangingPunct="1">
+              <a:lnSpc>
+                <a:spcPct val="90000"/>
+              </a:lnSpc>
+              <a:spcBef>
+                <a:spcPct val="0"/>
+              </a:spcBef>
+              <a:spcAft>
+                <a:spcPct val="0"/>
+              </a:spcAft>
+              <a:buClrTx/>
+              <a:buSzTx/>
+              <a:buFontTx/>
+              <a:buNone/>
+              <a:tabLst/>
+            </a:pPr>
+            <a:r>
+              <a:rPr kumimoji="0" lang="en-US" sz="1600" b="1" u="none" strike="noStrike" cap="none" normalizeH="0" baseline="0" dirty="0" smtClean="0">
+                <a:ln>
+                  <a:noFill/>
+                </a:ln>
+                <a:solidFill>
+                  <a:schemeClr val="tx2">
+                    <a:lumMod val="75000"/>
+                  </a:schemeClr>
+                </a:solidFill>
+                <a:effectLst/>
+                <a:latin typeface="Helvetica Neue Light" charset="0"/>
+                <a:ea typeface="Helvetica Neue Light" charset="0"/>
+                <a:cs typeface="Helvetica Neue Light" charset="0"/>
+              </a:rPr>
+              <a:t>MQ</a:t>
+            </a:r>
+          </a:p>
+        </p:txBody>
+      </p:sp>
+      <p:sp>
+        <p:nvSpPr>
+          <p:cNvPr id="36" name="Slide Number Placeholder 1"/>
+          <p:cNvSpPr>
+            <a:spLocks noGrp="1"/>
+          </p:cNvSpPr>
+          <p:nvPr>
+            <p:ph type="sldNum" sz="quarter" idx="10"/>
+          </p:nvPr>
+        </p:nvSpPr>
+        <p:spPr>
+          <a:xfrm>
+            <a:off x="328613" y="4894263"/>
+            <a:ext cx="2124075" cy="171450"/>
+          </a:xfrm>
+        </p:spPr>
+        <p:txBody>
+          <a:bodyPr/>
+          <a:lstStyle/>
+          <a:p>
+            <a:pPr algn="l">
+              <a:defRPr/>
+            </a:pPr>
+            <a:r>
+              <a:rPr lang="en-US" dirty="0" smtClean="0"/>
+              <a:t>13</a:t>
+            </a:r>
+            <a:endParaRPr lang="en-US" dirty="0"/>
+          </a:p>
+        </p:txBody>
+      </p:sp>
+      <p:sp>
+        <p:nvSpPr>
+          <p:cNvPr id="23" name="Rounded Rectangle 22"/>
+          <p:cNvSpPr/>
+          <p:nvPr/>
+        </p:nvSpPr>
+        <p:spPr bwMode="auto">
+          <a:xfrm>
+            <a:off x="7026294" y="1723817"/>
+            <a:ext cx="1494504" cy="435274"/>
+          </a:xfrm>
+          <a:prstGeom prst="roundRect">
+            <a:avLst/>
+          </a:prstGeom>
+          <a:noFill/>
+          <a:ln>
+            <a:solidFill>
+              <a:schemeClr val="bg1">
+                <a:lumMod val="65000"/>
+              </a:schemeClr>
+            </a:solidFill>
+            <a:headEnd type="none" w="med" len="med"/>
+            <a:tailEnd type="none" w="med" len="med"/>
+          </a:ln>
+        </p:spPr>
+        <p:style>
+          <a:lnRef idx="2">
+            <a:schemeClr val="dk1"/>
+          </a:lnRef>
+          <a:fillRef idx="1">
+            <a:schemeClr val="lt1"/>
+          </a:fillRef>
+          <a:effectRef idx="0">
+            <a:schemeClr val="dk1"/>
+          </a:effectRef>
+          <a:fontRef idx="minor">
+            <a:schemeClr val="dk1"/>
+          </a:fontRef>
+        </p:style>
+        <p:txBody>
+          <a:bodyPr vert="horz" wrap="square" lIns="0" tIns="0" rIns="0" bIns="0" numCol="1" rtlCol="0" anchor="ctr" anchorCtr="0" compatLnSpc="1">
+            <a:prstTxWarp prst="textNoShape">
+              <a:avLst/>
+            </a:prstTxWarp>
+          </a:bodyPr>
+          <a:lstStyle/>
+          <a:p>
+            <a:pPr marL="0" marR="0" indent="0" algn="ctr" defTabSz="914400" rtl="0" eaLnBrk="1" fontAlgn="base" latinLnBrk="0" hangingPunct="1">
+              <a:lnSpc>
+                <a:spcPct val="90000"/>
+              </a:lnSpc>
+              <a:spcBef>
+                <a:spcPct val="0"/>
+              </a:spcBef>
+              <a:spcAft>
+                <a:spcPct val="0"/>
+              </a:spcAft>
+              <a:buClrTx/>
+              <a:buSzTx/>
+              <a:buFontTx/>
+              <a:buNone/>
+              <a:tabLst/>
+            </a:pPr>
+            <a:r>
+              <a:rPr kumimoji="0" lang="en-US" sz="1400" u="none" strike="noStrike" cap="none" normalizeH="0" baseline="0" smtClean="0">
+                <a:ln>
+                  <a:noFill/>
+                </a:ln>
+                <a:solidFill>
+                  <a:schemeClr val="tx1">
+                    <a:lumMod val="50000"/>
+                    <a:lumOff val="50000"/>
+                  </a:schemeClr>
+                </a:solidFill>
+                <a:effectLst/>
+                <a:latin typeface="Helvetica Neue Light" charset="0"/>
+                <a:ea typeface="Helvetica Neue Light" charset="0"/>
+                <a:cs typeface="Helvetica Neue Light" charset="0"/>
+              </a:rPr>
+              <a:t>Shipping Vendor</a:t>
+            </a:r>
+          </a:p>
+        </p:txBody>
+      </p:sp>
+      <p:sp>
+        <p:nvSpPr>
+          <p:cNvPr id="25" name="Rounded Rectangle 24"/>
+          <p:cNvSpPr/>
+          <p:nvPr/>
+        </p:nvSpPr>
+        <p:spPr bwMode="auto">
+          <a:xfrm>
+            <a:off x="7026294" y="2362256"/>
+            <a:ext cx="1494504" cy="435274"/>
+          </a:xfrm>
+          <a:prstGeom prst="roundRect">
+            <a:avLst/>
+          </a:prstGeom>
+          <a:noFill/>
+          <a:ln>
+            <a:solidFill>
+              <a:schemeClr val="bg1">
+                <a:lumMod val="65000"/>
+              </a:schemeClr>
+            </a:solidFill>
+            <a:headEnd type="none" w="med" len="med"/>
+            <a:tailEnd type="none" w="med" len="med"/>
+          </a:ln>
+        </p:spPr>
+        <p:style>
+          <a:lnRef idx="2">
+            <a:schemeClr val="dk1"/>
+          </a:lnRef>
+          <a:fillRef idx="1">
+            <a:schemeClr val="lt1"/>
+          </a:fillRef>
+          <a:effectRef idx="0">
+            <a:schemeClr val="dk1"/>
+          </a:effectRef>
+          <a:fontRef idx="minor">
+            <a:schemeClr val="dk1"/>
+          </a:fontRef>
+        </p:style>
+        <p:txBody>
+          <a:bodyPr vert="horz" wrap="square" lIns="0" tIns="0" rIns="0" bIns="0" numCol="1" rtlCol="0" anchor="ctr" anchorCtr="0" compatLnSpc="1">
+            <a:prstTxWarp prst="textNoShape">
+              <a:avLst/>
+            </a:prstTxWarp>
+          </a:bodyPr>
+          <a:lstStyle/>
+          <a:p>
+            <a:pPr marL="0" marR="0" indent="0" algn="ctr" defTabSz="914400" rtl="0" eaLnBrk="1" fontAlgn="base" latinLnBrk="0" hangingPunct="1">
+              <a:lnSpc>
+                <a:spcPct val="90000"/>
+              </a:lnSpc>
+              <a:spcBef>
+                <a:spcPct val="0"/>
+              </a:spcBef>
+              <a:spcAft>
+                <a:spcPct val="0"/>
+              </a:spcAft>
+              <a:buClrTx/>
+              <a:buSzTx/>
+              <a:buFontTx/>
+              <a:buNone/>
+              <a:tabLst/>
+            </a:pPr>
+            <a:r>
+              <a:rPr kumimoji="0" lang="en-US" sz="1400" u="none" strike="noStrike" cap="none" normalizeH="0" baseline="0" dirty="0" smtClean="0">
+                <a:ln>
+                  <a:noFill/>
+                </a:ln>
+                <a:solidFill>
+                  <a:schemeClr val="tx1">
+                    <a:lumMod val="50000"/>
+                    <a:lumOff val="50000"/>
+                  </a:schemeClr>
+                </a:solidFill>
+                <a:effectLst/>
+                <a:latin typeface="Helvetica Neue Light" charset="0"/>
+                <a:ea typeface="Helvetica Neue Light" charset="0"/>
+                <a:cs typeface="Helvetica Neue Light" charset="0"/>
+              </a:rPr>
+              <a:t>Trouble</a:t>
+            </a:r>
+            <a:r>
+              <a:rPr kumimoji="0" lang="en-US" sz="1400" u="none" strike="noStrike" cap="none" normalizeH="0" dirty="0" smtClean="0">
+                <a:ln>
+                  <a:noFill/>
+                </a:ln>
+                <a:solidFill>
+                  <a:schemeClr val="tx1">
+                    <a:lumMod val="50000"/>
+                    <a:lumOff val="50000"/>
+                  </a:schemeClr>
+                </a:solidFill>
+                <a:effectLst/>
+                <a:latin typeface="Helvetica Neue Light" charset="0"/>
+                <a:ea typeface="Helvetica Neue Light" charset="0"/>
+                <a:cs typeface="Helvetica Neue Light" charset="0"/>
+              </a:rPr>
+              <a:t> Ticket System</a:t>
+            </a:r>
+            <a:endParaRPr kumimoji="0" lang="en-US" sz="1400" u="none" strike="noStrike" cap="none" normalizeH="0" baseline="0" dirty="0" smtClean="0">
+              <a:ln>
+                <a:noFill/>
+              </a:ln>
+              <a:solidFill>
+                <a:schemeClr val="tx1">
+                  <a:lumMod val="50000"/>
+                  <a:lumOff val="50000"/>
+                </a:schemeClr>
+              </a:solidFill>
+              <a:effectLst/>
+              <a:latin typeface="Helvetica Neue Light" charset="0"/>
+              <a:ea typeface="Helvetica Neue Light" charset="0"/>
+              <a:cs typeface="Helvetica Neue Light" charset="0"/>
+            </a:endParaRPr>
+          </a:p>
+        </p:txBody>
+      </p:sp>
+      <p:sp>
+        <p:nvSpPr>
+          <p:cNvPr id="27" name="Rectangular Callout 26"/>
+          <p:cNvSpPr/>
+          <p:nvPr/>
+        </p:nvSpPr>
+        <p:spPr bwMode="auto">
+          <a:xfrm>
+            <a:off x="7026294" y="3303549"/>
+            <a:ext cx="1018947" cy="662661"/>
+          </a:xfrm>
+          <a:prstGeom prst="wedgeRectCallout">
+            <a:avLst>
+              <a:gd name="adj1" fmla="val 37993"/>
+              <a:gd name="adj2" fmla="val -105549"/>
+            </a:avLst>
+          </a:prstGeom>
+          <a:solidFill>
+            <a:schemeClr val="accent4">
+              <a:lumMod val="20000"/>
+              <a:lumOff val="80000"/>
+            </a:schemeClr>
+          </a:solidFill>
+          <a:ln w="9525" cap="flat" cmpd="sng" algn="ctr">
+            <a:solidFill>
+              <a:srgbClr val="7030A0"/>
+            </a:solidFill>
+            <a:prstDash val="solid"/>
+            <a:round/>
+            <a:headEnd type="none" w="med" len="med"/>
+            <a:tailEnd type="none" w="med" len="med"/>
+          </a:ln>
+          <a:effectLst/>
+        </p:spPr>
+        <p:txBody>
+          <a:bodyPr vert="horz" wrap="square" lIns="45720" tIns="45720" rIns="45720" bIns="45720" numCol="1" rtlCol="0" anchor="t" anchorCtr="0" compatLnSpc="1">
+            <a:prstTxWarp prst="textNoShape">
+              <a:avLst/>
+            </a:prstTxWarp>
+          </a:bodyPr>
+          <a:lstStyle/>
+          <a:p>
+            <a:pPr marL="0" marR="0" indent="0" algn="l" defTabSz="914400" rtl="0" eaLnBrk="1" fontAlgn="base" latinLnBrk="0" hangingPunct="1">
+              <a:lnSpc>
+                <a:spcPct val="90000"/>
+              </a:lnSpc>
+              <a:spcBef>
+                <a:spcPct val="0"/>
+              </a:spcBef>
+              <a:spcAft>
+                <a:spcPct val="0"/>
+              </a:spcAft>
+              <a:buClrTx/>
+              <a:buSzTx/>
+              <a:buFontTx/>
+              <a:buNone/>
+              <a:tabLst/>
+            </a:pPr>
+            <a:r>
+              <a:rPr lang="en-US" sz="1000" dirty="0">
+                <a:solidFill>
+                  <a:srgbClr val="191919"/>
+                </a:solidFill>
+                <a:latin typeface="Helvetica Neue Light" charset="0"/>
+                <a:ea typeface="Helvetica Neue Light" charset="0"/>
+                <a:cs typeface="Helvetica Neue Light" charset="0"/>
+              </a:rPr>
+              <a:t>7</a:t>
+            </a:r>
+            <a:r>
+              <a:rPr lang="en-US" sz="1000" dirty="0" smtClean="0">
+                <a:solidFill>
+                  <a:srgbClr val="191919"/>
+                </a:solidFill>
+                <a:latin typeface="Helvetica Neue Light" charset="0"/>
+                <a:ea typeface="Helvetica Neue Light" charset="0"/>
+                <a:cs typeface="Helvetica Neue Light" charset="0"/>
+              </a:rPr>
+              <a:t>. </a:t>
+            </a:r>
+            <a:r>
+              <a:rPr lang="en-US" sz="1000" dirty="0" smtClean="0">
+                <a:solidFill>
+                  <a:srgbClr val="191919"/>
+                </a:solidFill>
+                <a:latin typeface="Helvetica Neue Light" charset="0"/>
+                <a:ea typeface="Helvetica Neue Light" charset="0"/>
+                <a:cs typeface="Helvetica Neue Light" charset="0"/>
+              </a:rPr>
+              <a:t>Create new Ticket in custom </a:t>
+            </a:r>
+            <a:r>
+              <a:rPr lang="en-US" sz="1000" dirty="0" smtClean="0">
+                <a:solidFill>
+                  <a:srgbClr val="191919"/>
+                </a:solidFill>
+                <a:latin typeface="Helvetica Neue Light" charset="0"/>
+                <a:ea typeface="Helvetica Neue Light" charset="0"/>
+                <a:cs typeface="Helvetica Neue Light" charset="0"/>
+              </a:rPr>
+              <a:t>help desk </a:t>
+            </a:r>
+            <a:r>
+              <a:rPr lang="en-US" sz="1000" dirty="0" smtClean="0">
+                <a:solidFill>
+                  <a:srgbClr val="191919"/>
+                </a:solidFill>
+                <a:latin typeface="Helvetica Neue Light" charset="0"/>
+                <a:ea typeface="Helvetica Neue Light" charset="0"/>
+                <a:cs typeface="Helvetica Neue Light" charset="0"/>
+              </a:rPr>
+              <a:t>system</a:t>
+            </a:r>
+            <a:endParaRPr kumimoji="0" lang="en-US" sz="1000" u="none" strike="noStrike" cap="none" normalizeH="0" baseline="0" dirty="0" smtClean="0">
+              <a:ln>
+                <a:noFill/>
+              </a:ln>
+              <a:solidFill>
+                <a:srgbClr val="191919"/>
+              </a:solidFill>
+              <a:effectLst/>
+              <a:latin typeface="Helvetica Neue Light" charset="0"/>
+              <a:ea typeface="Helvetica Neue Light" charset="0"/>
+              <a:cs typeface="Helvetica Neue Light" charset="0"/>
+            </a:endParaRPr>
+          </a:p>
+        </p:txBody>
+      </p:sp>
+      <p:grpSp>
+        <p:nvGrpSpPr>
+          <p:cNvPr id="37" name="Group 36"/>
+          <p:cNvGrpSpPr/>
+          <p:nvPr/>
+        </p:nvGrpSpPr>
+        <p:grpSpPr>
+          <a:xfrm>
+            <a:off x="2011486" y="2534306"/>
+            <a:ext cx="1201918" cy="454268"/>
+            <a:chOff x="2011486" y="2534306"/>
+            <a:chExt cx="1201918" cy="454268"/>
+          </a:xfrm>
+        </p:grpSpPr>
+        <p:cxnSp>
+          <p:nvCxnSpPr>
+            <p:cNvPr id="38" name="Straight Arrow Connector 37"/>
+            <p:cNvCxnSpPr/>
+            <p:nvPr/>
+          </p:nvCxnSpPr>
+          <p:spPr bwMode="auto">
+            <a:xfrm>
+              <a:off x="2011486" y="2534306"/>
+              <a:ext cx="3532" cy="454268"/>
+            </a:xfrm>
+            <a:prstGeom prst="straightConnector1">
+              <a:avLst/>
+            </a:prstGeom>
+            <a:noFill/>
+            <a:ln w="12700" cap="flat" cmpd="sng" algn="ctr">
+              <a:solidFill>
+                <a:schemeClr val="bg1">
+                  <a:lumMod val="50000"/>
+                </a:schemeClr>
+              </a:solidFill>
+              <a:prstDash val="solid"/>
+              <a:round/>
+              <a:headEnd type="none" w="med" len="med"/>
+              <a:tailEnd type="triangle"/>
+            </a:ln>
+            <a:effectLst/>
+          </p:spPr>
+        </p:cxnSp>
+        <p:cxnSp>
+          <p:nvCxnSpPr>
+            <p:cNvPr id="39" name="Straight Arrow Connector 38"/>
+            <p:cNvCxnSpPr/>
+            <p:nvPr/>
+          </p:nvCxnSpPr>
+          <p:spPr bwMode="auto">
+            <a:xfrm flipH="1">
+              <a:off x="2011486" y="2534306"/>
+              <a:ext cx="1201918" cy="0"/>
+            </a:xfrm>
+            <a:prstGeom prst="straightConnector1">
+              <a:avLst/>
+            </a:prstGeom>
+            <a:noFill/>
+            <a:ln w="12700" cap="flat" cmpd="sng" algn="ctr">
+              <a:solidFill>
+                <a:schemeClr val="bg1">
+                  <a:lumMod val="50000"/>
+                </a:schemeClr>
+              </a:solidFill>
+              <a:prstDash val="solid"/>
+              <a:round/>
+              <a:headEnd type="none" w="med" len="med"/>
+              <a:tailEnd type="none" w="med" len="med"/>
+            </a:ln>
+            <a:effectLst/>
+          </p:spPr>
+        </p:cxnSp>
+      </p:grpSp>
+      <p:cxnSp>
+        <p:nvCxnSpPr>
+          <p:cNvPr id="40" name="Straight Arrow Connector 39"/>
+          <p:cNvCxnSpPr/>
+          <p:nvPr/>
+        </p:nvCxnSpPr>
+        <p:spPr bwMode="auto">
+          <a:xfrm>
+            <a:off x="1464677" y="2458147"/>
+            <a:ext cx="0" cy="528484"/>
+          </a:xfrm>
+          <a:prstGeom prst="straightConnector1">
+            <a:avLst/>
+          </a:prstGeom>
+          <a:noFill/>
+          <a:ln w="12700" cap="flat" cmpd="sng" algn="ctr">
+            <a:solidFill>
+              <a:schemeClr val="bg1">
+                <a:lumMod val="50000"/>
+              </a:schemeClr>
+            </a:solidFill>
+            <a:prstDash val="solid"/>
+            <a:round/>
+            <a:headEnd type="none" w="med" len="med"/>
+            <a:tailEnd type="triangle"/>
+          </a:ln>
+          <a:effectLst/>
+        </p:spPr>
+      </p:cxnSp>
+      <p:cxnSp>
+        <p:nvCxnSpPr>
+          <p:cNvPr id="41" name="Straight Arrow Connector 40"/>
+          <p:cNvCxnSpPr/>
+          <p:nvPr/>
+        </p:nvCxnSpPr>
+        <p:spPr bwMode="auto">
+          <a:xfrm>
+            <a:off x="2596837" y="3831797"/>
+            <a:ext cx="1353146" cy="3603"/>
+          </a:xfrm>
+          <a:prstGeom prst="straightConnector1">
+            <a:avLst/>
+          </a:prstGeom>
+          <a:noFill/>
+          <a:ln w="12700" cap="flat" cmpd="sng" algn="ctr">
+            <a:solidFill>
+              <a:schemeClr val="bg1">
+                <a:lumMod val="50000"/>
+              </a:schemeClr>
+            </a:solidFill>
+            <a:prstDash val="solid"/>
+            <a:round/>
+            <a:headEnd type="none" w="med" len="med"/>
+            <a:tailEnd type="triangle"/>
+          </a:ln>
+          <a:effectLst/>
+        </p:spPr>
+      </p:cxnSp>
+      <p:cxnSp>
+        <p:nvCxnSpPr>
+          <p:cNvPr id="47" name="Straight Arrow Connector 46"/>
+          <p:cNvCxnSpPr/>
+          <p:nvPr/>
+        </p:nvCxnSpPr>
+        <p:spPr bwMode="auto">
+          <a:xfrm flipV="1">
+            <a:off x="4636631" y="2921621"/>
+            <a:ext cx="3717" cy="457199"/>
+          </a:xfrm>
+          <a:prstGeom prst="straightConnector1">
+            <a:avLst/>
+          </a:prstGeom>
+          <a:noFill/>
+          <a:ln w="12700" cap="flat" cmpd="sng" algn="ctr">
+            <a:solidFill>
+              <a:schemeClr val="bg1">
+                <a:lumMod val="50000"/>
+              </a:schemeClr>
+            </a:solidFill>
+            <a:prstDash val="solid"/>
+            <a:round/>
+            <a:headEnd type="none" w="med" len="med"/>
+            <a:tailEnd type="triangle"/>
+          </a:ln>
+          <a:effectLst/>
+        </p:spPr>
+      </p:cxnSp>
+      <p:cxnSp>
+        <p:nvCxnSpPr>
+          <p:cNvPr id="29" name="Straight Arrow Connector 28"/>
+          <p:cNvCxnSpPr/>
+          <p:nvPr/>
+        </p:nvCxnSpPr>
+        <p:spPr bwMode="auto">
+          <a:xfrm>
+            <a:off x="6142934" y="2534306"/>
+            <a:ext cx="751673" cy="0"/>
+          </a:xfrm>
+          <a:prstGeom prst="straightConnector1">
+            <a:avLst/>
+          </a:prstGeom>
+          <a:noFill/>
+          <a:ln w="12700" cap="flat" cmpd="sng" algn="ctr">
+            <a:solidFill>
+              <a:schemeClr val="bg1">
+                <a:lumMod val="50000"/>
+              </a:schemeClr>
+            </a:solidFill>
+            <a:prstDash val="solid"/>
+            <a:round/>
+            <a:headEnd type="none" w="med" len="med"/>
+            <a:tailEnd type="triangle"/>
+          </a:ln>
+          <a:effectLst/>
+        </p:spPr>
+      </p:cxnSp>
+      <p:cxnSp>
+        <p:nvCxnSpPr>
+          <p:cNvPr id="4" name="Straight Connector 3"/>
+          <p:cNvCxnSpPr/>
+          <p:nvPr/>
+        </p:nvCxnSpPr>
+        <p:spPr bwMode="auto">
+          <a:xfrm>
+            <a:off x="8618220" y="2534306"/>
+            <a:ext cx="397193" cy="0"/>
+          </a:xfrm>
+          <a:prstGeom prst="line">
+            <a:avLst/>
+          </a:prstGeom>
+          <a:noFill/>
+          <a:ln w="38100" cap="flat" cmpd="sng" algn="ctr">
+            <a:solidFill>
+              <a:srgbClr val="7030A0"/>
+            </a:solidFill>
+            <a:prstDash val="solid"/>
+            <a:round/>
+            <a:headEnd type="none" w="med" len="med"/>
+            <a:tailEnd type="none" w="med" len="med"/>
+          </a:ln>
+          <a:effectLst/>
+        </p:spPr>
+      </p:cxnSp>
+      <p:cxnSp>
+        <p:nvCxnSpPr>
+          <p:cNvPr id="7" name="Straight Connector 6"/>
+          <p:cNvCxnSpPr/>
+          <p:nvPr/>
+        </p:nvCxnSpPr>
+        <p:spPr bwMode="auto">
+          <a:xfrm flipH="1">
+            <a:off x="9015413" y="2534306"/>
+            <a:ext cx="2" cy="2359957"/>
+          </a:xfrm>
+          <a:prstGeom prst="line">
+            <a:avLst/>
+          </a:prstGeom>
+          <a:noFill/>
+          <a:ln w="38100" cap="flat" cmpd="sng" algn="ctr">
+            <a:solidFill>
+              <a:srgbClr val="7030A0"/>
+            </a:solidFill>
+            <a:prstDash val="solid"/>
+            <a:round/>
+            <a:headEnd type="none" w="med" len="med"/>
+            <a:tailEnd type="none" w="med" len="med"/>
+          </a:ln>
+          <a:effectLst/>
+        </p:spPr>
+      </p:cxnSp>
+      <p:cxnSp>
+        <p:nvCxnSpPr>
+          <p:cNvPr id="34" name="Straight Connector 33"/>
+          <p:cNvCxnSpPr>
+            <a:endCxn id="36" idx="0"/>
+          </p:cNvCxnSpPr>
+          <p:nvPr/>
+        </p:nvCxnSpPr>
+        <p:spPr bwMode="auto">
+          <a:xfrm flipH="1">
+            <a:off x="1390651" y="4894263"/>
+            <a:ext cx="7640648" cy="0"/>
+          </a:xfrm>
+          <a:prstGeom prst="line">
+            <a:avLst/>
+          </a:prstGeom>
+          <a:noFill/>
+          <a:ln w="38100" cap="flat" cmpd="sng" algn="ctr">
+            <a:solidFill>
+              <a:srgbClr val="7030A0"/>
+            </a:solidFill>
+            <a:prstDash val="solid"/>
+            <a:round/>
+            <a:headEnd type="none" w="med" len="med"/>
+            <a:tailEnd type="none" w="med" len="med"/>
+          </a:ln>
+          <a:effectLst/>
+        </p:spPr>
+      </p:cxnSp>
+      <p:cxnSp>
+        <p:nvCxnSpPr>
+          <p:cNvPr id="15" name="Straight Arrow Connector 14"/>
+          <p:cNvCxnSpPr>
+            <a:stCxn id="36" idx="0"/>
+          </p:cNvCxnSpPr>
+          <p:nvPr/>
+        </p:nvCxnSpPr>
+        <p:spPr bwMode="auto">
+          <a:xfrm flipH="1" flipV="1">
+            <a:off x="1390650" y="4408149"/>
+            <a:ext cx="1" cy="486114"/>
+          </a:xfrm>
+          <a:prstGeom prst="straightConnector1">
+            <a:avLst/>
+          </a:prstGeom>
+          <a:noFill/>
+          <a:ln w="38100" cap="flat" cmpd="sng" algn="ctr">
+            <a:solidFill>
+              <a:srgbClr val="7030A0"/>
+            </a:solidFill>
+            <a:prstDash val="solid"/>
+            <a:round/>
+            <a:headEnd type="none" w="med" len="med"/>
+            <a:tailEnd type="triangle"/>
+          </a:ln>
+          <a:effectLst/>
+        </p:spPr>
+      </p:cxnSp>
+      <p:sp>
+        <p:nvSpPr>
+          <p:cNvPr id="42" name="Rectangular Callout 41"/>
+          <p:cNvSpPr/>
+          <p:nvPr/>
+        </p:nvSpPr>
+        <p:spPr bwMode="auto">
+          <a:xfrm>
+            <a:off x="399928" y="4387043"/>
+            <a:ext cx="665777" cy="507219"/>
+          </a:xfrm>
+          <a:prstGeom prst="wedgeRectCallout">
+            <a:avLst>
+              <a:gd name="adj1" fmla="val 37993"/>
+              <a:gd name="adj2" fmla="val -105549"/>
+            </a:avLst>
+          </a:prstGeom>
+          <a:solidFill>
+            <a:schemeClr val="accent4">
+              <a:lumMod val="20000"/>
+              <a:lumOff val="80000"/>
+            </a:schemeClr>
+          </a:solidFill>
+          <a:ln w="9525" cap="flat" cmpd="sng" algn="ctr">
+            <a:solidFill>
+              <a:srgbClr val="7030A0"/>
+            </a:solidFill>
+            <a:prstDash val="solid"/>
+            <a:round/>
+            <a:headEnd type="none" w="med" len="med"/>
+            <a:tailEnd type="none" w="med" len="med"/>
+          </a:ln>
+          <a:effectLst/>
+        </p:spPr>
+        <p:txBody>
+          <a:bodyPr vert="horz" wrap="square" lIns="45720" tIns="45720" rIns="45720" bIns="45720" numCol="1" rtlCol="0" anchor="t" anchorCtr="0" compatLnSpc="1">
+            <a:prstTxWarp prst="textNoShape">
+              <a:avLst/>
+            </a:prstTxWarp>
+          </a:bodyPr>
+          <a:lstStyle/>
+          <a:p>
+            <a:pPr marL="0" marR="0" indent="0" algn="l" defTabSz="914400" rtl="0" eaLnBrk="1" fontAlgn="base" latinLnBrk="0" hangingPunct="1">
+              <a:lnSpc>
+                <a:spcPct val="90000"/>
+              </a:lnSpc>
+              <a:spcBef>
+                <a:spcPct val="0"/>
+              </a:spcBef>
+              <a:spcAft>
+                <a:spcPct val="0"/>
+              </a:spcAft>
+              <a:buClrTx/>
+              <a:buSzTx/>
+              <a:buFontTx/>
+              <a:buNone/>
+              <a:tabLst/>
+            </a:pPr>
+            <a:r>
+              <a:rPr lang="en-US" sz="1000" dirty="0" smtClean="0">
+                <a:solidFill>
+                  <a:srgbClr val="191919"/>
+                </a:solidFill>
+                <a:latin typeface="Helvetica Neue Light" charset="0"/>
+                <a:ea typeface="Helvetica Neue Light" charset="0"/>
+                <a:cs typeface="Helvetica Neue Light" charset="0"/>
+              </a:rPr>
+              <a:t>8. Sync  Tickets to Case</a:t>
+            </a:r>
+            <a:endParaRPr kumimoji="0" lang="en-US" sz="1000" u="none" strike="noStrike" cap="none" normalizeH="0" baseline="0" dirty="0" smtClean="0">
+              <a:ln>
+                <a:noFill/>
+              </a:ln>
+              <a:solidFill>
+                <a:srgbClr val="191919"/>
+              </a:solidFill>
+              <a:effectLst/>
+              <a:latin typeface="Helvetica Neue Light" charset="0"/>
+              <a:ea typeface="Helvetica Neue Light" charset="0"/>
+              <a:cs typeface="Helvetica Neue Light" charset="0"/>
+            </a:endParaRPr>
+          </a:p>
+        </p:txBody>
+      </p:sp>
+    </p:spTree>
+    <p:extLst>
+      <p:ext uri="{BB962C8B-B14F-4D97-AF65-F5344CB8AC3E}">
+        <p14:creationId xmlns:p14="http://schemas.microsoft.com/office/powerpoint/2010/main" val="331582441"/>
+      </p:ext>
+    </p:extLst>
+  </p:cSld>
+  <p:clrMapOvr>
+    <a:masterClrMapping/>
+  </p:clrMapOvr>
+  <mc:AlternateContent xmlns:mc="http://schemas.openxmlformats.org/markup-compatibility/2006" xmlns:p14="http://schemas.microsoft.com/office/powerpoint/2010/main">
+    <mc:Choice Requires="p14">
+      <p:transition p14:dur="0"/>
+    </mc:Choice>
+    <mc:Fallback xmlns="">
+      <p:transition/>
+    </mc:Fallback>
+  </mc:AlternateContent>
+  <p:timing>
+    <p:tnLst>
+      <p:par>
+        <p:cTn id="1" dur="indefinite" restart="never" nodeType="tmRoot"/>
+      </p:par>
+    </p:tnLst>
+  </p:timing>
+</p:sld>
+</file>
+
 <file path=ppt/slides/slide13.xml><?xml version="1.0" encoding="utf-8"?>
+<p:sld xmlns:a="http://schemas.openxmlformats.org/drawingml/2006/main" xmlns:r="http://schemas.openxmlformats.org/officeDocument/2006/relationships" xmlns:p="http://schemas.openxmlformats.org/presentationml/2006/main">
+  <p:cSld>
+    <p:spTree>
+      <p:nvGrpSpPr>
+        <p:cNvPr id="1" name=""/>
+        <p:cNvGrpSpPr/>
+        <p:nvPr/>
+      </p:nvGrpSpPr>
+      <p:grpSpPr>
+        <a:xfrm>
+          <a:off x="0" y="0"/>
+          <a:ext cx="0" cy="0"/>
+          <a:chOff x="0" y="0"/>
+          <a:chExt cx="0" cy="0"/>
+        </a:xfrm>
+      </p:grpSpPr>
+      <p:sp>
+        <p:nvSpPr>
+          <p:cNvPr id="2" name="Title 1"/>
+          <p:cNvSpPr>
+            <a:spLocks noGrp="1"/>
+          </p:cNvSpPr>
+          <p:nvPr>
+            <p:ph type="title"/>
+          </p:nvPr>
+        </p:nvSpPr>
+        <p:spPr/>
+        <p:txBody>
+          <a:bodyPr/>
+          <a:lstStyle/>
+          <a:p>
+            <a:r>
+              <a:rPr lang="en-US" dirty="0" smtClean="0"/>
+              <a:t>Value of using App Connect for OData </a:t>
+            </a:r>
+            <a:endParaRPr lang="en-US" dirty="0"/>
+          </a:p>
+        </p:txBody>
+      </p:sp>
+      <p:sp>
+        <p:nvSpPr>
+          <p:cNvPr id="3" name="Content Placeholder 2"/>
+          <p:cNvSpPr>
+            <a:spLocks noGrp="1"/>
+          </p:cNvSpPr>
+          <p:nvPr>
+            <p:ph idx="1"/>
+          </p:nvPr>
+        </p:nvSpPr>
+        <p:spPr/>
+        <p:txBody>
+          <a:bodyPr>
+            <a:normAutofit/>
+          </a:bodyPr>
+          <a:lstStyle/>
+          <a:p>
+            <a:r>
+              <a:rPr lang="en-US" sz="1800" dirty="0" smtClean="0"/>
+              <a:t>Supports </a:t>
+            </a:r>
+            <a:r>
+              <a:rPr lang="en-US" sz="1800" dirty="0"/>
+              <a:t>exposing OData API for external users/clients to </a:t>
+            </a:r>
+            <a:r>
+              <a:rPr lang="en-US" sz="1800" dirty="0" smtClean="0"/>
+              <a:t>call (e.g. </a:t>
+            </a:r>
+            <a:r>
+              <a:rPr lang="en-US" sz="1800" dirty="0" smtClean="0"/>
+              <a:t>Salesforce Lightning)</a:t>
+            </a:r>
+            <a:endParaRPr lang="en-US" sz="1800" dirty="0"/>
+          </a:p>
+          <a:p>
+            <a:r>
+              <a:rPr lang="en-US" sz="1800" dirty="0" smtClean="0"/>
+              <a:t>Expose </a:t>
+            </a:r>
+            <a:r>
+              <a:rPr lang="en-US" sz="1800" dirty="0"/>
+              <a:t>data from any back system like database, </a:t>
+            </a:r>
+            <a:r>
+              <a:rPr lang="en-US" sz="1800" dirty="0" smtClean="0"/>
+              <a:t>SAP </a:t>
+            </a:r>
+            <a:r>
+              <a:rPr lang="en-US" sz="1800" dirty="0" err="1" smtClean="0"/>
+              <a:t>etc</a:t>
+            </a:r>
+            <a:endParaRPr lang="en-US" sz="1800" dirty="0"/>
+          </a:p>
+          <a:p>
+            <a:r>
+              <a:rPr lang="en-US" sz="1800" dirty="0" smtClean="0"/>
+              <a:t>Pre-configured Template simplifies and accelerates the creation and implementation of OData integrations.</a:t>
+            </a:r>
+          </a:p>
+          <a:p>
+            <a:pPr lvl="1"/>
+            <a:r>
+              <a:rPr lang="en-US" sz="1800" dirty="0" smtClean="0"/>
+              <a:t>Implement faster without deep </a:t>
+            </a:r>
+            <a:r>
+              <a:rPr lang="en-US" sz="1800" dirty="0" err="1" smtClean="0"/>
+              <a:t>Odata</a:t>
+            </a:r>
+            <a:r>
+              <a:rPr lang="en-US" sz="1800" dirty="0" smtClean="0"/>
+              <a:t> expertise </a:t>
+            </a:r>
+          </a:p>
+          <a:p>
+            <a:pPr lvl="1"/>
+            <a:r>
+              <a:rPr lang="en-US" sz="1800" dirty="0" smtClean="0"/>
+              <a:t>Delivers integration designed by experts based on best practices and domain expertise</a:t>
+            </a:r>
+          </a:p>
+        </p:txBody>
+      </p:sp>
+    </p:spTree>
+    <p:extLst>
+      <p:ext uri="{BB962C8B-B14F-4D97-AF65-F5344CB8AC3E}">
+        <p14:creationId xmlns:p14="http://schemas.microsoft.com/office/powerpoint/2010/main" val="663532613"/>
+      </p:ext>
+    </p:extLst>
+  </p:cSld>
+  <p:clrMapOvr>
+    <a:masterClrMapping/>
+  </p:clrMapOvr>
+  <p:timing>
+    <p:tnLst>
+      <p:par>
+        <p:cTn id="1" dur="indefinite" restart="never" nodeType="tmRoot"/>
+      </p:par>
+    </p:tnLst>
+  </p:timing>
+</p:sld>
+</file>
+
+<file path=ppt/slides/slide14.xml><?xml version="1.0" encoding="utf-8"?>
+<p:sld xmlns:a="http://schemas.openxmlformats.org/drawingml/2006/main" xmlns:r="http://schemas.openxmlformats.org/officeDocument/2006/relationships" xmlns:p="http://schemas.openxmlformats.org/presentationml/2006/main">
+  <p:cSld>
+    <p:spTree>
+      <p:nvGrpSpPr>
+        <p:cNvPr id="1" name=""/>
+        <p:cNvGrpSpPr/>
+        <p:nvPr/>
+      </p:nvGrpSpPr>
+      <p:grpSpPr>
+        <a:xfrm>
+          <a:off x="0" y="0"/>
+          <a:ext cx="0" cy="0"/>
+          <a:chOff x="0" y="0"/>
+          <a:chExt cx="0" cy="0"/>
+        </a:xfrm>
+      </p:grpSpPr>
+      <p:sp>
+        <p:nvSpPr>
+          <p:cNvPr id="2" name="Title 1"/>
+          <p:cNvSpPr>
+            <a:spLocks noGrp="1"/>
+          </p:cNvSpPr>
+          <p:nvPr>
+            <p:ph type="title"/>
+          </p:nvPr>
+        </p:nvSpPr>
+        <p:spPr>
+          <a:xfrm>
+            <a:off x="328613" y="219075"/>
+            <a:ext cx="8686800" cy="775597"/>
+          </a:xfrm>
+        </p:spPr>
+        <p:txBody>
+          <a:bodyPr/>
+          <a:lstStyle/>
+          <a:p>
+            <a:r>
+              <a:rPr lang="en-US" dirty="0" smtClean="0"/>
+              <a:t>Value of using App Connect for Synchronization use cases</a:t>
+            </a:r>
+            <a:endParaRPr lang="en-US" dirty="0"/>
+          </a:p>
+        </p:txBody>
+      </p:sp>
+      <p:sp>
+        <p:nvSpPr>
+          <p:cNvPr id="3" name="Content Placeholder 2"/>
+          <p:cNvSpPr>
+            <a:spLocks noGrp="1"/>
+          </p:cNvSpPr>
+          <p:nvPr>
+            <p:ph idx="1"/>
+          </p:nvPr>
+        </p:nvSpPr>
+        <p:spPr/>
+        <p:txBody>
+          <a:bodyPr>
+            <a:normAutofit fontScale="92500" lnSpcReduction="20000"/>
+          </a:bodyPr>
+          <a:lstStyle/>
+          <a:p>
+            <a:r>
+              <a:rPr lang="en-US" sz="1800" dirty="0" smtClean="0"/>
+              <a:t>Out of the box connector support for many cloud and </a:t>
+            </a:r>
+            <a:r>
+              <a:rPr lang="en-US" sz="1800" dirty="0" err="1" smtClean="0"/>
+              <a:t>on-premise</a:t>
+            </a:r>
+            <a:r>
+              <a:rPr lang="en-US" sz="1800" dirty="0" smtClean="0"/>
+              <a:t> applications</a:t>
+            </a:r>
+          </a:p>
+          <a:p>
+            <a:pPr lvl="1"/>
+            <a:r>
+              <a:rPr lang="en-US" sz="1800" dirty="0" smtClean="0"/>
+              <a:t>Packaged Apps</a:t>
+            </a:r>
+          </a:p>
+          <a:p>
+            <a:pPr lvl="1"/>
+            <a:r>
+              <a:rPr lang="en-US" sz="1800" dirty="0" smtClean="0"/>
+              <a:t>Custom Apps using technology layer </a:t>
+            </a:r>
+            <a:r>
+              <a:rPr lang="en-US" sz="1800" dirty="0" smtClean="0"/>
+              <a:t>(JDBC, </a:t>
+            </a:r>
+            <a:r>
+              <a:rPr lang="en-US" sz="1800" dirty="0" smtClean="0"/>
+              <a:t>MQ, JMS, SOAP, REST </a:t>
+            </a:r>
+            <a:r>
+              <a:rPr lang="en-US" sz="1800" dirty="0" err="1" smtClean="0"/>
+              <a:t>etc</a:t>
+            </a:r>
+            <a:r>
+              <a:rPr lang="en-US" sz="1800" dirty="0" smtClean="0"/>
+              <a:t>)</a:t>
+            </a:r>
+          </a:p>
+          <a:p>
+            <a:r>
+              <a:rPr lang="en-US" sz="1800" dirty="0" smtClean="0"/>
+              <a:t>Support for Real Time/Near-real Time and Batch based synch </a:t>
+            </a:r>
+            <a:r>
+              <a:rPr lang="en-US" sz="1800" dirty="0" smtClean="0"/>
+              <a:t>scenarios</a:t>
+            </a:r>
+          </a:p>
+          <a:p>
+            <a:r>
+              <a:rPr lang="en-US" sz="1800" dirty="0" smtClean="0"/>
+              <a:t>Support for Salesforce SOAP and REST API</a:t>
+            </a:r>
+            <a:endParaRPr lang="en-US" sz="1800" dirty="0" smtClean="0"/>
+          </a:p>
+          <a:p>
+            <a:r>
+              <a:rPr lang="en-US" sz="1800" dirty="0" smtClean="0"/>
+              <a:t>Support for sync to Salesforce Wave Analytics, Chatter</a:t>
+            </a:r>
+            <a:endParaRPr lang="en-US" sz="1800" dirty="0"/>
+          </a:p>
+          <a:p>
+            <a:r>
+              <a:rPr lang="en-US" sz="1800" dirty="0" smtClean="0"/>
+              <a:t>Dozens of pre-configured templates to support common synch scenarios</a:t>
+            </a:r>
+          </a:p>
+          <a:p>
+            <a:r>
+              <a:rPr lang="en-US" sz="1800" dirty="0" smtClean="0"/>
+              <a:t>No coding integration design paradigm </a:t>
+            </a:r>
+            <a:r>
+              <a:rPr lang="mr-IN" sz="1800" dirty="0" smtClean="0"/>
+              <a:t>–</a:t>
+            </a:r>
+            <a:r>
+              <a:rPr lang="en-US" sz="1800" dirty="0" smtClean="0"/>
+              <a:t> implement and change rapidly</a:t>
+            </a:r>
+            <a:r>
+              <a:rPr lang="en-US" sz="1800" dirty="0" smtClean="0"/>
+              <a:t>.</a:t>
+            </a:r>
+          </a:p>
+          <a:p>
+            <a:r>
+              <a:rPr lang="en-US" sz="1800" dirty="0"/>
+              <a:t>Run either in the cloud (</a:t>
+            </a:r>
+            <a:r>
+              <a:rPr lang="en-US" sz="1800" dirty="0" err="1"/>
+              <a:t>IPaaS</a:t>
+            </a:r>
+            <a:r>
+              <a:rPr lang="en-US" sz="1800" dirty="0"/>
+              <a:t> or Private) or </a:t>
+            </a:r>
+            <a:r>
+              <a:rPr lang="en-US" sz="1800" dirty="0" err="1"/>
+              <a:t>on-premise</a:t>
+            </a:r>
+            <a:r>
+              <a:rPr lang="en-US" sz="1800" dirty="0"/>
+              <a:t> (HVE, Docker)</a:t>
+            </a:r>
+          </a:p>
+          <a:p>
+            <a:endParaRPr lang="en-US" sz="1800" dirty="0" smtClean="0"/>
+          </a:p>
+        </p:txBody>
+      </p:sp>
+    </p:spTree>
+    <p:extLst>
+      <p:ext uri="{BB962C8B-B14F-4D97-AF65-F5344CB8AC3E}">
+        <p14:creationId xmlns:p14="http://schemas.microsoft.com/office/powerpoint/2010/main" val="145649385"/>
+      </p:ext>
+    </p:extLst>
+  </p:cSld>
+  <p:clrMapOvr>
+    <a:masterClrMapping/>
+  </p:clrMapOvr>
+  <p:timing>
+    <p:tnLst>
+      <p:par>
+        <p:cTn id="1" dur="indefinite" restart="never" nodeType="tmRoot"/>
+      </p:par>
+    </p:tnLst>
+  </p:timing>
+</p:sld>
+</file>
+
+<file path=ppt/slides/slide15.xml><?xml version="1.0" encoding="utf-8"?>
+<p:sld xmlns:a="http://schemas.openxmlformats.org/drawingml/2006/main" xmlns:r="http://schemas.openxmlformats.org/officeDocument/2006/relationships" xmlns:p="http://schemas.openxmlformats.org/presentationml/2006/main">
+  <p:cSld>
+    <p:spTree>
+      <p:nvGrpSpPr>
+        <p:cNvPr id="1" name=""/>
+        <p:cNvGrpSpPr/>
+        <p:nvPr/>
+      </p:nvGrpSpPr>
+      <p:grpSpPr>
+        <a:xfrm>
+          <a:off x="0" y="0"/>
+          <a:ext cx="0" cy="0"/>
+          <a:chOff x="0" y="0"/>
+          <a:chExt cx="0" cy="0"/>
+        </a:xfrm>
+      </p:grpSpPr>
+      <p:sp>
+        <p:nvSpPr>
+          <p:cNvPr id="2" name="Title 1"/>
+          <p:cNvSpPr>
+            <a:spLocks noGrp="1"/>
+          </p:cNvSpPr>
+          <p:nvPr>
+            <p:ph type="title"/>
+          </p:nvPr>
+        </p:nvSpPr>
+        <p:spPr/>
+        <p:txBody>
+          <a:bodyPr/>
+          <a:lstStyle/>
+          <a:p>
+            <a:r>
+              <a:rPr lang="en-US" dirty="0" smtClean="0"/>
+              <a:t>Value of using App Connect for supporting APIs </a:t>
+            </a:r>
+            <a:endParaRPr lang="en-US" dirty="0"/>
+          </a:p>
+        </p:txBody>
+      </p:sp>
+      <p:sp>
+        <p:nvSpPr>
+          <p:cNvPr id="3" name="Content Placeholder 2"/>
+          <p:cNvSpPr>
+            <a:spLocks noGrp="1"/>
+          </p:cNvSpPr>
+          <p:nvPr>
+            <p:ph idx="1"/>
+          </p:nvPr>
+        </p:nvSpPr>
+        <p:spPr/>
+        <p:txBody>
+          <a:bodyPr>
+            <a:normAutofit/>
+          </a:bodyPr>
+          <a:lstStyle/>
+          <a:p>
+            <a:r>
+              <a:rPr lang="en-US" sz="1800" dirty="0"/>
+              <a:t>Out of the box connector support for many cloud and </a:t>
+            </a:r>
+            <a:r>
+              <a:rPr lang="en-US" sz="1800" dirty="0" err="1"/>
+              <a:t>on-premise</a:t>
+            </a:r>
+            <a:r>
+              <a:rPr lang="en-US" sz="1800" dirty="0"/>
+              <a:t> applications</a:t>
+            </a:r>
+          </a:p>
+          <a:p>
+            <a:pPr lvl="1"/>
+            <a:r>
+              <a:rPr lang="en-US" sz="1800" dirty="0"/>
+              <a:t>Packaged Apps</a:t>
+            </a:r>
+          </a:p>
+          <a:p>
+            <a:pPr lvl="1"/>
+            <a:r>
+              <a:rPr lang="en-US" sz="1800" dirty="0"/>
+              <a:t>Custom Apps using technology layer (JDBC, MQ, JMS, SOAP, REST </a:t>
+            </a:r>
+            <a:r>
+              <a:rPr lang="en-US" sz="1800" dirty="0" err="1"/>
+              <a:t>etc</a:t>
+            </a:r>
+            <a:r>
+              <a:rPr lang="en-US" sz="1800" dirty="0"/>
+              <a:t>)</a:t>
+            </a:r>
+          </a:p>
+          <a:p>
+            <a:r>
+              <a:rPr lang="en-US" sz="1800" dirty="0" err="1" smtClean="0"/>
+              <a:t>Microservice</a:t>
+            </a:r>
+            <a:r>
+              <a:rPr lang="en-US" sz="1800" dirty="0" smtClean="0"/>
+              <a:t>-style design using a configuration based graphical IDE</a:t>
+            </a:r>
+          </a:p>
+          <a:p>
+            <a:r>
+              <a:rPr lang="en-US" sz="1800" dirty="0" smtClean="0"/>
+              <a:t>Run either in the cloud (</a:t>
+            </a:r>
+            <a:r>
+              <a:rPr lang="en-US" sz="1800" dirty="0" err="1" smtClean="0"/>
+              <a:t>IPaaS</a:t>
+            </a:r>
+            <a:r>
+              <a:rPr lang="en-US" sz="1800" dirty="0" smtClean="0"/>
+              <a:t> or Private) or </a:t>
+            </a:r>
+            <a:r>
+              <a:rPr lang="en-US" sz="1800" dirty="0" err="1" smtClean="0"/>
+              <a:t>on-premise</a:t>
+            </a:r>
+            <a:r>
+              <a:rPr lang="en-US" sz="1800" dirty="0" smtClean="0"/>
+              <a:t> (HVE, Docker)</a:t>
+            </a:r>
+          </a:p>
+          <a:p>
+            <a:r>
+              <a:rPr lang="en-US" sz="1800" dirty="0" smtClean="0"/>
+              <a:t>Out of the box integration to API Connect using Open API 2.0</a:t>
+            </a:r>
+            <a:endParaRPr lang="en-US" sz="1800" dirty="0"/>
+          </a:p>
+        </p:txBody>
+      </p:sp>
+    </p:spTree>
+    <p:extLst>
+      <p:ext uri="{BB962C8B-B14F-4D97-AF65-F5344CB8AC3E}">
+        <p14:creationId xmlns:p14="http://schemas.microsoft.com/office/powerpoint/2010/main" val="296348620"/>
+      </p:ext>
+    </p:extLst>
+  </p:cSld>
+  <p:clrMapOvr>
+    <a:masterClrMapping/>
+  </p:clrMapOvr>
+  <p:timing>
+    <p:tnLst>
+      <p:par>
+        <p:cTn id="1" dur="indefinite" restart="never" nodeType="tmRoot"/>
+      </p:par>
+    </p:tnLst>
+  </p:timing>
+</p:sld>
+</file>
+
+<file path=ppt/slides/slide16.xml><?xml version="1.0" encoding="utf-8"?>
+<p:sld xmlns:a="http://schemas.openxmlformats.org/drawingml/2006/main" xmlns:r="http://schemas.openxmlformats.org/officeDocument/2006/relationships" xmlns:p="http://schemas.openxmlformats.org/presentationml/2006/main">
+  <p:cSld>
+    <p:spTree>
+      <p:nvGrpSpPr>
+        <p:cNvPr id="1" name=""/>
+        <p:cNvGrpSpPr/>
+        <p:nvPr/>
+      </p:nvGrpSpPr>
+      <p:grpSpPr>
+        <a:xfrm>
+          <a:off x="0" y="0"/>
+          <a:ext cx="0" cy="0"/>
+          <a:chOff x="0" y="0"/>
+          <a:chExt cx="0" cy="0"/>
+        </a:xfrm>
+      </p:grpSpPr>
+      <p:sp>
+        <p:nvSpPr>
+          <p:cNvPr id="2" name="Title 1"/>
+          <p:cNvSpPr>
+            <a:spLocks noGrp="1"/>
+          </p:cNvSpPr>
+          <p:nvPr>
+            <p:ph type="title"/>
+          </p:nvPr>
+        </p:nvSpPr>
+        <p:spPr>
+          <a:xfrm>
+            <a:off x="328613" y="219075"/>
+            <a:ext cx="8686800" cy="775597"/>
+          </a:xfrm>
+        </p:spPr>
+        <p:txBody>
+          <a:bodyPr/>
+          <a:lstStyle/>
+          <a:p>
+            <a:r>
+              <a:rPr lang="en-US" dirty="0" smtClean="0"/>
+              <a:t>Value of using App Connect for supporting real time Messaging</a:t>
+            </a:r>
+            <a:endParaRPr lang="en-US" dirty="0"/>
+          </a:p>
+        </p:txBody>
+      </p:sp>
+      <p:sp>
+        <p:nvSpPr>
+          <p:cNvPr id="3" name="Content Placeholder 2"/>
+          <p:cNvSpPr>
+            <a:spLocks noGrp="1"/>
+          </p:cNvSpPr>
+          <p:nvPr>
+            <p:ph idx="1"/>
+          </p:nvPr>
+        </p:nvSpPr>
+        <p:spPr/>
+        <p:txBody>
+          <a:bodyPr>
+            <a:normAutofit fontScale="92500" lnSpcReduction="10000"/>
+          </a:bodyPr>
+          <a:lstStyle/>
+          <a:p>
+            <a:r>
+              <a:rPr lang="en-US" sz="1800" dirty="0" smtClean="0"/>
+              <a:t>Expands the Salesforce ecosystem to includes established enterprise messaging platforms</a:t>
+            </a:r>
+          </a:p>
+          <a:p>
+            <a:r>
+              <a:rPr lang="en-US" sz="1800" dirty="0" smtClean="0"/>
+              <a:t>Enables Real Time, messaging based integration from Salesforce to any back end</a:t>
+            </a:r>
+          </a:p>
+          <a:p>
+            <a:r>
+              <a:rPr lang="en-US" sz="1800" dirty="0" smtClean="0"/>
+              <a:t>Guaranteed Delivery of these events using Industry Leading Messaging Bus (MQ)</a:t>
+            </a:r>
+          </a:p>
+          <a:p>
+            <a:r>
+              <a:rPr lang="en-US" sz="1800" dirty="0" smtClean="0"/>
+              <a:t>Runs a standard MQ Bridge to Salesforce on any Linux Server</a:t>
+            </a:r>
+          </a:p>
+          <a:p>
+            <a:r>
+              <a:rPr lang="en-US" sz="1800" dirty="0" smtClean="0"/>
+              <a:t>Connects to MQ Queue Manager</a:t>
+            </a:r>
+          </a:p>
+          <a:p>
+            <a:r>
+              <a:rPr lang="en-US" sz="1800" dirty="0" smtClean="0"/>
+              <a:t>Receives Streaming API </a:t>
+            </a:r>
+            <a:r>
+              <a:rPr lang="en-US" sz="1800" dirty="0" err="1" smtClean="0"/>
+              <a:t>PushTopics</a:t>
+            </a:r>
+            <a:r>
+              <a:rPr lang="en-US" sz="1800" dirty="0" smtClean="0"/>
+              <a:t> or Platform Event Messages</a:t>
+            </a:r>
+          </a:p>
+          <a:p>
+            <a:r>
+              <a:rPr lang="en-US" sz="1800" dirty="0" smtClean="0"/>
+              <a:t>Delivers messages as a JMS Topic on MQ Queue Manager for Subscription</a:t>
+            </a:r>
+            <a:endParaRPr lang="en-US" sz="1800" dirty="0"/>
+          </a:p>
+        </p:txBody>
+      </p:sp>
+    </p:spTree>
+    <p:extLst>
+      <p:ext uri="{BB962C8B-B14F-4D97-AF65-F5344CB8AC3E}">
+        <p14:creationId xmlns:p14="http://schemas.microsoft.com/office/powerpoint/2010/main" val="1820937643"/>
+      </p:ext>
+    </p:extLst>
+  </p:cSld>
+  <p:clrMapOvr>
+    <a:masterClrMapping/>
+  </p:clrMapOvr>
+  <p:timing>
+    <p:tnLst>
+      <p:par>
+        <p:cTn id="1" dur="indefinite" restart="never" nodeType="tmRoot"/>
+      </p:par>
+    </p:tnLst>
+  </p:timing>
+</p:sld>
+</file>
+
+<file path=ppt/slides/slide17.xml><?xml version="1.0" encoding="utf-8"?>
 <p:sld xmlns:a="http://schemas.openxmlformats.org/drawingml/2006/main" xmlns:r="http://schemas.openxmlformats.org/officeDocument/2006/relationships" xmlns:p="http://schemas.openxmlformats.org/presentationml/2006/main">
   <p:cSld>
     <p:spTree>
@@ -14462,7 +12828,7 @@
 </p:sld>
 </file>
 
-<file path=ppt/slides/slide14.xml><?xml version="1.0" encoding="utf-8"?>
+<file path=ppt/slides/slide18.xml><?xml version="1.0" encoding="utf-8"?>
 <p:sld xmlns:a="http://schemas.openxmlformats.org/drawingml/2006/main" xmlns:r="http://schemas.openxmlformats.org/officeDocument/2006/relationships" xmlns:p="http://schemas.openxmlformats.org/presentationml/2006/main">
   <p:cSld>
     <p:spTree>
@@ -16435,7 +14801,7 @@
 </p:sld>
 </file>
 
-<file path=ppt/slides/slide15.xml><?xml version="1.0" encoding="utf-8"?>
+<file path=ppt/slides/slide19.xml><?xml version="1.0" encoding="utf-8"?>
 <p:sld xmlns:a="http://schemas.openxmlformats.org/drawingml/2006/main" xmlns:r="http://schemas.openxmlformats.org/officeDocument/2006/relationships" xmlns:p="http://schemas.openxmlformats.org/presentationml/2006/main">
   <p:cSld>
     <p:spTree>
@@ -17413,7 +15779,7 @@
             <a:effectLst/>
             <a:extLst>
               <a:ext uri="{AF507438-7753-43e0-B8FC-AC1667EBCBE1}">
-                <a14:hiddenEffects xmlns:a14="http://schemas.microsoft.com/office/drawing/2010/main" xmlns="">
+                <a14:hiddenEffects xmlns="" xmlns:a14="http://schemas.microsoft.com/office/drawing/2010/main">
                   <a:effectLst>
                     <a:outerShdw blurRad="63500" dist="38099" dir="2700000" algn="ctr" rotWithShape="0">
                       <a:schemeClr val="bg2">
@@ -17537,7 +15903,7 @@
             <a:effectLst/>
             <a:extLst>
               <a:ext uri="{AF507438-7753-43e0-B8FC-AC1667EBCBE1}">
-                <a14:hiddenEffects xmlns:a14="http://schemas.microsoft.com/office/drawing/2010/main" xmlns="">
+                <a14:hiddenEffects xmlns="" xmlns:a14="http://schemas.microsoft.com/office/drawing/2010/main">
                   <a:effectLst>
                     <a:outerShdw blurRad="63500" dist="38099" dir="2700000" algn="ctr" rotWithShape="0">
                       <a:schemeClr val="bg2">
@@ -17605,7 +15971,7 @@
             <a:effectLst/>
             <a:extLst>
               <a:ext uri="{AF507438-7753-43e0-B8FC-AC1667EBCBE1}">
-                <a14:hiddenEffects xmlns:a14="http://schemas.microsoft.com/office/drawing/2010/main" xmlns="">
+                <a14:hiddenEffects xmlns="" xmlns:a14="http://schemas.microsoft.com/office/drawing/2010/main">
                   <a:effectLst>
                     <a:outerShdw blurRad="63500" dist="38099" dir="2700000" algn="ctr" rotWithShape="0">
                       <a:schemeClr val="bg2">
@@ -17647,7 +16013,7 @@
             <a:effectLst/>
             <a:extLst>
               <a:ext uri="{AF507438-7753-43e0-B8FC-AC1667EBCBE1}">
-                <a14:hiddenEffects xmlns:a14="http://schemas.microsoft.com/office/drawing/2010/main" xmlns="">
+                <a14:hiddenEffects xmlns="" xmlns:a14="http://schemas.microsoft.com/office/drawing/2010/main">
                   <a:effectLst>
                     <a:outerShdw blurRad="63500" dist="38099" dir="2700000" algn="ctr" rotWithShape="0">
                       <a:schemeClr val="bg2">
@@ -17745,7 +16111,7 @@
             <a:effectLst/>
             <a:extLst>
               <a:ext uri="{AF507438-7753-43e0-B8FC-AC1667EBCBE1}">
-                <a14:hiddenEffects xmlns:a14="http://schemas.microsoft.com/office/drawing/2010/main" xmlns="">
+                <a14:hiddenEffects xmlns="" xmlns:a14="http://schemas.microsoft.com/office/drawing/2010/main">
                   <a:effectLst>
                     <a:outerShdw blurRad="63500" dist="38099" dir="2700000" algn="ctr" rotWithShape="0">
                       <a:schemeClr val="bg2">
@@ -17979,7 +16345,7 @@
             <a:effectLst/>
             <a:extLst>
               <a:ext uri="{AF507438-7753-43e0-B8FC-AC1667EBCBE1}">
-                <a14:hiddenEffects xmlns:a14="http://schemas.microsoft.com/office/drawing/2010/main" xmlns="">
+                <a14:hiddenEffects xmlns="" xmlns:a14="http://schemas.microsoft.com/office/drawing/2010/main">
                   <a:effectLst>
                     <a:outerShdw blurRad="63500" dist="38099" dir="2700000" algn="ctr" rotWithShape="0">
                       <a:schemeClr val="bg2">
@@ -18021,7 +16387,7 @@
             <a:effectLst/>
             <a:extLst>
               <a:ext uri="{AF507438-7753-43e0-B8FC-AC1667EBCBE1}">
-                <a14:hiddenEffects xmlns:a14="http://schemas.microsoft.com/office/drawing/2010/main" xmlns="">
+                <a14:hiddenEffects xmlns="" xmlns:a14="http://schemas.microsoft.com/office/drawing/2010/main">
                   <a:effectLst>
                     <a:outerShdw blurRad="63500" dist="38099" dir="2700000" algn="ctr" rotWithShape="0">
                       <a:schemeClr val="bg2">
@@ -18119,7 +16485,7 @@
             <a:effectLst/>
             <a:extLst>
               <a:ext uri="{AF507438-7753-43e0-B8FC-AC1667EBCBE1}">
-                <a14:hiddenEffects xmlns:a14="http://schemas.microsoft.com/office/drawing/2010/main" xmlns="">
+                <a14:hiddenEffects xmlns="" xmlns:a14="http://schemas.microsoft.com/office/drawing/2010/main">
                   <a:effectLst>
                     <a:outerShdw blurRad="63500" dist="38099" dir="2700000" algn="ctr" rotWithShape="0">
                       <a:schemeClr val="bg2">
@@ -18161,7 +16527,7 @@
             <a:effectLst/>
             <a:extLst>
               <a:ext uri="{AF507438-7753-43e0-B8FC-AC1667EBCBE1}">
-                <a14:hiddenEffects xmlns:a14="http://schemas.microsoft.com/office/drawing/2010/main" xmlns="">
+                <a14:hiddenEffects xmlns="" xmlns:a14="http://schemas.microsoft.com/office/drawing/2010/main">
                   <a:effectLst>
                     <a:outerShdw blurRad="63500" dist="38099" dir="2700000" algn="ctr" rotWithShape="0">
                       <a:schemeClr val="bg2">
@@ -18203,7 +16569,7 @@
             <a:effectLst/>
             <a:extLst>
               <a:ext uri="{AF507438-7753-43e0-B8FC-AC1667EBCBE1}">
-                <a14:hiddenEffects xmlns:a14="http://schemas.microsoft.com/office/drawing/2010/main" xmlns="">
+                <a14:hiddenEffects xmlns="" xmlns:a14="http://schemas.microsoft.com/office/drawing/2010/main">
                   <a:effectLst>
                     <a:outerShdw blurRad="63500" dist="38099" dir="2700000" algn="ctr" rotWithShape="0">
                       <a:schemeClr val="bg2">
@@ -18245,7 +16611,7 @@
             <a:effectLst/>
             <a:extLst>
               <a:ext uri="{AF507438-7753-43e0-B8FC-AC1667EBCBE1}">
-                <a14:hiddenEffects xmlns:a14="http://schemas.microsoft.com/office/drawing/2010/main" xmlns="">
+                <a14:hiddenEffects xmlns="" xmlns:a14="http://schemas.microsoft.com/office/drawing/2010/main">
                   <a:effectLst>
                     <a:outerShdw blurRad="63500" dist="38099" dir="2700000" algn="ctr" rotWithShape="0">
                       <a:schemeClr val="bg2">
@@ -18287,7 +16653,7 @@
             <a:effectLst/>
             <a:extLst>
               <a:ext uri="{AF507438-7753-43e0-B8FC-AC1667EBCBE1}">
-                <a14:hiddenEffects xmlns:a14="http://schemas.microsoft.com/office/drawing/2010/main" xmlns="">
+                <a14:hiddenEffects xmlns="" xmlns:a14="http://schemas.microsoft.com/office/drawing/2010/main">
                   <a:effectLst>
                     <a:outerShdw blurRad="63500" dist="38099" dir="2700000" algn="ctr" rotWithShape="0">
                       <a:schemeClr val="bg2">
@@ -18691,7 +17057,1537 @@
 </p:sld>
 </file>
 
-<file path=ppt/slides/slide16.xml><?xml version="1.0" encoding="utf-8"?>
+<file path=ppt/slides/slide2.xml><?xml version="1.0" encoding="utf-8"?>
+<p:sld xmlns:a="http://schemas.openxmlformats.org/drawingml/2006/main" xmlns:r="http://schemas.openxmlformats.org/officeDocument/2006/relationships" xmlns:p="http://schemas.openxmlformats.org/presentationml/2006/main">
+  <p:cSld>
+    <p:spTree>
+      <p:nvGrpSpPr>
+        <p:cNvPr id="1" name=""/>
+        <p:cNvGrpSpPr/>
+        <p:nvPr/>
+      </p:nvGrpSpPr>
+      <p:grpSpPr>
+        <a:xfrm>
+          <a:off x="0" y="0"/>
+          <a:ext cx="0" cy="0"/>
+          <a:chOff x="0" y="0"/>
+          <a:chExt cx="0" cy="0"/>
+        </a:xfrm>
+      </p:grpSpPr>
+      <p:sp>
+        <p:nvSpPr>
+          <p:cNvPr id="5" name="Title 4"/>
+          <p:cNvSpPr>
+            <a:spLocks noGrp="1"/>
+          </p:cNvSpPr>
+          <p:nvPr>
+            <p:ph type="title"/>
+          </p:nvPr>
+        </p:nvSpPr>
+        <p:spPr>
+          <a:xfrm>
+            <a:off x="328612" y="219075"/>
+            <a:ext cx="5157787" cy="1246495"/>
+          </a:xfrm>
+        </p:spPr>
+        <p:txBody>
+          <a:bodyPr/>
+          <a:lstStyle/>
+          <a:p>
+            <a:r>
+              <a:rPr lang="en-US" sz="2400" b="1" dirty="0" smtClean="0">
+                <a:latin typeface="Helvetica Neue" charset="0"/>
+                <a:ea typeface="Helvetica Neue" charset="0"/>
+                <a:cs typeface="Helvetica Neue" charset="0"/>
+              </a:rPr>
+              <a:t>IBM and Salesforce Announce Landmark Global Strategic Partnership</a:t>
+            </a:r>
+            <a:r>
+              <a:rPr lang="en-US" sz="2400" baseline="30000" dirty="0" smtClean="0">
+                <a:latin typeface="Helvetica Neue" charset="0"/>
+                <a:ea typeface="Helvetica Neue" charset="0"/>
+                <a:cs typeface="Helvetica Neue" charset="0"/>
+              </a:rPr>
+              <a:t>1</a:t>
+            </a:r>
+            <a:r>
+              <a:rPr lang="en-US" sz="2000" dirty="0" smtClean="0">
+                <a:latin typeface="Helvetica Neue" charset="0"/>
+                <a:ea typeface="Helvetica Neue" charset="0"/>
+                <a:cs typeface="Helvetica Neue" charset="0"/>
+              </a:rPr>
+              <a:t/>
+            </a:r>
+            <a:br>
+              <a:rPr lang="en-US" sz="2000" dirty="0" smtClean="0">
+                <a:latin typeface="Helvetica Neue" charset="0"/>
+                <a:ea typeface="Helvetica Neue" charset="0"/>
+                <a:cs typeface="Helvetica Neue" charset="0"/>
+              </a:rPr>
+            </a:br>
+            <a:r>
+              <a:rPr lang="en-US" sz="1600" dirty="0" smtClean="0">
+                <a:solidFill>
+                  <a:srgbClr val="0070C0"/>
+                </a:solidFill>
+                <a:latin typeface="Helvetica Neue" charset="0"/>
+                <a:ea typeface="Helvetica Neue" charset="0"/>
+                <a:cs typeface="Helvetica Neue" charset="0"/>
+              </a:rPr>
+              <a:t>06 March 2017</a:t>
+            </a:r>
+            <a:endParaRPr lang="en-US" sz="1800" dirty="0">
+              <a:solidFill>
+                <a:srgbClr val="0070C0"/>
+              </a:solidFill>
+              <a:latin typeface="Helvetica Neue" charset="0"/>
+              <a:ea typeface="Helvetica Neue" charset="0"/>
+              <a:cs typeface="Helvetica Neue" charset="0"/>
+            </a:endParaRPr>
+          </a:p>
+        </p:txBody>
+      </p:sp>
+      <p:sp>
+        <p:nvSpPr>
+          <p:cNvPr id="6" name="Content Placeholder 5"/>
+          <p:cNvSpPr>
+            <a:spLocks noGrp="1"/>
+          </p:cNvSpPr>
+          <p:nvPr>
+            <p:ph idx="1"/>
+          </p:nvPr>
+        </p:nvSpPr>
+        <p:spPr>
+          <a:xfrm>
+            <a:off x="328614" y="1795345"/>
+            <a:ext cx="4622527" cy="2317867"/>
+          </a:xfrm>
+        </p:spPr>
+        <p:txBody>
+          <a:bodyPr/>
+          <a:lstStyle/>
+          <a:p>
+            <a:pPr marL="0" indent="0">
+              <a:buNone/>
+            </a:pPr>
+            <a:r>
+              <a:rPr lang="en-US" dirty="0">
+                <a:solidFill>
+                  <a:schemeClr val="tx1">
+                    <a:lumMod val="75000"/>
+                    <a:lumOff val="25000"/>
+                  </a:schemeClr>
+                </a:solidFill>
+                <a:latin typeface="Helvetica Neue" charset="0"/>
+                <a:ea typeface="Helvetica Neue" charset="0"/>
+                <a:cs typeface="Helvetica Neue" charset="0"/>
+              </a:rPr>
+              <a:t>IBM and Salesforce will deliver joint solutions designed to leverage artificial intelligence and enable companies to make smarter decisions, faster than ever before. The partnership will bring insights from Watson directly into the Salesforce Intelligent Customer Success Platform, combining deep customer insights from Salesforce Einstein with Watson's structured and unstructured data across many industries including healthcare, financial services, retail and weather.</a:t>
+            </a:r>
+          </a:p>
+        </p:txBody>
+      </p:sp>
+      <p:sp>
+        <p:nvSpPr>
+          <p:cNvPr id="4" name="Rectangle 3"/>
+          <p:cNvSpPr/>
+          <p:nvPr/>
+        </p:nvSpPr>
+        <p:spPr>
+          <a:xfrm>
+            <a:off x="328612" y="4681693"/>
+            <a:ext cx="6579220" cy="184666"/>
+          </a:xfrm>
+          <a:prstGeom prst="rect">
+            <a:avLst/>
+          </a:prstGeom>
+        </p:spPr>
+        <p:txBody>
+          <a:bodyPr wrap="square" lIns="0" tIns="0" rIns="0" bIns="0">
+            <a:spAutoFit/>
+          </a:bodyPr>
+          <a:lstStyle/>
+          <a:p>
+            <a:r>
+              <a:rPr lang="en-US" sz="1200" baseline="30000" dirty="0" smtClean="0">
+                <a:solidFill>
+                  <a:schemeClr val="tx1">
+                    <a:lumMod val="50000"/>
+                    <a:lumOff val="50000"/>
+                  </a:schemeClr>
+                </a:solidFill>
+                <a:latin typeface="Helvetica Neue" charset="0"/>
+                <a:ea typeface="Helvetica Neue" charset="0"/>
+                <a:cs typeface="Helvetica Neue" charset="0"/>
+              </a:rPr>
+              <a:t>1 </a:t>
+            </a:r>
+            <a:r>
+              <a:rPr lang="en-US" sz="1200" dirty="0" smtClean="0">
+                <a:solidFill>
+                  <a:schemeClr val="tx1">
+                    <a:lumMod val="50000"/>
+                    <a:lumOff val="50000"/>
+                  </a:schemeClr>
+                </a:solidFill>
+                <a:latin typeface="Helvetica Neue" charset="0"/>
+                <a:ea typeface="Helvetica Neue" charset="0"/>
+                <a:cs typeface="Helvetica Neue" charset="0"/>
+              </a:rPr>
+              <a:t>http</a:t>
+            </a:r>
+            <a:r>
+              <a:rPr lang="en-US" sz="1200" dirty="0">
+                <a:solidFill>
+                  <a:schemeClr val="tx1">
+                    <a:lumMod val="50000"/>
+                    <a:lumOff val="50000"/>
+                  </a:schemeClr>
+                </a:solidFill>
+                <a:latin typeface="Helvetica Neue" charset="0"/>
+                <a:ea typeface="Helvetica Neue" charset="0"/>
+                <a:cs typeface="Helvetica Neue" charset="0"/>
+              </a:rPr>
+              <a:t>://www-03.ibm.com/press/us/</a:t>
+            </a:r>
+            <a:r>
+              <a:rPr lang="en-US" sz="1200" dirty="0" err="1">
+                <a:solidFill>
+                  <a:schemeClr val="tx1">
+                    <a:lumMod val="50000"/>
+                    <a:lumOff val="50000"/>
+                  </a:schemeClr>
+                </a:solidFill>
+                <a:latin typeface="Helvetica Neue" charset="0"/>
+                <a:ea typeface="Helvetica Neue" charset="0"/>
+                <a:cs typeface="Helvetica Neue" charset="0"/>
+              </a:rPr>
+              <a:t>en</a:t>
+            </a:r>
+            <a:r>
+              <a:rPr lang="en-US" sz="1200" dirty="0">
+                <a:solidFill>
+                  <a:schemeClr val="tx1">
+                    <a:lumMod val="50000"/>
+                    <a:lumOff val="50000"/>
+                  </a:schemeClr>
+                </a:solidFill>
+                <a:latin typeface="Helvetica Neue" charset="0"/>
+                <a:ea typeface="Helvetica Neue" charset="0"/>
+                <a:cs typeface="Helvetica Neue" charset="0"/>
+              </a:rPr>
+              <a:t>/</a:t>
+            </a:r>
+            <a:r>
+              <a:rPr lang="en-US" sz="1200" dirty="0" err="1">
+                <a:solidFill>
+                  <a:schemeClr val="tx1">
+                    <a:lumMod val="50000"/>
+                    <a:lumOff val="50000"/>
+                  </a:schemeClr>
+                </a:solidFill>
+                <a:latin typeface="Helvetica Neue" charset="0"/>
+                <a:ea typeface="Helvetica Neue" charset="0"/>
+                <a:cs typeface="Helvetica Neue" charset="0"/>
+              </a:rPr>
+              <a:t>pressrelease</a:t>
+            </a:r>
+            <a:r>
+              <a:rPr lang="en-US" sz="1200" dirty="0">
+                <a:solidFill>
+                  <a:schemeClr val="tx1">
+                    <a:lumMod val="50000"/>
+                    <a:lumOff val="50000"/>
+                  </a:schemeClr>
+                </a:solidFill>
+                <a:latin typeface="Helvetica Neue" charset="0"/>
+                <a:ea typeface="Helvetica Neue" charset="0"/>
+                <a:cs typeface="Helvetica Neue" charset="0"/>
+              </a:rPr>
+              <a:t>/51707.wss</a:t>
+            </a:r>
+          </a:p>
+        </p:txBody>
+      </p:sp>
+      <p:sp>
+        <p:nvSpPr>
+          <p:cNvPr id="9" name="TextBox 8"/>
+          <p:cNvSpPr txBox="1"/>
+          <p:nvPr/>
+        </p:nvSpPr>
+        <p:spPr>
+          <a:xfrm>
+            <a:off x="5648442" y="1955958"/>
+            <a:ext cx="2518638" cy="923330"/>
+          </a:xfrm>
+          <a:prstGeom prst="rect">
+            <a:avLst/>
+          </a:prstGeom>
+          <a:noFill/>
+        </p:spPr>
+        <p:txBody>
+          <a:bodyPr wrap="none" rtlCol="0">
+            <a:spAutoFit/>
+          </a:bodyPr>
+          <a:lstStyle/>
+          <a:p>
+            <a:r>
+              <a:rPr lang="en-US" sz="1400" dirty="0" smtClean="0">
+                <a:solidFill>
+                  <a:schemeClr val="tx1">
+                    <a:lumMod val="65000"/>
+                    <a:lumOff val="35000"/>
+                  </a:schemeClr>
+                </a:solidFill>
+                <a:latin typeface="Helvetica Neue" charset="0"/>
+                <a:ea typeface="Helvetica Neue" charset="0"/>
+                <a:cs typeface="Helvetica Neue" charset="0"/>
+              </a:rPr>
+              <a:t>The leader in</a:t>
+            </a:r>
+          </a:p>
+          <a:p>
+            <a:r>
+              <a:rPr lang="en-US" sz="2000" dirty="0">
+                <a:solidFill>
+                  <a:srgbClr val="0070C0"/>
+                </a:solidFill>
+                <a:latin typeface="Helvetica Neue" charset="0"/>
+                <a:ea typeface="Helvetica Neue" charset="0"/>
+                <a:cs typeface="Helvetica Neue" charset="0"/>
+              </a:rPr>
+              <a:t>c</a:t>
+            </a:r>
+            <a:r>
+              <a:rPr lang="en-US" sz="2000" dirty="0" smtClean="0">
+                <a:solidFill>
+                  <a:srgbClr val="0070C0"/>
+                </a:solidFill>
+                <a:latin typeface="Helvetica Neue" charset="0"/>
+                <a:ea typeface="Helvetica Neue" charset="0"/>
+                <a:cs typeface="Helvetica Neue" charset="0"/>
+              </a:rPr>
+              <a:t>loud and</a:t>
+            </a:r>
+          </a:p>
+          <a:p>
+            <a:r>
+              <a:rPr lang="en-US" sz="2000" dirty="0">
+                <a:solidFill>
+                  <a:srgbClr val="0070C0"/>
+                </a:solidFill>
+                <a:latin typeface="Helvetica Neue" charset="0"/>
+                <a:ea typeface="Helvetica Neue" charset="0"/>
+                <a:cs typeface="Helvetica Neue" charset="0"/>
+              </a:rPr>
+              <a:t>c</a:t>
+            </a:r>
+            <a:r>
+              <a:rPr lang="en-US" sz="2000" dirty="0" smtClean="0">
+                <a:solidFill>
+                  <a:srgbClr val="0070C0"/>
+                </a:solidFill>
+                <a:latin typeface="Helvetica Neue" charset="0"/>
+                <a:ea typeface="Helvetica Neue" charset="0"/>
+                <a:cs typeface="Helvetica Neue" charset="0"/>
+              </a:rPr>
+              <a:t>ognitive computing</a:t>
+            </a:r>
+            <a:endParaRPr lang="en-US" sz="2000" dirty="0">
+              <a:solidFill>
+                <a:srgbClr val="0070C0"/>
+              </a:solidFill>
+              <a:latin typeface="Helvetica Neue" charset="0"/>
+              <a:ea typeface="Helvetica Neue" charset="0"/>
+              <a:cs typeface="Helvetica Neue" charset="0"/>
+            </a:endParaRPr>
+          </a:p>
+        </p:txBody>
+      </p:sp>
+      <p:sp>
+        <p:nvSpPr>
+          <p:cNvPr id="10" name="TextBox 9"/>
+          <p:cNvSpPr txBox="1"/>
+          <p:nvPr/>
+        </p:nvSpPr>
+        <p:spPr>
+          <a:xfrm>
+            <a:off x="5648442" y="3285392"/>
+            <a:ext cx="2260555" cy="615553"/>
+          </a:xfrm>
+          <a:prstGeom prst="rect">
+            <a:avLst/>
+          </a:prstGeom>
+          <a:noFill/>
+        </p:spPr>
+        <p:txBody>
+          <a:bodyPr wrap="none" rtlCol="0">
+            <a:spAutoFit/>
+          </a:bodyPr>
+          <a:lstStyle/>
+          <a:p>
+            <a:r>
+              <a:rPr lang="en-US" sz="1400" dirty="0" smtClean="0">
+                <a:solidFill>
+                  <a:schemeClr val="tx1">
+                    <a:lumMod val="65000"/>
+                    <a:lumOff val="35000"/>
+                  </a:schemeClr>
+                </a:solidFill>
+                <a:latin typeface="Helvetica Neue" charset="0"/>
+                <a:ea typeface="Helvetica Neue" charset="0"/>
+                <a:cs typeface="Helvetica Neue" charset="0"/>
+              </a:rPr>
+              <a:t>The world’s</a:t>
+            </a:r>
+          </a:p>
+          <a:p>
+            <a:r>
+              <a:rPr lang="en-US" sz="2000" dirty="0" smtClean="0">
+                <a:solidFill>
+                  <a:srgbClr val="0070C0"/>
+                </a:solidFill>
+                <a:latin typeface="Helvetica Neue" charset="0"/>
+                <a:ea typeface="Helvetica Neue" charset="0"/>
+                <a:cs typeface="Helvetica Neue" charset="0"/>
+              </a:rPr>
+              <a:t>#1 CRM company</a:t>
+            </a:r>
+            <a:endParaRPr lang="en-US" sz="2000" dirty="0">
+              <a:solidFill>
+                <a:srgbClr val="0070C0"/>
+              </a:solidFill>
+              <a:latin typeface="Helvetica Neue" charset="0"/>
+              <a:ea typeface="Helvetica Neue" charset="0"/>
+              <a:cs typeface="Helvetica Neue" charset="0"/>
+            </a:endParaRPr>
+          </a:p>
+        </p:txBody>
+      </p:sp>
+      <p:sp>
+        <p:nvSpPr>
+          <p:cNvPr id="11" name="Slide Number Placeholder 1"/>
+          <p:cNvSpPr>
+            <a:spLocks noGrp="1"/>
+          </p:cNvSpPr>
+          <p:nvPr>
+            <p:ph type="sldNum" sz="quarter" idx="10"/>
+          </p:nvPr>
+        </p:nvSpPr>
+        <p:spPr>
+          <a:xfrm>
+            <a:off x="328612" y="4880518"/>
+            <a:ext cx="2124075" cy="171450"/>
+          </a:xfrm>
+        </p:spPr>
+        <p:txBody>
+          <a:bodyPr/>
+          <a:lstStyle/>
+          <a:p>
+            <a:pPr algn="l">
+              <a:defRPr/>
+            </a:pPr>
+            <a:r>
+              <a:rPr lang="en-US"/>
+              <a:t>2</a:t>
+            </a:r>
+            <a:endParaRPr lang="en-US" dirty="0"/>
+          </a:p>
+        </p:txBody>
+      </p:sp>
+      <p:pic>
+        <p:nvPicPr>
+          <p:cNvPr id="12" name="Picture 11"/>
+          <p:cNvPicPr>
+            <a:picLocks noChangeAspect="1"/>
+          </p:cNvPicPr>
+          <p:nvPr/>
+        </p:nvPicPr>
+        <p:blipFill>
+          <a:blip r:embed="rId3"/>
+          <a:stretch>
+            <a:fillRect/>
+          </a:stretch>
+        </p:blipFill>
+        <p:spPr>
+          <a:xfrm>
+            <a:off x="5648442" y="683925"/>
+            <a:ext cx="2949604" cy="781645"/>
+          </a:xfrm>
+          <a:prstGeom prst="rect">
+            <a:avLst/>
+          </a:prstGeom>
+        </p:spPr>
+      </p:pic>
+      <p:sp>
+        <p:nvSpPr>
+          <p:cNvPr id="2" name="TextBox 1"/>
+          <p:cNvSpPr txBox="1"/>
+          <p:nvPr/>
+        </p:nvSpPr>
+        <p:spPr>
+          <a:xfrm>
+            <a:off x="5648442" y="2897674"/>
+            <a:ext cx="325730" cy="369332"/>
+          </a:xfrm>
+          <a:prstGeom prst="rect">
+            <a:avLst/>
+          </a:prstGeom>
+          <a:noFill/>
+        </p:spPr>
+        <p:txBody>
+          <a:bodyPr wrap="none" rtlCol="0">
+            <a:spAutoFit/>
+          </a:bodyPr>
+          <a:lstStyle/>
+          <a:p>
+            <a:r>
+              <a:rPr lang="en-US">
+                <a:solidFill>
+                  <a:schemeClr val="tx1">
+                    <a:lumMod val="50000"/>
+                    <a:lumOff val="50000"/>
+                  </a:schemeClr>
+                </a:solidFill>
+              </a:rPr>
+              <a:t>+</a:t>
+            </a:r>
+          </a:p>
+        </p:txBody>
+      </p:sp>
+    </p:spTree>
+    <p:extLst>
+      <p:ext uri="{BB962C8B-B14F-4D97-AF65-F5344CB8AC3E}">
+        <p14:creationId xmlns:p14="http://schemas.microsoft.com/office/powerpoint/2010/main" val="1849639587"/>
+      </p:ext>
+    </p:extLst>
+  </p:cSld>
+  <p:clrMapOvr>
+    <a:masterClrMapping/>
+  </p:clrMapOvr>
+  <mc:AlternateContent xmlns:mc="http://schemas.openxmlformats.org/markup-compatibility/2006" xmlns:p14="http://schemas.microsoft.com/office/powerpoint/2010/main">
+    <mc:Choice Requires="p14">
+      <p:transition p14:dur="0"/>
+    </mc:Choice>
+    <mc:Fallback xmlns="">
+      <p:transition/>
+    </mc:Fallback>
+  </mc:AlternateContent>
+  <p:timing>
+    <p:tnLst>
+      <p:par>
+        <p:cTn id="1" dur="indefinite" restart="never" nodeType="tmRoot"/>
+      </p:par>
+    </p:tnLst>
+  </p:timing>
+</p:sld>
+</file>
+
+<file path=ppt/slides/slide20.xml><?xml version="1.0" encoding="utf-8"?>
+<p:sld xmlns:a="http://schemas.openxmlformats.org/drawingml/2006/main" xmlns:r="http://schemas.openxmlformats.org/officeDocument/2006/relationships" xmlns:p="http://schemas.openxmlformats.org/presentationml/2006/main">
+  <p:cSld>
+    <p:spTree>
+      <p:nvGrpSpPr>
+        <p:cNvPr id="1" name=""/>
+        <p:cNvGrpSpPr/>
+        <p:nvPr/>
+      </p:nvGrpSpPr>
+      <p:grpSpPr>
+        <a:xfrm>
+          <a:off x="0" y="0"/>
+          <a:ext cx="0" cy="0"/>
+          <a:chOff x="0" y="0"/>
+          <a:chExt cx="0" cy="0"/>
+        </a:xfrm>
+      </p:grpSpPr>
+      <p:sp>
+        <p:nvSpPr>
+          <p:cNvPr id="11266" name="Title 1"/>
+          <p:cNvSpPr>
+            <a:spLocks noGrp="1"/>
+          </p:cNvSpPr>
+          <p:nvPr>
+            <p:ph type="title"/>
+          </p:nvPr>
+        </p:nvSpPr>
+        <p:spPr>
+          <a:xfrm>
+            <a:off x="173449" y="-43935"/>
+            <a:ext cx="8781208" cy="775597"/>
+          </a:xfrm>
+        </p:spPr>
+        <p:txBody>
+          <a:bodyPr/>
+          <a:lstStyle/>
+          <a:p>
+            <a:pPr eaLnBrk="1" hangingPunct="1"/>
+            <a:r>
+              <a:rPr lang="en-US" altLang="en-US" dirty="0" smtClean="0"/>
+              <a:t>Use case: Streaming Salesforce events to MQ messaging backbone</a:t>
+            </a:r>
+          </a:p>
+        </p:txBody>
+      </p:sp>
+      <p:sp>
+        <p:nvSpPr>
+          <p:cNvPr id="4" name="Slide Number Placeholder 3"/>
+          <p:cNvSpPr>
+            <a:spLocks noGrp="1"/>
+          </p:cNvSpPr>
+          <p:nvPr>
+            <p:ph type="sldNum" sz="quarter" idx="4294967295"/>
+          </p:nvPr>
+        </p:nvSpPr>
+        <p:spPr>
+          <a:xfrm>
+            <a:off x="628650" y="4767263"/>
+            <a:ext cx="2057400" cy="273844"/>
+          </a:xfrm>
+          <a:prstGeom prst="rect">
+            <a:avLst/>
+          </a:prstGeom>
+        </p:spPr>
+        <p:txBody>
+          <a:bodyPr/>
+          <a:lstStyle/>
+          <a:p>
+            <a:pPr algn="l">
+              <a:defRPr/>
+            </a:pPr>
+            <a:fld id="{D0BD209A-9680-4698-B097-ED026E5F0058}" type="slidenum">
+              <a:rPr lang="en-US" smtClean="0"/>
+              <a:pPr algn="l">
+                <a:defRPr/>
+              </a:pPr>
+              <a:t>20</a:t>
+            </a:fld>
+            <a:endParaRPr lang="en-US" dirty="0"/>
+          </a:p>
+        </p:txBody>
+      </p:sp>
+      <p:sp>
+        <p:nvSpPr>
+          <p:cNvPr id="7" name="Rectangle 6"/>
+          <p:cNvSpPr/>
+          <p:nvPr/>
+        </p:nvSpPr>
+        <p:spPr>
+          <a:xfrm>
+            <a:off x="318943" y="1257724"/>
+            <a:ext cx="3674834" cy="2908489"/>
+          </a:xfrm>
+          <a:prstGeom prst="rect">
+            <a:avLst/>
+          </a:prstGeom>
+          <a:noFill/>
+        </p:spPr>
+        <p:txBody>
+          <a:bodyPr wrap="square">
+            <a:spAutoFit/>
+          </a:bodyPr>
+          <a:lstStyle/>
+          <a:p>
+            <a:pPr marL="214313" indent="-214313">
+              <a:lnSpc>
+                <a:spcPct val="107000"/>
+              </a:lnSpc>
+              <a:spcBef>
+                <a:spcPts val="900"/>
+              </a:spcBef>
+              <a:buFont typeface="Wingdings" charset="2"/>
+              <a:buChar char="§"/>
+            </a:pPr>
+            <a:r>
+              <a:rPr lang="en-US" sz="1500" dirty="0">
+                <a:latin typeface="Arial" charset="0"/>
+                <a:ea typeface="Arial" charset="0"/>
+                <a:cs typeface="Arial" charset="0"/>
+              </a:rPr>
+              <a:t>Define the Push Topic using Salesforce Developer Console</a:t>
+            </a:r>
+          </a:p>
+          <a:p>
+            <a:pPr marL="214313" indent="-214313">
+              <a:lnSpc>
+                <a:spcPct val="107000"/>
+              </a:lnSpc>
+              <a:spcBef>
+                <a:spcPts val="900"/>
+              </a:spcBef>
+              <a:buFont typeface="Wingdings" charset="2"/>
+              <a:buChar char="§"/>
+            </a:pPr>
+            <a:r>
+              <a:rPr lang="en-US" sz="1500" dirty="0">
+                <a:latin typeface="Arial" charset="0"/>
+                <a:ea typeface="Arial" charset="0"/>
+                <a:cs typeface="Arial" charset="0"/>
+              </a:rPr>
+              <a:t>Configure MQ bridge for salesforce and specify details like login credentials, Push Topic, MQ Topic </a:t>
+            </a:r>
+          </a:p>
+          <a:p>
+            <a:pPr marL="214313" indent="-214313">
+              <a:lnSpc>
+                <a:spcPct val="107000"/>
+              </a:lnSpc>
+              <a:spcBef>
+                <a:spcPts val="900"/>
+              </a:spcBef>
+              <a:buFont typeface="Wingdings" charset="2"/>
+              <a:buChar char="§"/>
+            </a:pPr>
+            <a:r>
+              <a:rPr lang="en-US" sz="1500" dirty="0">
+                <a:latin typeface="Arial" charset="0"/>
+                <a:ea typeface="Arial" charset="0"/>
+                <a:cs typeface="Arial" charset="0"/>
+              </a:rPr>
+              <a:t>Start MQ bridge for Salesforce which subscribes to the Push Topic</a:t>
+            </a:r>
+          </a:p>
+          <a:p>
+            <a:pPr marL="214313" indent="-214313">
+              <a:lnSpc>
+                <a:spcPct val="107000"/>
+              </a:lnSpc>
+              <a:spcBef>
+                <a:spcPts val="900"/>
+              </a:spcBef>
+              <a:buFont typeface="Wingdings" charset="2"/>
+              <a:buChar char="§"/>
+            </a:pPr>
+            <a:r>
+              <a:rPr lang="en-US" sz="1500" dirty="0">
+                <a:latin typeface="Arial" charset="0"/>
+                <a:ea typeface="Arial" charset="0"/>
+                <a:cs typeface="Arial" charset="0"/>
+              </a:rPr>
+              <a:t>Streaming events from Salesforce are received on MQ as messages and can trigger off enterprise work flows</a:t>
+            </a:r>
+          </a:p>
+        </p:txBody>
+      </p:sp>
+      <p:sp>
+        <p:nvSpPr>
+          <p:cNvPr id="3" name="TextBox 2"/>
+          <p:cNvSpPr txBox="1"/>
+          <p:nvPr/>
+        </p:nvSpPr>
+        <p:spPr>
+          <a:xfrm>
+            <a:off x="5165623" y="4424516"/>
+            <a:ext cx="685800" cy="685800"/>
+          </a:xfrm>
+          <a:prstGeom prst="rect">
+            <a:avLst/>
+          </a:prstGeom>
+        </p:spPr>
+        <p:txBody>
+          <a:bodyPr vert="horz" wrap="none" lIns="68580" tIns="34290" rIns="68580" bIns="34290" rtlCol="0" anchor="t" anchorCtr="0">
+            <a:noAutofit/>
+          </a:bodyPr>
+          <a:lstStyle/>
+          <a:p>
+            <a:pPr>
+              <a:lnSpc>
+                <a:spcPct val="90000"/>
+              </a:lnSpc>
+              <a:spcBef>
+                <a:spcPts val="750"/>
+              </a:spcBef>
+            </a:pPr>
+            <a:endParaRPr lang="en-US" sz="1875" dirty="0"/>
+          </a:p>
+        </p:txBody>
+      </p:sp>
+      <p:sp>
+        <p:nvSpPr>
+          <p:cNvPr id="6" name="Rectangle 5"/>
+          <p:cNvSpPr/>
+          <p:nvPr/>
+        </p:nvSpPr>
+        <p:spPr>
+          <a:xfrm>
+            <a:off x="5698873" y="770747"/>
+            <a:ext cx="3255785" cy="1569660"/>
+          </a:xfrm>
+          <a:prstGeom prst="rect">
+            <a:avLst/>
+          </a:prstGeom>
+          <a:ln>
+            <a:solidFill>
+              <a:srgbClr val="474747"/>
+            </a:solidFill>
+          </a:ln>
+        </p:spPr>
+        <p:txBody>
+          <a:bodyPr wrap="square">
+            <a:spAutoFit/>
+          </a:bodyPr>
+          <a:lstStyle/>
+          <a:p>
+            <a:r>
+              <a:rPr lang="en-GB" sz="1200" dirty="0" err="1">
+                <a:latin typeface="Courier" charset="0"/>
+                <a:ea typeface="Calibri" charset="0"/>
+                <a:cs typeface="Times New Roman" charset="0"/>
+              </a:rPr>
+              <a:t>PushTopic</a:t>
+            </a:r>
+            <a:r>
+              <a:rPr lang="en-GB" sz="1200" dirty="0">
+                <a:latin typeface="Courier" charset="0"/>
+                <a:ea typeface="Calibri" charset="0"/>
+                <a:cs typeface="Times New Roman" charset="0"/>
+              </a:rPr>
+              <a:t> </a:t>
+            </a:r>
+            <a:r>
+              <a:rPr lang="en-GB" sz="1200" dirty="0" err="1">
+                <a:latin typeface="Courier" charset="0"/>
+                <a:ea typeface="Calibri" charset="0"/>
+                <a:cs typeface="Times New Roman" charset="0"/>
+              </a:rPr>
+              <a:t>pushTopic</a:t>
+            </a:r>
+            <a:r>
+              <a:rPr lang="en-GB" sz="1200" dirty="0">
+                <a:latin typeface="Courier" charset="0"/>
+                <a:ea typeface="Calibri" charset="0"/>
+                <a:cs typeface="Times New Roman" charset="0"/>
+              </a:rPr>
+              <a:t> = new </a:t>
+            </a:r>
+            <a:r>
+              <a:rPr lang="en-GB" sz="1200" dirty="0" err="1">
+                <a:latin typeface="Courier" charset="0"/>
+                <a:ea typeface="Calibri" charset="0"/>
+                <a:cs typeface="Times New Roman" charset="0"/>
+              </a:rPr>
+              <a:t>PushTopic</a:t>
+            </a:r>
+            <a:r>
+              <a:rPr lang="en-GB" sz="1200" dirty="0">
+                <a:latin typeface="Courier" charset="0"/>
+                <a:ea typeface="Calibri" charset="0"/>
+                <a:cs typeface="Times New Roman" charset="0"/>
+              </a:rPr>
+              <a:t>();</a:t>
+            </a:r>
+            <a:endParaRPr lang="en-GB" sz="1200" dirty="0">
+              <a:latin typeface="Calibri" charset="0"/>
+              <a:ea typeface="Calibri" charset="0"/>
+              <a:cs typeface="Times New Roman" charset="0"/>
+            </a:endParaRPr>
+          </a:p>
+          <a:p>
+            <a:r>
+              <a:rPr lang="en-GB" sz="1200" dirty="0" err="1">
+                <a:latin typeface="Courier" charset="0"/>
+                <a:ea typeface="Calibri" charset="0"/>
+                <a:cs typeface="Times New Roman" charset="0"/>
+              </a:rPr>
+              <a:t>pushTopic.Name</a:t>
+            </a:r>
+            <a:r>
+              <a:rPr lang="en-GB" sz="1200" dirty="0">
+                <a:latin typeface="Courier" charset="0"/>
+                <a:ea typeface="Calibri" charset="0"/>
+                <a:cs typeface="Times New Roman" charset="0"/>
+              </a:rPr>
+              <a:t> = '</a:t>
+            </a:r>
+            <a:r>
+              <a:rPr lang="en-GB" sz="1200" dirty="0" err="1">
+                <a:latin typeface="Courier" charset="0"/>
+                <a:ea typeface="Calibri" charset="0"/>
+                <a:cs typeface="Times New Roman" charset="0"/>
+              </a:rPr>
+              <a:t>EscalatedCaseUpdates</a:t>
+            </a:r>
+            <a:r>
+              <a:rPr lang="en-GB" sz="1200" dirty="0">
+                <a:latin typeface="Courier" charset="0"/>
+                <a:ea typeface="Calibri" charset="0"/>
+                <a:cs typeface="Times New Roman" charset="0"/>
+              </a:rPr>
+              <a:t>';</a:t>
+            </a:r>
+            <a:endParaRPr lang="en-GB" sz="1200" dirty="0">
+              <a:latin typeface="Calibri" charset="0"/>
+              <a:ea typeface="Calibri" charset="0"/>
+              <a:cs typeface="Times New Roman" charset="0"/>
+            </a:endParaRPr>
+          </a:p>
+          <a:p>
+            <a:r>
+              <a:rPr lang="en-GB" sz="1200" dirty="0" err="1">
+                <a:latin typeface="Courier" charset="0"/>
+                <a:ea typeface="Calibri" charset="0"/>
+                <a:cs typeface="Times New Roman" charset="0"/>
+              </a:rPr>
+              <a:t>pushTopic.Query</a:t>
+            </a:r>
+            <a:r>
+              <a:rPr lang="en-GB" sz="1200" dirty="0">
+                <a:latin typeface="Courier" charset="0"/>
+                <a:ea typeface="Calibri" charset="0"/>
+                <a:cs typeface="Times New Roman" charset="0"/>
+              </a:rPr>
+              <a:t> = 'SELECT Id, </a:t>
+            </a:r>
+            <a:r>
+              <a:rPr lang="en-GB" sz="1200" dirty="0" err="1">
+                <a:latin typeface="Courier" charset="0"/>
+                <a:ea typeface="Calibri" charset="0"/>
+                <a:cs typeface="Times New Roman" charset="0"/>
+              </a:rPr>
+              <a:t>AccountId</a:t>
+            </a:r>
+            <a:r>
+              <a:rPr lang="en-GB" sz="1200" dirty="0">
+                <a:latin typeface="Courier" charset="0"/>
+                <a:ea typeface="Calibri" charset="0"/>
+                <a:cs typeface="Times New Roman" charset="0"/>
+              </a:rPr>
+              <a:t>, </a:t>
+            </a:r>
+            <a:r>
+              <a:rPr lang="en-GB" sz="1200" dirty="0" err="1">
+                <a:latin typeface="Courier" charset="0"/>
+                <a:ea typeface="Calibri" charset="0"/>
+                <a:cs typeface="Times New Roman" charset="0"/>
+              </a:rPr>
+              <a:t>ContactId</a:t>
+            </a:r>
+            <a:r>
+              <a:rPr lang="en-GB" sz="1200" dirty="0">
+                <a:latin typeface="Courier" charset="0"/>
+                <a:ea typeface="Calibri" charset="0"/>
+                <a:cs typeface="Times New Roman" charset="0"/>
+              </a:rPr>
+              <a:t>, Subject FROM Case WHERE Status = \'Escalated\'';</a:t>
+            </a:r>
+            <a:endParaRPr lang="en-GB" sz="1200" dirty="0">
+              <a:latin typeface="Calibri" charset="0"/>
+              <a:ea typeface="Calibri" charset="0"/>
+              <a:cs typeface="Times New Roman" charset="0"/>
+            </a:endParaRPr>
+          </a:p>
+        </p:txBody>
+      </p:sp>
+      <p:sp>
+        <p:nvSpPr>
+          <p:cNvPr id="10" name="Rectangle 9"/>
+          <p:cNvSpPr/>
+          <p:nvPr/>
+        </p:nvSpPr>
+        <p:spPr>
+          <a:xfrm>
+            <a:off x="4504362" y="2386534"/>
+            <a:ext cx="4572000" cy="2677656"/>
+          </a:xfrm>
+          <a:prstGeom prst="rect">
+            <a:avLst/>
+          </a:prstGeom>
+          <a:ln>
+            <a:solidFill>
+              <a:srgbClr val="474747"/>
+            </a:solidFill>
+          </a:ln>
+        </p:spPr>
+        <p:txBody>
+          <a:bodyPr>
+            <a:spAutoFit/>
+          </a:bodyPr>
+          <a:lstStyle/>
+          <a:p>
+            <a:r>
+              <a:rPr lang="en-GB" sz="1050" dirty="0">
+                <a:latin typeface="Courier" charset="0"/>
+                <a:ea typeface="Courier" charset="0"/>
+                <a:cs typeface="Courier" charset="0"/>
+              </a:rPr>
+              <a:t>{</a:t>
+            </a:r>
+          </a:p>
+          <a:p>
+            <a:r>
+              <a:rPr lang="en-GB" sz="1050" b="1" dirty="0">
+                <a:latin typeface="Courier" charset="0"/>
+                <a:ea typeface="Courier" charset="0"/>
+                <a:cs typeface="Courier" charset="0"/>
+              </a:rPr>
+              <a:t>"</a:t>
+            </a:r>
+            <a:r>
+              <a:rPr lang="en-GB" sz="1050" b="1" dirty="0" err="1">
+                <a:latin typeface="Courier" charset="0"/>
+                <a:ea typeface="Courier" charset="0"/>
+                <a:cs typeface="Courier" charset="0"/>
+              </a:rPr>
+              <a:t>QueueManager</a:t>
+            </a:r>
+            <a:r>
+              <a:rPr lang="en-GB" sz="1050" b="1" dirty="0">
+                <a:latin typeface="Courier" charset="0"/>
+                <a:ea typeface="Courier" charset="0"/>
+                <a:cs typeface="Courier" charset="0"/>
+              </a:rPr>
+              <a:t>":"</a:t>
+            </a:r>
+            <a:r>
+              <a:rPr lang="en-GB" sz="1050" b="1" dirty="0" err="1">
+                <a:latin typeface="Courier" charset="0"/>
+                <a:ea typeface="Courier" charset="0"/>
+                <a:cs typeface="Courier" charset="0"/>
+              </a:rPr>
+              <a:t>MQSFDemo</a:t>
+            </a:r>
+            <a:r>
+              <a:rPr lang="en-GB" sz="1050" b="1" dirty="0">
+                <a:latin typeface="Courier" charset="0"/>
+                <a:ea typeface="Courier" charset="0"/>
+                <a:cs typeface="Courier" charset="0"/>
+              </a:rPr>
+              <a:t>",</a:t>
+            </a:r>
+            <a:endParaRPr lang="en-GB" sz="1050" dirty="0">
+              <a:latin typeface="Courier" charset="0"/>
+              <a:ea typeface="Courier" charset="0"/>
+              <a:cs typeface="Courier" charset="0"/>
+            </a:endParaRPr>
+          </a:p>
+          <a:p>
+            <a:r>
+              <a:rPr lang="en-GB" sz="1050" b="1" dirty="0">
+                <a:latin typeface="Courier" charset="0"/>
+                <a:ea typeface="Courier" charset="0"/>
+                <a:cs typeface="Courier" charset="0"/>
+              </a:rPr>
+              <a:t>"</a:t>
+            </a:r>
+            <a:r>
+              <a:rPr lang="en-GB" sz="1050" b="1" dirty="0" err="1">
+                <a:latin typeface="Courier" charset="0"/>
+                <a:ea typeface="Courier" charset="0"/>
+                <a:cs typeface="Courier" charset="0"/>
+              </a:rPr>
+              <a:t>MQBaseTopic</a:t>
+            </a:r>
+            <a:r>
+              <a:rPr lang="en-GB" sz="1050" b="1" dirty="0">
+                <a:latin typeface="Courier" charset="0"/>
+                <a:ea typeface="Courier" charset="0"/>
+                <a:cs typeface="Courier" charset="0"/>
+              </a:rPr>
+              <a:t>":"</a:t>
+            </a:r>
+            <a:r>
+              <a:rPr lang="en-GB" sz="1050" b="1" dirty="0" err="1">
+                <a:latin typeface="Courier" charset="0"/>
+                <a:ea typeface="Courier" charset="0"/>
+                <a:cs typeface="Courier" charset="0"/>
+              </a:rPr>
+              <a:t>SFBase</a:t>
+            </a:r>
+            <a:r>
+              <a:rPr lang="en-GB" sz="1050" b="1" dirty="0">
+                <a:latin typeface="Courier" charset="0"/>
+                <a:ea typeface="Courier" charset="0"/>
+                <a:cs typeface="Courier" charset="0"/>
+              </a:rPr>
+              <a:t>",</a:t>
+            </a:r>
+            <a:endParaRPr lang="en-GB" sz="1050" dirty="0">
+              <a:latin typeface="Courier" charset="0"/>
+              <a:ea typeface="Courier" charset="0"/>
+              <a:cs typeface="Courier" charset="0"/>
+            </a:endParaRPr>
+          </a:p>
+          <a:p>
+            <a:r>
+              <a:rPr lang="en-GB" sz="1050" dirty="0">
+                <a:latin typeface="Courier" charset="0"/>
+                <a:ea typeface="Courier" charset="0"/>
+                <a:cs typeface="Courier" charset="0"/>
+              </a:rPr>
+              <a:t>"</a:t>
+            </a:r>
+            <a:r>
+              <a:rPr lang="en-GB" sz="1050" dirty="0" err="1">
+                <a:latin typeface="Courier" charset="0"/>
+                <a:ea typeface="Courier" charset="0"/>
+                <a:cs typeface="Courier" charset="0"/>
+              </a:rPr>
+              <a:t>MQChannel</a:t>
+            </a:r>
+            <a:r>
+              <a:rPr lang="en-GB" sz="1050" dirty="0">
+                <a:latin typeface="Courier" charset="0"/>
+                <a:ea typeface="Courier" charset="0"/>
+                <a:cs typeface="Courier" charset="0"/>
+              </a:rPr>
+              <a:t>":"",</a:t>
+            </a:r>
+          </a:p>
+          <a:p>
+            <a:r>
+              <a:rPr lang="en-GB" sz="1050" dirty="0">
+                <a:latin typeface="Courier" charset="0"/>
+                <a:ea typeface="Courier" charset="0"/>
+                <a:cs typeface="Courier" charset="0"/>
+              </a:rPr>
+              <a:t>"</a:t>
+            </a:r>
+            <a:r>
+              <a:rPr lang="en-GB" sz="1050" dirty="0" err="1">
+                <a:latin typeface="Courier" charset="0"/>
+                <a:ea typeface="Courier" charset="0"/>
+                <a:cs typeface="Courier" charset="0"/>
+              </a:rPr>
+              <a:t>MQConname</a:t>
+            </a:r>
+            <a:r>
+              <a:rPr lang="en-GB" sz="1050" dirty="0">
+                <a:latin typeface="Courier" charset="0"/>
+                <a:ea typeface="Courier" charset="0"/>
+                <a:cs typeface="Courier" charset="0"/>
+              </a:rPr>
+              <a:t>":"",</a:t>
+            </a:r>
+          </a:p>
+          <a:p>
+            <a:r>
+              <a:rPr lang="en-GB" sz="1050" b="1" dirty="0">
+                <a:latin typeface="Courier" charset="0"/>
+                <a:ea typeface="Courier" charset="0"/>
+                <a:cs typeface="Courier" charset="0"/>
+              </a:rPr>
+              <a:t>"SFUserName":"admin@interconnect17.demo",</a:t>
+            </a:r>
+            <a:endParaRPr lang="en-GB" sz="1050" dirty="0">
+              <a:latin typeface="Courier" charset="0"/>
+              <a:ea typeface="Courier" charset="0"/>
+              <a:cs typeface="Courier" charset="0"/>
+            </a:endParaRPr>
+          </a:p>
+          <a:p>
+            <a:r>
+              <a:rPr lang="en-GB" sz="1050" b="1" dirty="0">
+                <a:solidFill>
+                  <a:srgbClr val="000000"/>
+                </a:solidFill>
+                <a:latin typeface="Courier" charset="0"/>
+                <a:ea typeface="Courier" charset="0"/>
+                <a:cs typeface="Courier" charset="0"/>
+              </a:rPr>
+              <a:t>"</a:t>
+            </a:r>
+            <a:r>
+              <a:rPr lang="en-GB" sz="1050" b="1" dirty="0" err="1">
+                <a:solidFill>
+                  <a:srgbClr val="000000"/>
+                </a:solidFill>
+                <a:latin typeface="Courier" charset="0"/>
+                <a:ea typeface="Courier" charset="0"/>
+                <a:cs typeface="Courier" charset="0"/>
+              </a:rPr>
+              <a:t>SFPassword</a:t>
+            </a:r>
+            <a:r>
+              <a:rPr lang="en-GB" sz="1050" b="1" dirty="0">
+                <a:solidFill>
+                  <a:srgbClr val="000000"/>
+                </a:solidFill>
+                <a:latin typeface="Courier" charset="0"/>
+                <a:ea typeface="Courier" charset="0"/>
+                <a:cs typeface="Courier" charset="0"/>
+              </a:rPr>
+              <a:t>":"+</a:t>
+            </a:r>
+            <a:r>
+              <a:rPr lang="en-GB" sz="1050" b="1" dirty="0" err="1">
+                <a:solidFill>
+                  <a:srgbClr val="000000"/>
+                </a:solidFill>
+                <a:latin typeface="Courier" charset="0"/>
+                <a:ea typeface="Courier" charset="0"/>
+                <a:cs typeface="Courier" charset="0"/>
+              </a:rPr>
+              <a:t>EjoyhKZhmQ</a:t>
+            </a:r>
+            <a:r>
+              <a:rPr lang="en-GB" sz="1050" b="1" dirty="0">
+                <a:solidFill>
+                  <a:srgbClr val="000000"/>
+                </a:solidFill>
+                <a:latin typeface="Courier" charset="0"/>
+                <a:ea typeface="Courier" charset="0"/>
+                <a:cs typeface="Courier" charset="0"/>
+              </a:rPr>
+              <a:t>=</a:t>
+            </a:r>
+            <a:r>
+              <a:rPr lang="en-GB" sz="1050" b="1" dirty="0">
+                <a:solidFill>
+                  <a:srgbClr val="B23015"/>
+                </a:solidFill>
+                <a:latin typeface="Courier" charset="0"/>
+                <a:ea typeface="Courier" charset="0"/>
+                <a:cs typeface="Courier" charset="0"/>
+              </a:rPr>
+              <a:t>,N2UtcI\/8p8QovKWm6t17HQ==",</a:t>
+            </a:r>
+            <a:endParaRPr lang="en-GB" sz="1050" dirty="0">
+              <a:solidFill>
+                <a:srgbClr val="B23015"/>
+              </a:solidFill>
+              <a:latin typeface="Courier" charset="0"/>
+              <a:ea typeface="Courier" charset="0"/>
+              <a:cs typeface="Courier" charset="0"/>
+            </a:endParaRPr>
+          </a:p>
+          <a:p>
+            <a:r>
+              <a:rPr lang="en-GB" sz="1050" dirty="0">
+                <a:latin typeface="Courier" charset="0"/>
+                <a:ea typeface="Courier" charset="0"/>
+                <a:cs typeface="Courier" charset="0"/>
+              </a:rPr>
+              <a:t>"</a:t>
+            </a:r>
+            <a:r>
+              <a:rPr lang="en-GB" sz="1050" dirty="0" err="1">
+                <a:latin typeface="Courier" charset="0"/>
+                <a:ea typeface="Courier" charset="0"/>
+                <a:cs typeface="Courier" charset="0"/>
+              </a:rPr>
+              <a:t>SFToken</a:t>
+            </a:r>
+            <a:r>
+              <a:rPr lang="en-GB" sz="1050" dirty="0">
+                <a:latin typeface="Courier" charset="0"/>
+                <a:ea typeface="Courier" charset="0"/>
+                <a:cs typeface="Courier" charset="0"/>
+              </a:rPr>
+              <a:t>":"",</a:t>
+            </a:r>
+          </a:p>
+          <a:p>
+            <a:r>
+              <a:rPr lang="en-GB" sz="1050" dirty="0">
+                <a:solidFill>
+                  <a:srgbClr val="000000"/>
+                </a:solidFill>
+                <a:latin typeface="Courier" charset="0"/>
+                <a:ea typeface="Courier" charset="0"/>
+                <a:cs typeface="Courier" charset="0"/>
+              </a:rPr>
+              <a:t>"</a:t>
+            </a:r>
+            <a:r>
+              <a:rPr lang="en-GB" sz="1050" dirty="0" err="1">
+                <a:solidFill>
+                  <a:srgbClr val="000000"/>
+                </a:solidFill>
+                <a:latin typeface="Courier" charset="0"/>
+                <a:ea typeface="Courier" charset="0"/>
+                <a:cs typeface="Courier" charset="0"/>
+              </a:rPr>
+              <a:t>SFEndpoint</a:t>
+            </a:r>
+            <a:r>
+              <a:rPr lang="en-GB" sz="1050" dirty="0">
+                <a:solidFill>
+                  <a:srgbClr val="000000"/>
+                </a:solidFill>
+                <a:latin typeface="Courier" charset="0"/>
+                <a:ea typeface="Courier" charset="0"/>
+                <a:cs typeface="Courier" charset="0"/>
+              </a:rPr>
+              <a:t>":"</a:t>
+            </a:r>
+            <a:r>
+              <a:rPr lang="en-GB" sz="1050" u="sng" dirty="0">
+                <a:solidFill>
+                  <a:srgbClr val="000000"/>
+                </a:solidFill>
+                <a:latin typeface="Courier" charset="0"/>
+                <a:ea typeface="Courier" charset="0"/>
+                <a:cs typeface="Courier" charset="0"/>
+                <a:hlinkClick r:id="rId3"/>
+              </a:rPr>
+              <a:t>https:\/\/login.salesforce.com</a:t>
+            </a:r>
+            <a:r>
+              <a:rPr lang="en-GB" sz="1050" dirty="0">
+                <a:solidFill>
+                  <a:srgbClr val="000000"/>
+                </a:solidFill>
+                <a:latin typeface="Courier" charset="0"/>
+                <a:ea typeface="Courier" charset="0"/>
+                <a:cs typeface="Courier" charset="0"/>
+              </a:rPr>
+              <a:t>",</a:t>
+            </a:r>
+            <a:endParaRPr lang="en-GB" sz="1050" dirty="0">
+              <a:solidFill>
+                <a:srgbClr val="0433FF"/>
+              </a:solidFill>
+              <a:latin typeface="Courier" charset="0"/>
+              <a:ea typeface="Courier" charset="0"/>
+              <a:cs typeface="Courier" charset="0"/>
+            </a:endParaRPr>
+          </a:p>
+          <a:p>
+            <a:r>
+              <a:rPr lang="en-GB" sz="1050" dirty="0">
+                <a:latin typeface="Courier" charset="0"/>
+                <a:ea typeface="Courier" charset="0"/>
+                <a:cs typeface="Courier" charset="0"/>
+              </a:rPr>
+              <a:t>"</a:t>
+            </a:r>
+            <a:r>
+              <a:rPr lang="en-GB" sz="1050" dirty="0" err="1">
+                <a:latin typeface="Courier" charset="0"/>
+                <a:ea typeface="Courier" charset="0"/>
+                <a:cs typeface="Courier" charset="0"/>
+              </a:rPr>
+              <a:t>SFStreamingEndpoint</a:t>
+            </a:r>
+            <a:r>
+              <a:rPr lang="en-GB" sz="1050" dirty="0">
+                <a:latin typeface="Courier" charset="0"/>
+                <a:ea typeface="Courier" charset="0"/>
+                <a:cs typeface="Courier" charset="0"/>
+              </a:rPr>
+              <a:t>":"\/</a:t>
+            </a:r>
+            <a:r>
+              <a:rPr lang="en-GB" sz="1050" dirty="0" err="1">
+                <a:latin typeface="Courier" charset="0"/>
+                <a:ea typeface="Courier" charset="0"/>
+                <a:cs typeface="Courier" charset="0"/>
+              </a:rPr>
+              <a:t>cometd</a:t>
+            </a:r>
+            <a:r>
+              <a:rPr lang="en-GB" sz="1050" dirty="0">
+                <a:latin typeface="Courier" charset="0"/>
+                <a:ea typeface="Courier" charset="0"/>
+                <a:cs typeface="Courier" charset="0"/>
+              </a:rPr>
+              <a:t>\/37.0",</a:t>
+            </a:r>
+          </a:p>
+          <a:p>
+            <a:r>
+              <a:rPr lang="en-GB" sz="1050" b="1" dirty="0">
+                <a:latin typeface="Courier" charset="0"/>
+                <a:ea typeface="Courier" charset="0"/>
+                <a:cs typeface="Courier" charset="0"/>
+              </a:rPr>
+              <a:t>"SFConsumerKey":"3MVG9i1HRpGLXp.rZ5hNAP3UVBH.SCh45TAcr3tQwuWei2Fh4uPAj060oZeG3UjfPxY58u8oLzN2dqNPosOOm",</a:t>
+            </a:r>
+            <a:endParaRPr lang="en-GB" sz="1050" dirty="0">
+              <a:latin typeface="Courier" charset="0"/>
+              <a:ea typeface="Courier" charset="0"/>
+              <a:cs typeface="Courier" charset="0"/>
+            </a:endParaRPr>
+          </a:p>
+          <a:p>
+            <a:r>
+              <a:rPr lang="en-GB" sz="1050" b="1" dirty="0">
+                <a:solidFill>
+                  <a:srgbClr val="000000"/>
+                </a:solidFill>
+                <a:latin typeface="Courier" charset="0"/>
+                <a:ea typeface="Courier" charset="0"/>
+                <a:cs typeface="Courier" charset="0"/>
+              </a:rPr>
+              <a:t>"SFConsumerSecret":"gAbwxS7eCSg=</a:t>
+            </a:r>
+            <a:r>
+              <a:rPr lang="en-GB" sz="1050" b="1" dirty="0">
+                <a:solidFill>
+                  <a:srgbClr val="B23015"/>
+                </a:solidFill>
+                <a:latin typeface="Courier" charset="0"/>
+                <a:ea typeface="Courier" charset="0"/>
+                <a:cs typeface="Courier" charset="0"/>
+              </a:rPr>
+              <a:t>,Csw+x5+yjW3XsilDAaOSkDUELckJ4rv,</a:t>
+            </a:r>
+            <a:endParaRPr lang="en-GB" sz="1050" dirty="0">
+              <a:solidFill>
+                <a:srgbClr val="B23015"/>
+              </a:solidFill>
+              <a:latin typeface="Courier" charset="0"/>
+              <a:ea typeface="Courier" charset="0"/>
+              <a:cs typeface="Courier" charset="0"/>
+            </a:endParaRPr>
+          </a:p>
+          <a:p>
+            <a:r>
+              <a:rPr lang="en-GB" sz="1050" b="1" dirty="0">
+                <a:solidFill>
+                  <a:srgbClr val="000000"/>
+                </a:solidFill>
+                <a:latin typeface="Courier" charset="0"/>
+                <a:ea typeface="Courier" charset="0"/>
+                <a:cs typeface="Courier" charset="0"/>
+              </a:rPr>
+              <a:t>"</a:t>
+            </a:r>
+            <a:r>
+              <a:rPr lang="en-GB" sz="1050" b="1" dirty="0" err="1">
+                <a:solidFill>
+                  <a:srgbClr val="000000"/>
+                </a:solidFill>
+                <a:latin typeface="Courier" charset="0"/>
+                <a:ea typeface="Courier" charset="0"/>
+                <a:cs typeface="Courier" charset="0"/>
+              </a:rPr>
+              <a:t>PushTopics</a:t>
+            </a:r>
+            <a:r>
+              <a:rPr lang="en-GB" sz="1050" b="1" dirty="0">
+                <a:solidFill>
+                  <a:srgbClr val="000000"/>
+                </a:solidFill>
+                <a:latin typeface="Courier" charset="0"/>
+                <a:ea typeface="Courier" charset="0"/>
+                <a:cs typeface="Courier" charset="0"/>
+              </a:rPr>
+              <a:t>":</a:t>
+            </a:r>
+            <a:r>
+              <a:rPr lang="en-GB" sz="1050" b="1" dirty="0">
+                <a:solidFill>
+                  <a:srgbClr val="00C800"/>
+                </a:solidFill>
+                <a:latin typeface="Courier" charset="0"/>
+                <a:ea typeface="Courier" charset="0"/>
+                <a:cs typeface="Courier" charset="0"/>
+              </a:rPr>
+              <a:t>["</a:t>
+            </a:r>
+            <a:r>
+              <a:rPr lang="en-GB" sz="1050" b="1" dirty="0" err="1">
+                <a:solidFill>
+                  <a:srgbClr val="00C800"/>
+                </a:solidFill>
+                <a:latin typeface="Courier" charset="0"/>
+                <a:ea typeface="Courier" charset="0"/>
+                <a:cs typeface="Courier" charset="0"/>
+              </a:rPr>
+              <a:t>EscalatedCaseUpdates</a:t>
+            </a:r>
+            <a:r>
+              <a:rPr lang="en-GB" sz="1050" b="1" dirty="0">
+                <a:solidFill>
+                  <a:srgbClr val="00C800"/>
+                </a:solidFill>
+                <a:latin typeface="Courier" charset="0"/>
+                <a:ea typeface="Courier" charset="0"/>
+                <a:cs typeface="Courier" charset="0"/>
+              </a:rPr>
+              <a:t>"]</a:t>
+            </a:r>
+            <a:r>
+              <a:rPr lang="en-GB" sz="1050" b="1" dirty="0">
+                <a:solidFill>
+                  <a:srgbClr val="000000"/>
+                </a:solidFill>
+                <a:latin typeface="Courier" charset="0"/>
+                <a:ea typeface="Courier" charset="0"/>
+                <a:cs typeface="Courier" charset="0"/>
+              </a:rPr>
+              <a:t>,</a:t>
+            </a:r>
+            <a:endParaRPr lang="en-GB" sz="1050" dirty="0">
+              <a:solidFill>
+                <a:srgbClr val="00C800"/>
+              </a:solidFill>
+              <a:latin typeface="Courier" charset="0"/>
+              <a:ea typeface="Courier" charset="0"/>
+              <a:cs typeface="Courier" charset="0"/>
+            </a:endParaRPr>
+          </a:p>
+          <a:p>
+            <a:r>
+              <a:rPr lang="en-GB" sz="1050" dirty="0">
+                <a:latin typeface="Courier" charset="0"/>
+                <a:ea typeface="Courier" charset="0"/>
+                <a:cs typeface="Courier" charset="0"/>
+              </a:rPr>
+              <a:t>"</a:t>
+            </a:r>
+            <a:r>
+              <a:rPr lang="en-GB" sz="1050" dirty="0" err="1">
+                <a:latin typeface="Courier" charset="0"/>
+                <a:ea typeface="Courier" charset="0"/>
+                <a:cs typeface="Courier" charset="0"/>
+              </a:rPr>
+              <a:t>PlatformEvents</a:t>
+            </a:r>
+            <a:r>
+              <a:rPr lang="en-GB" sz="1050" dirty="0">
+                <a:latin typeface="Courier" charset="0"/>
+                <a:ea typeface="Courier" charset="0"/>
+                <a:cs typeface="Courier" charset="0"/>
+              </a:rPr>
+              <a:t>":</a:t>
+            </a:r>
+            <a:r>
+              <a:rPr lang="en-GB" sz="1050" dirty="0">
+                <a:solidFill>
+                  <a:srgbClr val="00C800"/>
+                </a:solidFill>
+                <a:latin typeface="Courier" charset="0"/>
+                <a:ea typeface="Courier" charset="0"/>
+                <a:cs typeface="Courier" charset="0"/>
+              </a:rPr>
+              <a:t>[]</a:t>
+            </a:r>
+            <a:r>
+              <a:rPr lang="en-GB" sz="1050" dirty="0">
+                <a:latin typeface="Courier" charset="0"/>
+                <a:ea typeface="Courier" charset="0"/>
+                <a:cs typeface="Courier" charset="0"/>
+              </a:rPr>
+              <a:t>,</a:t>
+            </a:r>
+          </a:p>
+        </p:txBody>
+      </p:sp>
+    </p:spTree>
+    <p:extLst>
+      <p:ext uri="{BB962C8B-B14F-4D97-AF65-F5344CB8AC3E}">
+        <p14:creationId xmlns:p14="http://schemas.microsoft.com/office/powerpoint/2010/main" val="1650754609"/>
+      </p:ext>
+    </p:extLst>
+  </p:cSld>
+  <p:clrMapOvr>
+    <a:masterClrMapping/>
+  </p:clrMapOvr>
+  <p:transition spd="med">
+    <p:fade/>
+  </p:transition>
+  <p:timing>
+    <p:tnLst>
+      <p:par>
+        <p:cTn id="1" dur="indefinite" restart="never" nodeType="tmRoot"/>
+      </p:par>
+    </p:tnLst>
+  </p:timing>
+</p:sld>
+</file>
+
+<file path=ppt/slides/slide21.xml><?xml version="1.0" encoding="utf-8"?>
 <p:sld xmlns:a="http://schemas.openxmlformats.org/drawingml/2006/main" xmlns:r="http://schemas.openxmlformats.org/officeDocument/2006/relationships" xmlns:p="http://schemas.openxmlformats.org/presentationml/2006/main">
   <p:cSld>
     <p:spTree>
@@ -19997,7 +19893,7 @@
 </p:sld>
 </file>
 
-<file path=ppt/slides/slide17.xml><?xml version="1.0" encoding="utf-8"?>
+<file path=ppt/slides/slide22.xml><?xml version="1.0" encoding="utf-8"?>
 <p:sld xmlns:a="http://schemas.openxmlformats.org/drawingml/2006/main" xmlns:r="http://schemas.openxmlformats.org/officeDocument/2006/relationships" xmlns:p="http://schemas.openxmlformats.org/presentationml/2006/main">
   <p:cSld>
     <p:spTree>
@@ -20178,532 +20074,6 @@
     <p:extLst>
       <p:ext uri="{BB962C8B-B14F-4D97-AF65-F5344CB8AC3E}">
         <p14:creationId xmlns:p14="http://schemas.microsoft.com/office/powerpoint/2010/main" val="962822743"/>
-      </p:ext>
-    </p:extLst>
-  </p:cSld>
-  <p:clrMapOvr>
-    <a:masterClrMapping/>
-  </p:clrMapOvr>
-  <mc:AlternateContent xmlns:mc="http://schemas.openxmlformats.org/markup-compatibility/2006" xmlns:p14="http://schemas.microsoft.com/office/powerpoint/2010/main">
-    <mc:Choice Requires="p14">
-      <p:transition p14:dur="0"/>
-    </mc:Choice>
-    <mc:Fallback xmlns="">
-      <p:transition/>
-    </mc:Fallback>
-  </mc:AlternateContent>
-  <p:timing>
-    <p:tnLst>
-      <p:par>
-        <p:cTn id="1" dur="indefinite" restart="never" nodeType="tmRoot"/>
-      </p:par>
-    </p:tnLst>
-  </p:timing>
-</p:sld>
-</file>
-
-<file path=ppt/slides/slide2.xml><?xml version="1.0" encoding="utf-8"?>
-<p:sld xmlns:a="http://schemas.openxmlformats.org/drawingml/2006/main" xmlns:r="http://schemas.openxmlformats.org/officeDocument/2006/relationships" xmlns:p="http://schemas.openxmlformats.org/presentationml/2006/main">
-  <p:cSld>
-    <p:spTree>
-      <p:nvGrpSpPr>
-        <p:cNvPr id="1" name=""/>
-        <p:cNvGrpSpPr/>
-        <p:nvPr/>
-      </p:nvGrpSpPr>
-      <p:grpSpPr>
-        <a:xfrm>
-          <a:off x="0" y="0"/>
-          <a:ext cx="0" cy="0"/>
-          <a:chOff x="0" y="0"/>
-          <a:chExt cx="0" cy="0"/>
-        </a:xfrm>
-      </p:grpSpPr>
-      <p:sp>
-        <p:nvSpPr>
-          <p:cNvPr id="5" name="Title 4"/>
-          <p:cNvSpPr>
-            <a:spLocks noGrp="1"/>
-          </p:cNvSpPr>
-          <p:nvPr>
-            <p:ph type="title"/>
-          </p:nvPr>
-        </p:nvSpPr>
-        <p:spPr>
-          <a:xfrm>
-            <a:off x="328612" y="219075"/>
-            <a:ext cx="5157787" cy="1246495"/>
-          </a:xfrm>
-        </p:spPr>
-        <p:txBody>
-          <a:bodyPr/>
-          <a:lstStyle/>
-          <a:p>
-            <a:r>
-              <a:rPr lang="en-US" sz="2400" b="1" dirty="0" smtClean="0">
-                <a:latin typeface="Helvetica Neue" charset="0"/>
-                <a:ea typeface="Helvetica Neue" charset="0"/>
-                <a:cs typeface="Helvetica Neue" charset="0"/>
-              </a:rPr>
-              <a:t>IBM and Salesforce Announce Landmark Global Strategic Partnership</a:t>
-            </a:r>
-            <a:r>
-              <a:rPr lang="en-US" sz="2400" baseline="30000" dirty="0" smtClean="0">
-                <a:latin typeface="Helvetica Neue" charset="0"/>
-                <a:ea typeface="Helvetica Neue" charset="0"/>
-                <a:cs typeface="Helvetica Neue" charset="0"/>
-              </a:rPr>
-              <a:t>1</a:t>
-            </a:r>
-            <a:r>
-              <a:rPr lang="en-US" sz="2000" dirty="0" smtClean="0">
-                <a:latin typeface="Helvetica Neue" charset="0"/>
-                <a:ea typeface="Helvetica Neue" charset="0"/>
-                <a:cs typeface="Helvetica Neue" charset="0"/>
-              </a:rPr>
-              <a:t/>
-            </a:r>
-            <a:br>
-              <a:rPr lang="en-US" sz="2000" dirty="0" smtClean="0">
-                <a:latin typeface="Helvetica Neue" charset="0"/>
-                <a:ea typeface="Helvetica Neue" charset="0"/>
-                <a:cs typeface="Helvetica Neue" charset="0"/>
-              </a:rPr>
-            </a:br>
-            <a:r>
-              <a:rPr lang="en-US" sz="1600" dirty="0" smtClean="0">
-                <a:solidFill>
-                  <a:srgbClr val="0070C0"/>
-                </a:solidFill>
-                <a:latin typeface="Helvetica Neue" charset="0"/>
-                <a:ea typeface="Helvetica Neue" charset="0"/>
-                <a:cs typeface="Helvetica Neue" charset="0"/>
-              </a:rPr>
-              <a:t>06 March 2017</a:t>
-            </a:r>
-            <a:endParaRPr lang="en-US" sz="1800" dirty="0">
-              <a:solidFill>
-                <a:srgbClr val="0070C0"/>
-              </a:solidFill>
-              <a:latin typeface="Helvetica Neue" charset="0"/>
-              <a:ea typeface="Helvetica Neue" charset="0"/>
-              <a:cs typeface="Helvetica Neue" charset="0"/>
-            </a:endParaRPr>
-          </a:p>
-        </p:txBody>
-      </p:sp>
-      <p:sp>
-        <p:nvSpPr>
-          <p:cNvPr id="6" name="Content Placeholder 5"/>
-          <p:cNvSpPr>
-            <a:spLocks noGrp="1"/>
-          </p:cNvSpPr>
-          <p:nvPr>
-            <p:ph idx="1"/>
-          </p:nvPr>
-        </p:nvSpPr>
-        <p:spPr>
-          <a:xfrm>
-            <a:off x="328614" y="1795345"/>
-            <a:ext cx="4622527" cy="2317867"/>
-          </a:xfrm>
-        </p:spPr>
-        <p:txBody>
-          <a:bodyPr/>
-          <a:lstStyle/>
-          <a:p>
-            <a:pPr marL="0" indent="0">
-              <a:buNone/>
-            </a:pPr>
-            <a:r>
-              <a:rPr lang="en-US" dirty="0">
-                <a:solidFill>
-                  <a:schemeClr val="tx1">
-                    <a:lumMod val="75000"/>
-                    <a:lumOff val="25000"/>
-                  </a:schemeClr>
-                </a:solidFill>
-                <a:latin typeface="Helvetica Neue" charset="0"/>
-                <a:ea typeface="Helvetica Neue" charset="0"/>
-                <a:cs typeface="Helvetica Neue" charset="0"/>
-              </a:rPr>
-              <a:t>IBM and Salesforce will deliver joint solutions designed to leverage artificial intelligence and enable companies to make smarter decisions, faster than ever before. The partnership will bring insights from Watson directly into the Salesforce Intelligent Customer Success Platform, combining deep customer insights from Salesforce Einstein with Watson's structured and unstructured data across many industries including healthcare, financial services, retail and weather.</a:t>
-            </a:r>
-          </a:p>
-        </p:txBody>
-      </p:sp>
-      <p:sp>
-        <p:nvSpPr>
-          <p:cNvPr id="4" name="Rectangle 3"/>
-          <p:cNvSpPr/>
-          <p:nvPr/>
-        </p:nvSpPr>
-        <p:spPr>
-          <a:xfrm>
-            <a:off x="328612" y="4681693"/>
-            <a:ext cx="6579220" cy="184666"/>
-          </a:xfrm>
-          <a:prstGeom prst="rect">
-            <a:avLst/>
-          </a:prstGeom>
-        </p:spPr>
-        <p:txBody>
-          <a:bodyPr wrap="square" lIns="0" tIns="0" rIns="0" bIns="0">
-            <a:spAutoFit/>
-          </a:bodyPr>
-          <a:lstStyle/>
-          <a:p>
-            <a:r>
-              <a:rPr lang="en-US" sz="1200" baseline="30000" dirty="0" smtClean="0">
-                <a:solidFill>
-                  <a:schemeClr val="tx1">
-                    <a:lumMod val="50000"/>
-                    <a:lumOff val="50000"/>
-                  </a:schemeClr>
-                </a:solidFill>
-                <a:latin typeface="Helvetica Neue" charset="0"/>
-                <a:ea typeface="Helvetica Neue" charset="0"/>
-                <a:cs typeface="Helvetica Neue" charset="0"/>
-              </a:rPr>
-              <a:t>1 </a:t>
-            </a:r>
-            <a:r>
-              <a:rPr lang="en-US" sz="1200" dirty="0" smtClean="0">
-                <a:solidFill>
-                  <a:schemeClr val="tx1">
-                    <a:lumMod val="50000"/>
-                    <a:lumOff val="50000"/>
-                  </a:schemeClr>
-                </a:solidFill>
-                <a:latin typeface="Helvetica Neue" charset="0"/>
-                <a:ea typeface="Helvetica Neue" charset="0"/>
-                <a:cs typeface="Helvetica Neue" charset="0"/>
-              </a:rPr>
-              <a:t>http</a:t>
-            </a:r>
-            <a:r>
-              <a:rPr lang="en-US" sz="1200" dirty="0">
-                <a:solidFill>
-                  <a:schemeClr val="tx1">
-                    <a:lumMod val="50000"/>
-                    <a:lumOff val="50000"/>
-                  </a:schemeClr>
-                </a:solidFill>
-                <a:latin typeface="Helvetica Neue" charset="0"/>
-                <a:ea typeface="Helvetica Neue" charset="0"/>
-                <a:cs typeface="Helvetica Neue" charset="0"/>
-              </a:rPr>
-              <a:t>://www-03.ibm.com/press/us/</a:t>
-            </a:r>
-            <a:r>
-              <a:rPr lang="en-US" sz="1200" dirty="0" err="1">
-                <a:solidFill>
-                  <a:schemeClr val="tx1">
-                    <a:lumMod val="50000"/>
-                    <a:lumOff val="50000"/>
-                  </a:schemeClr>
-                </a:solidFill>
-                <a:latin typeface="Helvetica Neue" charset="0"/>
-                <a:ea typeface="Helvetica Neue" charset="0"/>
-                <a:cs typeface="Helvetica Neue" charset="0"/>
-              </a:rPr>
-              <a:t>en</a:t>
-            </a:r>
-            <a:r>
-              <a:rPr lang="en-US" sz="1200" dirty="0">
-                <a:solidFill>
-                  <a:schemeClr val="tx1">
-                    <a:lumMod val="50000"/>
-                    <a:lumOff val="50000"/>
-                  </a:schemeClr>
-                </a:solidFill>
-                <a:latin typeface="Helvetica Neue" charset="0"/>
-                <a:ea typeface="Helvetica Neue" charset="0"/>
-                <a:cs typeface="Helvetica Neue" charset="0"/>
-              </a:rPr>
-              <a:t>/</a:t>
-            </a:r>
-            <a:r>
-              <a:rPr lang="en-US" sz="1200" dirty="0" err="1">
-                <a:solidFill>
-                  <a:schemeClr val="tx1">
-                    <a:lumMod val="50000"/>
-                    <a:lumOff val="50000"/>
-                  </a:schemeClr>
-                </a:solidFill>
-                <a:latin typeface="Helvetica Neue" charset="0"/>
-                <a:ea typeface="Helvetica Neue" charset="0"/>
-                <a:cs typeface="Helvetica Neue" charset="0"/>
-              </a:rPr>
-              <a:t>pressrelease</a:t>
-            </a:r>
-            <a:r>
-              <a:rPr lang="en-US" sz="1200" dirty="0">
-                <a:solidFill>
-                  <a:schemeClr val="tx1">
-                    <a:lumMod val="50000"/>
-                    <a:lumOff val="50000"/>
-                  </a:schemeClr>
-                </a:solidFill>
-                <a:latin typeface="Helvetica Neue" charset="0"/>
-                <a:ea typeface="Helvetica Neue" charset="0"/>
-                <a:cs typeface="Helvetica Neue" charset="0"/>
-              </a:rPr>
-              <a:t>/51707.wss</a:t>
-            </a:r>
-          </a:p>
-        </p:txBody>
-      </p:sp>
-      <p:sp>
-        <p:nvSpPr>
-          <p:cNvPr id="9" name="TextBox 8"/>
-          <p:cNvSpPr txBox="1"/>
-          <p:nvPr/>
-        </p:nvSpPr>
-        <p:spPr>
-          <a:xfrm>
-            <a:off x="5648442" y="1955958"/>
-            <a:ext cx="2518638" cy="923330"/>
-          </a:xfrm>
-          <a:prstGeom prst="rect">
-            <a:avLst/>
-          </a:prstGeom>
-          <a:noFill/>
-        </p:spPr>
-        <p:txBody>
-          <a:bodyPr wrap="none" rtlCol="0">
-            <a:spAutoFit/>
-          </a:bodyPr>
-          <a:lstStyle/>
-          <a:p>
-            <a:r>
-              <a:rPr lang="en-US" sz="1400" dirty="0" smtClean="0">
-                <a:solidFill>
-                  <a:schemeClr val="tx1">
-                    <a:lumMod val="65000"/>
-                    <a:lumOff val="35000"/>
-                  </a:schemeClr>
-                </a:solidFill>
-                <a:latin typeface="Helvetica Neue" charset="0"/>
-                <a:ea typeface="Helvetica Neue" charset="0"/>
-                <a:cs typeface="Helvetica Neue" charset="0"/>
-              </a:rPr>
-              <a:t>The leader in</a:t>
-            </a:r>
-          </a:p>
-          <a:p>
-            <a:r>
-              <a:rPr lang="en-US" sz="2000" dirty="0">
-                <a:solidFill>
-                  <a:srgbClr val="0070C0"/>
-                </a:solidFill>
-                <a:latin typeface="Helvetica Neue" charset="0"/>
-                <a:ea typeface="Helvetica Neue" charset="0"/>
-                <a:cs typeface="Helvetica Neue" charset="0"/>
-              </a:rPr>
-              <a:t>c</a:t>
-            </a:r>
-            <a:r>
-              <a:rPr lang="en-US" sz="2000" dirty="0" smtClean="0">
-                <a:solidFill>
-                  <a:srgbClr val="0070C0"/>
-                </a:solidFill>
-                <a:latin typeface="Helvetica Neue" charset="0"/>
-                <a:ea typeface="Helvetica Neue" charset="0"/>
-                <a:cs typeface="Helvetica Neue" charset="0"/>
-              </a:rPr>
-              <a:t>loud and</a:t>
-            </a:r>
-          </a:p>
-          <a:p>
-            <a:r>
-              <a:rPr lang="en-US" sz="2000" dirty="0">
-                <a:solidFill>
-                  <a:srgbClr val="0070C0"/>
-                </a:solidFill>
-                <a:latin typeface="Helvetica Neue" charset="0"/>
-                <a:ea typeface="Helvetica Neue" charset="0"/>
-                <a:cs typeface="Helvetica Neue" charset="0"/>
-              </a:rPr>
-              <a:t>c</a:t>
-            </a:r>
-            <a:r>
-              <a:rPr lang="en-US" sz="2000" dirty="0" smtClean="0">
-                <a:solidFill>
-                  <a:srgbClr val="0070C0"/>
-                </a:solidFill>
-                <a:latin typeface="Helvetica Neue" charset="0"/>
-                <a:ea typeface="Helvetica Neue" charset="0"/>
-                <a:cs typeface="Helvetica Neue" charset="0"/>
-              </a:rPr>
-              <a:t>ognitive computing</a:t>
-            </a:r>
-            <a:endParaRPr lang="en-US" sz="2000" dirty="0">
-              <a:solidFill>
-                <a:srgbClr val="0070C0"/>
-              </a:solidFill>
-              <a:latin typeface="Helvetica Neue" charset="0"/>
-              <a:ea typeface="Helvetica Neue" charset="0"/>
-              <a:cs typeface="Helvetica Neue" charset="0"/>
-            </a:endParaRPr>
-          </a:p>
-        </p:txBody>
-      </p:sp>
-      <p:sp>
-        <p:nvSpPr>
-          <p:cNvPr id="10" name="TextBox 9"/>
-          <p:cNvSpPr txBox="1"/>
-          <p:nvPr/>
-        </p:nvSpPr>
-        <p:spPr>
-          <a:xfrm>
-            <a:off x="5648442" y="3285392"/>
-            <a:ext cx="2260555" cy="615553"/>
-          </a:xfrm>
-          <a:prstGeom prst="rect">
-            <a:avLst/>
-          </a:prstGeom>
-          <a:noFill/>
-        </p:spPr>
-        <p:txBody>
-          <a:bodyPr wrap="none" rtlCol="0">
-            <a:spAutoFit/>
-          </a:bodyPr>
-          <a:lstStyle/>
-          <a:p>
-            <a:r>
-              <a:rPr lang="en-US" sz="1400" dirty="0" smtClean="0">
-                <a:solidFill>
-                  <a:schemeClr val="tx1">
-                    <a:lumMod val="65000"/>
-                    <a:lumOff val="35000"/>
-                  </a:schemeClr>
-                </a:solidFill>
-                <a:latin typeface="Helvetica Neue" charset="0"/>
-                <a:ea typeface="Helvetica Neue" charset="0"/>
-                <a:cs typeface="Helvetica Neue" charset="0"/>
-              </a:rPr>
-              <a:t>The world’s</a:t>
-            </a:r>
-          </a:p>
-          <a:p>
-            <a:r>
-              <a:rPr lang="en-US" sz="2000" dirty="0" smtClean="0">
-                <a:solidFill>
-                  <a:srgbClr val="0070C0"/>
-                </a:solidFill>
-                <a:latin typeface="Helvetica Neue" charset="0"/>
-                <a:ea typeface="Helvetica Neue" charset="0"/>
-                <a:cs typeface="Helvetica Neue" charset="0"/>
-              </a:rPr>
-              <a:t>#1 CRM company</a:t>
-            </a:r>
-            <a:endParaRPr lang="en-US" sz="2000" dirty="0">
-              <a:solidFill>
-                <a:srgbClr val="0070C0"/>
-              </a:solidFill>
-              <a:latin typeface="Helvetica Neue" charset="0"/>
-              <a:ea typeface="Helvetica Neue" charset="0"/>
-              <a:cs typeface="Helvetica Neue" charset="0"/>
-            </a:endParaRPr>
-          </a:p>
-        </p:txBody>
-      </p:sp>
-      <p:sp>
-        <p:nvSpPr>
-          <p:cNvPr id="11" name="Slide Number Placeholder 1"/>
-          <p:cNvSpPr>
-            <a:spLocks noGrp="1"/>
-          </p:cNvSpPr>
-          <p:nvPr>
-            <p:ph type="sldNum" sz="quarter" idx="10"/>
-          </p:nvPr>
-        </p:nvSpPr>
-        <p:spPr>
-          <a:xfrm>
-            <a:off x="328612" y="4880518"/>
-            <a:ext cx="2124075" cy="171450"/>
-          </a:xfrm>
-        </p:spPr>
-        <p:txBody>
-          <a:bodyPr/>
-          <a:lstStyle/>
-          <a:p>
-            <a:pPr algn="l">
-              <a:defRPr/>
-            </a:pPr>
-            <a:r>
-              <a:rPr lang="en-US"/>
-              <a:t>2</a:t>
-            </a:r>
-            <a:endParaRPr lang="en-US" dirty="0"/>
-          </a:p>
-        </p:txBody>
-      </p:sp>
-      <p:pic>
-        <p:nvPicPr>
-          <p:cNvPr id="12" name="Picture 11"/>
-          <p:cNvPicPr>
-            <a:picLocks noChangeAspect="1"/>
-          </p:cNvPicPr>
-          <p:nvPr/>
-        </p:nvPicPr>
-        <p:blipFill>
-          <a:blip r:embed="rId3"/>
-          <a:stretch>
-            <a:fillRect/>
-          </a:stretch>
-        </p:blipFill>
-        <p:spPr>
-          <a:xfrm>
-            <a:off x="5648442" y="683925"/>
-            <a:ext cx="2949604" cy="781645"/>
-          </a:xfrm>
-          <a:prstGeom prst="rect">
-            <a:avLst/>
-          </a:prstGeom>
-        </p:spPr>
-      </p:pic>
-      <p:sp>
-        <p:nvSpPr>
-          <p:cNvPr id="2" name="TextBox 1"/>
-          <p:cNvSpPr txBox="1"/>
-          <p:nvPr/>
-        </p:nvSpPr>
-        <p:spPr>
-          <a:xfrm>
-            <a:off x="5648442" y="2897674"/>
-            <a:ext cx="325730" cy="369332"/>
-          </a:xfrm>
-          <a:prstGeom prst="rect">
-            <a:avLst/>
-          </a:prstGeom>
-          <a:noFill/>
-        </p:spPr>
-        <p:txBody>
-          <a:bodyPr wrap="none" rtlCol="0">
-            <a:spAutoFit/>
-          </a:bodyPr>
-          <a:lstStyle/>
-          <a:p>
-            <a:r>
-              <a:rPr lang="en-US">
-                <a:solidFill>
-                  <a:schemeClr val="tx1">
-                    <a:lumMod val="50000"/>
-                    <a:lumOff val="50000"/>
-                  </a:schemeClr>
-                </a:solidFill>
-              </a:rPr>
-              <a:t>+</a:t>
-            </a:r>
-          </a:p>
-        </p:txBody>
-      </p:sp>
-    </p:spTree>
-    <p:extLst>
-      <p:ext uri="{BB962C8B-B14F-4D97-AF65-F5344CB8AC3E}">
-        <p14:creationId xmlns:p14="http://schemas.microsoft.com/office/powerpoint/2010/main" val="1849639587"/>
       </p:ext>
     </p:extLst>
   </p:cSld>
@@ -23718,14 +23088,14 @@
           </a:ln>
           <a:extLst>
             <a:ext uri="{909E8E84-426E-40dd-AFC4-6F175D3DCCD1}">
-              <a14:hiddenFill xmlns:a14="http://schemas.microsoft.com/office/drawing/2010/main" xmlns="">
+              <a14:hiddenFill xmlns="" xmlns:a14="http://schemas.microsoft.com/office/drawing/2010/main">
                 <a:solidFill>
                   <a:srgbClr val="FFFFFF"/>
                 </a:solidFill>
               </a14:hiddenFill>
             </a:ext>
             <a:ext uri="{91240B29-F687-4f45-9708-019B960494DF}">
-              <a14:hiddenLine xmlns:a14="http://schemas.microsoft.com/office/drawing/2010/main" xmlns="" w="9525">
+              <a14:hiddenLine xmlns="" xmlns:a14="http://schemas.microsoft.com/office/drawing/2010/main" w="9525">
                 <a:solidFill>
                   <a:srgbClr val="000000"/>
                 </a:solidFill>
@@ -23781,14 +23151,14 @@
           </a:ln>
           <a:extLst>
             <a:ext uri="{909E8E84-426E-40dd-AFC4-6F175D3DCCD1}">
-              <a14:hiddenFill xmlns:a14="http://schemas.microsoft.com/office/drawing/2010/main" xmlns="">
+              <a14:hiddenFill xmlns="" xmlns:a14="http://schemas.microsoft.com/office/drawing/2010/main">
                 <a:solidFill>
                   <a:srgbClr val="FFFFFF"/>
                 </a:solidFill>
               </a14:hiddenFill>
             </a:ext>
             <a:ext uri="{91240B29-F687-4f45-9708-019B960494DF}">
-              <a14:hiddenLine xmlns:a14="http://schemas.microsoft.com/office/drawing/2010/main" xmlns="" w="9525">
+              <a14:hiddenLine xmlns="" xmlns:a14="http://schemas.microsoft.com/office/drawing/2010/main" w="9525">
                 <a:solidFill>
                   <a:srgbClr val="000000"/>
                 </a:solidFill>
@@ -23844,14 +23214,14 @@
           </a:ln>
           <a:extLst>
             <a:ext uri="{909E8E84-426E-40dd-AFC4-6F175D3DCCD1}">
-              <a14:hiddenFill xmlns:a14="http://schemas.microsoft.com/office/drawing/2010/main" xmlns="">
+              <a14:hiddenFill xmlns="" xmlns:a14="http://schemas.microsoft.com/office/drawing/2010/main">
                 <a:solidFill>
                   <a:srgbClr val="FFFFFF"/>
                 </a:solidFill>
               </a14:hiddenFill>
             </a:ext>
             <a:ext uri="{91240B29-F687-4f45-9708-019B960494DF}">
-              <a14:hiddenLine xmlns:a14="http://schemas.microsoft.com/office/drawing/2010/main" xmlns="" w="9525">
+              <a14:hiddenLine xmlns="" xmlns:a14="http://schemas.microsoft.com/office/drawing/2010/main" w="9525">
                 <a:solidFill>
                   <a:srgbClr val="000000"/>
                 </a:solidFill>
@@ -23907,14 +23277,14 @@
           </a:ln>
           <a:extLst>
             <a:ext uri="{909E8E84-426E-40dd-AFC4-6F175D3DCCD1}">
-              <a14:hiddenFill xmlns:a14="http://schemas.microsoft.com/office/drawing/2010/main" xmlns="">
+              <a14:hiddenFill xmlns="" xmlns:a14="http://schemas.microsoft.com/office/drawing/2010/main">
                 <a:solidFill>
                   <a:srgbClr val="FFFFFF"/>
                 </a:solidFill>
               </a14:hiddenFill>
             </a:ext>
             <a:ext uri="{91240B29-F687-4f45-9708-019B960494DF}">
-              <a14:hiddenLine xmlns:a14="http://schemas.microsoft.com/office/drawing/2010/main" xmlns="" w="9525">
+              <a14:hiddenLine xmlns="" xmlns:a14="http://schemas.microsoft.com/office/drawing/2010/main" w="9525">
                 <a:solidFill>
                   <a:srgbClr val="000000"/>
                 </a:solidFill>
@@ -24044,14 +23414,14 @@
           </a:ln>
           <a:extLst>
             <a:ext uri="{909E8E84-426E-40dd-AFC4-6F175D3DCCD1}">
-              <a14:hiddenFill xmlns:a14="http://schemas.microsoft.com/office/drawing/2010/main" xmlns="">
+              <a14:hiddenFill xmlns="" xmlns:a14="http://schemas.microsoft.com/office/drawing/2010/main">
                 <a:solidFill>
                   <a:srgbClr val="FFFFFF"/>
                 </a:solidFill>
               </a14:hiddenFill>
             </a:ext>
             <a:ext uri="{91240B29-F687-4f45-9708-019B960494DF}">
-              <a14:hiddenLine xmlns:a14="http://schemas.microsoft.com/office/drawing/2010/main" xmlns="" w="9525">
+              <a14:hiddenLine xmlns="" xmlns:a14="http://schemas.microsoft.com/office/drawing/2010/main" w="9525">
                 <a:solidFill>
                   <a:srgbClr val="000000"/>
                 </a:solidFill>
@@ -24114,14 +23484,14 @@
           </a:ln>
           <a:extLst>
             <a:ext uri="{909E8E84-426E-40dd-AFC4-6F175D3DCCD1}">
-              <a14:hiddenFill xmlns:a14="http://schemas.microsoft.com/office/drawing/2010/main" xmlns="">
+              <a14:hiddenFill xmlns="" xmlns:a14="http://schemas.microsoft.com/office/drawing/2010/main">
                 <a:solidFill>
                   <a:srgbClr val="FFFFFF"/>
                 </a:solidFill>
               </a14:hiddenFill>
             </a:ext>
             <a:ext uri="{91240B29-F687-4f45-9708-019B960494DF}">
-              <a14:hiddenLine xmlns:a14="http://schemas.microsoft.com/office/drawing/2010/main" xmlns="" w="9525">
+              <a14:hiddenLine xmlns="" xmlns:a14="http://schemas.microsoft.com/office/drawing/2010/main" w="9525">
                 <a:solidFill>
                   <a:srgbClr val="000000"/>
                 </a:solidFill>
@@ -24184,14 +23554,14 @@
           </a:ln>
           <a:extLst>
             <a:ext uri="{909E8E84-426E-40dd-AFC4-6F175D3DCCD1}">
-              <a14:hiddenFill xmlns:a14="http://schemas.microsoft.com/office/drawing/2010/main" xmlns="">
+              <a14:hiddenFill xmlns="" xmlns:a14="http://schemas.microsoft.com/office/drawing/2010/main">
                 <a:solidFill>
                   <a:srgbClr val="FFFFFF"/>
                 </a:solidFill>
               </a14:hiddenFill>
             </a:ext>
             <a:ext uri="{91240B29-F687-4f45-9708-019B960494DF}">
-              <a14:hiddenLine xmlns:a14="http://schemas.microsoft.com/office/drawing/2010/main" xmlns="" w="9525">
+              <a14:hiddenLine xmlns="" xmlns:a14="http://schemas.microsoft.com/office/drawing/2010/main" w="9525">
                 <a:solidFill>
                   <a:srgbClr val="000000"/>
                 </a:solidFill>
@@ -24254,14 +23624,14 @@
           </a:ln>
           <a:extLst>
             <a:ext uri="{909E8E84-426E-40dd-AFC4-6F175D3DCCD1}">
-              <a14:hiddenFill xmlns:a14="http://schemas.microsoft.com/office/drawing/2010/main" xmlns="">
+              <a14:hiddenFill xmlns="" xmlns:a14="http://schemas.microsoft.com/office/drawing/2010/main">
                 <a:solidFill>
                   <a:srgbClr val="FFFFFF"/>
                 </a:solidFill>
               </a14:hiddenFill>
             </a:ext>
             <a:ext uri="{91240B29-F687-4f45-9708-019B960494DF}">
-              <a14:hiddenLine xmlns:a14="http://schemas.microsoft.com/office/drawing/2010/main" xmlns="" w="9525">
+              <a14:hiddenLine xmlns="" xmlns:a14="http://schemas.microsoft.com/office/drawing/2010/main" w="9525">
                 <a:solidFill>
                   <a:srgbClr val="000000"/>
                 </a:solidFill>
@@ -24324,14 +23694,14 @@
           </a:ln>
           <a:extLst>
             <a:ext uri="{909E8E84-426E-40dd-AFC4-6F175D3DCCD1}">
-              <a14:hiddenFill xmlns:a14="http://schemas.microsoft.com/office/drawing/2010/main" xmlns="">
+              <a14:hiddenFill xmlns="" xmlns:a14="http://schemas.microsoft.com/office/drawing/2010/main">
                 <a:solidFill>
                   <a:srgbClr val="FFFFFF"/>
                 </a:solidFill>
               </a14:hiddenFill>
             </a:ext>
             <a:ext uri="{91240B29-F687-4f45-9708-019B960494DF}">
-              <a14:hiddenLine xmlns:a14="http://schemas.microsoft.com/office/drawing/2010/main" xmlns="" w="9525">
+              <a14:hiddenLine xmlns="" xmlns:a14="http://schemas.microsoft.com/office/drawing/2010/main" w="9525">
                 <a:solidFill>
                   <a:srgbClr val="000000"/>
                 </a:solidFill>
@@ -24394,14 +23764,14 @@
           </a:ln>
           <a:extLst>
             <a:ext uri="{909E8E84-426E-40dd-AFC4-6F175D3DCCD1}">
-              <a14:hiddenFill xmlns:a14="http://schemas.microsoft.com/office/drawing/2010/main" xmlns="">
+              <a14:hiddenFill xmlns="" xmlns:a14="http://schemas.microsoft.com/office/drawing/2010/main">
                 <a:solidFill>
                   <a:srgbClr val="FFFFFF"/>
                 </a:solidFill>
               </a14:hiddenFill>
             </a:ext>
             <a:ext uri="{91240B29-F687-4f45-9708-019B960494DF}">
-              <a14:hiddenLine xmlns:a14="http://schemas.microsoft.com/office/drawing/2010/main" xmlns="" w="9525">
+              <a14:hiddenLine xmlns="" xmlns:a14="http://schemas.microsoft.com/office/drawing/2010/main" w="9525">
                 <a:solidFill>
                   <a:srgbClr val="000000"/>
                 </a:solidFill>
@@ -24464,14 +23834,14 @@
           </a:ln>
           <a:extLst>
             <a:ext uri="{909E8E84-426E-40dd-AFC4-6F175D3DCCD1}">
-              <a14:hiddenFill xmlns:a14="http://schemas.microsoft.com/office/drawing/2010/main" xmlns="">
+              <a14:hiddenFill xmlns="" xmlns:a14="http://schemas.microsoft.com/office/drawing/2010/main">
                 <a:solidFill>
                   <a:srgbClr val="FFFFFF"/>
                 </a:solidFill>
               </a14:hiddenFill>
             </a:ext>
             <a:ext uri="{91240B29-F687-4f45-9708-019B960494DF}">
-              <a14:hiddenLine xmlns:a14="http://schemas.microsoft.com/office/drawing/2010/main" xmlns="" w="9525">
+              <a14:hiddenLine xmlns="" xmlns:a14="http://schemas.microsoft.com/office/drawing/2010/main" w="9525">
                 <a:solidFill>
                   <a:srgbClr val="000000"/>
                 </a:solidFill>
@@ -24527,14 +23897,14 @@
           </a:ln>
           <a:extLst>
             <a:ext uri="{909E8E84-426E-40dd-AFC4-6F175D3DCCD1}">
-              <a14:hiddenFill xmlns:a14="http://schemas.microsoft.com/office/drawing/2010/main" xmlns="">
+              <a14:hiddenFill xmlns="" xmlns:a14="http://schemas.microsoft.com/office/drawing/2010/main">
                 <a:solidFill>
                   <a:srgbClr val="FFFFFF"/>
                 </a:solidFill>
               </a14:hiddenFill>
             </a:ext>
             <a:ext uri="{91240B29-F687-4f45-9708-019B960494DF}">
-              <a14:hiddenLine xmlns:a14="http://schemas.microsoft.com/office/drawing/2010/main" xmlns="" w="9525">
+              <a14:hiddenLine xmlns="" xmlns:a14="http://schemas.microsoft.com/office/drawing/2010/main" w="9525">
                 <a:solidFill>
                   <a:srgbClr val="000000"/>
                 </a:solidFill>
@@ -24840,14 +24210,14 @@
           </a:ln>
           <a:extLst>
             <a:ext uri="{909E8E84-426E-40dd-AFC4-6F175D3DCCD1}">
-              <a14:hiddenFill xmlns:a14="http://schemas.microsoft.com/office/drawing/2010/main" xmlns="">
+              <a14:hiddenFill xmlns="" xmlns:a14="http://schemas.microsoft.com/office/drawing/2010/main">
                 <a:solidFill>
                   <a:srgbClr val="FFFFFF"/>
                 </a:solidFill>
               </a14:hiddenFill>
             </a:ext>
             <a:ext uri="{91240B29-F687-4f45-9708-019B960494DF}">
-              <a14:hiddenLine xmlns:a14="http://schemas.microsoft.com/office/drawing/2010/main" xmlns="" w="9525">
+              <a14:hiddenLine xmlns="" xmlns:a14="http://schemas.microsoft.com/office/drawing/2010/main" w="9525">
                 <a:solidFill>
                   <a:srgbClr val="000000"/>
                 </a:solidFill>
@@ -25069,14 +24439,14 @@
           </a:ln>
           <a:extLst>
             <a:ext uri="{909E8E84-426E-40dd-AFC4-6F175D3DCCD1}">
-              <a14:hiddenFill xmlns:a14="http://schemas.microsoft.com/office/drawing/2010/main" xmlns="">
+              <a14:hiddenFill xmlns="" xmlns:a14="http://schemas.microsoft.com/office/drawing/2010/main">
                 <a:solidFill>
                   <a:srgbClr val="FFFFFF"/>
                 </a:solidFill>
               </a14:hiddenFill>
             </a:ext>
             <a:ext uri="{91240B29-F687-4f45-9708-019B960494DF}">
-              <a14:hiddenLine xmlns:a14="http://schemas.microsoft.com/office/drawing/2010/main" xmlns="" w="9525">
+              <a14:hiddenLine xmlns="" xmlns:a14="http://schemas.microsoft.com/office/drawing/2010/main" w="9525">
                 <a:solidFill>
                   <a:srgbClr val="000000"/>
                 </a:solidFill>
@@ -25364,14 +24734,14 @@
           </a:ln>
           <a:extLst>
             <a:ext uri="{909E8E84-426E-40dd-AFC4-6F175D3DCCD1}">
-              <a14:hiddenFill xmlns:a14="http://schemas.microsoft.com/office/drawing/2010/main" xmlns="">
+              <a14:hiddenFill xmlns="" xmlns:a14="http://schemas.microsoft.com/office/drawing/2010/main">
                 <a:solidFill>
                   <a:srgbClr val="FFFFFF"/>
                 </a:solidFill>
               </a14:hiddenFill>
             </a:ext>
             <a:ext uri="{91240B29-F687-4f45-9708-019B960494DF}">
-              <a14:hiddenLine xmlns:a14="http://schemas.microsoft.com/office/drawing/2010/main" xmlns="" w="9525">
+              <a14:hiddenLine xmlns="" xmlns:a14="http://schemas.microsoft.com/office/drawing/2010/main" w="9525">
                 <a:solidFill>
                   <a:srgbClr val="000000"/>
                 </a:solidFill>
@@ -25427,14 +24797,14 @@
           </a:ln>
           <a:extLst>
             <a:ext uri="{909E8E84-426E-40dd-AFC4-6F175D3DCCD1}">
-              <a14:hiddenFill xmlns:a14="http://schemas.microsoft.com/office/drawing/2010/main" xmlns="">
+              <a14:hiddenFill xmlns="" xmlns:a14="http://schemas.microsoft.com/office/drawing/2010/main">
                 <a:solidFill>
                   <a:srgbClr val="FFFFFF"/>
                 </a:solidFill>
               </a14:hiddenFill>
             </a:ext>
             <a:ext uri="{91240B29-F687-4f45-9708-019B960494DF}">
-              <a14:hiddenLine xmlns:a14="http://schemas.microsoft.com/office/drawing/2010/main" xmlns="" w="9525">
+              <a14:hiddenLine xmlns="" xmlns:a14="http://schemas.microsoft.com/office/drawing/2010/main" w="9525">
                 <a:solidFill>
                   <a:srgbClr val="000000"/>
                 </a:solidFill>

--- a/IBM CI for SF Demo.pptx
+++ b/IBM CI for SF Demo.pptx
@@ -14,12 +14,12 @@
     <p:sldId id="282" r:id="rId5"/>
     <p:sldId id="290" r:id="rId6"/>
     <p:sldId id="284" r:id="rId7"/>
-    <p:sldId id="259" r:id="rId8"/>
-    <p:sldId id="266" r:id="rId9"/>
-    <p:sldId id="271" r:id="rId10"/>
-    <p:sldId id="272" r:id="rId11"/>
-    <p:sldId id="291" r:id="rId12"/>
-    <p:sldId id="298" r:id="rId13"/>
+    <p:sldId id="298" r:id="rId8"/>
+    <p:sldId id="299" r:id="rId9"/>
+    <p:sldId id="300" r:id="rId10"/>
+    <p:sldId id="301" r:id="rId11"/>
+    <p:sldId id="302" r:id="rId12"/>
+    <p:sldId id="303" r:id="rId13"/>
     <p:sldId id="294" r:id="rId14"/>
     <p:sldId id="295" r:id="rId15"/>
     <p:sldId id="296" r:id="rId16"/>
@@ -218,7 +218,7 @@
           <a:p>
             <a:fld id="{2D037ECA-5F89-9740-A7CF-10665958A7F9}" type="datetimeFigureOut">
               <a:rPr lang="en-US" smtClean="0"/>
-              <a:t>8/18/17</a:t>
+              <a:t>8/23/17</a:t>
             </a:fld>
             <a:endParaRPr lang="en-US"/>
           </a:p>
@@ -7875,11 +7875,13 @@
         <p:spPr>
           <a:xfrm>
             <a:off x="328613" y="219075"/>
-            <a:ext cx="8686800" cy="637097"/>
+            <a:ext cx="8686800" cy="387798"/>
           </a:xfrm>
         </p:spPr>
         <p:txBody>
-          <a:bodyPr/>
+          <a:bodyPr>
+            <a:normAutofit fontScale="90000"/>
+          </a:bodyPr>
           <a:lstStyle/>
           <a:p>
             <a:r>
@@ -7888,7 +7890,15 @@
                 <a:ea typeface="Helvetica Neue" charset="0"/>
                 <a:cs typeface="Helvetica Neue" charset="0"/>
               </a:rPr>
-              <a:t>IBM Cloud Integration for Salesforce Demo</a:t>
+              <a:t>IBM Cloud Integration for Salesforce </a:t>
+            </a:r>
+            <a:r>
+              <a:rPr lang="en-US" dirty="0" smtClean="0">
+                <a:latin typeface="Helvetica Neue" charset="0"/>
+                <a:ea typeface="Helvetica Neue" charset="0"/>
+                <a:cs typeface="Helvetica Neue" charset="0"/>
+              </a:rPr>
+              <a:t>Demo</a:t>
             </a:r>
             <a:br>
               <a:rPr lang="en-US" dirty="0" smtClean="0">
@@ -7898,7 +7908,7 @@
               </a:rPr>
             </a:br>
             <a:r>
-              <a:rPr lang="en-US" sz="1800" dirty="0" smtClean="0">
+              <a:rPr lang="en-US" sz="1800" dirty="0">
                 <a:solidFill>
                   <a:srgbClr val="7030A0"/>
                 </a:solidFill>
@@ -7906,20 +7916,9 @@
                 <a:ea typeface="Helvetica Neue" charset="0"/>
                 <a:cs typeface="Helvetica Neue" charset="0"/>
               </a:rPr>
-              <a:t>Field </a:t>
-            </a:r>
-            <a:r>
-              <a:rPr lang="en-US" sz="1800" dirty="0">
-                <a:solidFill>
-                  <a:srgbClr val="7030A0"/>
-                </a:solidFill>
-                <a:latin typeface="Helvetica Neue" charset="0"/>
-                <a:ea typeface="Helvetica Neue" charset="0"/>
-                <a:cs typeface="Helvetica Neue" charset="0"/>
-              </a:rPr>
-              <a:t>Rep expedites shipment</a:t>
-            </a:r>
-            <a:endParaRPr lang="en-US" sz="2400" dirty="0">
+              <a:t>Field Rep expedites shipment</a:t>
+            </a:r>
+            <a:endParaRPr lang="en-US" sz="1800" dirty="0">
               <a:solidFill>
                 <a:srgbClr val="7030A0"/>
               </a:solidFill>
@@ -7932,14 +7931,14 @@
       </p:sp>
       <p:sp>
         <p:nvSpPr>
-          <p:cNvPr id="5" name="Rounded Rectangle 4"/>
+          <p:cNvPr id="23" name="Rounded Rectangle 22"/>
           <p:cNvSpPr/>
           <p:nvPr/>
         </p:nvSpPr>
         <p:spPr bwMode="auto">
           <a:xfrm>
-            <a:off x="3331819" y="1674866"/>
-            <a:ext cx="2706880" cy="1110126"/>
+            <a:off x="4931839" y="2858454"/>
+            <a:ext cx="926521" cy="705683"/>
           </a:xfrm>
           <a:prstGeom prst="roundRect">
             <a:avLst/>
@@ -7967,14 +7966,14 @@
           </a:fontRef>
         </p:style>
         <p:txBody>
-          <a:bodyPr vert="horz" wrap="square" lIns="914400" tIns="0" rIns="0" bIns="0" numCol="1" rtlCol="0" anchor="ctr" anchorCtr="0" compatLnSpc="1">
+          <a:bodyPr vert="horz" wrap="square" lIns="0" tIns="0" rIns="0" bIns="0" numCol="1" rtlCol="0" anchor="ctr" anchorCtr="0" compatLnSpc="1">
             <a:prstTxWarp prst="textNoShape">
               <a:avLst/>
             </a:prstTxWarp>
           </a:bodyPr>
           <a:lstStyle/>
           <a:p>
-            <a:pPr marL="0" marR="0" indent="0" defTabSz="914400" rtl="0" eaLnBrk="1" fontAlgn="base" latinLnBrk="0" hangingPunct="1">
+            <a:pPr algn="ctr" defTabSz="914378" fontAlgn="base">
               <a:lnSpc>
                 <a:spcPct val="90000"/>
               </a:lnSpc>
@@ -7984,63 +7983,19 @@
               <a:spcAft>
                 <a:spcPct val="0"/>
               </a:spcAft>
-              <a:buClrTx/>
-              <a:buSzTx/>
-              <a:buFontTx/>
-              <a:buNone/>
-              <a:tabLst/>
             </a:pPr>
             <a:r>
-              <a:rPr kumimoji="0" lang="en-US" b="1" u="none" strike="noStrike" cap="none" normalizeH="0" baseline="0" dirty="0" smtClean="0">
-                <a:ln>
-                  <a:noFill/>
-                </a:ln>
+              <a:rPr lang="en-US" sz="1600" b="1" dirty="0">
                 <a:solidFill>
                   <a:schemeClr val="tx2">
                     <a:lumMod val="75000"/>
                   </a:schemeClr>
                 </a:solidFill>
-                <a:effectLst/>
                 <a:latin typeface="Helvetica Neue Light" charset="0"/>
                 <a:ea typeface="Helvetica Neue Light" charset="0"/>
                 <a:cs typeface="Helvetica Neue Light" charset="0"/>
               </a:rPr>
-              <a:t>App</a:t>
-            </a:r>
-          </a:p>
-          <a:p>
-            <a:pPr marL="0" marR="0" indent="0" defTabSz="914400" rtl="0" eaLnBrk="1" fontAlgn="base" latinLnBrk="0" hangingPunct="1">
-              <a:lnSpc>
-                <a:spcPct val="90000"/>
-              </a:lnSpc>
-              <a:spcBef>
-                <a:spcPct val="0"/>
-              </a:spcBef>
-              <a:spcAft>
-                <a:spcPct val="0"/>
-              </a:spcAft>
-              <a:buClrTx/>
-              <a:buSzTx/>
-              <a:buFontTx/>
-              <a:buNone/>
-              <a:tabLst/>
-            </a:pPr>
-            <a:r>
-              <a:rPr kumimoji="0" lang="en-US" u="none" strike="noStrike" cap="none" normalizeH="0" baseline="0" dirty="0" smtClean="0">
-                <a:ln>
-                  <a:noFill/>
-                </a:ln>
-                <a:solidFill>
-                  <a:schemeClr val="tx2">
-                    <a:lumMod val="75000"/>
-                  </a:schemeClr>
-                </a:solidFill>
-                <a:effectLst/>
-                <a:latin typeface="Helvetica Neue Light" charset="0"/>
-                <a:ea typeface="Helvetica Neue Light" charset="0"/>
-                <a:cs typeface="Helvetica Neue Light" charset="0"/>
-              </a:rPr>
-              <a:t>Connect</a:t>
+              <a:t>API Connect</a:t>
             </a:r>
           </a:p>
         </p:txBody>
@@ -8061,44 +8016,166 @@
         </p:blipFill>
         <p:spPr>
           <a:xfrm>
-            <a:off x="762990" y="3140118"/>
-            <a:ext cx="1833847" cy="1151248"/>
+            <a:off x="998146" y="3279301"/>
+            <a:ext cx="1617341" cy="1015331"/>
           </a:xfrm>
           <a:prstGeom prst="rect">
             <a:avLst/>
           </a:prstGeom>
         </p:spPr>
       </p:pic>
-      <p:pic>
-        <p:nvPicPr>
-          <p:cNvPr id="26" name="Picture 25"/>
-          <p:cNvPicPr>
-            <a:picLocks noChangeAspect="1"/>
-          </p:cNvPicPr>
+      <p:grpSp>
+        <p:nvGrpSpPr>
+          <p:cNvPr id="6" name="Group 5"/>
+          <p:cNvGrpSpPr/>
           <p:nvPr/>
-        </p:nvPicPr>
-        <p:blipFill>
-          <a:blip r:embed="rId3" cstate="hqprint">
-            <a:extLst>
-              <a:ext uri="{28A0092B-C50C-407E-A947-70E740481C1C}">
-                <a14:useLocalDpi xmlns:a14="http://schemas.microsoft.com/office/drawing/2010/main"/>
-              </a:ext>
-            </a:extLst>
-          </a:blip>
-          <a:stretch>
-            <a:fillRect/>
-          </a:stretch>
-        </p:blipFill>
-        <p:spPr>
-          <a:xfrm>
-            <a:off x="3448188" y="1782098"/>
-            <a:ext cx="501795" cy="501795"/>
-          </a:xfrm>
-          <a:prstGeom prst="rect">
-            <a:avLst/>
-          </a:prstGeom>
-        </p:spPr>
-      </p:pic>
+        </p:nvGrpSpPr>
+        <p:grpSpPr>
+          <a:xfrm>
+            <a:off x="3318573" y="1389168"/>
+            <a:ext cx="2706880" cy="1110126"/>
+            <a:chOff x="4424764" y="1852224"/>
+            <a:chExt cx="3609173" cy="1480168"/>
+          </a:xfrm>
+        </p:grpSpPr>
+        <p:sp>
+          <p:nvSpPr>
+            <p:cNvPr id="5" name="Rounded Rectangle 4"/>
+            <p:cNvSpPr/>
+            <p:nvPr/>
+          </p:nvSpPr>
+          <p:spPr bwMode="auto">
+            <a:xfrm>
+              <a:off x="4424764" y="1852224"/>
+              <a:ext cx="3609173" cy="1480168"/>
+            </a:xfrm>
+            <a:prstGeom prst="roundRect">
+              <a:avLst/>
+            </a:prstGeom>
+            <a:ln>
+              <a:solidFill>
+                <a:srgbClr val="002060"/>
+              </a:solidFill>
+              <a:headEnd type="none" w="med" len="med"/>
+              <a:tailEnd type="none" w="med" len="med"/>
+            </a:ln>
+          </p:spPr>
+          <p:style>
+            <a:lnRef idx="2">
+              <a:schemeClr val="dk1"/>
+            </a:lnRef>
+            <a:fillRef idx="1">
+              <a:schemeClr val="lt1"/>
+            </a:fillRef>
+            <a:effectRef idx="0">
+              <a:schemeClr val="dk1"/>
+            </a:effectRef>
+            <a:fontRef idx="minor">
+              <a:schemeClr val="dk1"/>
+            </a:fontRef>
+          </p:style>
+          <p:txBody>
+            <a:bodyPr vert="horz" wrap="square" lIns="914400" tIns="0" rIns="0" bIns="0" numCol="1" rtlCol="0" anchor="ctr" anchorCtr="0" compatLnSpc="1">
+              <a:prstTxWarp prst="textNoShape">
+                <a:avLst/>
+              </a:prstTxWarp>
+            </a:bodyPr>
+            <a:lstStyle/>
+            <a:p>
+              <a:pPr defTabSz="914378" fontAlgn="base">
+                <a:lnSpc>
+                  <a:spcPct val="90000"/>
+                </a:lnSpc>
+                <a:spcBef>
+                  <a:spcPct val="0"/>
+                </a:spcBef>
+                <a:spcAft>
+                  <a:spcPct val="0"/>
+                </a:spcAft>
+              </a:pPr>
+              <a:r>
+                <a:rPr lang="en-US" b="1">
+                  <a:solidFill>
+                    <a:schemeClr val="tx2">
+                      <a:lumMod val="75000"/>
+                    </a:schemeClr>
+                  </a:solidFill>
+                  <a:latin typeface="Helvetica Neue Light" charset="0"/>
+                  <a:ea typeface="Helvetica Neue Light" charset="0"/>
+                  <a:cs typeface="Helvetica Neue Light" charset="0"/>
+                </a:rPr>
+                <a:t>App</a:t>
+              </a:r>
+              <a:endParaRPr lang="en-US" b="1" dirty="0">
+                <a:solidFill>
+                  <a:schemeClr val="tx2">
+                    <a:lumMod val="75000"/>
+                  </a:schemeClr>
+                </a:solidFill>
+                <a:latin typeface="Helvetica Neue Light" charset="0"/>
+                <a:ea typeface="Helvetica Neue Light" charset="0"/>
+                <a:cs typeface="Helvetica Neue Light" charset="0"/>
+              </a:endParaRPr>
+            </a:p>
+            <a:p>
+              <a:pPr defTabSz="914378" fontAlgn="base">
+                <a:lnSpc>
+                  <a:spcPct val="90000"/>
+                </a:lnSpc>
+                <a:spcBef>
+                  <a:spcPct val="0"/>
+                </a:spcBef>
+                <a:spcAft>
+                  <a:spcPct val="0"/>
+                </a:spcAft>
+              </a:pPr>
+              <a:r>
+                <a:rPr lang="en-US" dirty="0">
+                  <a:solidFill>
+                    <a:schemeClr val="tx2">
+                      <a:lumMod val="75000"/>
+                    </a:schemeClr>
+                  </a:solidFill>
+                  <a:latin typeface="Helvetica Neue Light" charset="0"/>
+                  <a:ea typeface="Helvetica Neue Light" charset="0"/>
+                  <a:cs typeface="Helvetica Neue Light" charset="0"/>
+                </a:rPr>
+                <a:t>Connect</a:t>
+              </a:r>
+            </a:p>
+          </p:txBody>
+        </p:sp>
+        <p:pic>
+          <p:nvPicPr>
+            <p:cNvPr id="26" name="Picture 25"/>
+            <p:cNvPicPr>
+              <a:picLocks noChangeAspect="1"/>
+            </p:cNvPicPr>
+            <p:nvPr/>
+          </p:nvPicPr>
+          <p:blipFill>
+            <a:blip r:embed="rId3" cstate="hqprint">
+              <a:extLst>
+                <a:ext uri="{28A0092B-C50C-407E-A947-70E740481C1C}">
+                  <a14:useLocalDpi xmlns:a14="http://schemas.microsoft.com/office/drawing/2010/main"/>
+                </a:ext>
+              </a:extLst>
+            </a:blip>
+            <a:stretch>
+              <a:fillRect/>
+            </a:stretch>
+          </p:blipFill>
+          <p:spPr>
+            <a:xfrm>
+              <a:off x="4652170" y="2055963"/>
+              <a:ext cx="669060" cy="669060"/>
+            </a:xfrm>
+            <a:prstGeom prst="rect">
+              <a:avLst/>
+            </a:prstGeom>
+          </p:spPr>
+        </p:pic>
+      </p:grpSp>
       <p:pic>
         <p:nvPicPr>
           <p:cNvPr id="43" name="Picture 42"/>
@@ -8131,14 +8208,299 @@
       </p:pic>
       <p:cxnSp>
         <p:nvCxnSpPr>
+          <p:cNvPr id="52" name="Straight Arrow Connector 51"/>
+          <p:cNvCxnSpPr>
+            <a:stCxn id="22" idx="0"/>
+          </p:cNvCxnSpPr>
+          <p:nvPr/>
+        </p:nvCxnSpPr>
+        <p:spPr bwMode="auto">
+          <a:xfrm flipH="1" flipV="1">
+            <a:off x="3962138" y="2499294"/>
+            <a:ext cx="1" cy="359160"/>
+          </a:xfrm>
+          <a:prstGeom prst="straightConnector1">
+            <a:avLst/>
+          </a:prstGeom>
+          <a:noFill/>
+          <a:ln w="25400" cap="flat" cmpd="sng" algn="ctr">
+            <a:solidFill>
+              <a:schemeClr val="bg1">
+                <a:lumMod val="50000"/>
+              </a:schemeClr>
+            </a:solidFill>
+            <a:prstDash val="solid"/>
+            <a:round/>
+            <a:headEnd type="none" w="med" len="med"/>
+            <a:tailEnd type="triangle"/>
+          </a:ln>
+          <a:effectLst/>
+        </p:spPr>
+      </p:cxnSp>
+      <p:cxnSp>
+        <p:nvCxnSpPr>
           <p:cNvPr id="63" name="Straight Arrow Connector 62"/>
           <p:cNvCxnSpPr/>
           <p:nvPr/>
         </p:nvCxnSpPr>
         <p:spPr bwMode="auto">
           <a:xfrm>
-            <a:off x="1754215" y="1941454"/>
-            <a:ext cx="1485389" cy="0"/>
+            <a:off x="1885518" y="1712485"/>
+            <a:ext cx="1201918" cy="0"/>
+          </a:xfrm>
+          <a:prstGeom prst="straightConnector1">
+            <a:avLst/>
+          </a:prstGeom>
+          <a:noFill/>
+          <a:ln w="12700" cap="flat" cmpd="sng" algn="ctr">
+            <a:solidFill>
+              <a:srgbClr val="7030A0"/>
+            </a:solidFill>
+            <a:prstDash val="solid"/>
+            <a:round/>
+            <a:headEnd type="none" w="med" len="med"/>
+            <a:tailEnd type="triangle"/>
+          </a:ln>
+          <a:effectLst/>
+        </p:spPr>
+      </p:cxnSp>
+      <p:grpSp>
+        <p:nvGrpSpPr>
+          <p:cNvPr id="4" name="Group 3"/>
+          <p:cNvGrpSpPr/>
+          <p:nvPr/>
+        </p:nvGrpSpPr>
+        <p:grpSpPr>
+          <a:xfrm>
+            <a:off x="1948221" y="2268519"/>
+            <a:ext cx="1219084" cy="953451"/>
+            <a:chOff x="2011486" y="2534306"/>
+            <a:chExt cx="1201918" cy="454268"/>
+          </a:xfrm>
+        </p:grpSpPr>
+        <p:cxnSp>
+          <p:nvCxnSpPr>
+            <p:cNvPr id="49" name="Straight Arrow Connector 48"/>
+            <p:cNvCxnSpPr/>
+            <p:nvPr/>
+          </p:nvCxnSpPr>
+          <p:spPr bwMode="auto">
+            <a:xfrm>
+              <a:off x="2011486" y="2534306"/>
+              <a:ext cx="3532" cy="454268"/>
+            </a:xfrm>
+            <a:prstGeom prst="straightConnector1">
+              <a:avLst/>
+            </a:prstGeom>
+            <a:noFill/>
+            <a:ln w="25400" cap="flat" cmpd="sng" algn="ctr">
+              <a:solidFill>
+                <a:srgbClr val="7030A0"/>
+              </a:solidFill>
+              <a:prstDash val="solid"/>
+              <a:round/>
+              <a:headEnd type="none" w="med" len="med"/>
+              <a:tailEnd type="triangle"/>
+            </a:ln>
+            <a:effectLst/>
+          </p:spPr>
+        </p:cxnSp>
+        <p:cxnSp>
+          <p:nvCxnSpPr>
+            <p:cNvPr id="51" name="Straight Arrow Connector 50"/>
+            <p:cNvCxnSpPr/>
+            <p:nvPr/>
+          </p:nvCxnSpPr>
+          <p:spPr bwMode="auto">
+            <a:xfrm flipH="1">
+              <a:off x="2011486" y="2534306"/>
+              <a:ext cx="1201918" cy="0"/>
+            </a:xfrm>
+            <a:prstGeom prst="straightConnector1">
+              <a:avLst/>
+            </a:prstGeom>
+            <a:noFill/>
+            <a:ln w="25400" cap="flat" cmpd="sng" algn="ctr">
+              <a:solidFill>
+                <a:srgbClr val="7030A0"/>
+              </a:solidFill>
+              <a:prstDash val="solid"/>
+              <a:round/>
+              <a:headEnd type="none" w="med" len="med"/>
+              <a:tailEnd type="none" w="med" len="med"/>
+            </a:ln>
+            <a:effectLst/>
+          </p:spPr>
+        </p:cxnSp>
+      </p:grpSp>
+      <p:cxnSp>
+        <p:nvCxnSpPr>
+          <p:cNvPr id="66" name="Straight Arrow Connector 65"/>
+          <p:cNvCxnSpPr/>
+          <p:nvPr/>
+        </p:nvCxnSpPr>
+        <p:spPr bwMode="auto">
+          <a:xfrm flipH="1">
+            <a:off x="1441344" y="2499294"/>
+            <a:ext cx="6457" cy="673984"/>
+          </a:xfrm>
+          <a:prstGeom prst="straightConnector1">
+            <a:avLst/>
+          </a:prstGeom>
+          <a:noFill/>
+          <a:ln w="25400" cap="flat" cmpd="sng" algn="ctr">
+            <a:solidFill>
+              <a:srgbClr val="7030A0"/>
+            </a:solidFill>
+            <a:prstDash val="solid"/>
+            <a:round/>
+            <a:headEnd type="none" w="med" len="med"/>
+            <a:tailEnd type="triangle"/>
+          </a:ln>
+          <a:effectLst/>
+        </p:spPr>
+      </p:cxnSp>
+      <p:sp>
+        <p:nvSpPr>
+          <p:cNvPr id="27" name="Rounded Rectangle 26"/>
+          <p:cNvSpPr/>
+          <p:nvPr/>
+        </p:nvSpPr>
+        <p:spPr bwMode="auto">
+          <a:xfrm>
+            <a:off x="6985700" y="1389168"/>
+            <a:ext cx="1494504" cy="435274"/>
+          </a:xfrm>
+          <a:prstGeom prst="roundRect">
+            <a:avLst/>
+          </a:prstGeom>
+          <a:noFill/>
+          <a:ln w="25400">
+            <a:solidFill>
+              <a:srgbClr val="7030A0"/>
+            </a:solidFill>
+            <a:headEnd type="none" w="med" len="med"/>
+            <a:tailEnd type="none" w="med" len="med"/>
+          </a:ln>
+        </p:spPr>
+        <p:style>
+          <a:lnRef idx="2">
+            <a:schemeClr val="dk1"/>
+          </a:lnRef>
+          <a:fillRef idx="1">
+            <a:schemeClr val="lt1"/>
+          </a:fillRef>
+          <a:effectRef idx="0">
+            <a:schemeClr val="dk1"/>
+          </a:effectRef>
+          <a:fontRef idx="minor">
+            <a:schemeClr val="dk1"/>
+          </a:fontRef>
+        </p:style>
+        <p:txBody>
+          <a:bodyPr vert="horz" wrap="square" lIns="0" tIns="0" rIns="0" bIns="0" numCol="1" rtlCol="0" anchor="ctr" anchorCtr="0" compatLnSpc="1">
+            <a:prstTxWarp prst="textNoShape">
+              <a:avLst/>
+            </a:prstTxWarp>
+          </a:bodyPr>
+          <a:lstStyle/>
+          <a:p>
+            <a:pPr algn="ctr" defTabSz="914378" fontAlgn="base">
+              <a:lnSpc>
+                <a:spcPct val="90000"/>
+              </a:lnSpc>
+              <a:spcBef>
+                <a:spcPct val="0"/>
+              </a:spcBef>
+              <a:spcAft>
+                <a:spcPct val="0"/>
+              </a:spcAft>
+            </a:pPr>
+            <a:r>
+              <a:rPr lang="en-US" sz="1400" dirty="0">
+                <a:solidFill>
+                  <a:schemeClr val="tx1">
+                    <a:lumMod val="50000"/>
+                    <a:lumOff val="50000"/>
+                  </a:schemeClr>
+                </a:solidFill>
+                <a:latin typeface="Helvetica Neue Light" charset="0"/>
+                <a:ea typeface="Helvetica Neue Light" charset="0"/>
+                <a:cs typeface="Helvetica Neue Light" charset="0"/>
+              </a:rPr>
+              <a:t>Shipping System</a:t>
+            </a:r>
+          </a:p>
+        </p:txBody>
+      </p:sp>
+      <p:cxnSp>
+        <p:nvCxnSpPr>
+          <p:cNvPr id="28" name="Straight Arrow Connector 27"/>
+          <p:cNvCxnSpPr/>
+          <p:nvPr/>
+        </p:nvCxnSpPr>
+        <p:spPr bwMode="auto">
+          <a:xfrm>
+            <a:off x="6120583" y="1606805"/>
+            <a:ext cx="751673" cy="0"/>
+          </a:xfrm>
+          <a:prstGeom prst="straightConnector1">
+            <a:avLst/>
+          </a:prstGeom>
+          <a:noFill/>
+          <a:ln w="25400" cap="flat" cmpd="sng" algn="ctr">
+            <a:solidFill>
+              <a:srgbClr val="7030A0"/>
+            </a:solidFill>
+            <a:prstDash val="solid"/>
+            <a:round/>
+            <a:headEnd type="none" w="med" len="med"/>
+            <a:tailEnd type="triangle"/>
+          </a:ln>
+          <a:effectLst/>
+        </p:spPr>
+      </p:cxnSp>
+      <p:sp>
+        <p:nvSpPr>
+          <p:cNvPr id="29" name="Slide Number Placeholder 1"/>
+          <p:cNvSpPr>
+            <a:spLocks noGrp="1"/>
+          </p:cNvSpPr>
+          <p:nvPr>
+            <p:ph type="sldNum" sz="quarter" idx="10"/>
+          </p:nvPr>
+        </p:nvSpPr>
+        <p:spPr>
+          <a:xfrm>
+            <a:off x="328613" y="4898990"/>
+            <a:ext cx="2124075" cy="171450"/>
+          </a:xfrm>
+        </p:spPr>
+        <p:txBody>
+          <a:bodyPr/>
+          <a:lstStyle/>
+          <a:p>
+            <a:pPr algn="l">
+              <a:defRPr/>
+            </a:pPr>
+            <a:r>
+              <a:rPr lang="en-US" dirty="0" smtClean="0"/>
+              <a:t>11</a:t>
+            </a:r>
+            <a:endParaRPr lang="en-US" dirty="0"/>
+          </a:p>
+        </p:txBody>
+      </p:sp>
+      <p:cxnSp>
+        <p:nvCxnSpPr>
+          <p:cNvPr id="19" name="Straight Arrow Connector 18"/>
+          <p:cNvCxnSpPr/>
+          <p:nvPr/>
+        </p:nvCxnSpPr>
+        <p:spPr bwMode="auto">
+          <a:xfrm>
+            <a:off x="6101717" y="2116281"/>
+            <a:ext cx="751673" cy="0"/>
           </a:xfrm>
           <a:prstGeom prst="straightConnector1">
             <a:avLst/>
@@ -8158,97 +8520,162 @@
           <a:effectLst/>
         </p:spPr>
       </p:cxnSp>
+      <p:sp>
+        <p:nvSpPr>
+          <p:cNvPr id="20" name="Rounded Rectangle 19"/>
+          <p:cNvSpPr/>
+          <p:nvPr/>
+        </p:nvSpPr>
+        <p:spPr bwMode="auto">
+          <a:xfrm>
+            <a:off x="6985700" y="1950690"/>
+            <a:ext cx="1494504" cy="435274"/>
+          </a:xfrm>
+          <a:prstGeom prst="roundRect">
+            <a:avLst/>
+          </a:prstGeom>
+          <a:noFill/>
+          <a:ln>
+            <a:solidFill>
+              <a:schemeClr val="bg1">
+                <a:lumMod val="65000"/>
+              </a:schemeClr>
+            </a:solidFill>
+            <a:headEnd type="none" w="med" len="med"/>
+            <a:tailEnd type="none" w="med" len="med"/>
+          </a:ln>
+        </p:spPr>
+        <p:style>
+          <a:lnRef idx="2">
+            <a:schemeClr val="dk1"/>
+          </a:lnRef>
+          <a:fillRef idx="1">
+            <a:schemeClr val="lt1"/>
+          </a:fillRef>
+          <a:effectRef idx="0">
+            <a:schemeClr val="dk1"/>
+          </a:effectRef>
+          <a:fontRef idx="minor">
+            <a:schemeClr val="dk1"/>
+          </a:fontRef>
+        </p:style>
+        <p:txBody>
+          <a:bodyPr vert="horz" wrap="square" lIns="0" tIns="0" rIns="0" bIns="0" numCol="1" rtlCol="0" anchor="ctr" anchorCtr="0" compatLnSpc="1">
+            <a:prstTxWarp prst="textNoShape">
+              <a:avLst/>
+            </a:prstTxWarp>
+          </a:bodyPr>
+          <a:lstStyle/>
+          <a:p>
+            <a:pPr algn="ctr" defTabSz="914378" fontAlgn="base">
+              <a:lnSpc>
+                <a:spcPct val="90000"/>
+              </a:lnSpc>
+              <a:spcBef>
+                <a:spcPct val="0"/>
+              </a:spcBef>
+              <a:spcAft>
+                <a:spcPct val="0"/>
+              </a:spcAft>
+            </a:pPr>
+            <a:r>
+              <a:rPr lang="en-US" sz="1400" dirty="0">
+                <a:solidFill>
+                  <a:schemeClr val="tx1">
+                    <a:lumMod val="50000"/>
+                    <a:lumOff val="50000"/>
+                  </a:schemeClr>
+                </a:solidFill>
+                <a:latin typeface="Helvetica Neue Light" charset="0"/>
+                <a:ea typeface="Helvetica Neue Light" charset="0"/>
+                <a:cs typeface="Helvetica Neue Light" charset="0"/>
+              </a:rPr>
+              <a:t>Trouble Ticket System</a:t>
+            </a:r>
+          </a:p>
+        </p:txBody>
+      </p:sp>
+      <p:sp>
+        <p:nvSpPr>
+          <p:cNvPr id="22" name="Rounded Rectangle 21"/>
+          <p:cNvSpPr/>
+          <p:nvPr/>
+        </p:nvSpPr>
+        <p:spPr bwMode="auto">
+          <a:xfrm>
+            <a:off x="3492858" y="2858454"/>
+            <a:ext cx="938560" cy="705683"/>
+          </a:xfrm>
+          <a:prstGeom prst="roundRect">
+            <a:avLst/>
+          </a:prstGeom>
+          <a:ln>
+            <a:solidFill>
+              <a:srgbClr val="002060"/>
+            </a:solidFill>
+            <a:headEnd type="none" w="med" len="med"/>
+            <a:tailEnd type="none" w="med" len="med"/>
+          </a:ln>
+        </p:spPr>
+        <p:style>
+          <a:lnRef idx="2">
+            <a:schemeClr val="dk1"/>
+          </a:lnRef>
+          <a:fillRef idx="1">
+            <a:schemeClr val="lt1"/>
+          </a:fillRef>
+          <a:effectRef idx="0">
+            <a:schemeClr val="dk1"/>
+          </a:effectRef>
+          <a:fontRef idx="minor">
+            <a:schemeClr val="dk1"/>
+          </a:fontRef>
+        </p:style>
+        <p:txBody>
+          <a:bodyPr vert="horz" wrap="square" lIns="0" tIns="0" rIns="0" bIns="0" numCol="1" rtlCol="0" anchor="ctr" anchorCtr="0" compatLnSpc="1">
+            <a:prstTxWarp prst="textNoShape">
+              <a:avLst/>
+            </a:prstTxWarp>
+          </a:bodyPr>
+          <a:lstStyle/>
+          <a:p>
+            <a:pPr algn="ctr" defTabSz="914378" fontAlgn="base">
+              <a:lnSpc>
+                <a:spcPct val="90000"/>
+              </a:lnSpc>
+              <a:spcBef>
+                <a:spcPct val="0"/>
+              </a:spcBef>
+              <a:spcAft>
+                <a:spcPct val="0"/>
+              </a:spcAft>
+            </a:pPr>
+            <a:r>
+              <a:rPr lang="en-US" sz="1600" b="1" dirty="0">
+                <a:solidFill>
+                  <a:schemeClr val="tx2">
+                    <a:lumMod val="75000"/>
+                  </a:schemeClr>
+                </a:solidFill>
+                <a:latin typeface="Helvetica Neue Light" charset="0"/>
+                <a:ea typeface="Helvetica Neue Light" charset="0"/>
+                <a:cs typeface="Helvetica Neue Light" charset="0"/>
+              </a:rPr>
+              <a:t>MQ</a:t>
+            </a:r>
+          </a:p>
+        </p:txBody>
+      </p:sp>
       <p:cxnSp>
         <p:nvCxnSpPr>
-          <p:cNvPr id="49" name="Straight Arrow Connector 48"/>
+          <p:cNvPr id="30" name="Straight Arrow Connector 29"/>
           <p:cNvCxnSpPr/>
           <p:nvPr/>
         </p:nvCxnSpPr>
         <p:spPr bwMode="auto">
-          <a:xfrm>
-            <a:off x="2011486" y="2534306"/>
-            <a:ext cx="3532" cy="454268"/>
-          </a:xfrm>
-          <a:prstGeom prst="straightConnector1">
-            <a:avLst/>
-          </a:prstGeom>
-          <a:noFill/>
-          <a:ln w="38100" cap="flat" cmpd="sng" algn="ctr">
-            <a:solidFill>
-              <a:srgbClr val="7030A0"/>
-            </a:solidFill>
-            <a:prstDash val="solid"/>
-            <a:round/>
-            <a:headEnd type="none" w="med" len="med"/>
-            <a:tailEnd type="triangle"/>
-          </a:ln>
-          <a:effectLst/>
-        </p:spPr>
-      </p:cxnSp>
-      <p:cxnSp>
-        <p:nvCxnSpPr>
-          <p:cNvPr id="51" name="Straight Arrow Connector 50"/>
-          <p:cNvCxnSpPr/>
-          <p:nvPr/>
-        </p:nvCxnSpPr>
-        <p:spPr bwMode="auto">
-          <a:xfrm flipH="1">
-            <a:off x="2011486" y="2534306"/>
-            <a:ext cx="1201918" cy="0"/>
-          </a:xfrm>
-          <a:prstGeom prst="straightConnector1">
-            <a:avLst/>
-          </a:prstGeom>
-          <a:noFill/>
-          <a:ln w="38100" cap="flat" cmpd="sng" algn="ctr">
-            <a:solidFill>
-              <a:srgbClr val="7030A0"/>
-            </a:solidFill>
-            <a:prstDash val="solid"/>
-            <a:round/>
-            <a:headEnd type="none" w="med" len="med"/>
-            <a:tailEnd type="none" w="med" len="med"/>
-          </a:ln>
-          <a:effectLst/>
-        </p:spPr>
-      </p:cxnSp>
-      <p:cxnSp>
-        <p:nvCxnSpPr>
-          <p:cNvPr id="66" name="Straight Arrow Connector 65"/>
-          <p:cNvCxnSpPr/>
-          <p:nvPr/>
-        </p:nvCxnSpPr>
-        <p:spPr bwMode="auto">
-          <a:xfrm>
-            <a:off x="1464677" y="2458147"/>
-            <a:ext cx="0" cy="528484"/>
-          </a:xfrm>
-          <a:prstGeom prst="straightConnector1">
-            <a:avLst/>
-          </a:prstGeom>
-          <a:noFill/>
-          <a:ln w="38100" cap="flat" cmpd="sng" algn="ctr">
-            <a:solidFill>
-              <a:srgbClr val="7030A0"/>
-            </a:solidFill>
-            <a:prstDash val="solid"/>
-            <a:round/>
-            <a:headEnd type="none" w="med" len="med"/>
-            <a:tailEnd type="triangle"/>
-          </a:ln>
-          <a:effectLst/>
-        </p:spPr>
-      </p:cxnSp>
-      <p:cxnSp>
-        <p:nvCxnSpPr>
-          <p:cNvPr id="28" name="Straight Arrow Connector 27"/>
-          <p:cNvCxnSpPr/>
-          <p:nvPr/>
-        </p:nvCxnSpPr>
-        <p:spPr bwMode="auto">
-          <a:xfrm>
-            <a:off x="6142934" y="1941454"/>
-            <a:ext cx="751673" cy="0"/>
+          <a:xfrm flipH="1" flipV="1">
+            <a:off x="5397155" y="2499294"/>
+            <a:ext cx="8862" cy="350343"/>
           </a:xfrm>
           <a:prstGeom prst="straightConnector1">
             <a:avLst/>
@@ -8268,346 +8695,84 @@
           <a:effectLst/>
         </p:spPr>
       </p:cxnSp>
+      <p:grpSp>
+        <p:nvGrpSpPr>
+          <p:cNvPr id="31" name="Group 30"/>
+          <p:cNvGrpSpPr/>
+          <p:nvPr/>
+        </p:nvGrpSpPr>
+        <p:grpSpPr>
+          <a:xfrm flipH="1" flipV="1">
+            <a:off x="2482326" y="3609420"/>
+            <a:ext cx="1508596" cy="378770"/>
+            <a:chOff x="2011486" y="2534306"/>
+            <a:chExt cx="1201918" cy="454268"/>
+          </a:xfrm>
+        </p:grpSpPr>
+        <p:cxnSp>
+          <p:nvCxnSpPr>
+            <p:cNvPr id="32" name="Straight Arrow Connector 31"/>
+            <p:cNvCxnSpPr/>
+            <p:nvPr/>
+          </p:nvCxnSpPr>
+          <p:spPr bwMode="auto">
+            <a:xfrm>
+              <a:off x="2011486" y="2534306"/>
+              <a:ext cx="3532" cy="454268"/>
+            </a:xfrm>
+            <a:prstGeom prst="straightConnector1">
+              <a:avLst/>
+            </a:prstGeom>
+            <a:noFill/>
+            <a:ln w="25400" cap="flat" cmpd="sng" algn="ctr">
+              <a:solidFill>
+                <a:srgbClr val="7030A0"/>
+              </a:solidFill>
+              <a:prstDash val="solid"/>
+              <a:round/>
+              <a:headEnd type="none" w="med" len="med"/>
+              <a:tailEnd type="triangle"/>
+            </a:ln>
+            <a:effectLst/>
+          </p:spPr>
+        </p:cxnSp>
+        <p:cxnSp>
+          <p:nvCxnSpPr>
+            <p:cNvPr id="33" name="Straight Arrow Connector 32"/>
+            <p:cNvCxnSpPr/>
+            <p:nvPr/>
+          </p:nvCxnSpPr>
+          <p:spPr bwMode="auto">
+            <a:xfrm flipH="1">
+              <a:off x="2011486" y="2534306"/>
+              <a:ext cx="1201918" cy="0"/>
+            </a:xfrm>
+            <a:prstGeom prst="straightConnector1">
+              <a:avLst/>
+            </a:prstGeom>
+            <a:noFill/>
+            <a:ln w="25400" cap="flat" cmpd="sng" algn="ctr">
+              <a:solidFill>
+                <a:srgbClr val="7030A0"/>
+              </a:solidFill>
+              <a:prstDash val="solid"/>
+              <a:round/>
+              <a:headEnd type="none" w="med" len="med"/>
+              <a:tailEnd type="none" w="med" len="med"/>
+            </a:ln>
+            <a:effectLst/>
+          </p:spPr>
+        </p:cxnSp>
+      </p:grpSp>
       <p:sp>
         <p:nvSpPr>
-          <p:cNvPr id="21" name="Rectangular Callout 20"/>
+          <p:cNvPr id="34" name="Rectangular Callout 33"/>
           <p:cNvSpPr/>
           <p:nvPr/>
         </p:nvSpPr>
         <p:spPr bwMode="auto">
           <a:xfrm>
-            <a:off x="2967137" y="4363690"/>
-            <a:ext cx="1723616" cy="233491"/>
-          </a:xfrm>
-          <a:prstGeom prst="wedgeRectCallout">
-            <a:avLst>
-              <a:gd name="adj1" fmla="val -61099"/>
-              <a:gd name="adj2" fmla="val -244459"/>
-            </a:avLst>
-          </a:prstGeom>
-          <a:solidFill>
-            <a:schemeClr val="accent4">
-              <a:lumMod val="20000"/>
-              <a:lumOff val="80000"/>
-            </a:schemeClr>
-          </a:solidFill>
-          <a:ln w="9525" cap="flat" cmpd="sng" algn="ctr">
-            <a:solidFill>
-              <a:srgbClr val="7030A0"/>
-            </a:solidFill>
-            <a:prstDash val="solid"/>
-            <a:round/>
-            <a:headEnd type="none" w="med" len="med"/>
-            <a:tailEnd type="none" w="med" len="med"/>
-          </a:ln>
-          <a:effectLst/>
-        </p:spPr>
-        <p:txBody>
-          <a:bodyPr vert="horz" wrap="square" lIns="45720" tIns="45720" rIns="45720" bIns="45720" numCol="1" rtlCol="0" anchor="t" anchorCtr="0" compatLnSpc="1">
-            <a:prstTxWarp prst="textNoShape">
-              <a:avLst/>
-            </a:prstTxWarp>
-          </a:bodyPr>
-          <a:lstStyle/>
-          <a:p>
-            <a:pPr marL="0" marR="0" indent="0" algn="l" defTabSz="914400" rtl="0" eaLnBrk="1" fontAlgn="base" latinLnBrk="0" hangingPunct="1">
-              <a:lnSpc>
-                <a:spcPct val="90000"/>
-              </a:lnSpc>
-              <a:spcBef>
-                <a:spcPct val="0"/>
-              </a:spcBef>
-              <a:spcAft>
-                <a:spcPct val="0"/>
-              </a:spcAft>
-              <a:buClrTx/>
-              <a:buSzTx/>
-              <a:buFontTx/>
-              <a:buNone/>
-              <a:tabLst/>
-            </a:pPr>
-            <a:r>
-              <a:rPr lang="en-US" sz="1000" dirty="0">
-                <a:solidFill>
-                  <a:srgbClr val="191919"/>
-                </a:solidFill>
-                <a:latin typeface="Helvetica Neue Light" charset="0"/>
-                <a:ea typeface="Helvetica Neue Light" charset="0"/>
-                <a:cs typeface="Helvetica Neue Light" charset="0"/>
-              </a:rPr>
-              <a:t>4</a:t>
-            </a:r>
-            <a:r>
-              <a:rPr kumimoji="0" lang="en-US" sz="1000" u="none" strike="noStrike" cap="none" normalizeH="0" baseline="0" dirty="0" smtClean="0">
-                <a:ln>
-                  <a:noFill/>
-                </a:ln>
-                <a:solidFill>
-                  <a:srgbClr val="191919"/>
-                </a:solidFill>
-                <a:effectLst/>
-                <a:latin typeface="Helvetica Neue Light" charset="0"/>
-                <a:ea typeface="Helvetica Neue Light" charset="0"/>
-                <a:cs typeface="Helvetica Neue Light" charset="0"/>
-              </a:rPr>
-              <a:t>. </a:t>
-            </a:r>
-            <a:r>
-              <a:rPr lang="en-US" sz="1000" dirty="0" smtClean="0">
-                <a:solidFill>
-                  <a:srgbClr val="191919"/>
-                </a:solidFill>
-                <a:latin typeface="Helvetica Neue Light" charset="0"/>
-                <a:ea typeface="Helvetica Neue Light" charset="0"/>
-                <a:cs typeface="Helvetica Neue Light" charset="0"/>
-              </a:rPr>
-              <a:t>T</a:t>
-            </a:r>
-            <a:r>
-              <a:rPr kumimoji="0" lang="en-US" sz="1000" u="none" strike="noStrike" cap="none" normalizeH="0" baseline="0" dirty="0" smtClean="0">
-                <a:ln>
-                  <a:noFill/>
-                </a:ln>
-                <a:solidFill>
-                  <a:srgbClr val="191919"/>
-                </a:solidFill>
-                <a:effectLst/>
-                <a:latin typeface="Helvetica Neue Light" charset="0"/>
-                <a:ea typeface="Helvetica Neue Light" charset="0"/>
-                <a:cs typeface="Helvetica Neue Light" charset="0"/>
-              </a:rPr>
-              <a:t>rigger notification to </a:t>
-            </a:r>
-            <a:r>
-              <a:rPr kumimoji="0" lang="en-US" sz="1000" b="1" u="none" strike="noStrike" cap="none" normalizeH="0" baseline="0" dirty="0" smtClean="0">
-                <a:ln>
-                  <a:noFill/>
-                </a:ln>
-                <a:solidFill>
-                  <a:srgbClr val="191919"/>
-                </a:solidFill>
-                <a:effectLst/>
-                <a:latin typeface="Helvetica Neue Light" charset="0"/>
-                <a:ea typeface="Helvetica Neue Light" charset="0"/>
-                <a:cs typeface="Helvetica Neue Light" charset="0"/>
-              </a:rPr>
-              <a:t>MQ</a:t>
-            </a:r>
-          </a:p>
-        </p:txBody>
-      </p:sp>
-      <p:sp>
-        <p:nvSpPr>
-          <p:cNvPr id="30" name="Rectangular Callout 29"/>
-          <p:cNvSpPr/>
-          <p:nvPr/>
-        </p:nvSpPr>
-        <p:spPr bwMode="auto">
-          <a:xfrm>
-            <a:off x="5475449" y="3150220"/>
-            <a:ext cx="996603" cy="394753"/>
-          </a:xfrm>
-          <a:prstGeom prst="wedgeRectCallout">
-            <a:avLst>
-              <a:gd name="adj1" fmla="val -116960"/>
-              <a:gd name="adj2" fmla="val -12076"/>
-            </a:avLst>
-          </a:prstGeom>
-          <a:solidFill>
-            <a:schemeClr val="accent4">
-              <a:lumMod val="20000"/>
-              <a:lumOff val="80000"/>
-            </a:schemeClr>
-          </a:solidFill>
-          <a:ln w="9525" cap="flat" cmpd="sng" algn="ctr">
-            <a:solidFill>
-              <a:schemeClr val="accent4">
-                <a:lumMod val="50000"/>
-              </a:schemeClr>
-            </a:solidFill>
-            <a:prstDash val="solid"/>
-            <a:round/>
-            <a:headEnd type="none" w="med" len="med"/>
-            <a:tailEnd type="none" w="med" len="med"/>
-          </a:ln>
-          <a:effectLst/>
-        </p:spPr>
-        <p:txBody>
-          <a:bodyPr vert="horz" wrap="square" lIns="45720" tIns="45720" rIns="45720" bIns="45720" numCol="1" rtlCol="0" anchor="t" anchorCtr="0" compatLnSpc="1">
-            <a:prstTxWarp prst="textNoShape">
-              <a:avLst/>
-            </a:prstTxWarp>
-          </a:bodyPr>
-          <a:lstStyle/>
-          <a:p>
-            <a:pPr marL="0" marR="0" indent="0" algn="l" defTabSz="914400" rtl="0" eaLnBrk="1" fontAlgn="base" latinLnBrk="0" hangingPunct="1">
-              <a:lnSpc>
-                <a:spcPct val="90000"/>
-              </a:lnSpc>
-              <a:spcBef>
-                <a:spcPct val="0"/>
-              </a:spcBef>
-              <a:spcAft>
-                <a:spcPct val="0"/>
-              </a:spcAft>
-              <a:buClrTx/>
-              <a:buSzTx/>
-              <a:buFontTx/>
-              <a:buNone/>
-              <a:tabLst/>
-            </a:pPr>
-            <a:r>
-              <a:rPr lang="en-US" sz="1000" dirty="0">
-                <a:solidFill>
-                  <a:srgbClr val="191919"/>
-                </a:solidFill>
-                <a:latin typeface="Helvetica Neue Light" charset="0"/>
-                <a:ea typeface="Helvetica Neue Light" charset="0"/>
-                <a:cs typeface="Helvetica Neue Light" charset="0"/>
-              </a:rPr>
-              <a:t>5</a:t>
-            </a:r>
-            <a:r>
-              <a:rPr lang="en-US" sz="1000" dirty="0" smtClean="0">
-                <a:solidFill>
-                  <a:srgbClr val="191919"/>
-                </a:solidFill>
-                <a:latin typeface="Helvetica Neue Light" charset="0"/>
-                <a:ea typeface="Helvetica Neue Light" charset="0"/>
-                <a:cs typeface="Helvetica Neue Light" charset="0"/>
-              </a:rPr>
-              <a:t>. Publish to </a:t>
-            </a:r>
-            <a:r>
-              <a:rPr lang="en-US" sz="1000" b="1" dirty="0" smtClean="0">
-                <a:solidFill>
-                  <a:srgbClr val="191919"/>
-                </a:solidFill>
-                <a:latin typeface="Helvetica Neue Light" charset="0"/>
-                <a:ea typeface="Helvetica Neue Light" charset="0"/>
-                <a:cs typeface="Helvetica Neue Light" charset="0"/>
-              </a:rPr>
-              <a:t>App Connect</a:t>
-            </a:r>
-            <a:endParaRPr kumimoji="0" lang="en-US" sz="1000" b="1" u="none" strike="noStrike" cap="none" normalizeH="0" baseline="0" dirty="0" smtClean="0">
-              <a:ln>
-                <a:noFill/>
-              </a:ln>
-              <a:solidFill>
-                <a:srgbClr val="191919"/>
-              </a:solidFill>
-              <a:effectLst/>
-              <a:latin typeface="Helvetica Neue Light" charset="0"/>
-              <a:ea typeface="Helvetica Neue Light" charset="0"/>
-              <a:cs typeface="Helvetica Neue Light" charset="0"/>
-            </a:endParaRPr>
-          </a:p>
-        </p:txBody>
-      </p:sp>
-      <p:sp>
-        <p:nvSpPr>
-          <p:cNvPr id="31" name="Rectangular Callout 30"/>
-          <p:cNvSpPr/>
-          <p:nvPr/>
-        </p:nvSpPr>
-        <p:spPr bwMode="auto">
-          <a:xfrm>
-            <a:off x="2531742" y="2886508"/>
-            <a:ext cx="665777" cy="507219"/>
-          </a:xfrm>
-          <a:prstGeom prst="wedgeRectCallout">
-            <a:avLst>
-              <a:gd name="adj1" fmla="val 37993"/>
-              <a:gd name="adj2" fmla="val -105549"/>
-            </a:avLst>
-          </a:prstGeom>
-          <a:solidFill>
-            <a:schemeClr val="accent4">
-              <a:lumMod val="20000"/>
-              <a:lumOff val="80000"/>
-            </a:schemeClr>
-          </a:solidFill>
-          <a:ln w="9525" cap="flat" cmpd="sng" algn="ctr">
-            <a:solidFill>
-              <a:srgbClr val="7030A0"/>
-            </a:solidFill>
-            <a:prstDash val="solid"/>
-            <a:round/>
-            <a:headEnd type="none" w="med" len="med"/>
-            <a:tailEnd type="none" w="med" len="med"/>
-          </a:ln>
-          <a:effectLst/>
-        </p:spPr>
-        <p:txBody>
-          <a:bodyPr vert="horz" wrap="square" lIns="45720" tIns="45720" rIns="45720" bIns="45720" numCol="1" rtlCol="0" anchor="t" anchorCtr="0" compatLnSpc="1">
-            <a:prstTxWarp prst="textNoShape">
-              <a:avLst/>
-            </a:prstTxWarp>
-          </a:bodyPr>
-          <a:lstStyle/>
-          <a:p>
-            <a:pPr marL="0" marR="0" indent="0" algn="l" defTabSz="914400" rtl="0" eaLnBrk="1" fontAlgn="base" latinLnBrk="0" hangingPunct="1">
-              <a:lnSpc>
-                <a:spcPct val="90000"/>
-              </a:lnSpc>
-              <a:spcBef>
-                <a:spcPct val="0"/>
-              </a:spcBef>
-              <a:spcAft>
-                <a:spcPct val="0"/>
-              </a:spcAft>
-              <a:buClrTx/>
-              <a:buSzTx/>
-              <a:buFontTx/>
-              <a:buNone/>
-              <a:tabLst/>
-            </a:pPr>
-            <a:r>
-              <a:rPr lang="en-US" sz="1000" dirty="0">
-                <a:solidFill>
-                  <a:srgbClr val="191919"/>
-                </a:solidFill>
-                <a:latin typeface="Helvetica Neue Light" charset="0"/>
-                <a:ea typeface="Helvetica Neue Light" charset="0"/>
-                <a:cs typeface="Helvetica Neue Light" charset="0"/>
-              </a:rPr>
-              <a:t>6</a:t>
-            </a:r>
-            <a:r>
-              <a:rPr lang="en-US" sz="1000" dirty="0" smtClean="0">
-                <a:solidFill>
-                  <a:srgbClr val="191919"/>
-                </a:solidFill>
-                <a:latin typeface="Helvetica Neue Light" charset="0"/>
-                <a:ea typeface="Helvetica Neue Light" charset="0"/>
-                <a:cs typeface="Helvetica Neue Light" charset="0"/>
-              </a:rPr>
-              <a:t>. Confirm shipment started</a:t>
-            </a:r>
-            <a:endParaRPr kumimoji="0" lang="en-US" sz="1000" u="none" strike="noStrike" cap="none" normalizeH="0" baseline="0" dirty="0" smtClean="0">
-              <a:ln>
-                <a:noFill/>
-              </a:ln>
-              <a:solidFill>
-                <a:srgbClr val="191919"/>
-              </a:solidFill>
-              <a:effectLst/>
-              <a:latin typeface="Helvetica Neue Light" charset="0"/>
-              <a:ea typeface="Helvetica Neue Light" charset="0"/>
-              <a:cs typeface="Helvetica Neue Light" charset="0"/>
-            </a:endParaRPr>
-          </a:p>
-        </p:txBody>
-      </p:sp>
-      <p:sp>
-        <p:nvSpPr>
-          <p:cNvPr id="32" name="Rectangular Callout 31"/>
-          <p:cNvSpPr/>
-          <p:nvPr/>
-        </p:nvSpPr>
-        <p:spPr bwMode="auto">
-          <a:xfrm>
-            <a:off x="287461" y="2283892"/>
+            <a:off x="287462" y="2283893"/>
             <a:ext cx="814447" cy="501099"/>
           </a:xfrm>
           <a:prstGeom prst="wedgeRectCallout">
@@ -8643,7 +8808,7 @@
           </a:bodyPr>
           <a:lstStyle/>
           <a:p>
-            <a:pPr marL="0" marR="0" indent="0" algn="l" defTabSz="914400" rtl="0" eaLnBrk="1" fontAlgn="base" latinLnBrk="0" hangingPunct="1">
+            <a:pPr defTabSz="914378" fontAlgn="base">
               <a:lnSpc>
                 <a:spcPct val="90000"/>
               </a:lnSpc>
@@ -8653,11 +8818,6 @@
               <a:spcAft>
                 <a:spcPct val="0"/>
               </a:spcAft>
-              <a:buClrTx/>
-              <a:buSzTx/>
-              <a:buFontTx/>
-              <a:buNone/>
-              <a:tabLst/>
             </a:pPr>
             <a:r>
               <a:rPr lang="en-US" sz="1000" dirty="0">
@@ -8671,7 +8831,7 @@
               <a:t>3</a:t>
             </a:r>
             <a:r>
-              <a:rPr lang="en-US" sz="1000" dirty="0" smtClean="0">
+              <a:rPr lang="en-US" sz="1000" dirty="0">
                 <a:solidFill>
                   <a:srgbClr val="191919"/>
                 </a:solidFill>
@@ -8681,66 +8841,52 @@
               </a:rPr>
               <a:t>. Request shipment upgrade</a:t>
             </a:r>
-            <a:endParaRPr kumimoji="0" lang="en-US" sz="1000" u="none" strike="noStrike" cap="none" normalizeH="0" baseline="0" dirty="0" smtClean="0">
-              <a:ln>
-                <a:noFill/>
-              </a:ln>
-              <a:solidFill>
-                <a:srgbClr val="191919"/>
-              </a:solidFill>
-              <a:effectLst/>
-              <a:latin typeface="Helvetica Neue Light" charset="0"/>
-              <a:ea typeface="Helvetica Neue Light" charset="0"/>
-              <a:cs typeface="Helvetica Neue Light" charset="0"/>
-            </a:endParaRPr>
           </a:p>
         </p:txBody>
       </p:sp>
       <p:sp>
         <p:nvSpPr>
-          <p:cNvPr id="33" name="Rounded Rectangle 32"/>
+          <p:cNvPr id="36" name="Rectangular Callout 35"/>
           <p:cNvSpPr/>
           <p:nvPr/>
         </p:nvSpPr>
         <p:spPr bwMode="auto">
           <a:xfrm>
-            <a:off x="4120452" y="3504483"/>
-            <a:ext cx="1046177" cy="654628"/>
-          </a:xfrm>
-          <a:prstGeom prst="roundRect">
-            <a:avLst/>
+            <a:off x="2813914" y="4294632"/>
+            <a:ext cx="1377087" cy="375658"/>
+          </a:xfrm>
+          <a:prstGeom prst="wedgeRectCallout">
+            <a:avLst>
+              <a:gd name="adj1" fmla="val -42901"/>
+              <a:gd name="adj2" fmla="val -124370"/>
+            </a:avLst>
           </a:prstGeom>
-          <a:ln>
+          <a:solidFill>
+            <a:schemeClr val="accent4">
+              <a:lumMod val="20000"/>
+              <a:lumOff val="80000"/>
+            </a:schemeClr>
+          </a:solidFill>
+          <a:ln w="9525" cap="flat" cmpd="sng" algn="ctr">
             <a:solidFill>
-              <a:srgbClr val="002060"/>
+              <a:srgbClr val="7030A0"/>
             </a:solidFill>
+            <a:prstDash val="solid"/>
+            <a:round/>
             <a:headEnd type="none" w="med" len="med"/>
             <a:tailEnd type="none" w="med" len="med"/>
           </a:ln>
-        </p:spPr>
-        <p:style>
-          <a:lnRef idx="2">
-            <a:schemeClr val="dk1"/>
-          </a:lnRef>
-          <a:fillRef idx="1">
-            <a:schemeClr val="lt1"/>
-          </a:fillRef>
-          <a:effectRef idx="0">
-            <a:schemeClr val="dk1"/>
-          </a:effectRef>
-          <a:fontRef idx="minor">
-            <a:schemeClr val="dk1"/>
-          </a:fontRef>
-        </p:style>
+          <a:effectLst/>
+        </p:spPr>
         <p:txBody>
-          <a:bodyPr vert="horz" wrap="square" lIns="0" tIns="0" rIns="0" bIns="0" numCol="1" rtlCol="0" anchor="ctr" anchorCtr="0" compatLnSpc="1">
+          <a:bodyPr vert="horz" wrap="square" lIns="45720" tIns="45720" rIns="45720" bIns="45720" numCol="1" rtlCol="0" anchor="t" anchorCtr="0" compatLnSpc="1">
             <a:prstTxWarp prst="textNoShape">
               <a:avLst/>
             </a:prstTxWarp>
           </a:bodyPr>
           <a:lstStyle/>
           <a:p>
-            <a:pPr marL="0" marR="0" indent="0" algn="ctr" defTabSz="914400" rtl="0" eaLnBrk="1" fontAlgn="base" latinLnBrk="0" hangingPunct="1">
+            <a:pPr defTabSz="914378" fontAlgn="base">
               <a:lnSpc>
                 <a:spcPct val="90000"/>
               </a:lnSpc>
@@ -8750,165 +8896,107 @@
               <a:spcAft>
                 <a:spcPct val="0"/>
               </a:spcAft>
-              <a:buClrTx/>
-              <a:buSzTx/>
-              <a:buFontTx/>
-              <a:buNone/>
-              <a:tabLst/>
             </a:pPr>
             <a:r>
-              <a:rPr kumimoji="0" lang="en-US" sz="1600" b="1" u="none" strike="noStrike" cap="none" normalizeH="0" baseline="0" dirty="0" smtClean="0">
-                <a:ln>
-                  <a:noFill/>
-                </a:ln>
-                <a:solidFill>
-                  <a:schemeClr val="tx2">
-                    <a:lumMod val="75000"/>
-                  </a:schemeClr>
-                </a:solidFill>
-                <a:effectLst/>
+              <a:rPr lang="en-US" sz="1000" dirty="0">
+                <a:solidFill>
+                  <a:srgbClr val="191919"/>
+                </a:solidFill>
                 <a:latin typeface="Helvetica Neue Light" charset="0"/>
                 <a:ea typeface="Helvetica Neue Light" charset="0"/>
                 <a:cs typeface="Helvetica Neue Light" charset="0"/>
               </a:rPr>
+              <a:t>4</a:t>
+            </a:r>
+            <a:r>
+              <a:rPr lang="en-US" sz="1000" dirty="0">
+                <a:solidFill>
+                  <a:srgbClr val="191919"/>
+                </a:solidFill>
+                <a:latin typeface="Helvetica Neue Light" charset="0"/>
+                <a:ea typeface="Helvetica Neue Light" charset="0"/>
+                <a:cs typeface="Helvetica Neue Light" charset="0"/>
+              </a:rPr>
+              <a:t>. Trigger notification to </a:t>
+            </a:r>
+            <a:r>
+              <a:rPr lang="en-US" sz="1000" b="1" dirty="0">
+                <a:solidFill>
+                  <a:srgbClr val="191919"/>
+                </a:solidFill>
+                <a:latin typeface="Helvetica Neue Light" charset="0"/>
+                <a:ea typeface="Helvetica Neue Light" charset="0"/>
+                <a:cs typeface="Helvetica Neue Light" charset="0"/>
+              </a:rPr>
               <a:t>MQ</a:t>
             </a:r>
+            <a:r>
+              <a:rPr lang="en-US" sz="1000" dirty="0">
+                <a:solidFill>
+                  <a:srgbClr val="191919"/>
+                </a:solidFill>
+                <a:latin typeface="Helvetica Neue Light" charset="0"/>
+                <a:ea typeface="Helvetica Neue Light" charset="0"/>
+                <a:cs typeface="Helvetica Neue Light" charset="0"/>
+              </a:rPr>
+              <a:t> via push topic</a:t>
+            </a:r>
+            <a:endParaRPr lang="en-US" sz="1000" b="1" dirty="0">
+              <a:solidFill>
+                <a:srgbClr val="191919"/>
+              </a:solidFill>
+              <a:latin typeface="Helvetica Neue Light" charset="0"/>
+              <a:ea typeface="Helvetica Neue Light" charset="0"/>
+              <a:cs typeface="Helvetica Neue Light" charset="0"/>
+            </a:endParaRPr>
           </a:p>
         </p:txBody>
       </p:sp>
-      <p:cxnSp>
-        <p:nvCxnSpPr>
-          <p:cNvPr id="34" name="Straight Arrow Connector 33"/>
-          <p:cNvCxnSpPr/>
+      <p:sp>
+        <p:nvSpPr>
+          <p:cNvPr id="37" name="Rectangular Callout 36"/>
+          <p:cNvSpPr/>
           <p:nvPr/>
-        </p:nvCxnSpPr>
+        </p:nvSpPr>
         <p:spPr bwMode="auto">
           <a:xfrm>
-            <a:off x="2596837" y="3831797"/>
-            <a:ext cx="1353146" cy="3603"/>
-          </a:xfrm>
-          <a:prstGeom prst="straightConnector1">
-            <a:avLst/>
+            <a:off x="2377923" y="2440456"/>
+            <a:ext cx="902505" cy="487019"/>
+          </a:xfrm>
+          <a:prstGeom prst="wedgeRectCallout">
+            <a:avLst>
+              <a:gd name="adj1" fmla="val 120863"/>
+              <a:gd name="adj2" fmla="val 10636"/>
+            </a:avLst>
           </a:prstGeom>
-          <a:noFill/>
-          <a:ln w="38100" cap="flat" cmpd="sng" algn="ctr">
+          <a:solidFill>
+            <a:schemeClr val="accent4">
+              <a:lumMod val="20000"/>
+              <a:lumOff val="80000"/>
+            </a:schemeClr>
+          </a:solidFill>
+          <a:ln w="9525" cap="flat" cmpd="sng" algn="ctr">
             <a:solidFill>
-              <a:srgbClr val="7030A0"/>
+              <a:schemeClr val="accent4">
+                <a:lumMod val="50000"/>
+              </a:schemeClr>
             </a:solidFill>
             <a:prstDash val="solid"/>
             <a:round/>
             <a:headEnd type="none" w="med" len="med"/>
-            <a:tailEnd type="triangle"/>
+            <a:tailEnd type="none" w="med" len="med"/>
           </a:ln>
           <a:effectLst/>
         </p:spPr>
-      </p:cxnSp>
-      <p:cxnSp>
-        <p:nvCxnSpPr>
-          <p:cNvPr id="35" name="Straight Arrow Connector 34"/>
-          <p:cNvCxnSpPr/>
-          <p:nvPr/>
-        </p:nvCxnSpPr>
-        <p:spPr bwMode="auto">
-          <a:xfrm flipV="1">
-            <a:off x="4636631" y="2921621"/>
-            <a:ext cx="3717" cy="457199"/>
-          </a:xfrm>
-          <a:prstGeom prst="straightConnector1">
-            <a:avLst/>
-          </a:prstGeom>
-          <a:noFill/>
-          <a:ln w="38100" cap="flat" cmpd="sng" algn="ctr">
-            <a:solidFill>
-              <a:srgbClr val="7030A0"/>
-            </a:solidFill>
-            <a:prstDash val="solid"/>
-            <a:round/>
-            <a:headEnd type="none" w="med" len="med"/>
-            <a:tailEnd type="triangle"/>
-          </a:ln>
-          <a:effectLst/>
-        </p:spPr>
-      </p:cxnSp>
-      <p:sp>
-        <p:nvSpPr>
-          <p:cNvPr id="36" name="Slide Number Placeholder 1"/>
-          <p:cNvSpPr>
-            <a:spLocks noGrp="1"/>
-          </p:cNvSpPr>
-          <p:nvPr>
-            <p:ph type="sldNum" sz="quarter" idx="10"/>
-          </p:nvPr>
-        </p:nvSpPr>
-        <p:spPr>
-          <a:xfrm>
-            <a:off x="328613" y="4894263"/>
-            <a:ext cx="2124075" cy="171450"/>
-          </a:xfrm>
-        </p:spPr>
         <p:txBody>
-          <a:bodyPr/>
-          <a:lstStyle/>
-          <a:p>
-            <a:pPr algn="l">
-              <a:defRPr/>
-            </a:pPr>
-            <a:r>
-              <a:rPr lang="en-US" dirty="0" smtClean="0"/>
-              <a:t>13</a:t>
-            </a:r>
-            <a:endParaRPr lang="en-US" dirty="0"/>
-          </a:p>
-        </p:txBody>
-      </p:sp>
-      <p:sp>
-        <p:nvSpPr>
-          <p:cNvPr id="23" name="Rounded Rectangle 22"/>
-          <p:cNvSpPr/>
-          <p:nvPr/>
-        </p:nvSpPr>
-        <p:spPr bwMode="auto">
-          <a:xfrm>
-            <a:off x="7026294" y="1723817"/>
-            <a:ext cx="1494504" cy="435274"/>
-          </a:xfrm>
-          <a:prstGeom prst="roundRect">
-            <a:avLst/>
-          </a:prstGeom>
-          <a:noFill/>
-          <a:ln>
-            <a:solidFill>
-              <a:schemeClr val="bg1">
-                <a:lumMod val="65000"/>
-              </a:schemeClr>
-            </a:solidFill>
-            <a:headEnd type="none" w="med" len="med"/>
-            <a:tailEnd type="none" w="med" len="med"/>
-          </a:ln>
-        </p:spPr>
-        <p:style>
-          <a:lnRef idx="2">
-            <a:schemeClr val="dk1"/>
-          </a:lnRef>
-          <a:fillRef idx="1">
-            <a:schemeClr val="lt1"/>
-          </a:fillRef>
-          <a:effectRef idx="0">
-            <a:schemeClr val="dk1"/>
-          </a:effectRef>
-          <a:fontRef idx="minor">
-            <a:schemeClr val="dk1"/>
-          </a:fontRef>
-        </p:style>
-        <p:txBody>
-          <a:bodyPr vert="horz" wrap="square" lIns="0" tIns="0" rIns="0" bIns="0" numCol="1" rtlCol="0" anchor="ctr" anchorCtr="0" compatLnSpc="1">
+          <a:bodyPr vert="horz" wrap="square" lIns="45720" tIns="45720" rIns="45720" bIns="45720" numCol="1" rtlCol="0" anchor="t" anchorCtr="0" compatLnSpc="1">
             <a:prstTxWarp prst="textNoShape">
               <a:avLst/>
             </a:prstTxWarp>
           </a:bodyPr>
           <a:lstStyle/>
           <a:p>
-            <a:pPr marL="0" marR="0" indent="0" algn="ctr" defTabSz="914400" rtl="0" eaLnBrk="1" fontAlgn="base" latinLnBrk="0" hangingPunct="1">
+            <a:pPr defTabSz="914378" fontAlgn="base">
               <a:lnSpc>
                 <a:spcPct val="90000"/>
               </a:lnSpc>
@@ -8918,57 +9006,86 @@
               <a:spcAft>
                 <a:spcPct val="0"/>
               </a:spcAft>
-              <a:buClrTx/>
-              <a:buSzTx/>
-              <a:buFontTx/>
-              <a:buNone/>
-              <a:tabLst/>
             </a:pPr>
             <a:r>
-              <a:rPr kumimoji="0" lang="en-US" sz="1400" u="none" strike="noStrike" cap="none" normalizeH="0" baseline="0" smtClean="0">
-                <a:ln>
-                  <a:noFill/>
-                </a:ln>
-                <a:solidFill>
-                  <a:schemeClr val="tx1">
-                    <a:lumMod val="50000"/>
-                    <a:lumOff val="50000"/>
-                  </a:schemeClr>
-                </a:solidFill>
-                <a:effectLst/>
+              <a:rPr lang="en-US" sz="1000" dirty="0">
+                <a:solidFill>
+                  <a:srgbClr val="191919"/>
+                </a:solidFill>
                 <a:latin typeface="Helvetica Neue Light" charset="0"/>
                 <a:ea typeface="Helvetica Neue Light" charset="0"/>
                 <a:cs typeface="Helvetica Neue Light" charset="0"/>
               </a:rPr>
-              <a:t>Shipping Vendor</a:t>
-            </a:r>
+              <a:t>5</a:t>
+            </a:r>
+            <a:r>
+              <a:rPr lang="en-US" sz="1000" dirty="0">
+                <a:solidFill>
+                  <a:srgbClr val="191919"/>
+                </a:solidFill>
+                <a:latin typeface="Helvetica Neue Light" charset="0"/>
+                <a:ea typeface="Helvetica Neue Light" charset="0"/>
+                <a:cs typeface="Helvetica Neue Light" charset="0"/>
+              </a:rPr>
+              <a:t>. </a:t>
+            </a:r>
+            <a:r>
+              <a:rPr lang="en-US" sz="1000" b="1" dirty="0">
+                <a:solidFill>
+                  <a:srgbClr val="191919"/>
+                </a:solidFill>
+                <a:latin typeface="Helvetica Neue Light" charset="0"/>
+                <a:ea typeface="Helvetica Neue Light" charset="0"/>
+                <a:cs typeface="Helvetica Neue Light" charset="0"/>
+              </a:rPr>
+              <a:t>App Connect</a:t>
+            </a:r>
+            <a:r>
+              <a:rPr lang="en-US" sz="1000" dirty="0">
+                <a:solidFill>
+                  <a:srgbClr val="191919"/>
+                </a:solidFill>
+                <a:latin typeface="Helvetica Neue Light" charset="0"/>
+                <a:ea typeface="Helvetica Neue Light" charset="0"/>
+                <a:cs typeface="Helvetica Neue Light" charset="0"/>
+              </a:rPr>
+              <a:t> polls MQ</a:t>
+            </a:r>
+            <a:endParaRPr lang="en-US" sz="1000" b="1" dirty="0">
+              <a:solidFill>
+                <a:srgbClr val="191919"/>
+              </a:solidFill>
+              <a:latin typeface="Helvetica Neue Light" charset="0"/>
+              <a:ea typeface="Helvetica Neue Light" charset="0"/>
+              <a:cs typeface="Helvetica Neue Light" charset="0"/>
+            </a:endParaRPr>
           </a:p>
         </p:txBody>
       </p:sp>
       <p:grpSp>
         <p:nvGrpSpPr>
-          <p:cNvPr id="22" name="Group 21"/>
+          <p:cNvPr id="38" name="Group 37"/>
           <p:cNvGrpSpPr/>
           <p:nvPr/>
         </p:nvGrpSpPr>
         <p:grpSpPr>
-          <a:xfrm>
-            <a:off x="6096215" y="2362256"/>
-            <a:ext cx="2424583" cy="435274"/>
-            <a:chOff x="6096215" y="2362256"/>
-            <a:chExt cx="2424583" cy="435274"/>
+          <a:xfrm flipH="1" flipV="1">
+            <a:off x="3986487" y="3636917"/>
+            <a:ext cx="1419529" cy="351272"/>
+            <a:chOff x="2011486" y="2534306"/>
+            <a:chExt cx="1201918" cy="454268"/>
           </a:xfrm>
         </p:grpSpPr>
         <p:cxnSp>
           <p:nvCxnSpPr>
-            <p:cNvPr id="25" name="Straight Arrow Connector 24"/>
+            <p:cNvPr id="39" name="Straight Arrow Connector 38"/>
             <p:cNvCxnSpPr/>
             <p:nvPr/>
           </p:nvCxnSpPr>
           <p:spPr bwMode="auto">
             <a:xfrm>
-              <a:off x="6096215" y="2534306"/>
-              <a:ext cx="751673" cy="0"/>
+              <a:off x="2011486" y="2534306"/>
+              <a:ext cx="3532" cy="454268"/>
             </a:xfrm>
             <a:prstGeom prst="straightConnector1">
               <a:avLst/>
@@ -8988,128 +9105,196 @@
             <a:effectLst/>
           </p:spPr>
         </p:cxnSp>
-        <p:sp>
-          <p:nvSpPr>
-            <p:cNvPr id="27" name="Rounded Rectangle 26"/>
-            <p:cNvSpPr/>
+        <p:cxnSp>
+          <p:nvCxnSpPr>
+            <p:cNvPr id="40" name="Straight Arrow Connector 39"/>
+            <p:cNvCxnSpPr/>
             <p:nvPr/>
-          </p:nvSpPr>
+          </p:nvCxnSpPr>
           <p:spPr bwMode="auto">
-            <a:xfrm>
-              <a:off x="7026294" y="2362256"/>
-              <a:ext cx="1494504" cy="435274"/>
+            <a:xfrm flipH="1">
+              <a:off x="2011486" y="2534306"/>
+              <a:ext cx="1201918" cy="0"/>
             </a:xfrm>
-            <a:prstGeom prst="roundRect">
+            <a:prstGeom prst="straightConnector1">
               <a:avLst/>
             </a:prstGeom>
             <a:noFill/>
-            <a:ln>
+            <a:ln w="12700" cap="flat" cmpd="sng" algn="ctr">
               <a:solidFill>
                 <a:schemeClr val="bg1">
-                  <a:lumMod val="65000"/>
+                  <a:lumMod val="50000"/>
                 </a:schemeClr>
               </a:solidFill>
+              <a:prstDash val="solid"/>
+              <a:round/>
               <a:headEnd type="none" w="med" len="med"/>
               <a:tailEnd type="none" w="med" len="med"/>
             </a:ln>
+            <a:effectLst/>
           </p:spPr>
-          <p:style>
-            <a:lnRef idx="2">
-              <a:schemeClr val="dk1"/>
-            </a:lnRef>
-            <a:fillRef idx="1">
-              <a:schemeClr val="lt1"/>
-            </a:fillRef>
-            <a:effectRef idx="0">
-              <a:schemeClr val="dk1"/>
-            </a:effectRef>
-            <a:fontRef idx="minor">
-              <a:schemeClr val="dk1"/>
-            </a:fontRef>
-          </p:style>
-          <p:txBody>
-            <a:bodyPr vert="horz" wrap="square" lIns="0" tIns="0" rIns="0" bIns="0" numCol="1" rtlCol="0" anchor="ctr" anchorCtr="0" compatLnSpc="1">
-              <a:prstTxWarp prst="textNoShape">
-                <a:avLst/>
-              </a:prstTxWarp>
-            </a:bodyPr>
-            <a:lstStyle/>
-            <a:p>
-              <a:pPr marL="0" marR="0" indent="0" algn="ctr" defTabSz="914400" rtl="0" eaLnBrk="1" fontAlgn="base" latinLnBrk="0" hangingPunct="1">
-                <a:lnSpc>
-                  <a:spcPct val="90000"/>
-                </a:lnSpc>
-                <a:spcBef>
-                  <a:spcPct val="0"/>
-                </a:spcBef>
-                <a:spcAft>
-                  <a:spcPct val="0"/>
-                </a:spcAft>
-                <a:buClrTx/>
-                <a:buSzTx/>
-                <a:buFontTx/>
-                <a:buNone/>
-                <a:tabLst/>
-              </a:pPr>
-              <a:r>
-                <a:rPr kumimoji="0" lang="en-US" sz="1400" u="none" strike="noStrike" cap="none" normalizeH="0" baseline="0" dirty="0" smtClean="0">
-                  <a:ln>
-                    <a:noFill/>
-                  </a:ln>
-                  <a:solidFill>
-                    <a:schemeClr val="tx1">
-                      <a:lumMod val="50000"/>
-                      <a:lumOff val="50000"/>
-                    </a:schemeClr>
-                  </a:solidFill>
-                  <a:effectLst/>
-                  <a:latin typeface="Helvetica Neue Light" charset="0"/>
-                  <a:ea typeface="Helvetica Neue Light" charset="0"/>
-                  <a:cs typeface="Helvetica Neue Light" charset="0"/>
-                </a:rPr>
-                <a:t>Trouble</a:t>
-              </a:r>
-              <a:r>
-                <a:rPr kumimoji="0" lang="en-US" sz="1400" u="none" strike="noStrike" cap="none" normalizeH="0" dirty="0" smtClean="0">
-                  <a:ln>
-                    <a:noFill/>
-                  </a:ln>
-                  <a:solidFill>
-                    <a:schemeClr val="tx1">
-                      <a:lumMod val="50000"/>
-                      <a:lumOff val="50000"/>
-                    </a:schemeClr>
-                  </a:solidFill>
-                  <a:effectLst/>
-                  <a:latin typeface="Helvetica Neue Light" charset="0"/>
-                  <a:ea typeface="Helvetica Neue Light" charset="0"/>
-                  <a:cs typeface="Helvetica Neue Light" charset="0"/>
-                </a:rPr>
-                <a:t> Ticket System</a:t>
-              </a:r>
-              <a:endParaRPr kumimoji="0" lang="en-US" sz="1400" u="none" strike="noStrike" cap="none" normalizeH="0" baseline="0" dirty="0" smtClean="0">
-                <a:ln>
-                  <a:noFill/>
-                </a:ln>
-                <a:solidFill>
-                  <a:schemeClr val="tx1">
-                    <a:lumMod val="50000"/>
-                    <a:lumOff val="50000"/>
-                  </a:schemeClr>
-                </a:solidFill>
-                <a:effectLst/>
+        </p:cxnSp>
+      </p:grpSp>
+      <p:sp>
+        <p:nvSpPr>
+          <p:cNvPr id="41" name="Rectangular Callout 40"/>
+          <p:cNvSpPr/>
+          <p:nvPr/>
+        </p:nvSpPr>
+        <p:spPr bwMode="auto">
+          <a:xfrm>
+            <a:off x="6416213" y="947527"/>
+            <a:ext cx="780438" cy="318623"/>
+          </a:xfrm>
+          <a:prstGeom prst="wedgeRectCallout">
+            <a:avLst>
+              <a:gd name="adj1" fmla="val -76786"/>
+              <a:gd name="adj2" fmla="val 143870"/>
+            </a:avLst>
+          </a:prstGeom>
+          <a:solidFill>
+            <a:schemeClr val="accent4">
+              <a:lumMod val="20000"/>
+              <a:lumOff val="80000"/>
+            </a:schemeClr>
+          </a:solidFill>
+          <a:ln w="9525" cap="flat" cmpd="sng" algn="ctr">
+            <a:solidFill>
+              <a:srgbClr val="7030A0"/>
+            </a:solidFill>
+            <a:prstDash val="solid"/>
+            <a:round/>
+            <a:headEnd type="none" w="med" len="med"/>
+            <a:tailEnd type="none" w="med" len="med"/>
+          </a:ln>
+          <a:effectLst/>
+        </p:spPr>
+        <p:txBody>
+          <a:bodyPr vert="horz" wrap="square" lIns="45720" tIns="45720" rIns="45720" bIns="45720" numCol="1" rtlCol="0" anchor="t" anchorCtr="0" compatLnSpc="1">
+            <a:prstTxWarp prst="textNoShape">
+              <a:avLst/>
+            </a:prstTxWarp>
+          </a:bodyPr>
+          <a:lstStyle/>
+          <a:p>
+            <a:pPr defTabSz="914378" fontAlgn="base">
+              <a:lnSpc>
+                <a:spcPct val="90000"/>
+              </a:lnSpc>
+              <a:spcBef>
+                <a:spcPct val="0"/>
+              </a:spcBef>
+              <a:spcAft>
+                <a:spcPct val="0"/>
+              </a:spcAft>
+            </a:pPr>
+            <a:r>
+              <a:rPr lang="en-US" sz="1000" dirty="0">
+                <a:solidFill>
+                  <a:srgbClr val="191919"/>
+                </a:solidFill>
                 <a:latin typeface="Helvetica Neue Light" charset="0"/>
                 <a:ea typeface="Helvetica Neue Light" charset="0"/>
                 <a:cs typeface="Helvetica Neue Light" charset="0"/>
-              </a:endParaRPr>
-            </a:p>
-          </p:txBody>
-        </p:sp>
-      </p:grpSp>
+              </a:rPr>
+              <a:t>6</a:t>
+            </a:r>
+            <a:r>
+              <a:rPr lang="en-US" sz="1000" dirty="0">
+                <a:solidFill>
+                  <a:srgbClr val="191919"/>
+                </a:solidFill>
+                <a:latin typeface="Helvetica Neue Light" charset="0"/>
+                <a:ea typeface="Helvetica Neue Light" charset="0"/>
+                <a:cs typeface="Helvetica Neue Light" charset="0"/>
+              </a:rPr>
+              <a:t>. Expedite Shipment </a:t>
+            </a:r>
+          </a:p>
+        </p:txBody>
+      </p:sp>
+      <p:sp>
+        <p:nvSpPr>
+          <p:cNvPr id="42" name="Rectangular Callout 41"/>
+          <p:cNvSpPr/>
+          <p:nvPr/>
+        </p:nvSpPr>
+        <p:spPr bwMode="auto">
+          <a:xfrm>
+            <a:off x="2312231" y="1821863"/>
+            <a:ext cx="803186" cy="346465"/>
+          </a:xfrm>
+          <a:prstGeom prst="wedgeRectCallout">
+            <a:avLst>
+              <a:gd name="adj1" fmla="val -42046"/>
+              <a:gd name="adj2" fmla="val 70633"/>
+            </a:avLst>
+          </a:prstGeom>
+          <a:solidFill>
+            <a:schemeClr val="accent4">
+              <a:lumMod val="20000"/>
+              <a:lumOff val="80000"/>
+            </a:schemeClr>
+          </a:solidFill>
+          <a:ln w="9525" cap="flat" cmpd="sng" algn="ctr">
+            <a:solidFill>
+              <a:srgbClr val="7030A0"/>
+            </a:solidFill>
+            <a:prstDash val="solid"/>
+            <a:round/>
+            <a:headEnd type="none" w="med" len="med"/>
+            <a:tailEnd type="none" w="med" len="med"/>
+          </a:ln>
+          <a:effectLst/>
+        </p:spPr>
+        <p:txBody>
+          <a:bodyPr vert="horz" wrap="square" lIns="45720" tIns="45720" rIns="45720" bIns="45720" numCol="1" rtlCol="0" anchor="t" anchorCtr="0" compatLnSpc="1">
+            <a:prstTxWarp prst="textNoShape">
+              <a:avLst/>
+            </a:prstTxWarp>
+          </a:bodyPr>
+          <a:lstStyle/>
+          <a:p>
+            <a:pPr defTabSz="914378" fontAlgn="base">
+              <a:lnSpc>
+                <a:spcPct val="90000"/>
+              </a:lnSpc>
+              <a:spcBef>
+                <a:spcPct val="0"/>
+              </a:spcBef>
+              <a:spcAft>
+                <a:spcPct val="0"/>
+              </a:spcAft>
+            </a:pPr>
+            <a:r>
+              <a:rPr lang="en-US" sz="1000" dirty="0">
+                <a:solidFill>
+                  <a:srgbClr val="191919"/>
+                </a:solidFill>
+                <a:latin typeface="Helvetica Neue Light" charset="0"/>
+                <a:ea typeface="Helvetica Neue Light" charset="0"/>
+                <a:cs typeface="Helvetica Neue Light" charset="0"/>
+              </a:rPr>
+              <a:t>7</a:t>
+            </a:r>
+            <a:r>
+              <a:rPr lang="en-US" sz="1000" dirty="0">
+                <a:solidFill>
+                  <a:srgbClr val="191919"/>
+                </a:solidFill>
+                <a:latin typeface="Helvetica Neue Light" charset="0"/>
+                <a:ea typeface="Helvetica Neue Light" charset="0"/>
+                <a:cs typeface="Helvetica Neue Light" charset="0"/>
+              </a:rPr>
+              <a:t>. Sync Status to SF</a:t>
+            </a:r>
+          </a:p>
+        </p:txBody>
+      </p:sp>
     </p:spTree>
     <p:extLst>
       <p:ext uri="{BB962C8B-B14F-4D97-AF65-F5344CB8AC3E}">
-        <p14:creationId xmlns:p14="http://schemas.microsoft.com/office/powerpoint/2010/main" val="2028469262"/>
+        <p14:creationId xmlns:p14="http://schemas.microsoft.com/office/powerpoint/2010/main" val="726992118"/>
       </p:ext>
     </p:extLst>
   </p:cSld>
@@ -9164,11 +9349,13 @@
         <p:spPr>
           <a:xfrm>
             <a:off x="328613" y="219075"/>
-            <a:ext cx="8686800" cy="637097"/>
+            <a:ext cx="8686800" cy="387798"/>
           </a:xfrm>
         </p:spPr>
         <p:txBody>
-          <a:bodyPr/>
+          <a:bodyPr>
+            <a:normAutofit fontScale="90000"/>
+          </a:bodyPr>
           <a:lstStyle/>
           <a:p>
             <a:r>
@@ -9177,7 +9364,15 @@
                 <a:ea typeface="Helvetica Neue" charset="0"/>
                 <a:cs typeface="Helvetica Neue" charset="0"/>
               </a:rPr>
-              <a:t>IBM Cloud Integration for Salesforce Demo</a:t>
+              <a:t>IBM Cloud Integration for Salesforce </a:t>
+            </a:r>
+            <a:r>
+              <a:rPr lang="en-US" dirty="0" smtClean="0">
+                <a:latin typeface="Helvetica Neue" charset="0"/>
+                <a:ea typeface="Helvetica Neue" charset="0"/>
+                <a:cs typeface="Helvetica Neue" charset="0"/>
+              </a:rPr>
+              <a:t>Demo</a:t>
             </a:r>
             <a:br>
               <a:rPr lang="en-US" dirty="0" smtClean="0">
@@ -9187,7 +9382,7 @@
               </a:rPr>
             </a:br>
             <a:r>
-              <a:rPr lang="en-US" sz="1800" dirty="0" smtClean="0">
+              <a:rPr lang="en-US" sz="1800" dirty="0">
                 <a:solidFill>
                   <a:srgbClr val="7030A0"/>
                 </a:solidFill>
@@ -9197,7 +9392,7 @@
               </a:rPr>
               <a:t>Create new incident on custom help desk system</a:t>
             </a:r>
-            <a:endParaRPr lang="en-US" sz="2400" dirty="0">
+            <a:endParaRPr lang="en-US" sz="1800" dirty="0">
               <a:solidFill>
                 <a:srgbClr val="7030A0"/>
               </a:solidFill>
@@ -9210,14 +9405,14 @@
       </p:sp>
       <p:sp>
         <p:nvSpPr>
-          <p:cNvPr id="5" name="Rounded Rectangle 4"/>
+          <p:cNvPr id="23" name="Rounded Rectangle 22"/>
           <p:cNvSpPr/>
           <p:nvPr/>
         </p:nvSpPr>
         <p:spPr bwMode="auto">
           <a:xfrm>
-            <a:off x="3331819" y="1674866"/>
-            <a:ext cx="2706880" cy="1110126"/>
+            <a:off x="4931839" y="2858454"/>
+            <a:ext cx="926521" cy="705683"/>
           </a:xfrm>
           <a:prstGeom prst="roundRect">
             <a:avLst/>
@@ -9245,14 +9440,14 @@
           </a:fontRef>
         </p:style>
         <p:txBody>
-          <a:bodyPr vert="horz" wrap="square" lIns="914400" tIns="0" rIns="0" bIns="0" numCol="1" rtlCol="0" anchor="ctr" anchorCtr="0" compatLnSpc="1">
+          <a:bodyPr vert="horz" wrap="square" lIns="0" tIns="0" rIns="0" bIns="0" numCol="1" rtlCol="0" anchor="ctr" anchorCtr="0" compatLnSpc="1">
             <a:prstTxWarp prst="textNoShape">
               <a:avLst/>
             </a:prstTxWarp>
           </a:bodyPr>
           <a:lstStyle/>
           <a:p>
-            <a:pPr marL="0" marR="0" indent="0" defTabSz="914400" rtl="0" eaLnBrk="1" fontAlgn="base" latinLnBrk="0" hangingPunct="1">
+            <a:pPr algn="ctr" defTabSz="914378" fontAlgn="base">
               <a:lnSpc>
                 <a:spcPct val="90000"/>
               </a:lnSpc>
@@ -9262,63 +9457,19 @@
               <a:spcAft>
                 <a:spcPct val="0"/>
               </a:spcAft>
-              <a:buClrTx/>
-              <a:buSzTx/>
-              <a:buFontTx/>
-              <a:buNone/>
-              <a:tabLst/>
             </a:pPr>
             <a:r>
-              <a:rPr kumimoji="0" lang="en-US" b="1" u="none" strike="noStrike" cap="none" normalizeH="0" baseline="0" dirty="0" smtClean="0">
-                <a:ln>
-                  <a:noFill/>
-                </a:ln>
+              <a:rPr lang="en-US" sz="1600" b="1" dirty="0">
                 <a:solidFill>
                   <a:schemeClr val="tx2">
                     <a:lumMod val="75000"/>
                   </a:schemeClr>
                 </a:solidFill>
-                <a:effectLst/>
                 <a:latin typeface="Helvetica Neue Light" charset="0"/>
                 <a:ea typeface="Helvetica Neue Light" charset="0"/>
                 <a:cs typeface="Helvetica Neue Light" charset="0"/>
               </a:rPr>
-              <a:t>App</a:t>
-            </a:r>
-          </a:p>
-          <a:p>
-            <a:pPr marL="0" marR="0" indent="0" defTabSz="914400" rtl="0" eaLnBrk="1" fontAlgn="base" latinLnBrk="0" hangingPunct="1">
-              <a:lnSpc>
-                <a:spcPct val="90000"/>
-              </a:lnSpc>
-              <a:spcBef>
-                <a:spcPct val="0"/>
-              </a:spcBef>
-              <a:spcAft>
-                <a:spcPct val="0"/>
-              </a:spcAft>
-              <a:buClrTx/>
-              <a:buSzTx/>
-              <a:buFontTx/>
-              <a:buNone/>
-              <a:tabLst/>
-            </a:pPr>
-            <a:r>
-              <a:rPr kumimoji="0" lang="en-US" u="none" strike="noStrike" cap="none" normalizeH="0" baseline="0" dirty="0" smtClean="0">
-                <a:ln>
-                  <a:noFill/>
-                </a:ln>
-                <a:solidFill>
-                  <a:schemeClr val="tx2">
-                    <a:lumMod val="75000"/>
-                  </a:schemeClr>
-                </a:solidFill>
-                <a:effectLst/>
-                <a:latin typeface="Helvetica Neue Light" charset="0"/>
-                <a:ea typeface="Helvetica Neue Light" charset="0"/>
-                <a:cs typeface="Helvetica Neue Light" charset="0"/>
-              </a:rPr>
-              <a:t>Connect</a:t>
+              <a:t>API Connect</a:t>
             </a:r>
           </a:p>
         </p:txBody>
@@ -9339,44 +9490,166 @@
         </p:blipFill>
         <p:spPr>
           <a:xfrm>
-            <a:off x="762990" y="3140118"/>
-            <a:ext cx="1833847" cy="1151248"/>
+            <a:off x="979496" y="3324132"/>
+            <a:ext cx="1617341" cy="1015331"/>
           </a:xfrm>
           <a:prstGeom prst="rect">
             <a:avLst/>
           </a:prstGeom>
         </p:spPr>
       </p:pic>
-      <p:pic>
-        <p:nvPicPr>
-          <p:cNvPr id="26" name="Picture 25"/>
-          <p:cNvPicPr>
-            <a:picLocks noChangeAspect="1"/>
-          </p:cNvPicPr>
+      <p:grpSp>
+        <p:nvGrpSpPr>
+          <p:cNvPr id="6" name="Group 5"/>
+          <p:cNvGrpSpPr/>
           <p:nvPr/>
-        </p:nvPicPr>
-        <p:blipFill>
-          <a:blip r:embed="rId3" cstate="hqprint">
-            <a:extLst>
-              <a:ext uri="{28A0092B-C50C-407E-A947-70E740481C1C}">
-                <a14:useLocalDpi xmlns:a14="http://schemas.microsoft.com/office/drawing/2010/main"/>
-              </a:ext>
-            </a:extLst>
-          </a:blip>
-          <a:stretch>
-            <a:fillRect/>
-          </a:stretch>
-        </p:blipFill>
-        <p:spPr>
-          <a:xfrm>
-            <a:off x="3448188" y="1782098"/>
-            <a:ext cx="501795" cy="501795"/>
-          </a:xfrm>
-          <a:prstGeom prst="rect">
-            <a:avLst/>
-          </a:prstGeom>
-        </p:spPr>
-      </p:pic>
+        </p:nvGrpSpPr>
+        <p:grpSpPr>
+          <a:xfrm>
+            <a:off x="3318573" y="1389168"/>
+            <a:ext cx="2706880" cy="1110126"/>
+            <a:chOff x="4424764" y="1852224"/>
+            <a:chExt cx="3609173" cy="1480168"/>
+          </a:xfrm>
+        </p:grpSpPr>
+        <p:sp>
+          <p:nvSpPr>
+            <p:cNvPr id="5" name="Rounded Rectangle 4"/>
+            <p:cNvSpPr/>
+            <p:nvPr/>
+          </p:nvSpPr>
+          <p:spPr bwMode="auto">
+            <a:xfrm>
+              <a:off x="4424764" y="1852224"/>
+              <a:ext cx="3609173" cy="1480168"/>
+            </a:xfrm>
+            <a:prstGeom prst="roundRect">
+              <a:avLst/>
+            </a:prstGeom>
+            <a:ln>
+              <a:solidFill>
+                <a:srgbClr val="002060"/>
+              </a:solidFill>
+              <a:headEnd type="none" w="med" len="med"/>
+              <a:tailEnd type="none" w="med" len="med"/>
+            </a:ln>
+          </p:spPr>
+          <p:style>
+            <a:lnRef idx="2">
+              <a:schemeClr val="dk1"/>
+            </a:lnRef>
+            <a:fillRef idx="1">
+              <a:schemeClr val="lt1"/>
+            </a:fillRef>
+            <a:effectRef idx="0">
+              <a:schemeClr val="dk1"/>
+            </a:effectRef>
+            <a:fontRef idx="minor">
+              <a:schemeClr val="dk1"/>
+            </a:fontRef>
+          </p:style>
+          <p:txBody>
+            <a:bodyPr vert="horz" wrap="square" lIns="914400" tIns="0" rIns="0" bIns="0" numCol="1" rtlCol="0" anchor="ctr" anchorCtr="0" compatLnSpc="1">
+              <a:prstTxWarp prst="textNoShape">
+                <a:avLst/>
+              </a:prstTxWarp>
+            </a:bodyPr>
+            <a:lstStyle/>
+            <a:p>
+              <a:pPr defTabSz="914378" fontAlgn="base">
+                <a:lnSpc>
+                  <a:spcPct val="90000"/>
+                </a:lnSpc>
+                <a:spcBef>
+                  <a:spcPct val="0"/>
+                </a:spcBef>
+                <a:spcAft>
+                  <a:spcPct val="0"/>
+                </a:spcAft>
+              </a:pPr>
+              <a:r>
+                <a:rPr lang="en-US" b="1">
+                  <a:solidFill>
+                    <a:schemeClr val="tx2">
+                      <a:lumMod val="75000"/>
+                    </a:schemeClr>
+                  </a:solidFill>
+                  <a:latin typeface="Helvetica Neue Light" charset="0"/>
+                  <a:ea typeface="Helvetica Neue Light" charset="0"/>
+                  <a:cs typeface="Helvetica Neue Light" charset="0"/>
+                </a:rPr>
+                <a:t>App</a:t>
+              </a:r>
+              <a:endParaRPr lang="en-US" b="1" dirty="0">
+                <a:solidFill>
+                  <a:schemeClr val="tx2">
+                    <a:lumMod val="75000"/>
+                  </a:schemeClr>
+                </a:solidFill>
+                <a:latin typeface="Helvetica Neue Light" charset="0"/>
+                <a:ea typeface="Helvetica Neue Light" charset="0"/>
+                <a:cs typeface="Helvetica Neue Light" charset="0"/>
+              </a:endParaRPr>
+            </a:p>
+            <a:p>
+              <a:pPr defTabSz="914378" fontAlgn="base">
+                <a:lnSpc>
+                  <a:spcPct val="90000"/>
+                </a:lnSpc>
+                <a:spcBef>
+                  <a:spcPct val="0"/>
+                </a:spcBef>
+                <a:spcAft>
+                  <a:spcPct val="0"/>
+                </a:spcAft>
+              </a:pPr>
+              <a:r>
+                <a:rPr lang="en-US" dirty="0">
+                  <a:solidFill>
+                    <a:schemeClr val="tx2">
+                      <a:lumMod val="75000"/>
+                    </a:schemeClr>
+                  </a:solidFill>
+                  <a:latin typeface="Helvetica Neue Light" charset="0"/>
+                  <a:ea typeface="Helvetica Neue Light" charset="0"/>
+                  <a:cs typeface="Helvetica Neue Light" charset="0"/>
+                </a:rPr>
+                <a:t>Connect</a:t>
+              </a:r>
+            </a:p>
+          </p:txBody>
+        </p:sp>
+        <p:pic>
+          <p:nvPicPr>
+            <p:cNvPr id="26" name="Picture 25"/>
+            <p:cNvPicPr>
+              <a:picLocks noChangeAspect="1"/>
+            </p:cNvPicPr>
+            <p:nvPr/>
+          </p:nvPicPr>
+          <p:blipFill>
+            <a:blip r:embed="rId3" cstate="hqprint">
+              <a:extLst>
+                <a:ext uri="{28A0092B-C50C-407E-A947-70E740481C1C}">
+                  <a14:useLocalDpi xmlns:a14="http://schemas.microsoft.com/office/drawing/2010/main"/>
+                </a:ext>
+              </a:extLst>
+            </a:blip>
+            <a:stretch>
+              <a:fillRect/>
+            </a:stretch>
+          </p:blipFill>
+          <p:spPr>
+            <a:xfrm>
+              <a:off x="4652170" y="2055963"/>
+              <a:ext cx="669060" cy="669060"/>
+            </a:xfrm>
+            <a:prstGeom prst="rect">
+              <a:avLst/>
+            </a:prstGeom>
+          </p:spPr>
+        </p:pic>
+      </p:grpSp>
       <p:pic>
         <p:nvPicPr>
           <p:cNvPr id="43" name="Picture 42"/>
@@ -9399,7 +9672,7 @@
         </p:blipFill>
         <p:spPr>
           <a:xfrm>
-            <a:off x="1043836" y="1487812"/>
+            <a:off x="1020502" y="1403601"/>
             <a:ext cx="841682" cy="841682"/>
           </a:xfrm>
           <a:prstGeom prst="rect">
@@ -9407,6 +9680,60 @@
           </a:prstGeom>
         </p:spPr>
       </p:pic>
+      <p:cxnSp>
+        <p:nvCxnSpPr>
+          <p:cNvPr id="48" name="Straight Arrow Connector 47"/>
+          <p:cNvCxnSpPr/>
+          <p:nvPr/>
+        </p:nvCxnSpPr>
+        <p:spPr bwMode="auto">
+          <a:xfrm flipH="1" flipV="1">
+            <a:off x="5420237" y="3585934"/>
+            <a:ext cx="6840" cy="426770"/>
+          </a:xfrm>
+          <a:prstGeom prst="straightConnector1">
+            <a:avLst/>
+          </a:prstGeom>
+          <a:noFill/>
+          <a:ln w="25400" cap="flat" cmpd="sng" algn="ctr">
+            <a:solidFill>
+              <a:srgbClr val="7030A0"/>
+            </a:solidFill>
+            <a:prstDash val="solid"/>
+            <a:round/>
+            <a:headEnd type="none" w="med" len="med"/>
+            <a:tailEnd type="triangle"/>
+          </a:ln>
+          <a:effectLst/>
+        </p:spPr>
+      </p:cxnSp>
+      <p:cxnSp>
+        <p:nvCxnSpPr>
+          <p:cNvPr id="52" name="Straight Arrow Connector 51"/>
+          <p:cNvCxnSpPr/>
+          <p:nvPr/>
+        </p:nvCxnSpPr>
+        <p:spPr bwMode="auto">
+          <a:xfrm flipH="1" flipV="1">
+            <a:off x="5420237" y="2511168"/>
+            <a:ext cx="1" cy="359160"/>
+          </a:xfrm>
+          <a:prstGeom prst="straightConnector1">
+            <a:avLst/>
+          </a:prstGeom>
+          <a:noFill/>
+          <a:ln w="25400" cap="flat" cmpd="sng" algn="ctr">
+            <a:solidFill>
+              <a:srgbClr val="7030A0"/>
+            </a:solidFill>
+            <a:prstDash val="solid"/>
+            <a:round/>
+            <a:headEnd type="none" w="med" len="med"/>
+            <a:tailEnd type="triangle"/>
+          </a:ln>
+          <a:effectLst/>
+        </p:spPr>
+      </p:cxnSp>
       <p:cxnSp>
         <p:nvCxnSpPr>
           <p:cNvPr id="63" name="Straight Arrow Connector 62"/>
@@ -9415,8 +9742,8 @@
         </p:nvCxnSpPr>
         <p:spPr bwMode="auto">
           <a:xfrm>
-            <a:off x="1754215" y="1941454"/>
-            <a:ext cx="1485389" cy="0"/>
+            <a:off x="1885518" y="1712485"/>
+            <a:ext cx="1201918" cy="0"/>
           </a:xfrm>
           <a:prstGeom prst="straightConnector1">
             <a:avLst/>
@@ -9424,9 +9751,7 @@
           <a:noFill/>
           <a:ln w="12700" cap="flat" cmpd="sng" algn="ctr">
             <a:solidFill>
-              <a:schemeClr val="bg1">
-                <a:lumMod val="50000"/>
-              </a:schemeClr>
+              <a:srgbClr val="7030A0"/>
             </a:solidFill>
             <a:prstDash val="solid"/>
             <a:round/>
@@ -9436,889 +9761,23 @@
           <a:effectLst/>
         </p:spPr>
       </p:cxnSp>
-      <p:cxnSp>
-        <p:nvCxnSpPr>
-          <p:cNvPr id="28" name="Straight Arrow Connector 27"/>
-          <p:cNvCxnSpPr/>
-          <p:nvPr/>
-        </p:nvCxnSpPr>
-        <p:spPr bwMode="auto">
-          <a:xfrm>
-            <a:off x="6142934" y="1941454"/>
-            <a:ext cx="751673" cy="0"/>
-          </a:xfrm>
-          <a:prstGeom prst="straightConnector1">
-            <a:avLst/>
-          </a:prstGeom>
-          <a:noFill/>
-          <a:ln w="12700" cap="flat" cmpd="sng" algn="ctr">
-            <a:solidFill>
-              <a:schemeClr val="bg1">
-                <a:lumMod val="50000"/>
-              </a:schemeClr>
-            </a:solidFill>
-            <a:prstDash val="solid"/>
-            <a:round/>
-            <a:headEnd type="none" w="med" len="med"/>
-            <a:tailEnd type="triangle"/>
-          </a:ln>
-          <a:effectLst/>
-        </p:spPr>
-      </p:cxnSp>
-      <p:sp>
-        <p:nvSpPr>
-          <p:cNvPr id="21" name="Rectangular Callout 20"/>
-          <p:cNvSpPr/>
-          <p:nvPr/>
-        </p:nvSpPr>
-        <p:spPr bwMode="auto">
-          <a:xfrm>
-            <a:off x="2967137" y="4363690"/>
-            <a:ext cx="1723616" cy="233491"/>
-          </a:xfrm>
-          <a:prstGeom prst="wedgeRectCallout">
-            <a:avLst>
-              <a:gd name="adj1" fmla="val -61099"/>
-              <a:gd name="adj2" fmla="val -244459"/>
-            </a:avLst>
-          </a:prstGeom>
-          <a:solidFill>
-            <a:schemeClr val="accent4">
-              <a:lumMod val="20000"/>
-              <a:lumOff val="80000"/>
-            </a:schemeClr>
-          </a:solidFill>
-          <a:ln w="9525" cap="flat" cmpd="sng" algn="ctr">
-            <a:solidFill>
-              <a:srgbClr val="7030A0"/>
-            </a:solidFill>
-            <a:prstDash val="solid"/>
-            <a:round/>
-            <a:headEnd type="none" w="med" len="med"/>
-            <a:tailEnd type="none" w="med" len="med"/>
-          </a:ln>
-          <a:effectLst/>
-        </p:spPr>
-        <p:txBody>
-          <a:bodyPr vert="horz" wrap="square" lIns="45720" tIns="45720" rIns="45720" bIns="45720" numCol="1" rtlCol="0" anchor="t" anchorCtr="0" compatLnSpc="1">
-            <a:prstTxWarp prst="textNoShape">
-              <a:avLst/>
-            </a:prstTxWarp>
-          </a:bodyPr>
-          <a:lstStyle/>
-          <a:p>
-            <a:pPr marL="0" marR="0" indent="0" algn="l" defTabSz="914400" rtl="0" eaLnBrk="1" fontAlgn="base" latinLnBrk="0" hangingPunct="1">
-              <a:lnSpc>
-                <a:spcPct val="90000"/>
-              </a:lnSpc>
-              <a:spcBef>
-                <a:spcPct val="0"/>
-              </a:spcBef>
-              <a:spcAft>
-                <a:spcPct val="0"/>
-              </a:spcAft>
-              <a:buClrTx/>
-              <a:buSzTx/>
-              <a:buFontTx/>
-              <a:buNone/>
-              <a:tabLst/>
-            </a:pPr>
-            <a:r>
-              <a:rPr lang="en-US" sz="1000" dirty="0">
-                <a:solidFill>
-                  <a:srgbClr val="191919"/>
-                </a:solidFill>
-                <a:latin typeface="Helvetica Neue Light" charset="0"/>
-                <a:ea typeface="Helvetica Neue Light" charset="0"/>
-                <a:cs typeface="Helvetica Neue Light" charset="0"/>
-              </a:rPr>
-              <a:t>4</a:t>
-            </a:r>
-            <a:r>
-              <a:rPr kumimoji="0" lang="en-US" sz="1000" u="none" strike="noStrike" cap="none" normalizeH="0" baseline="0" dirty="0" smtClean="0">
-                <a:ln>
-                  <a:noFill/>
-                </a:ln>
-                <a:solidFill>
-                  <a:srgbClr val="191919"/>
-                </a:solidFill>
-                <a:effectLst/>
-                <a:latin typeface="Helvetica Neue Light" charset="0"/>
-                <a:ea typeface="Helvetica Neue Light" charset="0"/>
-                <a:cs typeface="Helvetica Neue Light" charset="0"/>
-              </a:rPr>
-              <a:t>. </a:t>
-            </a:r>
-            <a:r>
-              <a:rPr lang="en-US" sz="1000" dirty="0" smtClean="0">
-                <a:solidFill>
-                  <a:srgbClr val="191919"/>
-                </a:solidFill>
-                <a:latin typeface="Helvetica Neue Light" charset="0"/>
-                <a:ea typeface="Helvetica Neue Light" charset="0"/>
-                <a:cs typeface="Helvetica Neue Light" charset="0"/>
-              </a:rPr>
-              <a:t>T</a:t>
-            </a:r>
-            <a:r>
-              <a:rPr kumimoji="0" lang="en-US" sz="1000" u="none" strike="noStrike" cap="none" normalizeH="0" baseline="0" dirty="0" smtClean="0">
-                <a:ln>
-                  <a:noFill/>
-                </a:ln>
-                <a:solidFill>
-                  <a:srgbClr val="191919"/>
-                </a:solidFill>
-                <a:effectLst/>
-                <a:latin typeface="Helvetica Neue Light" charset="0"/>
-                <a:ea typeface="Helvetica Neue Light" charset="0"/>
-                <a:cs typeface="Helvetica Neue Light" charset="0"/>
-              </a:rPr>
-              <a:t>rigger notification to </a:t>
-            </a:r>
-            <a:r>
-              <a:rPr kumimoji="0" lang="en-US" sz="1000" b="1" u="none" strike="noStrike" cap="none" normalizeH="0" baseline="0" dirty="0" smtClean="0">
-                <a:ln>
-                  <a:noFill/>
-                </a:ln>
-                <a:solidFill>
-                  <a:srgbClr val="191919"/>
-                </a:solidFill>
-                <a:effectLst/>
-                <a:latin typeface="Helvetica Neue Light" charset="0"/>
-                <a:ea typeface="Helvetica Neue Light" charset="0"/>
-                <a:cs typeface="Helvetica Neue Light" charset="0"/>
-              </a:rPr>
-              <a:t>MQ</a:t>
-            </a:r>
-          </a:p>
-        </p:txBody>
-      </p:sp>
-      <p:sp>
-        <p:nvSpPr>
-          <p:cNvPr id="30" name="Rectangular Callout 29"/>
-          <p:cNvSpPr/>
-          <p:nvPr/>
-        </p:nvSpPr>
-        <p:spPr bwMode="auto">
-          <a:xfrm>
-            <a:off x="5475449" y="3150220"/>
-            <a:ext cx="996603" cy="394753"/>
-          </a:xfrm>
-          <a:prstGeom prst="wedgeRectCallout">
-            <a:avLst>
-              <a:gd name="adj1" fmla="val -116960"/>
-              <a:gd name="adj2" fmla="val -12076"/>
-            </a:avLst>
-          </a:prstGeom>
-          <a:solidFill>
-            <a:schemeClr val="accent4">
-              <a:lumMod val="20000"/>
-              <a:lumOff val="80000"/>
-            </a:schemeClr>
-          </a:solidFill>
-          <a:ln w="9525" cap="flat" cmpd="sng" algn="ctr">
-            <a:solidFill>
-              <a:schemeClr val="accent4">
-                <a:lumMod val="50000"/>
-              </a:schemeClr>
-            </a:solidFill>
-            <a:prstDash val="solid"/>
-            <a:round/>
-            <a:headEnd type="none" w="med" len="med"/>
-            <a:tailEnd type="none" w="med" len="med"/>
-          </a:ln>
-          <a:effectLst/>
-        </p:spPr>
-        <p:txBody>
-          <a:bodyPr vert="horz" wrap="square" lIns="45720" tIns="45720" rIns="45720" bIns="45720" numCol="1" rtlCol="0" anchor="t" anchorCtr="0" compatLnSpc="1">
-            <a:prstTxWarp prst="textNoShape">
-              <a:avLst/>
-            </a:prstTxWarp>
-          </a:bodyPr>
-          <a:lstStyle/>
-          <a:p>
-            <a:pPr marL="0" marR="0" indent="0" algn="l" defTabSz="914400" rtl="0" eaLnBrk="1" fontAlgn="base" latinLnBrk="0" hangingPunct="1">
-              <a:lnSpc>
-                <a:spcPct val="90000"/>
-              </a:lnSpc>
-              <a:spcBef>
-                <a:spcPct val="0"/>
-              </a:spcBef>
-              <a:spcAft>
-                <a:spcPct val="0"/>
-              </a:spcAft>
-              <a:buClrTx/>
-              <a:buSzTx/>
-              <a:buFontTx/>
-              <a:buNone/>
-              <a:tabLst/>
-            </a:pPr>
-            <a:r>
-              <a:rPr lang="en-US" sz="1000" dirty="0">
-                <a:solidFill>
-                  <a:srgbClr val="191919"/>
-                </a:solidFill>
-                <a:latin typeface="Helvetica Neue Light" charset="0"/>
-                <a:ea typeface="Helvetica Neue Light" charset="0"/>
-                <a:cs typeface="Helvetica Neue Light" charset="0"/>
-              </a:rPr>
-              <a:t>5</a:t>
-            </a:r>
-            <a:r>
-              <a:rPr lang="en-US" sz="1000" dirty="0" smtClean="0">
-                <a:solidFill>
-                  <a:srgbClr val="191919"/>
-                </a:solidFill>
-                <a:latin typeface="Helvetica Neue Light" charset="0"/>
-                <a:ea typeface="Helvetica Neue Light" charset="0"/>
-                <a:cs typeface="Helvetica Neue Light" charset="0"/>
-              </a:rPr>
-              <a:t>. Publish to </a:t>
-            </a:r>
-            <a:r>
-              <a:rPr lang="en-US" sz="1000" b="1" dirty="0" smtClean="0">
-                <a:solidFill>
-                  <a:srgbClr val="191919"/>
-                </a:solidFill>
-                <a:latin typeface="Helvetica Neue Light" charset="0"/>
-                <a:ea typeface="Helvetica Neue Light" charset="0"/>
-                <a:cs typeface="Helvetica Neue Light" charset="0"/>
-              </a:rPr>
-              <a:t>App Connect</a:t>
-            </a:r>
-            <a:endParaRPr kumimoji="0" lang="en-US" sz="1000" b="1" u="none" strike="noStrike" cap="none" normalizeH="0" baseline="0" dirty="0" smtClean="0">
-              <a:ln>
-                <a:noFill/>
-              </a:ln>
-              <a:solidFill>
-                <a:srgbClr val="191919"/>
-              </a:solidFill>
-              <a:effectLst/>
-              <a:latin typeface="Helvetica Neue Light" charset="0"/>
-              <a:ea typeface="Helvetica Neue Light" charset="0"/>
-              <a:cs typeface="Helvetica Neue Light" charset="0"/>
-            </a:endParaRPr>
-          </a:p>
-        </p:txBody>
-      </p:sp>
-      <p:sp>
-        <p:nvSpPr>
-          <p:cNvPr id="31" name="Rectangular Callout 30"/>
-          <p:cNvSpPr/>
-          <p:nvPr/>
-        </p:nvSpPr>
-        <p:spPr bwMode="auto">
-          <a:xfrm>
-            <a:off x="2531742" y="2886508"/>
-            <a:ext cx="665777" cy="507219"/>
-          </a:xfrm>
-          <a:prstGeom prst="wedgeRectCallout">
-            <a:avLst>
-              <a:gd name="adj1" fmla="val 37993"/>
-              <a:gd name="adj2" fmla="val -105549"/>
-            </a:avLst>
-          </a:prstGeom>
-          <a:solidFill>
-            <a:schemeClr val="accent4">
-              <a:lumMod val="20000"/>
-              <a:lumOff val="80000"/>
-            </a:schemeClr>
-          </a:solidFill>
-          <a:ln w="9525" cap="flat" cmpd="sng" algn="ctr">
-            <a:solidFill>
-              <a:srgbClr val="7030A0"/>
-            </a:solidFill>
-            <a:prstDash val="solid"/>
-            <a:round/>
-            <a:headEnd type="none" w="med" len="med"/>
-            <a:tailEnd type="none" w="med" len="med"/>
-          </a:ln>
-          <a:effectLst/>
-        </p:spPr>
-        <p:txBody>
-          <a:bodyPr vert="horz" wrap="square" lIns="45720" tIns="45720" rIns="45720" bIns="45720" numCol="1" rtlCol="0" anchor="t" anchorCtr="0" compatLnSpc="1">
-            <a:prstTxWarp prst="textNoShape">
-              <a:avLst/>
-            </a:prstTxWarp>
-          </a:bodyPr>
-          <a:lstStyle/>
-          <a:p>
-            <a:pPr marL="0" marR="0" indent="0" algn="l" defTabSz="914400" rtl="0" eaLnBrk="1" fontAlgn="base" latinLnBrk="0" hangingPunct="1">
-              <a:lnSpc>
-                <a:spcPct val="90000"/>
-              </a:lnSpc>
-              <a:spcBef>
-                <a:spcPct val="0"/>
-              </a:spcBef>
-              <a:spcAft>
-                <a:spcPct val="0"/>
-              </a:spcAft>
-              <a:buClrTx/>
-              <a:buSzTx/>
-              <a:buFontTx/>
-              <a:buNone/>
-              <a:tabLst/>
-            </a:pPr>
-            <a:r>
-              <a:rPr lang="en-US" sz="1000" dirty="0">
-                <a:solidFill>
-                  <a:srgbClr val="191919"/>
-                </a:solidFill>
-                <a:latin typeface="Helvetica Neue Light" charset="0"/>
-                <a:ea typeface="Helvetica Neue Light" charset="0"/>
-                <a:cs typeface="Helvetica Neue Light" charset="0"/>
-              </a:rPr>
-              <a:t>6</a:t>
-            </a:r>
-            <a:r>
-              <a:rPr lang="en-US" sz="1000" dirty="0" smtClean="0">
-                <a:solidFill>
-                  <a:srgbClr val="191919"/>
-                </a:solidFill>
-                <a:latin typeface="Helvetica Neue Light" charset="0"/>
-                <a:ea typeface="Helvetica Neue Light" charset="0"/>
-                <a:cs typeface="Helvetica Neue Light" charset="0"/>
-              </a:rPr>
-              <a:t>. Confirm shipment started</a:t>
-            </a:r>
-            <a:endParaRPr kumimoji="0" lang="en-US" sz="1000" u="none" strike="noStrike" cap="none" normalizeH="0" baseline="0" dirty="0" smtClean="0">
-              <a:ln>
-                <a:noFill/>
-              </a:ln>
-              <a:solidFill>
-                <a:srgbClr val="191919"/>
-              </a:solidFill>
-              <a:effectLst/>
-              <a:latin typeface="Helvetica Neue Light" charset="0"/>
-              <a:ea typeface="Helvetica Neue Light" charset="0"/>
-              <a:cs typeface="Helvetica Neue Light" charset="0"/>
-            </a:endParaRPr>
-          </a:p>
-        </p:txBody>
-      </p:sp>
-      <p:sp>
-        <p:nvSpPr>
-          <p:cNvPr id="32" name="Rectangular Callout 31"/>
-          <p:cNvSpPr/>
-          <p:nvPr/>
-        </p:nvSpPr>
-        <p:spPr bwMode="auto">
-          <a:xfrm>
-            <a:off x="287461" y="2283892"/>
-            <a:ext cx="814447" cy="501099"/>
-          </a:xfrm>
-          <a:prstGeom prst="wedgeRectCallout">
-            <a:avLst>
-              <a:gd name="adj1" fmla="val 82633"/>
-              <a:gd name="adj2" fmla="val 55817"/>
-            </a:avLst>
-          </a:prstGeom>
-          <a:solidFill>
-            <a:schemeClr val="accent4">
-              <a:lumMod val="20000"/>
-              <a:lumOff val="80000"/>
-            </a:schemeClr>
-          </a:solidFill>
-          <a:ln w="9525" cap="flat" cmpd="sng" algn="ctr">
-            <a:solidFill>
-              <a:schemeClr val="accent4">
-                <a:lumMod val="50000"/>
-              </a:schemeClr>
-            </a:solidFill>
-            <a:prstDash val="solid"/>
-            <a:round/>
-            <a:headEnd type="none" w="med" len="med"/>
-            <a:tailEnd type="none" w="med" len="med"/>
-          </a:ln>
-          <a:effectLst/>
-        </p:spPr>
-        <p:txBody>
-          <a:bodyPr vert="horz" wrap="square" lIns="45720" tIns="45720" rIns="45720" bIns="45720" numCol="1" rtlCol="0" anchor="t" anchorCtr="0" compatLnSpc="1">
-            <a:prstTxWarp prst="textNoShape">
-              <a:avLst/>
-            </a:prstTxWarp>
-          </a:bodyPr>
-          <a:lstStyle/>
-          <a:p>
-            <a:pPr marL="0" marR="0" indent="0" algn="l" defTabSz="914400" rtl="0" eaLnBrk="1" fontAlgn="base" latinLnBrk="0" hangingPunct="1">
-              <a:lnSpc>
-                <a:spcPct val="90000"/>
-              </a:lnSpc>
-              <a:spcBef>
-                <a:spcPct val="0"/>
-              </a:spcBef>
-              <a:spcAft>
-                <a:spcPct val="0"/>
-              </a:spcAft>
-              <a:buClrTx/>
-              <a:buSzTx/>
-              <a:buFontTx/>
-              <a:buNone/>
-              <a:tabLst/>
-            </a:pPr>
-            <a:r>
-              <a:rPr lang="en-US" sz="1000" dirty="0">
-                <a:solidFill>
-                  <a:srgbClr val="191919"/>
-                </a:solidFill>
-                <a:latin typeface="Helvetica Neue Light" charset="0"/>
-                <a:ea typeface="Helvetica Neue Light" charset="0"/>
-                <a:cs typeface="Helvetica Neue Light" charset="0"/>
-              </a:rPr>
-              <a:t>3</a:t>
-            </a:r>
-            <a:r>
-              <a:rPr lang="en-US" sz="1000" dirty="0" smtClean="0">
-                <a:solidFill>
-                  <a:srgbClr val="191919"/>
-                </a:solidFill>
-                <a:latin typeface="Helvetica Neue Light" charset="0"/>
-                <a:ea typeface="Helvetica Neue Light" charset="0"/>
-                <a:cs typeface="Helvetica Neue Light" charset="0"/>
-              </a:rPr>
-              <a:t>. Request shipment upgrade</a:t>
-            </a:r>
-            <a:endParaRPr kumimoji="0" lang="en-US" sz="1000" u="none" strike="noStrike" cap="none" normalizeH="0" baseline="0" dirty="0" smtClean="0">
-              <a:ln>
-                <a:noFill/>
-              </a:ln>
-              <a:solidFill>
-                <a:srgbClr val="191919"/>
-              </a:solidFill>
-              <a:effectLst/>
-              <a:latin typeface="Helvetica Neue Light" charset="0"/>
-              <a:ea typeface="Helvetica Neue Light" charset="0"/>
-              <a:cs typeface="Helvetica Neue Light" charset="0"/>
-            </a:endParaRPr>
-          </a:p>
-        </p:txBody>
-      </p:sp>
-      <p:sp>
-        <p:nvSpPr>
-          <p:cNvPr id="33" name="Rounded Rectangle 32"/>
-          <p:cNvSpPr/>
-          <p:nvPr/>
-        </p:nvSpPr>
-        <p:spPr bwMode="auto">
-          <a:xfrm>
-            <a:off x="4120452" y="3504483"/>
-            <a:ext cx="1046177" cy="654628"/>
-          </a:xfrm>
-          <a:prstGeom prst="roundRect">
-            <a:avLst/>
-          </a:prstGeom>
-          <a:ln>
-            <a:solidFill>
-              <a:srgbClr val="002060"/>
-            </a:solidFill>
-            <a:headEnd type="none" w="med" len="med"/>
-            <a:tailEnd type="none" w="med" len="med"/>
-          </a:ln>
-        </p:spPr>
-        <p:style>
-          <a:lnRef idx="2">
-            <a:schemeClr val="dk1"/>
-          </a:lnRef>
-          <a:fillRef idx="1">
-            <a:schemeClr val="lt1"/>
-          </a:fillRef>
-          <a:effectRef idx="0">
-            <a:schemeClr val="dk1"/>
-          </a:effectRef>
-          <a:fontRef idx="minor">
-            <a:schemeClr val="dk1"/>
-          </a:fontRef>
-        </p:style>
-        <p:txBody>
-          <a:bodyPr vert="horz" wrap="square" lIns="0" tIns="0" rIns="0" bIns="0" numCol="1" rtlCol="0" anchor="ctr" anchorCtr="0" compatLnSpc="1">
-            <a:prstTxWarp prst="textNoShape">
-              <a:avLst/>
-            </a:prstTxWarp>
-          </a:bodyPr>
-          <a:lstStyle/>
-          <a:p>
-            <a:pPr marL="0" marR="0" indent="0" algn="ctr" defTabSz="914400" rtl="0" eaLnBrk="1" fontAlgn="base" latinLnBrk="0" hangingPunct="1">
-              <a:lnSpc>
-                <a:spcPct val="90000"/>
-              </a:lnSpc>
-              <a:spcBef>
-                <a:spcPct val="0"/>
-              </a:spcBef>
-              <a:spcAft>
-                <a:spcPct val="0"/>
-              </a:spcAft>
-              <a:buClrTx/>
-              <a:buSzTx/>
-              <a:buFontTx/>
-              <a:buNone/>
-              <a:tabLst/>
-            </a:pPr>
-            <a:r>
-              <a:rPr kumimoji="0" lang="en-US" sz="1600" b="1" u="none" strike="noStrike" cap="none" normalizeH="0" baseline="0" dirty="0" smtClean="0">
-                <a:ln>
-                  <a:noFill/>
-                </a:ln>
-                <a:solidFill>
-                  <a:schemeClr val="tx2">
-                    <a:lumMod val="75000"/>
-                  </a:schemeClr>
-                </a:solidFill>
-                <a:effectLst/>
-                <a:latin typeface="Helvetica Neue Light" charset="0"/>
-                <a:ea typeface="Helvetica Neue Light" charset="0"/>
-                <a:cs typeface="Helvetica Neue Light" charset="0"/>
-              </a:rPr>
-              <a:t>MQ</a:t>
-            </a:r>
-          </a:p>
-        </p:txBody>
-      </p:sp>
-      <p:sp>
-        <p:nvSpPr>
-          <p:cNvPr id="23" name="Rounded Rectangle 22"/>
-          <p:cNvSpPr/>
-          <p:nvPr/>
-        </p:nvSpPr>
-        <p:spPr bwMode="auto">
-          <a:xfrm>
-            <a:off x="7026294" y="1723817"/>
-            <a:ext cx="1494504" cy="435274"/>
-          </a:xfrm>
-          <a:prstGeom prst="roundRect">
-            <a:avLst/>
-          </a:prstGeom>
-          <a:noFill/>
-          <a:ln>
-            <a:solidFill>
-              <a:schemeClr val="bg1">
-                <a:lumMod val="65000"/>
-              </a:schemeClr>
-            </a:solidFill>
-            <a:headEnd type="none" w="med" len="med"/>
-            <a:tailEnd type="none" w="med" len="med"/>
-          </a:ln>
-        </p:spPr>
-        <p:style>
-          <a:lnRef idx="2">
-            <a:schemeClr val="dk1"/>
-          </a:lnRef>
-          <a:fillRef idx="1">
-            <a:schemeClr val="lt1"/>
-          </a:fillRef>
-          <a:effectRef idx="0">
-            <a:schemeClr val="dk1"/>
-          </a:effectRef>
-          <a:fontRef idx="minor">
-            <a:schemeClr val="dk1"/>
-          </a:fontRef>
-        </p:style>
-        <p:txBody>
-          <a:bodyPr vert="horz" wrap="square" lIns="0" tIns="0" rIns="0" bIns="0" numCol="1" rtlCol="0" anchor="ctr" anchorCtr="0" compatLnSpc="1">
-            <a:prstTxWarp prst="textNoShape">
-              <a:avLst/>
-            </a:prstTxWarp>
-          </a:bodyPr>
-          <a:lstStyle/>
-          <a:p>
-            <a:pPr marL="0" marR="0" indent="0" algn="ctr" defTabSz="914400" rtl="0" eaLnBrk="1" fontAlgn="base" latinLnBrk="0" hangingPunct="1">
-              <a:lnSpc>
-                <a:spcPct val="90000"/>
-              </a:lnSpc>
-              <a:spcBef>
-                <a:spcPct val="0"/>
-              </a:spcBef>
-              <a:spcAft>
-                <a:spcPct val="0"/>
-              </a:spcAft>
-              <a:buClrTx/>
-              <a:buSzTx/>
-              <a:buFontTx/>
-              <a:buNone/>
-              <a:tabLst/>
-            </a:pPr>
-            <a:r>
-              <a:rPr kumimoji="0" lang="en-US" sz="1400" u="none" strike="noStrike" cap="none" normalizeH="0" baseline="0" smtClean="0">
-                <a:ln>
-                  <a:noFill/>
-                </a:ln>
-                <a:solidFill>
-                  <a:schemeClr val="tx1">
-                    <a:lumMod val="50000"/>
-                    <a:lumOff val="50000"/>
-                  </a:schemeClr>
-                </a:solidFill>
-                <a:effectLst/>
-                <a:latin typeface="Helvetica Neue Light" charset="0"/>
-                <a:ea typeface="Helvetica Neue Light" charset="0"/>
-                <a:cs typeface="Helvetica Neue Light" charset="0"/>
-              </a:rPr>
-              <a:t>Shipping Vendor</a:t>
-            </a:r>
-          </a:p>
-        </p:txBody>
-      </p:sp>
-      <p:sp>
-        <p:nvSpPr>
-          <p:cNvPr id="25" name="Rounded Rectangle 24"/>
-          <p:cNvSpPr/>
-          <p:nvPr/>
-        </p:nvSpPr>
-        <p:spPr bwMode="auto">
-          <a:xfrm>
-            <a:off x="7026294" y="2362256"/>
-            <a:ext cx="1494504" cy="435274"/>
-          </a:xfrm>
-          <a:prstGeom prst="roundRect">
-            <a:avLst/>
-          </a:prstGeom>
-          <a:noFill/>
-          <a:ln>
-            <a:solidFill>
-              <a:schemeClr val="bg1">
-                <a:lumMod val="65000"/>
-              </a:schemeClr>
-            </a:solidFill>
-            <a:headEnd type="none" w="med" len="med"/>
-            <a:tailEnd type="none" w="med" len="med"/>
-          </a:ln>
-        </p:spPr>
-        <p:style>
-          <a:lnRef idx="2">
-            <a:schemeClr val="dk1"/>
-          </a:lnRef>
-          <a:fillRef idx="1">
-            <a:schemeClr val="lt1"/>
-          </a:fillRef>
-          <a:effectRef idx="0">
-            <a:schemeClr val="dk1"/>
-          </a:effectRef>
-          <a:fontRef idx="minor">
-            <a:schemeClr val="dk1"/>
-          </a:fontRef>
-        </p:style>
-        <p:txBody>
-          <a:bodyPr vert="horz" wrap="square" lIns="0" tIns="0" rIns="0" bIns="0" numCol="1" rtlCol="0" anchor="ctr" anchorCtr="0" compatLnSpc="1">
-            <a:prstTxWarp prst="textNoShape">
-              <a:avLst/>
-            </a:prstTxWarp>
-          </a:bodyPr>
-          <a:lstStyle/>
-          <a:p>
-            <a:pPr marL="0" marR="0" indent="0" algn="ctr" defTabSz="914400" rtl="0" eaLnBrk="1" fontAlgn="base" latinLnBrk="0" hangingPunct="1">
-              <a:lnSpc>
-                <a:spcPct val="90000"/>
-              </a:lnSpc>
-              <a:spcBef>
-                <a:spcPct val="0"/>
-              </a:spcBef>
-              <a:spcAft>
-                <a:spcPct val="0"/>
-              </a:spcAft>
-              <a:buClrTx/>
-              <a:buSzTx/>
-              <a:buFontTx/>
-              <a:buNone/>
-              <a:tabLst/>
-            </a:pPr>
-            <a:r>
-              <a:rPr kumimoji="0" lang="en-US" sz="1400" u="none" strike="noStrike" cap="none" normalizeH="0" baseline="0" dirty="0" smtClean="0">
-                <a:ln>
-                  <a:noFill/>
-                </a:ln>
-                <a:solidFill>
-                  <a:schemeClr val="tx1">
-                    <a:lumMod val="50000"/>
-                    <a:lumOff val="50000"/>
-                  </a:schemeClr>
-                </a:solidFill>
-                <a:effectLst/>
-                <a:latin typeface="Helvetica Neue Light" charset="0"/>
-                <a:ea typeface="Helvetica Neue Light" charset="0"/>
-                <a:cs typeface="Helvetica Neue Light" charset="0"/>
-              </a:rPr>
-              <a:t>Trouble</a:t>
-            </a:r>
-            <a:r>
-              <a:rPr kumimoji="0" lang="en-US" sz="1400" u="none" strike="noStrike" cap="none" normalizeH="0" dirty="0" smtClean="0">
-                <a:ln>
-                  <a:noFill/>
-                </a:ln>
-                <a:solidFill>
-                  <a:schemeClr val="tx1">
-                    <a:lumMod val="50000"/>
-                    <a:lumOff val="50000"/>
-                  </a:schemeClr>
-                </a:solidFill>
-                <a:effectLst/>
-                <a:latin typeface="Helvetica Neue Light" charset="0"/>
-                <a:ea typeface="Helvetica Neue Light" charset="0"/>
-                <a:cs typeface="Helvetica Neue Light" charset="0"/>
-              </a:rPr>
-              <a:t> Ticket System</a:t>
-            </a:r>
-            <a:endParaRPr kumimoji="0" lang="en-US" sz="1400" u="none" strike="noStrike" cap="none" normalizeH="0" baseline="0" dirty="0" smtClean="0">
-              <a:ln>
-                <a:noFill/>
-              </a:ln>
-              <a:solidFill>
-                <a:schemeClr val="tx1">
-                  <a:lumMod val="50000"/>
-                  <a:lumOff val="50000"/>
-                </a:schemeClr>
-              </a:solidFill>
-              <a:effectLst/>
-              <a:latin typeface="Helvetica Neue Light" charset="0"/>
-              <a:ea typeface="Helvetica Neue Light" charset="0"/>
-              <a:cs typeface="Helvetica Neue Light" charset="0"/>
-            </a:endParaRPr>
-          </a:p>
-        </p:txBody>
-      </p:sp>
-      <p:sp>
-        <p:nvSpPr>
-          <p:cNvPr id="27" name="Rectangular Callout 26"/>
-          <p:cNvSpPr/>
-          <p:nvPr/>
-        </p:nvSpPr>
-        <p:spPr bwMode="auto">
-          <a:xfrm>
-            <a:off x="7026294" y="3303549"/>
-            <a:ext cx="1018947" cy="662661"/>
-          </a:xfrm>
-          <a:prstGeom prst="wedgeRectCallout">
-            <a:avLst>
-              <a:gd name="adj1" fmla="val 37993"/>
-              <a:gd name="adj2" fmla="val -105549"/>
-            </a:avLst>
-          </a:prstGeom>
-          <a:solidFill>
-            <a:schemeClr val="accent4">
-              <a:lumMod val="20000"/>
-              <a:lumOff val="80000"/>
-            </a:schemeClr>
-          </a:solidFill>
-          <a:ln w="9525" cap="flat" cmpd="sng" algn="ctr">
-            <a:solidFill>
-              <a:srgbClr val="7030A0"/>
-            </a:solidFill>
-            <a:prstDash val="solid"/>
-            <a:round/>
-            <a:headEnd type="none" w="med" len="med"/>
-            <a:tailEnd type="none" w="med" len="med"/>
-          </a:ln>
-          <a:effectLst/>
-        </p:spPr>
-        <p:txBody>
-          <a:bodyPr vert="horz" wrap="square" lIns="45720" tIns="45720" rIns="45720" bIns="45720" numCol="1" rtlCol="0" anchor="t" anchorCtr="0" compatLnSpc="1">
-            <a:prstTxWarp prst="textNoShape">
-              <a:avLst/>
-            </a:prstTxWarp>
-          </a:bodyPr>
-          <a:lstStyle/>
-          <a:p>
-            <a:pPr marL="0" marR="0" indent="0" algn="l" defTabSz="914400" rtl="0" eaLnBrk="1" fontAlgn="base" latinLnBrk="0" hangingPunct="1">
-              <a:lnSpc>
-                <a:spcPct val="90000"/>
-              </a:lnSpc>
-              <a:spcBef>
-                <a:spcPct val="0"/>
-              </a:spcBef>
-              <a:spcAft>
-                <a:spcPct val="0"/>
-              </a:spcAft>
-              <a:buClrTx/>
-              <a:buSzTx/>
-              <a:buFontTx/>
-              <a:buNone/>
-              <a:tabLst/>
-            </a:pPr>
-            <a:r>
-              <a:rPr lang="en-US" sz="1000" dirty="0">
-                <a:solidFill>
-                  <a:srgbClr val="191919"/>
-                </a:solidFill>
-                <a:latin typeface="Helvetica Neue Light" charset="0"/>
-                <a:ea typeface="Helvetica Neue Light" charset="0"/>
-                <a:cs typeface="Helvetica Neue Light" charset="0"/>
-              </a:rPr>
-              <a:t>7</a:t>
-            </a:r>
-            <a:r>
-              <a:rPr lang="en-US" sz="1000" dirty="0" smtClean="0">
-                <a:solidFill>
-                  <a:srgbClr val="191919"/>
-                </a:solidFill>
-                <a:latin typeface="Helvetica Neue Light" charset="0"/>
-                <a:ea typeface="Helvetica Neue Light" charset="0"/>
-                <a:cs typeface="Helvetica Neue Light" charset="0"/>
-              </a:rPr>
-              <a:t>. </a:t>
-            </a:r>
-            <a:r>
-              <a:rPr lang="en-US" sz="1000" dirty="0" smtClean="0">
-                <a:solidFill>
-                  <a:srgbClr val="191919"/>
-                </a:solidFill>
-                <a:latin typeface="Helvetica Neue Light" charset="0"/>
-                <a:ea typeface="Helvetica Neue Light" charset="0"/>
-                <a:cs typeface="Helvetica Neue Light" charset="0"/>
-              </a:rPr>
-              <a:t>Create new Ticket in custom </a:t>
-            </a:r>
-            <a:r>
-              <a:rPr lang="en-US" sz="1000" dirty="0" smtClean="0">
-                <a:solidFill>
-                  <a:srgbClr val="191919"/>
-                </a:solidFill>
-                <a:latin typeface="Helvetica Neue Light" charset="0"/>
-                <a:ea typeface="Helvetica Neue Light" charset="0"/>
-                <a:cs typeface="Helvetica Neue Light" charset="0"/>
-              </a:rPr>
-              <a:t>help desk </a:t>
-            </a:r>
-            <a:r>
-              <a:rPr lang="en-US" sz="1000" dirty="0" smtClean="0">
-                <a:solidFill>
-                  <a:srgbClr val="191919"/>
-                </a:solidFill>
-                <a:latin typeface="Helvetica Neue Light" charset="0"/>
-                <a:ea typeface="Helvetica Neue Light" charset="0"/>
-                <a:cs typeface="Helvetica Neue Light" charset="0"/>
-              </a:rPr>
-              <a:t>system</a:t>
-            </a:r>
-            <a:endParaRPr kumimoji="0" lang="en-US" sz="1000" u="none" strike="noStrike" cap="none" normalizeH="0" baseline="0" dirty="0" smtClean="0">
-              <a:ln>
-                <a:noFill/>
-              </a:ln>
-              <a:solidFill>
-                <a:srgbClr val="191919"/>
-              </a:solidFill>
-              <a:effectLst/>
-              <a:latin typeface="Helvetica Neue Light" charset="0"/>
-              <a:ea typeface="Helvetica Neue Light" charset="0"/>
-              <a:cs typeface="Helvetica Neue Light" charset="0"/>
-            </a:endParaRPr>
-          </a:p>
-        </p:txBody>
-      </p:sp>
       <p:grpSp>
         <p:nvGrpSpPr>
-          <p:cNvPr id="37" name="Group 36"/>
+          <p:cNvPr id="4" name="Group 3"/>
           <p:cNvGrpSpPr/>
           <p:nvPr/>
         </p:nvGrpSpPr>
         <p:grpSpPr>
           <a:xfrm>
-            <a:off x="2011486" y="2534306"/>
-            <a:ext cx="1201918" cy="454268"/>
+            <a:off x="1965099" y="2230398"/>
+            <a:ext cx="1219084" cy="953451"/>
             <a:chOff x="2011486" y="2534306"/>
             <a:chExt cx="1201918" cy="454268"/>
           </a:xfrm>
         </p:grpSpPr>
         <p:cxnSp>
           <p:nvCxnSpPr>
-            <p:cNvPr id="38" name="Straight Arrow Connector 37"/>
+            <p:cNvPr id="49" name="Straight Arrow Connector 48"/>
             <p:cNvCxnSpPr/>
             <p:nvPr/>
           </p:nvCxnSpPr>
@@ -10347,7 +9806,7 @@
         </p:cxnSp>
         <p:cxnSp>
           <p:nvCxnSpPr>
-            <p:cNvPr id="39" name="Straight Arrow Connector 38"/>
+            <p:cNvPr id="51" name="Straight Arrow Connector 50"/>
             <p:cNvCxnSpPr/>
             <p:nvPr/>
           </p:nvCxnSpPr>
@@ -10377,14 +9836,14 @@
       </p:grpSp>
       <p:cxnSp>
         <p:nvCxnSpPr>
-          <p:cNvPr id="40" name="Straight Arrow Connector 39"/>
+          <p:cNvPr id="66" name="Straight Arrow Connector 65"/>
           <p:cNvCxnSpPr/>
           <p:nvPr/>
         </p:nvCxnSpPr>
         <p:spPr bwMode="auto">
-          <a:xfrm>
-            <a:off x="1464677" y="2458147"/>
-            <a:ext cx="0" cy="528484"/>
+          <a:xfrm flipH="1">
+            <a:off x="1441344" y="2499294"/>
+            <a:ext cx="6457" cy="673984"/>
           </a:xfrm>
           <a:prstGeom prst="straightConnector1">
             <a:avLst/>
@@ -10404,16 +9863,91 @@
           <a:effectLst/>
         </p:spPr>
       </p:cxnSp>
+      <p:sp>
+        <p:nvSpPr>
+          <p:cNvPr id="27" name="Rounded Rectangle 26"/>
+          <p:cNvSpPr/>
+          <p:nvPr/>
+        </p:nvSpPr>
+        <p:spPr bwMode="auto">
+          <a:xfrm>
+            <a:off x="6967385" y="1389168"/>
+            <a:ext cx="1494504" cy="435274"/>
+          </a:xfrm>
+          <a:prstGeom prst="roundRect">
+            <a:avLst/>
+          </a:prstGeom>
+          <a:noFill/>
+          <a:ln>
+            <a:solidFill>
+              <a:schemeClr val="bg1">
+                <a:lumMod val="65000"/>
+              </a:schemeClr>
+            </a:solidFill>
+            <a:headEnd type="none" w="med" len="med"/>
+            <a:tailEnd type="none" w="med" len="med"/>
+          </a:ln>
+        </p:spPr>
+        <p:style>
+          <a:lnRef idx="2">
+            <a:schemeClr val="dk1"/>
+          </a:lnRef>
+          <a:fillRef idx="1">
+            <a:schemeClr val="lt1"/>
+          </a:fillRef>
+          <a:effectRef idx="0">
+            <a:schemeClr val="dk1"/>
+          </a:effectRef>
+          <a:fontRef idx="minor">
+            <a:schemeClr val="dk1"/>
+          </a:fontRef>
+        </p:style>
+        <p:txBody>
+          <a:bodyPr vert="horz" wrap="square" lIns="0" tIns="0" rIns="0" bIns="0" numCol="1" rtlCol="0" anchor="ctr" anchorCtr="0" compatLnSpc="1">
+            <a:prstTxWarp prst="textNoShape">
+              <a:avLst/>
+            </a:prstTxWarp>
+          </a:bodyPr>
+          <a:lstStyle/>
+          <a:p>
+            <a:pPr algn="ctr" defTabSz="914378" fontAlgn="base">
+              <a:lnSpc>
+                <a:spcPct val="90000"/>
+              </a:lnSpc>
+              <a:spcBef>
+                <a:spcPct val="0"/>
+              </a:spcBef>
+              <a:spcAft>
+                <a:spcPct val="0"/>
+              </a:spcAft>
+            </a:pPr>
+            <a:r>
+              <a:rPr lang="en-US" sz="1400" dirty="0">
+                <a:solidFill>
+                  <a:schemeClr val="tx1">
+                    <a:lumMod val="50000"/>
+                    <a:lumOff val="50000"/>
+                  </a:schemeClr>
+                </a:solidFill>
+                <a:latin typeface="Helvetica Neue Light" charset="0"/>
+                <a:ea typeface="Helvetica Neue Light" charset="0"/>
+                <a:cs typeface="Helvetica Neue Light" charset="0"/>
+              </a:rPr>
+              <a:t>Shipping System</a:t>
+            </a:r>
+          </a:p>
+        </p:txBody>
+      </p:sp>
       <p:cxnSp>
         <p:nvCxnSpPr>
-          <p:cNvPr id="41" name="Straight Arrow Connector 40"/>
+          <p:cNvPr id="28" name="Straight Arrow Connector 27"/>
           <p:cNvCxnSpPr/>
           <p:nvPr/>
         </p:nvCxnSpPr>
         <p:spPr bwMode="auto">
           <a:xfrm>
-            <a:off x="2596837" y="3831797"/>
-            <a:ext cx="1353146" cy="3603"/>
+            <a:off x="6120583" y="1606805"/>
+            <a:ext cx="751673" cy="0"/>
           </a:xfrm>
           <a:prstGeom prst="straightConnector1">
             <a:avLst/>
@@ -10433,22 +9967,53 @@
           <a:effectLst/>
         </p:spPr>
       </p:cxnSp>
+      <p:sp>
+        <p:nvSpPr>
+          <p:cNvPr id="29" name="Slide Number Placeholder 1"/>
+          <p:cNvSpPr>
+            <a:spLocks noGrp="1"/>
+          </p:cNvSpPr>
+          <p:nvPr>
+            <p:ph type="sldNum" sz="quarter" idx="10"/>
+          </p:nvPr>
+        </p:nvSpPr>
+        <p:spPr>
+          <a:xfrm>
+            <a:off x="328613" y="4894263"/>
+            <a:ext cx="2124075" cy="171450"/>
+          </a:xfrm>
+        </p:spPr>
+        <p:txBody>
+          <a:bodyPr/>
+          <a:lstStyle/>
+          <a:p>
+            <a:pPr algn="l">
+              <a:defRPr/>
+            </a:pPr>
+            <a:r>
+              <a:rPr lang="en-US" dirty="0" smtClean="0"/>
+              <a:t>11</a:t>
+            </a:r>
+            <a:endParaRPr lang="en-US" dirty="0"/>
+          </a:p>
+        </p:txBody>
+      </p:sp>
       <p:cxnSp>
         <p:nvCxnSpPr>
-          <p:cNvPr id="46" name="Straight Arrow Connector 45"/>
+          <p:cNvPr id="19" name="Straight Arrow Connector 18"/>
           <p:cNvCxnSpPr/>
           <p:nvPr/>
         </p:nvCxnSpPr>
         <p:spPr bwMode="auto">
           <a:xfrm>
-            <a:off x="6173274" y="2547900"/>
+            <a:off x="6101717" y="2116281"/>
             <a:ext cx="751673" cy="0"/>
           </a:xfrm>
           <a:prstGeom prst="straightConnector1">
             <a:avLst/>
           </a:prstGeom>
           <a:noFill/>
-          <a:ln w="38100" cap="flat" cmpd="sng" algn="ctr">
+          <a:ln w="25400" cap="flat" cmpd="sng" algn="ctr">
             <a:solidFill>
               <a:srgbClr val="7030A0"/>
             </a:solidFill>
@@ -10460,16 +10025,160 @@
           <a:effectLst/>
         </p:spPr>
       </p:cxnSp>
+      <p:sp>
+        <p:nvSpPr>
+          <p:cNvPr id="20" name="Rounded Rectangle 19"/>
+          <p:cNvSpPr/>
+          <p:nvPr/>
+        </p:nvSpPr>
+        <p:spPr bwMode="auto">
+          <a:xfrm>
+            <a:off x="6967385" y="1945362"/>
+            <a:ext cx="1494504" cy="435274"/>
+          </a:xfrm>
+          <a:prstGeom prst="roundRect">
+            <a:avLst/>
+          </a:prstGeom>
+          <a:noFill/>
+          <a:ln w="25400">
+            <a:solidFill>
+              <a:srgbClr val="7030A0"/>
+            </a:solidFill>
+            <a:headEnd type="none" w="med" len="med"/>
+            <a:tailEnd type="none" w="med" len="med"/>
+          </a:ln>
+        </p:spPr>
+        <p:style>
+          <a:lnRef idx="2">
+            <a:schemeClr val="dk1"/>
+          </a:lnRef>
+          <a:fillRef idx="1">
+            <a:schemeClr val="lt1"/>
+          </a:fillRef>
+          <a:effectRef idx="0">
+            <a:schemeClr val="dk1"/>
+          </a:effectRef>
+          <a:fontRef idx="minor">
+            <a:schemeClr val="dk1"/>
+          </a:fontRef>
+        </p:style>
+        <p:txBody>
+          <a:bodyPr vert="horz" wrap="square" lIns="0" tIns="0" rIns="0" bIns="0" numCol="1" rtlCol="0" anchor="ctr" anchorCtr="0" compatLnSpc="1">
+            <a:prstTxWarp prst="textNoShape">
+              <a:avLst/>
+            </a:prstTxWarp>
+          </a:bodyPr>
+          <a:lstStyle/>
+          <a:p>
+            <a:pPr algn="ctr" defTabSz="914378" fontAlgn="base">
+              <a:lnSpc>
+                <a:spcPct val="90000"/>
+              </a:lnSpc>
+              <a:spcBef>
+                <a:spcPct val="0"/>
+              </a:spcBef>
+              <a:spcAft>
+                <a:spcPct val="0"/>
+              </a:spcAft>
+            </a:pPr>
+            <a:r>
+              <a:rPr lang="en-US" sz="1400" dirty="0">
+                <a:solidFill>
+                  <a:schemeClr val="tx1">
+                    <a:lumMod val="50000"/>
+                    <a:lumOff val="50000"/>
+                  </a:schemeClr>
+                </a:solidFill>
+                <a:latin typeface="Helvetica Neue Light" charset="0"/>
+                <a:ea typeface="Helvetica Neue Light" charset="0"/>
+                <a:cs typeface="Helvetica Neue Light" charset="0"/>
+              </a:rPr>
+              <a:t>Trouble Ticket System</a:t>
+            </a:r>
+          </a:p>
+        </p:txBody>
+      </p:sp>
+      <p:sp>
+        <p:nvSpPr>
+          <p:cNvPr id="22" name="Rounded Rectangle 21"/>
+          <p:cNvSpPr/>
+          <p:nvPr/>
+        </p:nvSpPr>
+        <p:spPr bwMode="auto">
+          <a:xfrm>
+            <a:off x="3492858" y="2858454"/>
+            <a:ext cx="938560" cy="705683"/>
+          </a:xfrm>
+          <a:prstGeom prst="roundRect">
+            <a:avLst/>
+          </a:prstGeom>
+          <a:ln>
+            <a:solidFill>
+              <a:srgbClr val="002060"/>
+            </a:solidFill>
+            <a:headEnd type="none" w="med" len="med"/>
+            <a:tailEnd type="none" w="med" len="med"/>
+          </a:ln>
+        </p:spPr>
+        <p:style>
+          <a:lnRef idx="2">
+            <a:schemeClr val="dk1"/>
+          </a:lnRef>
+          <a:fillRef idx="1">
+            <a:schemeClr val="lt1"/>
+          </a:fillRef>
+          <a:effectRef idx="0">
+            <a:schemeClr val="dk1"/>
+          </a:effectRef>
+          <a:fontRef idx="minor">
+            <a:schemeClr val="dk1"/>
+          </a:fontRef>
+        </p:style>
+        <p:txBody>
+          <a:bodyPr vert="horz" wrap="square" lIns="0" tIns="0" rIns="0" bIns="0" numCol="1" rtlCol="0" anchor="ctr" anchorCtr="0" compatLnSpc="1">
+            <a:prstTxWarp prst="textNoShape">
+              <a:avLst/>
+            </a:prstTxWarp>
+          </a:bodyPr>
+          <a:lstStyle/>
+          <a:p>
+            <a:pPr algn="ctr" defTabSz="914378" fontAlgn="base">
+              <a:lnSpc>
+                <a:spcPct val="90000"/>
+              </a:lnSpc>
+              <a:spcBef>
+                <a:spcPct val="0"/>
+              </a:spcBef>
+              <a:spcAft>
+                <a:spcPct val="0"/>
+              </a:spcAft>
+            </a:pPr>
+            <a:r>
+              <a:rPr lang="en-US" sz="1600" b="1" dirty="0">
+                <a:solidFill>
+                  <a:schemeClr val="tx2">
+                    <a:lumMod val="75000"/>
+                  </a:schemeClr>
+                </a:solidFill>
+                <a:latin typeface="Helvetica Neue Light" charset="0"/>
+                <a:ea typeface="Helvetica Neue Light" charset="0"/>
+                <a:cs typeface="Helvetica Neue Light" charset="0"/>
+              </a:rPr>
+              <a:t>MQ</a:t>
+            </a:r>
+          </a:p>
+        </p:txBody>
+      </p:sp>
       <p:cxnSp>
         <p:nvCxnSpPr>
-          <p:cNvPr id="47" name="Straight Arrow Connector 46"/>
+          <p:cNvPr id="30" name="Straight Arrow Connector 29"/>
           <p:cNvCxnSpPr/>
           <p:nvPr/>
         </p:nvCxnSpPr>
         <p:spPr bwMode="auto">
-          <a:xfrm flipV="1">
-            <a:off x="4636631" y="2921621"/>
-            <a:ext cx="3717" cy="457199"/>
+          <a:xfrm flipH="1" flipV="1">
+            <a:off x="3989907" y="2490822"/>
+            <a:ext cx="4183" cy="376106"/>
           </a:xfrm>
           <a:prstGeom prst="straightConnector1">
             <a:avLst/>
@@ -10489,10 +10198,339 @@
           <a:effectLst/>
         </p:spPr>
       </p:cxnSp>
+      <p:cxnSp>
+        <p:nvCxnSpPr>
+          <p:cNvPr id="33" name="Straight Arrow Connector 32"/>
+          <p:cNvCxnSpPr/>
+          <p:nvPr/>
+        </p:nvCxnSpPr>
+        <p:spPr bwMode="auto">
+          <a:xfrm>
+            <a:off x="3950916" y="3986125"/>
+            <a:ext cx="1476161" cy="20033"/>
+          </a:xfrm>
+          <a:prstGeom prst="straightConnector1">
+            <a:avLst/>
+          </a:prstGeom>
+          <a:noFill/>
+          <a:ln w="25400" cap="flat" cmpd="sng" algn="ctr">
+            <a:solidFill>
+              <a:srgbClr val="7030A0"/>
+            </a:solidFill>
+            <a:prstDash val="solid"/>
+            <a:round/>
+            <a:headEnd type="none" w="med" len="med"/>
+            <a:tailEnd type="none" w="med" len="med"/>
+          </a:ln>
+          <a:effectLst/>
+        </p:spPr>
+      </p:cxnSp>
+      <p:sp>
+        <p:nvSpPr>
+          <p:cNvPr id="34" name="Rectangular Callout 33"/>
+          <p:cNvSpPr/>
+          <p:nvPr/>
+        </p:nvSpPr>
+        <p:spPr bwMode="auto">
+          <a:xfrm>
+            <a:off x="7211649" y="2633092"/>
+            <a:ext cx="1018947" cy="605414"/>
+          </a:xfrm>
+          <a:prstGeom prst="wedgeRectCallout">
+            <a:avLst>
+              <a:gd name="adj1" fmla="val -23080"/>
+              <a:gd name="adj2" fmla="val -86307"/>
+            </a:avLst>
+          </a:prstGeom>
+          <a:solidFill>
+            <a:schemeClr val="accent4">
+              <a:lumMod val="20000"/>
+              <a:lumOff val="80000"/>
+            </a:schemeClr>
+          </a:solidFill>
+          <a:ln w="9525" cap="flat" cmpd="sng" algn="ctr">
+            <a:solidFill>
+              <a:srgbClr val="7030A0"/>
+            </a:solidFill>
+            <a:prstDash val="solid"/>
+            <a:round/>
+            <a:headEnd type="none" w="med" len="med"/>
+            <a:tailEnd type="none" w="med" len="med"/>
+          </a:ln>
+          <a:effectLst/>
+        </p:spPr>
+        <p:txBody>
+          <a:bodyPr vert="horz" wrap="square" lIns="45720" tIns="45720" rIns="45720" bIns="45720" numCol="1" rtlCol="0" anchor="t" anchorCtr="0" compatLnSpc="1">
+            <a:prstTxWarp prst="textNoShape">
+              <a:avLst/>
+            </a:prstTxWarp>
+          </a:bodyPr>
+          <a:lstStyle/>
+          <a:p>
+            <a:pPr defTabSz="914378" fontAlgn="base">
+              <a:lnSpc>
+                <a:spcPct val="90000"/>
+              </a:lnSpc>
+              <a:spcBef>
+                <a:spcPct val="0"/>
+              </a:spcBef>
+              <a:spcAft>
+                <a:spcPct val="0"/>
+              </a:spcAft>
+            </a:pPr>
+            <a:r>
+              <a:rPr lang="en-US" sz="1000" dirty="0">
+                <a:solidFill>
+                  <a:srgbClr val="191919"/>
+                </a:solidFill>
+                <a:latin typeface="Helvetica Neue Light" charset="0"/>
+                <a:ea typeface="Helvetica Neue Light" charset="0"/>
+                <a:cs typeface="Helvetica Neue Light" charset="0"/>
+              </a:rPr>
+              <a:t>10. Create new Ticket in custom help desk system</a:t>
+            </a:r>
+          </a:p>
+        </p:txBody>
+      </p:sp>
+      <p:sp>
+        <p:nvSpPr>
+          <p:cNvPr id="35" name="Rectangular Callout 34"/>
+          <p:cNvSpPr/>
+          <p:nvPr/>
+        </p:nvSpPr>
+        <p:spPr bwMode="auto">
+          <a:xfrm>
+            <a:off x="3318573" y="4175161"/>
+            <a:ext cx="1478687" cy="505968"/>
+          </a:xfrm>
+          <a:prstGeom prst="wedgeRectCallout">
+            <a:avLst>
+              <a:gd name="adj1" fmla="val -35171"/>
+              <a:gd name="adj2" fmla="val -89230"/>
+            </a:avLst>
+          </a:prstGeom>
+          <a:solidFill>
+            <a:schemeClr val="accent4">
+              <a:lumMod val="20000"/>
+              <a:lumOff val="80000"/>
+            </a:schemeClr>
+          </a:solidFill>
+          <a:ln w="9525" cap="flat" cmpd="sng" algn="ctr">
+            <a:solidFill>
+              <a:srgbClr val="7030A0"/>
+            </a:solidFill>
+            <a:prstDash val="solid"/>
+            <a:round/>
+            <a:headEnd type="none" w="med" len="med"/>
+            <a:tailEnd type="none" w="med" len="med"/>
+          </a:ln>
+          <a:effectLst/>
+        </p:spPr>
+        <p:txBody>
+          <a:bodyPr vert="horz" wrap="square" lIns="45720" tIns="45720" rIns="45720" bIns="45720" numCol="1" rtlCol="0" anchor="t" anchorCtr="0" compatLnSpc="1">
+            <a:prstTxWarp prst="textNoShape">
+              <a:avLst/>
+            </a:prstTxWarp>
+          </a:bodyPr>
+          <a:lstStyle/>
+          <a:p>
+            <a:pPr defTabSz="914378" fontAlgn="base">
+              <a:lnSpc>
+                <a:spcPct val="90000"/>
+              </a:lnSpc>
+              <a:spcBef>
+                <a:spcPct val="0"/>
+              </a:spcBef>
+              <a:spcAft>
+                <a:spcPct val="0"/>
+              </a:spcAft>
+            </a:pPr>
+            <a:r>
+              <a:rPr lang="en-US" sz="1000" dirty="0">
+                <a:solidFill>
+                  <a:srgbClr val="191919"/>
+                </a:solidFill>
+                <a:latin typeface="Helvetica Neue Light" charset="0"/>
+                <a:ea typeface="Helvetica Neue Light" charset="0"/>
+                <a:cs typeface="Helvetica Neue Light" charset="0"/>
+              </a:rPr>
+              <a:t>8</a:t>
+            </a:r>
+            <a:r>
+              <a:rPr lang="en-US" sz="1000" dirty="0">
+                <a:solidFill>
+                  <a:srgbClr val="191919"/>
+                </a:solidFill>
+                <a:latin typeface="Helvetica Neue Light" charset="0"/>
+                <a:ea typeface="Helvetica Neue Light" charset="0"/>
+                <a:cs typeface="Helvetica Neue Light" charset="0"/>
+              </a:rPr>
+              <a:t>. API Call made from Lightning app to create new incident</a:t>
+            </a:r>
+            <a:endParaRPr lang="en-US" sz="1000" b="1" dirty="0">
+              <a:solidFill>
+                <a:srgbClr val="191919"/>
+              </a:solidFill>
+              <a:latin typeface="Helvetica Neue Light" charset="0"/>
+              <a:ea typeface="Helvetica Neue Light" charset="0"/>
+              <a:cs typeface="Helvetica Neue Light" charset="0"/>
+            </a:endParaRPr>
+          </a:p>
+        </p:txBody>
+      </p:sp>
+      <p:grpSp>
+        <p:nvGrpSpPr>
+          <p:cNvPr id="36" name="Group 35"/>
+          <p:cNvGrpSpPr/>
+          <p:nvPr/>
+        </p:nvGrpSpPr>
+        <p:grpSpPr>
+          <a:xfrm flipH="1">
+            <a:off x="2500116" y="3603295"/>
+            <a:ext cx="1450802" cy="382829"/>
+            <a:chOff x="2011485" y="2333669"/>
+            <a:chExt cx="1201919" cy="200637"/>
+          </a:xfrm>
+        </p:grpSpPr>
+        <p:cxnSp>
+          <p:nvCxnSpPr>
+            <p:cNvPr id="37" name="Straight Arrow Connector 36"/>
+            <p:cNvCxnSpPr/>
+            <p:nvPr/>
+          </p:nvCxnSpPr>
+          <p:spPr bwMode="auto">
+            <a:xfrm flipV="1">
+              <a:off x="2011485" y="2333669"/>
+              <a:ext cx="1" cy="200637"/>
+            </a:xfrm>
+            <a:prstGeom prst="straightConnector1">
+              <a:avLst/>
+            </a:prstGeom>
+            <a:noFill/>
+            <a:ln w="12700" cap="flat" cmpd="sng" algn="ctr">
+              <a:solidFill>
+                <a:schemeClr val="bg1">
+                  <a:lumMod val="50000"/>
+                </a:schemeClr>
+              </a:solidFill>
+              <a:prstDash val="solid"/>
+              <a:round/>
+              <a:headEnd type="none" w="med" len="med"/>
+              <a:tailEnd type="triangle"/>
+            </a:ln>
+            <a:effectLst/>
+          </p:spPr>
+        </p:cxnSp>
+        <p:cxnSp>
+          <p:nvCxnSpPr>
+            <p:cNvPr id="38" name="Straight Arrow Connector 37"/>
+            <p:cNvCxnSpPr/>
+            <p:nvPr/>
+          </p:nvCxnSpPr>
+          <p:spPr bwMode="auto">
+            <a:xfrm flipH="1">
+              <a:off x="2011486" y="2534306"/>
+              <a:ext cx="1201918" cy="0"/>
+            </a:xfrm>
+            <a:prstGeom prst="straightConnector1">
+              <a:avLst/>
+            </a:prstGeom>
+            <a:noFill/>
+            <a:ln w="25400" cap="flat" cmpd="sng" algn="ctr">
+              <a:solidFill>
+                <a:srgbClr val="7030A0"/>
+              </a:solidFill>
+              <a:prstDash val="solid"/>
+              <a:round/>
+              <a:headEnd type="none" w="med" len="med"/>
+              <a:tailEnd type="none" w="med" len="med"/>
+            </a:ln>
+            <a:effectLst/>
+          </p:spPr>
+        </p:cxnSp>
+      </p:grpSp>
+      <p:sp>
+        <p:nvSpPr>
+          <p:cNvPr id="39" name="Rectangular Callout 38"/>
+          <p:cNvSpPr/>
+          <p:nvPr/>
+        </p:nvSpPr>
+        <p:spPr bwMode="auto">
+          <a:xfrm>
+            <a:off x="6120582" y="2611063"/>
+            <a:ext cx="900196" cy="572786"/>
+          </a:xfrm>
+          <a:prstGeom prst="wedgeRectCallout">
+            <a:avLst>
+              <a:gd name="adj1" fmla="val -117195"/>
+              <a:gd name="adj2" fmla="val -40736"/>
+            </a:avLst>
+          </a:prstGeom>
+          <a:solidFill>
+            <a:schemeClr val="accent4">
+              <a:lumMod val="20000"/>
+              <a:lumOff val="80000"/>
+            </a:schemeClr>
+          </a:solidFill>
+          <a:ln w="9525" cap="flat" cmpd="sng" algn="ctr">
+            <a:solidFill>
+              <a:srgbClr val="7030A0"/>
+            </a:solidFill>
+            <a:prstDash val="solid"/>
+            <a:round/>
+            <a:headEnd type="none" w="med" len="med"/>
+            <a:tailEnd type="none" w="med" len="med"/>
+          </a:ln>
+          <a:effectLst/>
+        </p:spPr>
+        <p:txBody>
+          <a:bodyPr vert="horz" wrap="square" lIns="45720" tIns="45720" rIns="45720" bIns="45720" numCol="1" rtlCol="0" anchor="t" anchorCtr="0" compatLnSpc="1">
+            <a:prstTxWarp prst="textNoShape">
+              <a:avLst/>
+            </a:prstTxWarp>
+          </a:bodyPr>
+          <a:lstStyle/>
+          <a:p>
+            <a:pPr defTabSz="914378" fontAlgn="base">
+              <a:lnSpc>
+                <a:spcPct val="90000"/>
+              </a:lnSpc>
+              <a:spcBef>
+                <a:spcPct val="0"/>
+              </a:spcBef>
+              <a:spcAft>
+                <a:spcPct val="0"/>
+              </a:spcAft>
+            </a:pPr>
+            <a:r>
+              <a:rPr lang="en-US" sz="1000" dirty="0">
+                <a:solidFill>
+                  <a:srgbClr val="191919"/>
+                </a:solidFill>
+                <a:latin typeface="Helvetica Neue Light" charset="0"/>
+                <a:ea typeface="Helvetica Neue Light" charset="0"/>
+                <a:cs typeface="Helvetica Neue Light" charset="0"/>
+              </a:rPr>
+              <a:t>9</a:t>
+            </a:r>
+            <a:r>
+              <a:rPr lang="en-US" sz="1000" dirty="0">
+                <a:solidFill>
+                  <a:srgbClr val="191919"/>
+                </a:solidFill>
+                <a:latin typeface="Helvetica Neue Light" charset="0"/>
+                <a:ea typeface="Helvetica Neue Light" charset="0"/>
+                <a:cs typeface="Helvetica Neue Light" charset="0"/>
+              </a:rPr>
+              <a:t>. Call to integration resource on App Connect</a:t>
+            </a:r>
+          </a:p>
+        </p:txBody>
+      </p:sp>
     </p:spTree>
     <p:extLst>
       <p:ext uri="{BB962C8B-B14F-4D97-AF65-F5344CB8AC3E}">
-        <p14:creationId xmlns:p14="http://schemas.microsoft.com/office/powerpoint/2010/main" val="99754686"/>
+        <p14:creationId xmlns:p14="http://schemas.microsoft.com/office/powerpoint/2010/main" val="1522059443"/>
       </p:ext>
     </p:extLst>
   </p:cSld>
@@ -10547,11 +10585,13 @@
         <p:spPr>
           <a:xfrm>
             <a:off x="328613" y="219075"/>
-            <a:ext cx="8686800" cy="637097"/>
+            <a:ext cx="8686800" cy="387798"/>
           </a:xfrm>
         </p:spPr>
         <p:txBody>
-          <a:bodyPr/>
+          <a:bodyPr>
+            <a:normAutofit fontScale="90000"/>
+          </a:bodyPr>
           <a:lstStyle/>
           <a:p>
             <a:r>
@@ -10560,7 +10600,15 @@
                 <a:ea typeface="Helvetica Neue" charset="0"/>
                 <a:cs typeface="Helvetica Neue" charset="0"/>
               </a:rPr>
-              <a:t>IBM Cloud Integration for Salesforce Demo</a:t>
+              <a:t>IBM Cloud Integration for Salesforce </a:t>
+            </a:r>
+            <a:r>
+              <a:rPr lang="en-US" dirty="0" smtClean="0">
+                <a:latin typeface="Helvetica Neue" charset="0"/>
+                <a:ea typeface="Helvetica Neue" charset="0"/>
+                <a:cs typeface="Helvetica Neue" charset="0"/>
+              </a:rPr>
+              <a:t>Demo</a:t>
             </a:r>
             <a:br>
               <a:rPr lang="en-US" dirty="0" smtClean="0">
@@ -10570,7 +10618,7 @@
               </a:rPr>
             </a:br>
             <a:r>
-              <a:rPr lang="en-US" sz="1800" dirty="0" smtClean="0">
+              <a:rPr lang="en-US" sz="1800" dirty="0">
                 <a:solidFill>
                   <a:srgbClr val="7030A0"/>
                 </a:solidFill>
@@ -10578,9 +10626,9 @@
                 <a:ea typeface="Helvetica Neue" charset="0"/>
                 <a:cs typeface="Helvetica Neue" charset="0"/>
               </a:rPr>
-              <a:t>Trouble tickets synchronized to Cases in SF</a:t>
-            </a:r>
-            <a:endParaRPr lang="en-US" sz="2400" dirty="0">
+              <a:t>Create new incident on custom help desk system</a:t>
+            </a:r>
+            <a:endParaRPr lang="en-US" sz="1800" dirty="0">
               <a:solidFill>
                 <a:srgbClr val="7030A0"/>
               </a:solidFill>
@@ -10593,14 +10641,14 @@
       </p:sp>
       <p:sp>
         <p:nvSpPr>
-          <p:cNvPr id="5" name="Rounded Rectangle 4"/>
+          <p:cNvPr id="23" name="Rounded Rectangle 22"/>
           <p:cNvSpPr/>
           <p:nvPr/>
         </p:nvSpPr>
         <p:spPr bwMode="auto">
           <a:xfrm>
-            <a:off x="3331819" y="1674866"/>
-            <a:ext cx="2706880" cy="1110126"/>
+            <a:off x="4931839" y="2858454"/>
+            <a:ext cx="926521" cy="705683"/>
           </a:xfrm>
           <a:prstGeom prst="roundRect">
             <a:avLst/>
@@ -10628,14 +10676,14 @@
           </a:fontRef>
         </p:style>
         <p:txBody>
-          <a:bodyPr vert="horz" wrap="square" lIns="914400" tIns="0" rIns="0" bIns="0" numCol="1" rtlCol="0" anchor="ctr" anchorCtr="0" compatLnSpc="1">
+          <a:bodyPr vert="horz" wrap="square" lIns="0" tIns="0" rIns="0" bIns="0" numCol="1" rtlCol="0" anchor="ctr" anchorCtr="0" compatLnSpc="1">
             <a:prstTxWarp prst="textNoShape">
               <a:avLst/>
             </a:prstTxWarp>
           </a:bodyPr>
           <a:lstStyle/>
           <a:p>
-            <a:pPr marL="0" marR="0" indent="0" defTabSz="914400" rtl="0" eaLnBrk="1" fontAlgn="base" latinLnBrk="0" hangingPunct="1">
+            <a:pPr algn="ctr" defTabSz="914378" fontAlgn="base">
               <a:lnSpc>
                 <a:spcPct val="90000"/>
               </a:lnSpc>
@@ -10645,63 +10693,19 @@
               <a:spcAft>
                 <a:spcPct val="0"/>
               </a:spcAft>
-              <a:buClrTx/>
-              <a:buSzTx/>
-              <a:buFontTx/>
-              <a:buNone/>
-              <a:tabLst/>
             </a:pPr>
             <a:r>
-              <a:rPr kumimoji="0" lang="en-US" b="1" u="none" strike="noStrike" cap="none" normalizeH="0" baseline="0" dirty="0" smtClean="0">
-                <a:ln>
-                  <a:noFill/>
-                </a:ln>
+              <a:rPr lang="en-US" sz="1600" b="1" dirty="0">
                 <a:solidFill>
                   <a:schemeClr val="tx2">
                     <a:lumMod val="75000"/>
                   </a:schemeClr>
                 </a:solidFill>
-                <a:effectLst/>
                 <a:latin typeface="Helvetica Neue Light" charset="0"/>
                 <a:ea typeface="Helvetica Neue Light" charset="0"/>
                 <a:cs typeface="Helvetica Neue Light" charset="0"/>
               </a:rPr>
-              <a:t>App</a:t>
-            </a:r>
-          </a:p>
-          <a:p>
-            <a:pPr marL="0" marR="0" indent="0" defTabSz="914400" rtl="0" eaLnBrk="1" fontAlgn="base" latinLnBrk="0" hangingPunct="1">
-              <a:lnSpc>
-                <a:spcPct val="90000"/>
-              </a:lnSpc>
-              <a:spcBef>
-                <a:spcPct val="0"/>
-              </a:spcBef>
-              <a:spcAft>
-                <a:spcPct val="0"/>
-              </a:spcAft>
-              <a:buClrTx/>
-              <a:buSzTx/>
-              <a:buFontTx/>
-              <a:buNone/>
-              <a:tabLst/>
-            </a:pPr>
-            <a:r>
-              <a:rPr kumimoji="0" lang="en-US" u="none" strike="noStrike" cap="none" normalizeH="0" baseline="0" dirty="0" smtClean="0">
-                <a:ln>
-                  <a:noFill/>
-                </a:ln>
-                <a:solidFill>
-                  <a:schemeClr val="tx2">
-                    <a:lumMod val="75000"/>
-                  </a:schemeClr>
-                </a:solidFill>
-                <a:effectLst/>
-                <a:latin typeface="Helvetica Neue Light" charset="0"/>
-                <a:ea typeface="Helvetica Neue Light" charset="0"/>
-                <a:cs typeface="Helvetica Neue Light" charset="0"/>
-              </a:rPr>
-              <a:t>Connect</a:t>
+              <a:t>API Connect</a:t>
             </a:r>
           </a:p>
         </p:txBody>
@@ -10722,44 +10726,166 @@
         </p:blipFill>
         <p:spPr>
           <a:xfrm>
-            <a:off x="762990" y="3140118"/>
-            <a:ext cx="1833847" cy="1151248"/>
+            <a:off x="979496" y="3324132"/>
+            <a:ext cx="1617341" cy="1015331"/>
           </a:xfrm>
           <a:prstGeom prst="rect">
             <a:avLst/>
           </a:prstGeom>
         </p:spPr>
       </p:pic>
-      <p:pic>
-        <p:nvPicPr>
-          <p:cNvPr id="26" name="Picture 25"/>
-          <p:cNvPicPr>
-            <a:picLocks noChangeAspect="1"/>
-          </p:cNvPicPr>
+      <p:grpSp>
+        <p:nvGrpSpPr>
+          <p:cNvPr id="6" name="Group 5"/>
+          <p:cNvGrpSpPr/>
           <p:nvPr/>
-        </p:nvPicPr>
-        <p:blipFill>
-          <a:blip r:embed="rId3" cstate="hqprint">
-            <a:extLst>
-              <a:ext uri="{28A0092B-C50C-407E-A947-70E740481C1C}">
-                <a14:useLocalDpi xmlns:a14="http://schemas.microsoft.com/office/drawing/2010/main"/>
-              </a:ext>
-            </a:extLst>
-          </a:blip>
-          <a:stretch>
-            <a:fillRect/>
-          </a:stretch>
-        </p:blipFill>
-        <p:spPr>
-          <a:xfrm>
-            <a:off x="3448188" y="1782098"/>
-            <a:ext cx="501795" cy="501795"/>
-          </a:xfrm>
-          <a:prstGeom prst="rect">
-            <a:avLst/>
-          </a:prstGeom>
-        </p:spPr>
-      </p:pic>
+        </p:nvGrpSpPr>
+        <p:grpSpPr>
+          <a:xfrm>
+            <a:off x="3318573" y="1389168"/>
+            <a:ext cx="2706880" cy="1110126"/>
+            <a:chOff x="4424764" y="1852224"/>
+            <a:chExt cx="3609173" cy="1480168"/>
+          </a:xfrm>
+        </p:grpSpPr>
+        <p:sp>
+          <p:nvSpPr>
+            <p:cNvPr id="5" name="Rounded Rectangle 4"/>
+            <p:cNvSpPr/>
+            <p:nvPr/>
+          </p:nvSpPr>
+          <p:spPr bwMode="auto">
+            <a:xfrm>
+              <a:off x="4424764" y="1852224"/>
+              <a:ext cx="3609173" cy="1480168"/>
+            </a:xfrm>
+            <a:prstGeom prst="roundRect">
+              <a:avLst/>
+            </a:prstGeom>
+            <a:ln>
+              <a:solidFill>
+                <a:srgbClr val="002060"/>
+              </a:solidFill>
+              <a:headEnd type="none" w="med" len="med"/>
+              <a:tailEnd type="none" w="med" len="med"/>
+            </a:ln>
+          </p:spPr>
+          <p:style>
+            <a:lnRef idx="2">
+              <a:schemeClr val="dk1"/>
+            </a:lnRef>
+            <a:fillRef idx="1">
+              <a:schemeClr val="lt1"/>
+            </a:fillRef>
+            <a:effectRef idx="0">
+              <a:schemeClr val="dk1"/>
+            </a:effectRef>
+            <a:fontRef idx="minor">
+              <a:schemeClr val="dk1"/>
+            </a:fontRef>
+          </p:style>
+          <p:txBody>
+            <a:bodyPr vert="horz" wrap="square" lIns="914400" tIns="0" rIns="0" bIns="0" numCol="1" rtlCol="0" anchor="ctr" anchorCtr="0" compatLnSpc="1">
+              <a:prstTxWarp prst="textNoShape">
+                <a:avLst/>
+              </a:prstTxWarp>
+            </a:bodyPr>
+            <a:lstStyle/>
+            <a:p>
+              <a:pPr defTabSz="914378" fontAlgn="base">
+                <a:lnSpc>
+                  <a:spcPct val="90000"/>
+                </a:lnSpc>
+                <a:spcBef>
+                  <a:spcPct val="0"/>
+                </a:spcBef>
+                <a:spcAft>
+                  <a:spcPct val="0"/>
+                </a:spcAft>
+              </a:pPr>
+              <a:r>
+                <a:rPr lang="en-US" b="1">
+                  <a:solidFill>
+                    <a:schemeClr val="tx2">
+                      <a:lumMod val="75000"/>
+                    </a:schemeClr>
+                  </a:solidFill>
+                  <a:latin typeface="Helvetica Neue Light" charset="0"/>
+                  <a:ea typeface="Helvetica Neue Light" charset="0"/>
+                  <a:cs typeface="Helvetica Neue Light" charset="0"/>
+                </a:rPr>
+                <a:t>App</a:t>
+              </a:r>
+              <a:endParaRPr lang="en-US" b="1" dirty="0">
+                <a:solidFill>
+                  <a:schemeClr val="tx2">
+                    <a:lumMod val="75000"/>
+                  </a:schemeClr>
+                </a:solidFill>
+                <a:latin typeface="Helvetica Neue Light" charset="0"/>
+                <a:ea typeface="Helvetica Neue Light" charset="0"/>
+                <a:cs typeface="Helvetica Neue Light" charset="0"/>
+              </a:endParaRPr>
+            </a:p>
+            <a:p>
+              <a:pPr defTabSz="914378" fontAlgn="base">
+                <a:lnSpc>
+                  <a:spcPct val="90000"/>
+                </a:lnSpc>
+                <a:spcBef>
+                  <a:spcPct val="0"/>
+                </a:spcBef>
+                <a:spcAft>
+                  <a:spcPct val="0"/>
+                </a:spcAft>
+              </a:pPr>
+              <a:r>
+                <a:rPr lang="en-US" dirty="0">
+                  <a:solidFill>
+                    <a:schemeClr val="tx2">
+                      <a:lumMod val="75000"/>
+                    </a:schemeClr>
+                  </a:solidFill>
+                  <a:latin typeface="Helvetica Neue Light" charset="0"/>
+                  <a:ea typeface="Helvetica Neue Light" charset="0"/>
+                  <a:cs typeface="Helvetica Neue Light" charset="0"/>
+                </a:rPr>
+                <a:t>Connect</a:t>
+              </a:r>
+            </a:p>
+          </p:txBody>
+        </p:sp>
+        <p:pic>
+          <p:nvPicPr>
+            <p:cNvPr id="26" name="Picture 25"/>
+            <p:cNvPicPr>
+              <a:picLocks noChangeAspect="1"/>
+            </p:cNvPicPr>
+            <p:nvPr/>
+          </p:nvPicPr>
+          <p:blipFill>
+            <a:blip r:embed="rId3" cstate="hqprint">
+              <a:extLst>
+                <a:ext uri="{28A0092B-C50C-407E-A947-70E740481C1C}">
+                  <a14:useLocalDpi xmlns:a14="http://schemas.microsoft.com/office/drawing/2010/main"/>
+                </a:ext>
+              </a:extLst>
+            </a:blip>
+            <a:stretch>
+              <a:fillRect/>
+            </a:stretch>
+          </p:blipFill>
+          <p:spPr>
+            <a:xfrm>
+              <a:off x="4652170" y="2055963"/>
+              <a:ext cx="669060" cy="669060"/>
+            </a:xfrm>
+            <a:prstGeom prst="rect">
+              <a:avLst/>
+            </a:prstGeom>
+          </p:spPr>
+        </p:pic>
+      </p:grpSp>
       <p:pic>
         <p:nvPicPr>
           <p:cNvPr id="43" name="Picture 42"/>
@@ -10782,7 +10908,7 @@
         </p:blipFill>
         <p:spPr>
           <a:xfrm>
-            <a:off x="1043836" y="1487812"/>
+            <a:off x="1020502" y="1403601"/>
             <a:ext cx="841682" cy="841682"/>
           </a:xfrm>
           <a:prstGeom prst="rect">
@@ -10790,6 +10916,60 @@
           </a:prstGeom>
         </p:spPr>
       </p:pic>
+      <p:cxnSp>
+        <p:nvCxnSpPr>
+          <p:cNvPr id="48" name="Straight Arrow Connector 47"/>
+          <p:cNvCxnSpPr/>
+          <p:nvPr/>
+        </p:nvCxnSpPr>
+        <p:spPr bwMode="auto">
+          <a:xfrm flipH="1" flipV="1">
+            <a:off x="5420237" y="3585934"/>
+            <a:ext cx="6840" cy="426770"/>
+          </a:xfrm>
+          <a:prstGeom prst="straightConnector1">
+            <a:avLst/>
+          </a:prstGeom>
+          <a:noFill/>
+          <a:ln w="25400" cap="flat" cmpd="sng" algn="ctr">
+            <a:solidFill>
+              <a:srgbClr val="7030A0"/>
+            </a:solidFill>
+            <a:prstDash val="solid"/>
+            <a:round/>
+            <a:headEnd type="none" w="med" len="med"/>
+            <a:tailEnd type="triangle"/>
+          </a:ln>
+          <a:effectLst/>
+        </p:spPr>
+      </p:cxnSp>
+      <p:cxnSp>
+        <p:nvCxnSpPr>
+          <p:cNvPr id="52" name="Straight Arrow Connector 51"/>
+          <p:cNvCxnSpPr/>
+          <p:nvPr/>
+        </p:nvCxnSpPr>
+        <p:spPr bwMode="auto">
+          <a:xfrm flipH="1" flipV="1">
+            <a:off x="5420237" y="2511168"/>
+            <a:ext cx="1" cy="359160"/>
+          </a:xfrm>
+          <a:prstGeom prst="straightConnector1">
+            <a:avLst/>
+          </a:prstGeom>
+          <a:noFill/>
+          <a:ln w="25400" cap="flat" cmpd="sng" algn="ctr">
+            <a:solidFill>
+              <a:srgbClr val="7030A0"/>
+            </a:solidFill>
+            <a:prstDash val="solid"/>
+            <a:round/>
+            <a:headEnd type="none" w="med" len="med"/>
+            <a:tailEnd type="triangle"/>
+          </a:ln>
+          <a:effectLst/>
+        </p:spPr>
+      </p:cxnSp>
       <p:cxnSp>
         <p:nvCxnSpPr>
           <p:cNvPr id="63" name="Straight Arrow Connector 62"/>
@@ -10798,8 +10978,8 @@
         </p:nvCxnSpPr>
         <p:spPr bwMode="auto">
           <a:xfrm>
-            <a:off x="1754215" y="1941454"/>
-            <a:ext cx="1485389" cy="0"/>
+            <a:off x="1885518" y="1712485"/>
+            <a:ext cx="1201918" cy="0"/>
           </a:xfrm>
           <a:prstGeom prst="straightConnector1">
             <a:avLst/>
@@ -10807,9 +10987,7 @@
           <a:noFill/>
           <a:ln w="12700" cap="flat" cmpd="sng" algn="ctr">
             <a:solidFill>
-              <a:schemeClr val="bg1">
-                <a:lumMod val="50000"/>
-              </a:schemeClr>
+              <a:srgbClr val="7030A0"/>
             </a:solidFill>
             <a:prstDash val="solid"/>
             <a:round/>
@@ -10819,920 +10997,23 @@
           <a:effectLst/>
         </p:spPr>
       </p:cxnSp>
-      <p:cxnSp>
-        <p:nvCxnSpPr>
-          <p:cNvPr id="28" name="Straight Arrow Connector 27"/>
-          <p:cNvCxnSpPr/>
-          <p:nvPr/>
-        </p:nvCxnSpPr>
-        <p:spPr bwMode="auto">
-          <a:xfrm>
-            <a:off x="6142934" y="1941454"/>
-            <a:ext cx="751673" cy="0"/>
-          </a:xfrm>
-          <a:prstGeom prst="straightConnector1">
-            <a:avLst/>
-          </a:prstGeom>
-          <a:noFill/>
-          <a:ln w="12700" cap="flat" cmpd="sng" algn="ctr">
-            <a:solidFill>
-              <a:schemeClr val="bg1">
-                <a:lumMod val="50000"/>
-              </a:schemeClr>
-            </a:solidFill>
-            <a:prstDash val="solid"/>
-            <a:round/>
-            <a:headEnd type="none" w="med" len="med"/>
-            <a:tailEnd type="triangle"/>
-          </a:ln>
-          <a:effectLst/>
-        </p:spPr>
-      </p:cxnSp>
-      <p:sp>
-        <p:nvSpPr>
-          <p:cNvPr id="21" name="Rectangular Callout 20"/>
-          <p:cNvSpPr/>
-          <p:nvPr/>
-        </p:nvSpPr>
-        <p:spPr bwMode="auto">
-          <a:xfrm>
-            <a:off x="2612445" y="4270348"/>
-            <a:ext cx="1723616" cy="233491"/>
-          </a:xfrm>
-          <a:prstGeom prst="wedgeRectCallout">
-            <a:avLst>
-              <a:gd name="adj1" fmla="val -61099"/>
-              <a:gd name="adj2" fmla="val -244459"/>
-            </a:avLst>
-          </a:prstGeom>
-          <a:solidFill>
-            <a:schemeClr val="accent4">
-              <a:lumMod val="20000"/>
-              <a:lumOff val="80000"/>
-            </a:schemeClr>
-          </a:solidFill>
-          <a:ln w="9525" cap="flat" cmpd="sng" algn="ctr">
-            <a:solidFill>
-              <a:srgbClr val="7030A0"/>
-            </a:solidFill>
-            <a:prstDash val="solid"/>
-            <a:round/>
-            <a:headEnd type="none" w="med" len="med"/>
-            <a:tailEnd type="none" w="med" len="med"/>
-          </a:ln>
-          <a:effectLst/>
-        </p:spPr>
-        <p:txBody>
-          <a:bodyPr vert="horz" wrap="square" lIns="45720" tIns="45720" rIns="45720" bIns="45720" numCol="1" rtlCol="0" anchor="t" anchorCtr="0" compatLnSpc="1">
-            <a:prstTxWarp prst="textNoShape">
-              <a:avLst/>
-            </a:prstTxWarp>
-          </a:bodyPr>
-          <a:lstStyle/>
-          <a:p>
-            <a:pPr marL="0" marR="0" indent="0" algn="l" defTabSz="914400" rtl="0" eaLnBrk="1" fontAlgn="base" latinLnBrk="0" hangingPunct="1">
-              <a:lnSpc>
-                <a:spcPct val="90000"/>
-              </a:lnSpc>
-              <a:spcBef>
-                <a:spcPct val="0"/>
-              </a:spcBef>
-              <a:spcAft>
-                <a:spcPct val="0"/>
-              </a:spcAft>
-              <a:buClrTx/>
-              <a:buSzTx/>
-              <a:buFontTx/>
-              <a:buNone/>
-              <a:tabLst/>
-            </a:pPr>
-            <a:r>
-              <a:rPr lang="en-US" sz="1000" dirty="0">
-                <a:solidFill>
-                  <a:srgbClr val="191919"/>
-                </a:solidFill>
-                <a:latin typeface="Helvetica Neue Light" charset="0"/>
-                <a:ea typeface="Helvetica Neue Light" charset="0"/>
-                <a:cs typeface="Helvetica Neue Light" charset="0"/>
-              </a:rPr>
-              <a:t>4</a:t>
-            </a:r>
-            <a:r>
-              <a:rPr kumimoji="0" lang="en-US" sz="1000" u="none" strike="noStrike" cap="none" normalizeH="0" baseline="0" dirty="0" smtClean="0">
-                <a:ln>
-                  <a:noFill/>
-                </a:ln>
-                <a:solidFill>
-                  <a:srgbClr val="191919"/>
-                </a:solidFill>
-                <a:effectLst/>
-                <a:latin typeface="Helvetica Neue Light" charset="0"/>
-                <a:ea typeface="Helvetica Neue Light" charset="0"/>
-                <a:cs typeface="Helvetica Neue Light" charset="0"/>
-              </a:rPr>
-              <a:t>. </a:t>
-            </a:r>
-            <a:r>
-              <a:rPr lang="en-US" sz="1000" dirty="0" smtClean="0">
-                <a:solidFill>
-                  <a:srgbClr val="191919"/>
-                </a:solidFill>
-                <a:latin typeface="Helvetica Neue Light" charset="0"/>
-                <a:ea typeface="Helvetica Neue Light" charset="0"/>
-                <a:cs typeface="Helvetica Neue Light" charset="0"/>
-              </a:rPr>
-              <a:t>T</a:t>
-            </a:r>
-            <a:r>
-              <a:rPr kumimoji="0" lang="en-US" sz="1000" u="none" strike="noStrike" cap="none" normalizeH="0" baseline="0" dirty="0" smtClean="0">
-                <a:ln>
-                  <a:noFill/>
-                </a:ln>
-                <a:solidFill>
-                  <a:srgbClr val="191919"/>
-                </a:solidFill>
-                <a:effectLst/>
-                <a:latin typeface="Helvetica Neue Light" charset="0"/>
-                <a:ea typeface="Helvetica Neue Light" charset="0"/>
-                <a:cs typeface="Helvetica Neue Light" charset="0"/>
-              </a:rPr>
-              <a:t>rigger notification to </a:t>
-            </a:r>
-            <a:r>
-              <a:rPr kumimoji="0" lang="en-US" sz="1000" b="1" u="none" strike="noStrike" cap="none" normalizeH="0" baseline="0" dirty="0" smtClean="0">
-                <a:ln>
-                  <a:noFill/>
-                </a:ln>
-                <a:solidFill>
-                  <a:srgbClr val="191919"/>
-                </a:solidFill>
-                <a:effectLst/>
-                <a:latin typeface="Helvetica Neue Light" charset="0"/>
-                <a:ea typeface="Helvetica Neue Light" charset="0"/>
-                <a:cs typeface="Helvetica Neue Light" charset="0"/>
-              </a:rPr>
-              <a:t>MQ</a:t>
-            </a:r>
-          </a:p>
-        </p:txBody>
-      </p:sp>
-      <p:sp>
-        <p:nvSpPr>
-          <p:cNvPr id="30" name="Rectangular Callout 29"/>
-          <p:cNvSpPr/>
-          <p:nvPr/>
-        </p:nvSpPr>
-        <p:spPr bwMode="auto">
-          <a:xfrm>
-            <a:off x="5475449" y="3150220"/>
-            <a:ext cx="996603" cy="394753"/>
-          </a:xfrm>
-          <a:prstGeom prst="wedgeRectCallout">
-            <a:avLst>
-              <a:gd name="adj1" fmla="val -116960"/>
-              <a:gd name="adj2" fmla="val -12076"/>
-            </a:avLst>
-          </a:prstGeom>
-          <a:solidFill>
-            <a:schemeClr val="accent4">
-              <a:lumMod val="20000"/>
-              <a:lumOff val="80000"/>
-            </a:schemeClr>
-          </a:solidFill>
-          <a:ln w="9525" cap="flat" cmpd="sng" algn="ctr">
-            <a:solidFill>
-              <a:schemeClr val="accent4">
-                <a:lumMod val="50000"/>
-              </a:schemeClr>
-            </a:solidFill>
-            <a:prstDash val="solid"/>
-            <a:round/>
-            <a:headEnd type="none" w="med" len="med"/>
-            <a:tailEnd type="none" w="med" len="med"/>
-          </a:ln>
-          <a:effectLst/>
-        </p:spPr>
-        <p:txBody>
-          <a:bodyPr vert="horz" wrap="square" lIns="45720" tIns="45720" rIns="45720" bIns="45720" numCol="1" rtlCol="0" anchor="t" anchorCtr="0" compatLnSpc="1">
-            <a:prstTxWarp prst="textNoShape">
-              <a:avLst/>
-            </a:prstTxWarp>
-          </a:bodyPr>
-          <a:lstStyle/>
-          <a:p>
-            <a:pPr marL="0" marR="0" indent="0" algn="l" defTabSz="914400" rtl="0" eaLnBrk="1" fontAlgn="base" latinLnBrk="0" hangingPunct="1">
-              <a:lnSpc>
-                <a:spcPct val="90000"/>
-              </a:lnSpc>
-              <a:spcBef>
-                <a:spcPct val="0"/>
-              </a:spcBef>
-              <a:spcAft>
-                <a:spcPct val="0"/>
-              </a:spcAft>
-              <a:buClrTx/>
-              <a:buSzTx/>
-              <a:buFontTx/>
-              <a:buNone/>
-              <a:tabLst/>
-            </a:pPr>
-            <a:r>
-              <a:rPr lang="en-US" sz="1000" dirty="0">
-                <a:solidFill>
-                  <a:srgbClr val="191919"/>
-                </a:solidFill>
-                <a:latin typeface="Helvetica Neue Light" charset="0"/>
-                <a:ea typeface="Helvetica Neue Light" charset="0"/>
-                <a:cs typeface="Helvetica Neue Light" charset="0"/>
-              </a:rPr>
-              <a:t>5</a:t>
-            </a:r>
-            <a:r>
-              <a:rPr lang="en-US" sz="1000" dirty="0" smtClean="0">
-                <a:solidFill>
-                  <a:srgbClr val="191919"/>
-                </a:solidFill>
-                <a:latin typeface="Helvetica Neue Light" charset="0"/>
-                <a:ea typeface="Helvetica Neue Light" charset="0"/>
-                <a:cs typeface="Helvetica Neue Light" charset="0"/>
-              </a:rPr>
-              <a:t>. Publish to </a:t>
-            </a:r>
-            <a:r>
-              <a:rPr lang="en-US" sz="1000" b="1" dirty="0" smtClean="0">
-                <a:solidFill>
-                  <a:srgbClr val="191919"/>
-                </a:solidFill>
-                <a:latin typeface="Helvetica Neue Light" charset="0"/>
-                <a:ea typeface="Helvetica Neue Light" charset="0"/>
-                <a:cs typeface="Helvetica Neue Light" charset="0"/>
-              </a:rPr>
-              <a:t>App Connect</a:t>
-            </a:r>
-            <a:endParaRPr kumimoji="0" lang="en-US" sz="1000" b="1" u="none" strike="noStrike" cap="none" normalizeH="0" baseline="0" dirty="0" smtClean="0">
-              <a:ln>
-                <a:noFill/>
-              </a:ln>
-              <a:solidFill>
-                <a:srgbClr val="191919"/>
-              </a:solidFill>
-              <a:effectLst/>
-              <a:latin typeface="Helvetica Neue Light" charset="0"/>
-              <a:ea typeface="Helvetica Neue Light" charset="0"/>
-              <a:cs typeface="Helvetica Neue Light" charset="0"/>
-            </a:endParaRPr>
-          </a:p>
-        </p:txBody>
-      </p:sp>
-      <p:sp>
-        <p:nvSpPr>
-          <p:cNvPr id="31" name="Rectangular Callout 30"/>
-          <p:cNvSpPr/>
-          <p:nvPr/>
-        </p:nvSpPr>
-        <p:spPr bwMode="auto">
-          <a:xfrm>
-            <a:off x="2531742" y="2886508"/>
-            <a:ext cx="665777" cy="507219"/>
-          </a:xfrm>
-          <a:prstGeom prst="wedgeRectCallout">
-            <a:avLst>
-              <a:gd name="adj1" fmla="val 37993"/>
-              <a:gd name="adj2" fmla="val -105549"/>
-            </a:avLst>
-          </a:prstGeom>
-          <a:solidFill>
-            <a:schemeClr val="accent4">
-              <a:lumMod val="20000"/>
-              <a:lumOff val="80000"/>
-            </a:schemeClr>
-          </a:solidFill>
-          <a:ln w="9525" cap="flat" cmpd="sng" algn="ctr">
-            <a:solidFill>
-              <a:srgbClr val="7030A0"/>
-            </a:solidFill>
-            <a:prstDash val="solid"/>
-            <a:round/>
-            <a:headEnd type="none" w="med" len="med"/>
-            <a:tailEnd type="none" w="med" len="med"/>
-          </a:ln>
-          <a:effectLst/>
-        </p:spPr>
-        <p:txBody>
-          <a:bodyPr vert="horz" wrap="square" lIns="45720" tIns="45720" rIns="45720" bIns="45720" numCol="1" rtlCol="0" anchor="t" anchorCtr="0" compatLnSpc="1">
-            <a:prstTxWarp prst="textNoShape">
-              <a:avLst/>
-            </a:prstTxWarp>
-          </a:bodyPr>
-          <a:lstStyle/>
-          <a:p>
-            <a:pPr marL="0" marR="0" indent="0" algn="l" defTabSz="914400" rtl="0" eaLnBrk="1" fontAlgn="base" latinLnBrk="0" hangingPunct="1">
-              <a:lnSpc>
-                <a:spcPct val="90000"/>
-              </a:lnSpc>
-              <a:spcBef>
-                <a:spcPct val="0"/>
-              </a:spcBef>
-              <a:spcAft>
-                <a:spcPct val="0"/>
-              </a:spcAft>
-              <a:buClrTx/>
-              <a:buSzTx/>
-              <a:buFontTx/>
-              <a:buNone/>
-              <a:tabLst/>
-            </a:pPr>
-            <a:r>
-              <a:rPr lang="en-US" sz="1000" dirty="0">
-                <a:solidFill>
-                  <a:srgbClr val="191919"/>
-                </a:solidFill>
-                <a:latin typeface="Helvetica Neue Light" charset="0"/>
-                <a:ea typeface="Helvetica Neue Light" charset="0"/>
-                <a:cs typeface="Helvetica Neue Light" charset="0"/>
-              </a:rPr>
-              <a:t>6</a:t>
-            </a:r>
-            <a:r>
-              <a:rPr lang="en-US" sz="1000" dirty="0" smtClean="0">
-                <a:solidFill>
-                  <a:srgbClr val="191919"/>
-                </a:solidFill>
-                <a:latin typeface="Helvetica Neue Light" charset="0"/>
-                <a:ea typeface="Helvetica Neue Light" charset="0"/>
-                <a:cs typeface="Helvetica Neue Light" charset="0"/>
-              </a:rPr>
-              <a:t>. Confirm shipment started</a:t>
-            </a:r>
-            <a:endParaRPr kumimoji="0" lang="en-US" sz="1000" u="none" strike="noStrike" cap="none" normalizeH="0" baseline="0" dirty="0" smtClean="0">
-              <a:ln>
-                <a:noFill/>
-              </a:ln>
-              <a:solidFill>
-                <a:srgbClr val="191919"/>
-              </a:solidFill>
-              <a:effectLst/>
-              <a:latin typeface="Helvetica Neue Light" charset="0"/>
-              <a:ea typeface="Helvetica Neue Light" charset="0"/>
-              <a:cs typeface="Helvetica Neue Light" charset="0"/>
-            </a:endParaRPr>
-          </a:p>
-        </p:txBody>
-      </p:sp>
-      <p:sp>
-        <p:nvSpPr>
-          <p:cNvPr id="32" name="Rectangular Callout 31"/>
-          <p:cNvSpPr/>
-          <p:nvPr/>
-        </p:nvSpPr>
-        <p:spPr bwMode="auto">
-          <a:xfrm>
-            <a:off x="287461" y="2283892"/>
-            <a:ext cx="814447" cy="501099"/>
-          </a:xfrm>
-          <a:prstGeom prst="wedgeRectCallout">
-            <a:avLst>
-              <a:gd name="adj1" fmla="val 82633"/>
-              <a:gd name="adj2" fmla="val 55817"/>
-            </a:avLst>
-          </a:prstGeom>
-          <a:solidFill>
-            <a:schemeClr val="accent4">
-              <a:lumMod val="20000"/>
-              <a:lumOff val="80000"/>
-            </a:schemeClr>
-          </a:solidFill>
-          <a:ln w="9525" cap="flat" cmpd="sng" algn="ctr">
-            <a:solidFill>
-              <a:schemeClr val="accent4">
-                <a:lumMod val="50000"/>
-              </a:schemeClr>
-            </a:solidFill>
-            <a:prstDash val="solid"/>
-            <a:round/>
-            <a:headEnd type="none" w="med" len="med"/>
-            <a:tailEnd type="none" w="med" len="med"/>
-          </a:ln>
-          <a:effectLst/>
-        </p:spPr>
-        <p:txBody>
-          <a:bodyPr vert="horz" wrap="square" lIns="45720" tIns="45720" rIns="45720" bIns="45720" numCol="1" rtlCol="0" anchor="t" anchorCtr="0" compatLnSpc="1">
-            <a:prstTxWarp prst="textNoShape">
-              <a:avLst/>
-            </a:prstTxWarp>
-          </a:bodyPr>
-          <a:lstStyle/>
-          <a:p>
-            <a:pPr marL="0" marR="0" indent="0" algn="l" defTabSz="914400" rtl="0" eaLnBrk="1" fontAlgn="base" latinLnBrk="0" hangingPunct="1">
-              <a:lnSpc>
-                <a:spcPct val="90000"/>
-              </a:lnSpc>
-              <a:spcBef>
-                <a:spcPct val="0"/>
-              </a:spcBef>
-              <a:spcAft>
-                <a:spcPct val="0"/>
-              </a:spcAft>
-              <a:buClrTx/>
-              <a:buSzTx/>
-              <a:buFontTx/>
-              <a:buNone/>
-              <a:tabLst/>
-            </a:pPr>
-            <a:r>
-              <a:rPr lang="en-US" sz="1000" dirty="0">
-                <a:solidFill>
-                  <a:srgbClr val="191919"/>
-                </a:solidFill>
-                <a:latin typeface="Helvetica Neue Light" charset="0"/>
-                <a:ea typeface="Helvetica Neue Light" charset="0"/>
-                <a:cs typeface="Helvetica Neue Light" charset="0"/>
-              </a:rPr>
-              <a:t>3</a:t>
-            </a:r>
-            <a:r>
-              <a:rPr lang="en-US" sz="1000" dirty="0" smtClean="0">
-                <a:solidFill>
-                  <a:srgbClr val="191919"/>
-                </a:solidFill>
-                <a:latin typeface="Helvetica Neue Light" charset="0"/>
-                <a:ea typeface="Helvetica Neue Light" charset="0"/>
-                <a:cs typeface="Helvetica Neue Light" charset="0"/>
-              </a:rPr>
-              <a:t>. Request shipment upgrade</a:t>
-            </a:r>
-            <a:endParaRPr kumimoji="0" lang="en-US" sz="1000" u="none" strike="noStrike" cap="none" normalizeH="0" baseline="0" dirty="0" smtClean="0">
-              <a:ln>
-                <a:noFill/>
-              </a:ln>
-              <a:solidFill>
-                <a:srgbClr val="191919"/>
-              </a:solidFill>
-              <a:effectLst/>
-              <a:latin typeface="Helvetica Neue Light" charset="0"/>
-              <a:ea typeface="Helvetica Neue Light" charset="0"/>
-              <a:cs typeface="Helvetica Neue Light" charset="0"/>
-            </a:endParaRPr>
-          </a:p>
-        </p:txBody>
-      </p:sp>
-      <p:sp>
-        <p:nvSpPr>
-          <p:cNvPr id="33" name="Rounded Rectangle 32"/>
-          <p:cNvSpPr/>
-          <p:nvPr/>
-        </p:nvSpPr>
-        <p:spPr bwMode="auto">
-          <a:xfrm>
-            <a:off x="4120452" y="3504483"/>
-            <a:ext cx="1046177" cy="654628"/>
-          </a:xfrm>
-          <a:prstGeom prst="roundRect">
-            <a:avLst/>
-          </a:prstGeom>
-          <a:ln>
-            <a:solidFill>
-              <a:srgbClr val="002060"/>
-            </a:solidFill>
-            <a:headEnd type="none" w="med" len="med"/>
-            <a:tailEnd type="none" w="med" len="med"/>
-          </a:ln>
-        </p:spPr>
-        <p:style>
-          <a:lnRef idx="2">
-            <a:schemeClr val="dk1"/>
-          </a:lnRef>
-          <a:fillRef idx="1">
-            <a:schemeClr val="lt1"/>
-          </a:fillRef>
-          <a:effectRef idx="0">
-            <a:schemeClr val="dk1"/>
-          </a:effectRef>
-          <a:fontRef idx="minor">
-            <a:schemeClr val="dk1"/>
-          </a:fontRef>
-        </p:style>
-        <p:txBody>
-          <a:bodyPr vert="horz" wrap="square" lIns="0" tIns="0" rIns="0" bIns="0" numCol="1" rtlCol="0" anchor="ctr" anchorCtr="0" compatLnSpc="1">
-            <a:prstTxWarp prst="textNoShape">
-              <a:avLst/>
-            </a:prstTxWarp>
-          </a:bodyPr>
-          <a:lstStyle/>
-          <a:p>
-            <a:pPr marL="0" marR="0" indent="0" algn="ctr" defTabSz="914400" rtl="0" eaLnBrk="1" fontAlgn="base" latinLnBrk="0" hangingPunct="1">
-              <a:lnSpc>
-                <a:spcPct val="90000"/>
-              </a:lnSpc>
-              <a:spcBef>
-                <a:spcPct val="0"/>
-              </a:spcBef>
-              <a:spcAft>
-                <a:spcPct val="0"/>
-              </a:spcAft>
-              <a:buClrTx/>
-              <a:buSzTx/>
-              <a:buFontTx/>
-              <a:buNone/>
-              <a:tabLst/>
-            </a:pPr>
-            <a:r>
-              <a:rPr kumimoji="0" lang="en-US" sz="1600" b="1" u="none" strike="noStrike" cap="none" normalizeH="0" baseline="0" dirty="0" smtClean="0">
-                <a:ln>
-                  <a:noFill/>
-                </a:ln>
-                <a:solidFill>
-                  <a:schemeClr val="tx2">
-                    <a:lumMod val="75000"/>
-                  </a:schemeClr>
-                </a:solidFill>
-                <a:effectLst/>
-                <a:latin typeface="Helvetica Neue Light" charset="0"/>
-                <a:ea typeface="Helvetica Neue Light" charset="0"/>
-                <a:cs typeface="Helvetica Neue Light" charset="0"/>
-              </a:rPr>
-              <a:t>MQ</a:t>
-            </a:r>
-          </a:p>
-        </p:txBody>
-      </p:sp>
-      <p:sp>
-        <p:nvSpPr>
-          <p:cNvPr id="36" name="Slide Number Placeholder 1"/>
-          <p:cNvSpPr>
-            <a:spLocks noGrp="1"/>
-          </p:cNvSpPr>
-          <p:nvPr>
-            <p:ph type="sldNum" sz="quarter" idx="10"/>
-          </p:nvPr>
-        </p:nvSpPr>
-        <p:spPr>
-          <a:xfrm>
-            <a:off x="328613" y="4894263"/>
-            <a:ext cx="2124075" cy="171450"/>
-          </a:xfrm>
-        </p:spPr>
-        <p:txBody>
-          <a:bodyPr/>
-          <a:lstStyle/>
-          <a:p>
-            <a:pPr algn="l">
-              <a:defRPr/>
-            </a:pPr>
-            <a:r>
-              <a:rPr lang="en-US" dirty="0" smtClean="0"/>
-              <a:t>13</a:t>
-            </a:r>
-            <a:endParaRPr lang="en-US" dirty="0"/>
-          </a:p>
-        </p:txBody>
-      </p:sp>
-      <p:sp>
-        <p:nvSpPr>
-          <p:cNvPr id="23" name="Rounded Rectangle 22"/>
-          <p:cNvSpPr/>
-          <p:nvPr/>
-        </p:nvSpPr>
-        <p:spPr bwMode="auto">
-          <a:xfrm>
-            <a:off x="7026294" y="1723817"/>
-            <a:ext cx="1494504" cy="435274"/>
-          </a:xfrm>
-          <a:prstGeom prst="roundRect">
-            <a:avLst/>
-          </a:prstGeom>
-          <a:noFill/>
-          <a:ln>
-            <a:solidFill>
-              <a:schemeClr val="bg1">
-                <a:lumMod val="65000"/>
-              </a:schemeClr>
-            </a:solidFill>
-            <a:headEnd type="none" w="med" len="med"/>
-            <a:tailEnd type="none" w="med" len="med"/>
-          </a:ln>
-        </p:spPr>
-        <p:style>
-          <a:lnRef idx="2">
-            <a:schemeClr val="dk1"/>
-          </a:lnRef>
-          <a:fillRef idx="1">
-            <a:schemeClr val="lt1"/>
-          </a:fillRef>
-          <a:effectRef idx="0">
-            <a:schemeClr val="dk1"/>
-          </a:effectRef>
-          <a:fontRef idx="minor">
-            <a:schemeClr val="dk1"/>
-          </a:fontRef>
-        </p:style>
-        <p:txBody>
-          <a:bodyPr vert="horz" wrap="square" lIns="0" tIns="0" rIns="0" bIns="0" numCol="1" rtlCol="0" anchor="ctr" anchorCtr="0" compatLnSpc="1">
-            <a:prstTxWarp prst="textNoShape">
-              <a:avLst/>
-            </a:prstTxWarp>
-          </a:bodyPr>
-          <a:lstStyle/>
-          <a:p>
-            <a:pPr marL="0" marR="0" indent="0" algn="ctr" defTabSz="914400" rtl="0" eaLnBrk="1" fontAlgn="base" latinLnBrk="0" hangingPunct="1">
-              <a:lnSpc>
-                <a:spcPct val="90000"/>
-              </a:lnSpc>
-              <a:spcBef>
-                <a:spcPct val="0"/>
-              </a:spcBef>
-              <a:spcAft>
-                <a:spcPct val="0"/>
-              </a:spcAft>
-              <a:buClrTx/>
-              <a:buSzTx/>
-              <a:buFontTx/>
-              <a:buNone/>
-              <a:tabLst/>
-            </a:pPr>
-            <a:r>
-              <a:rPr kumimoji="0" lang="en-US" sz="1400" u="none" strike="noStrike" cap="none" normalizeH="0" baseline="0" smtClean="0">
-                <a:ln>
-                  <a:noFill/>
-                </a:ln>
-                <a:solidFill>
-                  <a:schemeClr val="tx1">
-                    <a:lumMod val="50000"/>
-                    <a:lumOff val="50000"/>
-                  </a:schemeClr>
-                </a:solidFill>
-                <a:effectLst/>
-                <a:latin typeface="Helvetica Neue Light" charset="0"/>
-                <a:ea typeface="Helvetica Neue Light" charset="0"/>
-                <a:cs typeface="Helvetica Neue Light" charset="0"/>
-              </a:rPr>
-              <a:t>Shipping Vendor</a:t>
-            </a:r>
-          </a:p>
-        </p:txBody>
-      </p:sp>
-      <p:sp>
-        <p:nvSpPr>
-          <p:cNvPr id="25" name="Rounded Rectangle 24"/>
-          <p:cNvSpPr/>
-          <p:nvPr/>
-        </p:nvSpPr>
-        <p:spPr bwMode="auto">
-          <a:xfrm>
-            <a:off x="7026294" y="2362256"/>
-            <a:ext cx="1494504" cy="435274"/>
-          </a:xfrm>
-          <a:prstGeom prst="roundRect">
-            <a:avLst/>
-          </a:prstGeom>
-          <a:noFill/>
-          <a:ln>
-            <a:solidFill>
-              <a:schemeClr val="bg1">
-                <a:lumMod val="65000"/>
-              </a:schemeClr>
-            </a:solidFill>
-            <a:headEnd type="none" w="med" len="med"/>
-            <a:tailEnd type="none" w="med" len="med"/>
-          </a:ln>
-        </p:spPr>
-        <p:style>
-          <a:lnRef idx="2">
-            <a:schemeClr val="dk1"/>
-          </a:lnRef>
-          <a:fillRef idx="1">
-            <a:schemeClr val="lt1"/>
-          </a:fillRef>
-          <a:effectRef idx="0">
-            <a:schemeClr val="dk1"/>
-          </a:effectRef>
-          <a:fontRef idx="minor">
-            <a:schemeClr val="dk1"/>
-          </a:fontRef>
-        </p:style>
-        <p:txBody>
-          <a:bodyPr vert="horz" wrap="square" lIns="0" tIns="0" rIns="0" bIns="0" numCol="1" rtlCol="0" anchor="ctr" anchorCtr="0" compatLnSpc="1">
-            <a:prstTxWarp prst="textNoShape">
-              <a:avLst/>
-            </a:prstTxWarp>
-          </a:bodyPr>
-          <a:lstStyle/>
-          <a:p>
-            <a:pPr marL="0" marR="0" indent="0" algn="ctr" defTabSz="914400" rtl="0" eaLnBrk="1" fontAlgn="base" latinLnBrk="0" hangingPunct="1">
-              <a:lnSpc>
-                <a:spcPct val="90000"/>
-              </a:lnSpc>
-              <a:spcBef>
-                <a:spcPct val="0"/>
-              </a:spcBef>
-              <a:spcAft>
-                <a:spcPct val="0"/>
-              </a:spcAft>
-              <a:buClrTx/>
-              <a:buSzTx/>
-              <a:buFontTx/>
-              <a:buNone/>
-              <a:tabLst/>
-            </a:pPr>
-            <a:r>
-              <a:rPr kumimoji="0" lang="en-US" sz="1400" u="none" strike="noStrike" cap="none" normalizeH="0" baseline="0" dirty="0" smtClean="0">
-                <a:ln>
-                  <a:noFill/>
-                </a:ln>
-                <a:solidFill>
-                  <a:schemeClr val="tx1">
-                    <a:lumMod val="50000"/>
-                    <a:lumOff val="50000"/>
-                  </a:schemeClr>
-                </a:solidFill>
-                <a:effectLst/>
-                <a:latin typeface="Helvetica Neue Light" charset="0"/>
-                <a:ea typeface="Helvetica Neue Light" charset="0"/>
-                <a:cs typeface="Helvetica Neue Light" charset="0"/>
-              </a:rPr>
-              <a:t>Trouble</a:t>
-            </a:r>
-            <a:r>
-              <a:rPr kumimoji="0" lang="en-US" sz="1400" u="none" strike="noStrike" cap="none" normalizeH="0" dirty="0" smtClean="0">
-                <a:ln>
-                  <a:noFill/>
-                </a:ln>
-                <a:solidFill>
-                  <a:schemeClr val="tx1">
-                    <a:lumMod val="50000"/>
-                    <a:lumOff val="50000"/>
-                  </a:schemeClr>
-                </a:solidFill>
-                <a:effectLst/>
-                <a:latin typeface="Helvetica Neue Light" charset="0"/>
-                <a:ea typeface="Helvetica Neue Light" charset="0"/>
-                <a:cs typeface="Helvetica Neue Light" charset="0"/>
-              </a:rPr>
-              <a:t> Ticket System</a:t>
-            </a:r>
-            <a:endParaRPr kumimoji="0" lang="en-US" sz="1400" u="none" strike="noStrike" cap="none" normalizeH="0" baseline="0" dirty="0" smtClean="0">
-              <a:ln>
-                <a:noFill/>
-              </a:ln>
-              <a:solidFill>
-                <a:schemeClr val="tx1">
-                  <a:lumMod val="50000"/>
-                  <a:lumOff val="50000"/>
-                </a:schemeClr>
-              </a:solidFill>
-              <a:effectLst/>
-              <a:latin typeface="Helvetica Neue Light" charset="0"/>
-              <a:ea typeface="Helvetica Neue Light" charset="0"/>
-              <a:cs typeface="Helvetica Neue Light" charset="0"/>
-            </a:endParaRPr>
-          </a:p>
-        </p:txBody>
-      </p:sp>
-      <p:sp>
-        <p:nvSpPr>
-          <p:cNvPr id="27" name="Rectangular Callout 26"/>
-          <p:cNvSpPr/>
-          <p:nvPr/>
-        </p:nvSpPr>
-        <p:spPr bwMode="auto">
-          <a:xfrm>
-            <a:off x="7026294" y="3303549"/>
-            <a:ext cx="1018947" cy="662661"/>
-          </a:xfrm>
-          <a:prstGeom prst="wedgeRectCallout">
-            <a:avLst>
-              <a:gd name="adj1" fmla="val 37993"/>
-              <a:gd name="adj2" fmla="val -105549"/>
-            </a:avLst>
-          </a:prstGeom>
-          <a:solidFill>
-            <a:schemeClr val="accent4">
-              <a:lumMod val="20000"/>
-              <a:lumOff val="80000"/>
-            </a:schemeClr>
-          </a:solidFill>
-          <a:ln w="9525" cap="flat" cmpd="sng" algn="ctr">
-            <a:solidFill>
-              <a:srgbClr val="7030A0"/>
-            </a:solidFill>
-            <a:prstDash val="solid"/>
-            <a:round/>
-            <a:headEnd type="none" w="med" len="med"/>
-            <a:tailEnd type="none" w="med" len="med"/>
-          </a:ln>
-          <a:effectLst/>
-        </p:spPr>
-        <p:txBody>
-          <a:bodyPr vert="horz" wrap="square" lIns="45720" tIns="45720" rIns="45720" bIns="45720" numCol="1" rtlCol="0" anchor="t" anchorCtr="0" compatLnSpc="1">
-            <a:prstTxWarp prst="textNoShape">
-              <a:avLst/>
-            </a:prstTxWarp>
-          </a:bodyPr>
-          <a:lstStyle/>
-          <a:p>
-            <a:pPr marL="0" marR="0" indent="0" algn="l" defTabSz="914400" rtl="0" eaLnBrk="1" fontAlgn="base" latinLnBrk="0" hangingPunct="1">
-              <a:lnSpc>
-                <a:spcPct val="90000"/>
-              </a:lnSpc>
-              <a:spcBef>
-                <a:spcPct val="0"/>
-              </a:spcBef>
-              <a:spcAft>
-                <a:spcPct val="0"/>
-              </a:spcAft>
-              <a:buClrTx/>
-              <a:buSzTx/>
-              <a:buFontTx/>
-              <a:buNone/>
-              <a:tabLst/>
-            </a:pPr>
-            <a:r>
-              <a:rPr lang="en-US" sz="1000" dirty="0">
-                <a:solidFill>
-                  <a:srgbClr val="191919"/>
-                </a:solidFill>
-                <a:latin typeface="Helvetica Neue Light" charset="0"/>
-                <a:ea typeface="Helvetica Neue Light" charset="0"/>
-                <a:cs typeface="Helvetica Neue Light" charset="0"/>
-              </a:rPr>
-              <a:t>7</a:t>
-            </a:r>
-            <a:r>
-              <a:rPr lang="en-US" sz="1000" dirty="0" smtClean="0">
-                <a:solidFill>
-                  <a:srgbClr val="191919"/>
-                </a:solidFill>
-                <a:latin typeface="Helvetica Neue Light" charset="0"/>
-                <a:ea typeface="Helvetica Neue Light" charset="0"/>
-                <a:cs typeface="Helvetica Neue Light" charset="0"/>
-              </a:rPr>
-              <a:t>. </a:t>
-            </a:r>
-            <a:r>
-              <a:rPr lang="en-US" sz="1000" dirty="0" smtClean="0">
-                <a:solidFill>
-                  <a:srgbClr val="191919"/>
-                </a:solidFill>
-                <a:latin typeface="Helvetica Neue Light" charset="0"/>
-                <a:ea typeface="Helvetica Neue Light" charset="0"/>
-                <a:cs typeface="Helvetica Neue Light" charset="0"/>
-              </a:rPr>
-              <a:t>Create new Ticket in custom </a:t>
-            </a:r>
-            <a:r>
-              <a:rPr lang="en-US" sz="1000" dirty="0" smtClean="0">
-                <a:solidFill>
-                  <a:srgbClr val="191919"/>
-                </a:solidFill>
-                <a:latin typeface="Helvetica Neue Light" charset="0"/>
-                <a:ea typeface="Helvetica Neue Light" charset="0"/>
-                <a:cs typeface="Helvetica Neue Light" charset="0"/>
-              </a:rPr>
-              <a:t>help desk </a:t>
-            </a:r>
-            <a:r>
-              <a:rPr lang="en-US" sz="1000" dirty="0" smtClean="0">
-                <a:solidFill>
-                  <a:srgbClr val="191919"/>
-                </a:solidFill>
-                <a:latin typeface="Helvetica Neue Light" charset="0"/>
-                <a:ea typeface="Helvetica Neue Light" charset="0"/>
-                <a:cs typeface="Helvetica Neue Light" charset="0"/>
-              </a:rPr>
-              <a:t>system</a:t>
-            </a:r>
-            <a:endParaRPr kumimoji="0" lang="en-US" sz="1000" u="none" strike="noStrike" cap="none" normalizeH="0" baseline="0" dirty="0" smtClean="0">
-              <a:ln>
-                <a:noFill/>
-              </a:ln>
-              <a:solidFill>
-                <a:srgbClr val="191919"/>
-              </a:solidFill>
-              <a:effectLst/>
-              <a:latin typeface="Helvetica Neue Light" charset="0"/>
-              <a:ea typeface="Helvetica Neue Light" charset="0"/>
-              <a:cs typeface="Helvetica Neue Light" charset="0"/>
-            </a:endParaRPr>
-          </a:p>
-        </p:txBody>
-      </p:sp>
       <p:grpSp>
         <p:nvGrpSpPr>
-          <p:cNvPr id="37" name="Group 36"/>
+          <p:cNvPr id="4" name="Group 3"/>
           <p:cNvGrpSpPr/>
           <p:nvPr/>
         </p:nvGrpSpPr>
         <p:grpSpPr>
           <a:xfrm>
-            <a:off x="2011486" y="2534306"/>
-            <a:ext cx="1201918" cy="454268"/>
+            <a:off x="1965099" y="2230398"/>
+            <a:ext cx="1219084" cy="953451"/>
             <a:chOff x="2011486" y="2534306"/>
             <a:chExt cx="1201918" cy="454268"/>
           </a:xfrm>
         </p:grpSpPr>
         <p:cxnSp>
           <p:nvCxnSpPr>
-            <p:cNvPr id="38" name="Straight Arrow Connector 37"/>
+            <p:cNvPr id="49" name="Straight Arrow Connector 48"/>
             <p:cNvCxnSpPr/>
             <p:nvPr/>
           </p:nvCxnSpPr>
@@ -11761,7 +11042,7 @@
         </p:cxnSp>
         <p:cxnSp>
           <p:nvCxnSpPr>
-            <p:cNvPr id="39" name="Straight Arrow Connector 38"/>
+            <p:cNvPr id="51" name="Straight Arrow Connector 50"/>
             <p:cNvCxnSpPr/>
             <p:nvPr/>
           </p:nvCxnSpPr>
@@ -11791,14 +11072,14 @@
       </p:grpSp>
       <p:cxnSp>
         <p:nvCxnSpPr>
-          <p:cNvPr id="40" name="Straight Arrow Connector 39"/>
+          <p:cNvPr id="66" name="Straight Arrow Connector 65"/>
           <p:cNvCxnSpPr/>
           <p:nvPr/>
         </p:nvCxnSpPr>
         <p:spPr bwMode="auto">
-          <a:xfrm>
-            <a:off x="1464677" y="2458147"/>
-            <a:ext cx="0" cy="528484"/>
+          <a:xfrm flipH="1">
+            <a:off x="1441344" y="2499294"/>
+            <a:ext cx="6457" cy="673984"/>
           </a:xfrm>
           <a:prstGeom prst="straightConnector1">
             <a:avLst/>
@@ -11818,16 +11099,91 @@
           <a:effectLst/>
         </p:spPr>
       </p:cxnSp>
+      <p:sp>
+        <p:nvSpPr>
+          <p:cNvPr id="27" name="Rounded Rectangle 26"/>
+          <p:cNvSpPr/>
+          <p:nvPr/>
+        </p:nvSpPr>
+        <p:spPr bwMode="auto">
+          <a:xfrm>
+            <a:off x="6967385" y="1389168"/>
+            <a:ext cx="1494504" cy="435274"/>
+          </a:xfrm>
+          <a:prstGeom prst="roundRect">
+            <a:avLst/>
+          </a:prstGeom>
+          <a:noFill/>
+          <a:ln>
+            <a:solidFill>
+              <a:schemeClr val="bg1">
+                <a:lumMod val="65000"/>
+              </a:schemeClr>
+            </a:solidFill>
+            <a:headEnd type="none" w="med" len="med"/>
+            <a:tailEnd type="none" w="med" len="med"/>
+          </a:ln>
+        </p:spPr>
+        <p:style>
+          <a:lnRef idx="2">
+            <a:schemeClr val="dk1"/>
+          </a:lnRef>
+          <a:fillRef idx="1">
+            <a:schemeClr val="lt1"/>
+          </a:fillRef>
+          <a:effectRef idx="0">
+            <a:schemeClr val="dk1"/>
+          </a:effectRef>
+          <a:fontRef idx="minor">
+            <a:schemeClr val="dk1"/>
+          </a:fontRef>
+        </p:style>
+        <p:txBody>
+          <a:bodyPr vert="horz" wrap="square" lIns="0" tIns="0" rIns="0" bIns="0" numCol="1" rtlCol="0" anchor="ctr" anchorCtr="0" compatLnSpc="1">
+            <a:prstTxWarp prst="textNoShape">
+              <a:avLst/>
+            </a:prstTxWarp>
+          </a:bodyPr>
+          <a:lstStyle/>
+          <a:p>
+            <a:pPr algn="ctr" defTabSz="914378" fontAlgn="base">
+              <a:lnSpc>
+                <a:spcPct val="90000"/>
+              </a:lnSpc>
+              <a:spcBef>
+                <a:spcPct val="0"/>
+              </a:spcBef>
+              <a:spcAft>
+                <a:spcPct val="0"/>
+              </a:spcAft>
+            </a:pPr>
+            <a:r>
+              <a:rPr lang="en-US" sz="1400" dirty="0">
+                <a:solidFill>
+                  <a:schemeClr val="tx1">
+                    <a:lumMod val="50000"/>
+                    <a:lumOff val="50000"/>
+                  </a:schemeClr>
+                </a:solidFill>
+                <a:latin typeface="Helvetica Neue Light" charset="0"/>
+                <a:ea typeface="Helvetica Neue Light" charset="0"/>
+                <a:cs typeface="Helvetica Neue Light" charset="0"/>
+              </a:rPr>
+              <a:t>Shipping System</a:t>
+            </a:r>
+          </a:p>
+        </p:txBody>
+      </p:sp>
       <p:cxnSp>
         <p:nvCxnSpPr>
-          <p:cNvPr id="41" name="Straight Arrow Connector 40"/>
+          <p:cNvPr id="28" name="Straight Arrow Connector 27"/>
           <p:cNvCxnSpPr/>
           <p:nvPr/>
         </p:nvCxnSpPr>
         <p:spPr bwMode="auto">
           <a:xfrm>
-            <a:off x="2596837" y="3831797"/>
-            <a:ext cx="1353146" cy="3603"/>
+            <a:off x="6120583" y="1606805"/>
+            <a:ext cx="751673" cy="0"/>
           </a:xfrm>
           <a:prstGeom prst="straightConnector1">
             <a:avLst/>
@@ -11847,16 +11203,220 @@
           <a:effectLst/>
         </p:spPr>
       </p:cxnSp>
+      <p:sp>
+        <p:nvSpPr>
+          <p:cNvPr id="29" name="Slide Number Placeholder 1"/>
+          <p:cNvSpPr>
+            <a:spLocks noGrp="1"/>
+          </p:cNvSpPr>
+          <p:nvPr>
+            <p:ph type="sldNum" sz="quarter" idx="10"/>
+          </p:nvPr>
+        </p:nvSpPr>
+        <p:spPr>
+          <a:xfrm>
+            <a:off x="328613" y="4894263"/>
+            <a:ext cx="2124075" cy="171450"/>
+          </a:xfrm>
+        </p:spPr>
+        <p:txBody>
+          <a:bodyPr/>
+          <a:lstStyle/>
+          <a:p>
+            <a:pPr algn="l">
+              <a:defRPr/>
+            </a:pPr>
+            <a:r>
+              <a:rPr lang="en-US" dirty="0" smtClean="0"/>
+              <a:t>11</a:t>
+            </a:r>
+            <a:endParaRPr lang="en-US" dirty="0"/>
+          </a:p>
+        </p:txBody>
+      </p:sp>
       <p:cxnSp>
         <p:nvCxnSpPr>
-          <p:cNvPr id="47" name="Straight Arrow Connector 46"/>
+          <p:cNvPr id="19" name="Straight Arrow Connector 18"/>
           <p:cNvCxnSpPr/>
           <p:nvPr/>
         </p:nvCxnSpPr>
         <p:spPr bwMode="auto">
-          <a:xfrm flipV="1">
-            <a:off x="4636631" y="2921621"/>
-            <a:ext cx="3717" cy="457199"/>
+          <a:xfrm>
+            <a:off x="6101717" y="2116281"/>
+            <a:ext cx="751673" cy="0"/>
+          </a:xfrm>
+          <a:prstGeom prst="straightConnector1">
+            <a:avLst/>
+          </a:prstGeom>
+          <a:noFill/>
+          <a:ln w="25400" cap="flat" cmpd="sng" algn="ctr">
+            <a:solidFill>
+              <a:srgbClr val="7030A0"/>
+            </a:solidFill>
+            <a:prstDash val="solid"/>
+            <a:round/>
+            <a:headEnd type="none" w="med" len="med"/>
+            <a:tailEnd type="triangle"/>
+          </a:ln>
+          <a:effectLst/>
+        </p:spPr>
+      </p:cxnSp>
+      <p:sp>
+        <p:nvSpPr>
+          <p:cNvPr id="20" name="Rounded Rectangle 19"/>
+          <p:cNvSpPr/>
+          <p:nvPr/>
+        </p:nvSpPr>
+        <p:spPr bwMode="auto">
+          <a:xfrm>
+            <a:off x="6967385" y="1945362"/>
+            <a:ext cx="1494504" cy="435274"/>
+          </a:xfrm>
+          <a:prstGeom prst="roundRect">
+            <a:avLst/>
+          </a:prstGeom>
+          <a:noFill/>
+          <a:ln>
+            <a:solidFill>
+              <a:schemeClr val="bg1">
+                <a:lumMod val="65000"/>
+              </a:schemeClr>
+            </a:solidFill>
+            <a:headEnd type="none" w="med" len="med"/>
+            <a:tailEnd type="none" w="med" len="med"/>
+          </a:ln>
+        </p:spPr>
+        <p:style>
+          <a:lnRef idx="2">
+            <a:schemeClr val="dk1"/>
+          </a:lnRef>
+          <a:fillRef idx="1">
+            <a:schemeClr val="lt1"/>
+          </a:fillRef>
+          <a:effectRef idx="0">
+            <a:schemeClr val="dk1"/>
+          </a:effectRef>
+          <a:fontRef idx="minor">
+            <a:schemeClr val="dk1"/>
+          </a:fontRef>
+        </p:style>
+        <p:txBody>
+          <a:bodyPr vert="horz" wrap="square" lIns="0" tIns="0" rIns="0" bIns="0" numCol="1" rtlCol="0" anchor="ctr" anchorCtr="0" compatLnSpc="1">
+            <a:prstTxWarp prst="textNoShape">
+              <a:avLst/>
+            </a:prstTxWarp>
+          </a:bodyPr>
+          <a:lstStyle/>
+          <a:p>
+            <a:pPr algn="ctr" defTabSz="914378" fontAlgn="base">
+              <a:lnSpc>
+                <a:spcPct val="90000"/>
+              </a:lnSpc>
+              <a:spcBef>
+                <a:spcPct val="0"/>
+              </a:spcBef>
+              <a:spcAft>
+                <a:spcPct val="0"/>
+              </a:spcAft>
+            </a:pPr>
+            <a:r>
+              <a:rPr lang="en-US" sz="1400" dirty="0">
+                <a:solidFill>
+                  <a:schemeClr val="tx1">
+                    <a:lumMod val="50000"/>
+                    <a:lumOff val="50000"/>
+                  </a:schemeClr>
+                </a:solidFill>
+                <a:latin typeface="Helvetica Neue Light" charset="0"/>
+                <a:ea typeface="Helvetica Neue Light" charset="0"/>
+                <a:cs typeface="Helvetica Neue Light" charset="0"/>
+              </a:rPr>
+              <a:t>Trouble Ticket System</a:t>
+            </a:r>
+          </a:p>
+        </p:txBody>
+      </p:sp>
+      <p:sp>
+        <p:nvSpPr>
+          <p:cNvPr id="22" name="Rounded Rectangle 21"/>
+          <p:cNvSpPr/>
+          <p:nvPr/>
+        </p:nvSpPr>
+        <p:spPr bwMode="auto">
+          <a:xfrm>
+            <a:off x="3492858" y="2858454"/>
+            <a:ext cx="938560" cy="705683"/>
+          </a:xfrm>
+          <a:prstGeom prst="roundRect">
+            <a:avLst/>
+          </a:prstGeom>
+          <a:ln>
+            <a:solidFill>
+              <a:srgbClr val="002060"/>
+            </a:solidFill>
+            <a:headEnd type="none" w="med" len="med"/>
+            <a:tailEnd type="none" w="med" len="med"/>
+          </a:ln>
+        </p:spPr>
+        <p:style>
+          <a:lnRef idx="2">
+            <a:schemeClr val="dk1"/>
+          </a:lnRef>
+          <a:fillRef idx="1">
+            <a:schemeClr val="lt1"/>
+          </a:fillRef>
+          <a:effectRef idx="0">
+            <a:schemeClr val="dk1"/>
+          </a:effectRef>
+          <a:fontRef idx="minor">
+            <a:schemeClr val="dk1"/>
+          </a:fontRef>
+        </p:style>
+        <p:txBody>
+          <a:bodyPr vert="horz" wrap="square" lIns="0" tIns="0" rIns="0" bIns="0" numCol="1" rtlCol="0" anchor="ctr" anchorCtr="0" compatLnSpc="1">
+            <a:prstTxWarp prst="textNoShape">
+              <a:avLst/>
+            </a:prstTxWarp>
+          </a:bodyPr>
+          <a:lstStyle/>
+          <a:p>
+            <a:pPr algn="ctr" defTabSz="914378" fontAlgn="base">
+              <a:lnSpc>
+                <a:spcPct val="90000"/>
+              </a:lnSpc>
+              <a:spcBef>
+                <a:spcPct val="0"/>
+              </a:spcBef>
+              <a:spcAft>
+                <a:spcPct val="0"/>
+              </a:spcAft>
+            </a:pPr>
+            <a:r>
+              <a:rPr lang="en-US" sz="1600" b="1" dirty="0">
+                <a:solidFill>
+                  <a:schemeClr val="tx2">
+                    <a:lumMod val="75000"/>
+                  </a:schemeClr>
+                </a:solidFill>
+                <a:latin typeface="Helvetica Neue Light" charset="0"/>
+                <a:ea typeface="Helvetica Neue Light" charset="0"/>
+                <a:cs typeface="Helvetica Neue Light" charset="0"/>
+              </a:rPr>
+              <a:t>MQ</a:t>
+            </a:r>
+          </a:p>
+        </p:txBody>
+      </p:sp>
+      <p:cxnSp>
+        <p:nvCxnSpPr>
+          <p:cNvPr id="30" name="Straight Arrow Connector 29"/>
+          <p:cNvCxnSpPr/>
+          <p:nvPr/>
+        </p:nvCxnSpPr>
+        <p:spPr bwMode="auto">
+          <a:xfrm flipH="1" flipV="1">
+            <a:off x="3989907" y="2490822"/>
+            <a:ext cx="4183" cy="376106"/>
           </a:xfrm>
           <a:prstGeom prst="straightConnector1">
             <a:avLst/>
@@ -11878,49 +11438,20 @@
       </p:cxnSp>
       <p:cxnSp>
         <p:nvCxnSpPr>
-          <p:cNvPr id="29" name="Straight Arrow Connector 28"/>
+          <p:cNvPr id="33" name="Straight Arrow Connector 32"/>
           <p:cNvCxnSpPr/>
           <p:nvPr/>
         </p:nvCxnSpPr>
         <p:spPr bwMode="auto">
           <a:xfrm>
-            <a:off x="6142934" y="2534306"/>
-            <a:ext cx="751673" cy="0"/>
+            <a:off x="3950916" y="3986125"/>
+            <a:ext cx="1476161" cy="20033"/>
           </a:xfrm>
           <a:prstGeom prst="straightConnector1">
             <a:avLst/>
           </a:prstGeom>
           <a:noFill/>
-          <a:ln w="12700" cap="flat" cmpd="sng" algn="ctr">
-            <a:solidFill>
-              <a:schemeClr val="bg1">
-                <a:lumMod val="50000"/>
-              </a:schemeClr>
-            </a:solidFill>
-            <a:prstDash val="solid"/>
-            <a:round/>
-            <a:headEnd type="none" w="med" len="med"/>
-            <a:tailEnd type="triangle"/>
-          </a:ln>
-          <a:effectLst/>
-        </p:spPr>
-      </p:cxnSp>
-      <p:cxnSp>
-        <p:nvCxnSpPr>
-          <p:cNvPr id="4" name="Straight Connector 3"/>
-          <p:cNvCxnSpPr/>
-          <p:nvPr/>
-        </p:nvCxnSpPr>
-        <p:spPr bwMode="auto">
-          <a:xfrm>
-            <a:off x="8618220" y="2534306"/>
-            <a:ext cx="397193" cy="0"/>
-          </a:xfrm>
-          <a:prstGeom prst="line">
-            <a:avLst/>
-          </a:prstGeom>
-          <a:noFill/>
-          <a:ln w="38100" cap="flat" cmpd="sng" algn="ctr">
+          <a:ln w="25400" cap="flat" cmpd="sng" algn="ctr">
             <a:solidFill>
               <a:srgbClr val="7030A0"/>
             </a:solidFill>
@@ -11932,106 +11463,21 @@
           <a:effectLst/>
         </p:spPr>
       </p:cxnSp>
-      <p:cxnSp>
-        <p:nvCxnSpPr>
-          <p:cNvPr id="7" name="Straight Connector 6"/>
-          <p:cNvCxnSpPr/>
-          <p:nvPr/>
-        </p:nvCxnSpPr>
-        <p:spPr bwMode="auto">
-          <a:xfrm flipH="1">
-            <a:off x="9015413" y="2534306"/>
-            <a:ext cx="2" cy="2359957"/>
-          </a:xfrm>
-          <a:prstGeom prst="line">
-            <a:avLst/>
-          </a:prstGeom>
-          <a:noFill/>
-          <a:ln w="38100" cap="flat" cmpd="sng" algn="ctr">
-            <a:solidFill>
-              <a:srgbClr val="7030A0"/>
-            </a:solidFill>
-            <a:prstDash val="solid"/>
-            <a:round/>
-            <a:headEnd type="none" w="med" len="med"/>
-            <a:tailEnd type="none" w="med" len="med"/>
-          </a:ln>
-          <a:effectLst/>
-        </p:spPr>
-      </p:cxnSp>
-      <p:cxnSp>
-        <p:nvCxnSpPr>
-          <p:cNvPr id="34" name="Straight Connector 33"/>
-          <p:cNvCxnSpPr>
-            <a:endCxn id="36" idx="0"/>
-          </p:cNvCxnSpPr>
-          <p:nvPr/>
-        </p:nvCxnSpPr>
-        <p:spPr bwMode="auto">
-          <a:xfrm flipH="1">
-            <a:off x="1390651" y="4894263"/>
-            <a:ext cx="7640648" cy="0"/>
-          </a:xfrm>
-          <a:prstGeom prst="line">
-            <a:avLst/>
-          </a:prstGeom>
-          <a:noFill/>
-          <a:ln w="38100" cap="flat" cmpd="sng" algn="ctr">
-            <a:solidFill>
-              <a:srgbClr val="7030A0"/>
-            </a:solidFill>
-            <a:prstDash val="solid"/>
-            <a:round/>
-            <a:headEnd type="none" w="med" len="med"/>
-            <a:tailEnd type="none" w="med" len="med"/>
-          </a:ln>
-          <a:effectLst/>
-        </p:spPr>
-      </p:cxnSp>
-      <p:cxnSp>
-        <p:nvCxnSpPr>
-          <p:cNvPr id="15" name="Straight Arrow Connector 14"/>
-          <p:cNvCxnSpPr>
-            <a:stCxn id="36" idx="0"/>
-          </p:cNvCxnSpPr>
-          <p:nvPr/>
-        </p:nvCxnSpPr>
-        <p:spPr bwMode="auto">
-          <a:xfrm flipH="1" flipV="1">
-            <a:off x="1390650" y="4408149"/>
-            <a:ext cx="1" cy="486114"/>
-          </a:xfrm>
-          <a:prstGeom prst="straightConnector1">
-            <a:avLst/>
-          </a:prstGeom>
-          <a:noFill/>
-          <a:ln w="38100" cap="flat" cmpd="sng" algn="ctr">
-            <a:solidFill>
-              <a:srgbClr val="7030A0"/>
-            </a:solidFill>
-            <a:prstDash val="solid"/>
-            <a:round/>
-            <a:headEnd type="none" w="med" len="med"/>
-            <a:tailEnd type="triangle"/>
-          </a:ln>
-          <a:effectLst/>
-        </p:spPr>
-      </p:cxnSp>
       <p:sp>
         <p:nvSpPr>
-          <p:cNvPr id="42" name="Rectangular Callout 41"/>
+          <p:cNvPr id="34" name="Rectangular Callout 33"/>
           <p:cNvSpPr/>
           <p:nvPr/>
         </p:nvSpPr>
         <p:spPr bwMode="auto">
           <a:xfrm>
-            <a:off x="399928" y="4387043"/>
-            <a:ext cx="665777" cy="507219"/>
+            <a:off x="7211649" y="2633092"/>
+            <a:ext cx="1018947" cy="605414"/>
           </a:xfrm>
           <a:prstGeom prst="wedgeRectCallout">
             <a:avLst>
-              <a:gd name="adj1" fmla="val 37993"/>
-              <a:gd name="adj2" fmla="val -105549"/>
+              <a:gd name="adj1" fmla="val -23080"/>
+              <a:gd name="adj2" fmla="val -86307"/>
             </a:avLst>
           </a:prstGeom>
           <a:solidFill>
@@ -12059,7 +11505,7 @@
           </a:bodyPr>
           <a:lstStyle/>
           <a:p>
-            <a:pPr marL="0" marR="0" indent="0" algn="l" defTabSz="914400" rtl="0" eaLnBrk="1" fontAlgn="base" latinLnBrk="0" hangingPunct="1">
+            <a:pPr defTabSz="914378" fontAlgn="base">
               <a:lnSpc>
                 <a:spcPct val="90000"/>
               </a:lnSpc>
@@ -12069,14 +11515,9 @@
               <a:spcAft>
                 <a:spcPct val="0"/>
               </a:spcAft>
-              <a:buClrTx/>
-              <a:buSzTx/>
-              <a:buFontTx/>
-              <a:buNone/>
-              <a:tabLst/>
             </a:pPr>
             <a:r>
-              <a:rPr lang="en-US" sz="1000" dirty="0" smtClean="0">
+              <a:rPr lang="en-US" sz="1000" dirty="0">
                 <a:solidFill>
                   <a:srgbClr val="191919"/>
                 </a:solidFill>
@@ -12084,27 +11525,425 @@
                 <a:ea typeface="Helvetica Neue Light" charset="0"/>
                 <a:cs typeface="Helvetica Neue Light" charset="0"/>
               </a:rPr>
-              <a:t>8. Sync  Tickets to Case</a:t>
-            </a:r>
-            <a:endParaRPr kumimoji="0" lang="en-US" sz="1000" u="none" strike="noStrike" cap="none" normalizeH="0" baseline="0" dirty="0" smtClean="0">
-              <a:ln>
-                <a:noFill/>
-              </a:ln>
+              <a:t>10. Create new Ticket in custom help desk system</a:t>
+            </a:r>
+          </a:p>
+        </p:txBody>
+      </p:sp>
+      <p:grpSp>
+        <p:nvGrpSpPr>
+          <p:cNvPr id="36" name="Group 35"/>
+          <p:cNvGrpSpPr/>
+          <p:nvPr/>
+        </p:nvGrpSpPr>
+        <p:grpSpPr>
+          <a:xfrm flipH="1">
+            <a:off x="2500116" y="3603295"/>
+            <a:ext cx="1450802" cy="382829"/>
+            <a:chOff x="2011485" y="2333669"/>
+            <a:chExt cx="1201919" cy="200637"/>
+          </a:xfrm>
+        </p:grpSpPr>
+        <p:cxnSp>
+          <p:nvCxnSpPr>
+            <p:cNvPr id="37" name="Straight Arrow Connector 36"/>
+            <p:cNvCxnSpPr/>
+            <p:nvPr/>
+          </p:nvCxnSpPr>
+          <p:spPr bwMode="auto">
+            <a:xfrm flipV="1">
+              <a:off x="2011485" y="2333669"/>
+              <a:ext cx="1" cy="200637"/>
+            </a:xfrm>
+            <a:prstGeom prst="straightConnector1">
+              <a:avLst/>
+            </a:prstGeom>
+            <a:noFill/>
+            <a:ln w="12700" cap="flat" cmpd="sng" algn="ctr">
+              <a:solidFill>
+                <a:schemeClr val="bg1">
+                  <a:lumMod val="50000"/>
+                </a:schemeClr>
+              </a:solidFill>
+              <a:prstDash val="solid"/>
+              <a:round/>
+              <a:headEnd type="none" w="med" len="med"/>
+              <a:tailEnd type="triangle"/>
+            </a:ln>
+            <a:effectLst/>
+          </p:spPr>
+        </p:cxnSp>
+        <p:cxnSp>
+          <p:nvCxnSpPr>
+            <p:cNvPr id="38" name="Straight Arrow Connector 37"/>
+            <p:cNvCxnSpPr/>
+            <p:nvPr/>
+          </p:nvCxnSpPr>
+          <p:spPr bwMode="auto">
+            <a:xfrm flipH="1">
+              <a:off x="2011486" y="2534306"/>
+              <a:ext cx="1201918" cy="0"/>
+            </a:xfrm>
+            <a:prstGeom prst="straightConnector1">
+              <a:avLst/>
+            </a:prstGeom>
+            <a:noFill/>
+            <a:ln w="25400" cap="flat" cmpd="sng" algn="ctr">
+              <a:solidFill>
+                <a:srgbClr val="7030A0"/>
+              </a:solidFill>
+              <a:prstDash val="solid"/>
+              <a:round/>
+              <a:headEnd type="none" w="med" len="med"/>
+              <a:tailEnd type="none" w="med" len="med"/>
+            </a:ln>
+            <a:effectLst/>
+          </p:spPr>
+        </p:cxnSp>
+      </p:grpSp>
+      <p:sp>
+        <p:nvSpPr>
+          <p:cNvPr id="39" name="Rectangular Callout 38"/>
+          <p:cNvSpPr/>
+          <p:nvPr/>
+        </p:nvSpPr>
+        <p:spPr bwMode="auto">
+          <a:xfrm>
+            <a:off x="6120582" y="2611063"/>
+            <a:ext cx="900196" cy="572786"/>
+          </a:xfrm>
+          <a:prstGeom prst="wedgeRectCallout">
+            <a:avLst>
+              <a:gd name="adj1" fmla="val -117195"/>
+              <a:gd name="adj2" fmla="val -40736"/>
+            </a:avLst>
+          </a:prstGeom>
+          <a:solidFill>
+            <a:schemeClr val="accent4">
+              <a:lumMod val="20000"/>
+              <a:lumOff val="80000"/>
+            </a:schemeClr>
+          </a:solidFill>
+          <a:ln w="9525" cap="flat" cmpd="sng" algn="ctr">
+            <a:solidFill>
+              <a:srgbClr val="7030A0"/>
+            </a:solidFill>
+            <a:prstDash val="solid"/>
+            <a:round/>
+            <a:headEnd type="none" w="med" len="med"/>
+            <a:tailEnd type="none" w="med" len="med"/>
+          </a:ln>
+          <a:effectLst/>
+        </p:spPr>
+        <p:txBody>
+          <a:bodyPr vert="horz" wrap="square" lIns="45720" tIns="45720" rIns="45720" bIns="45720" numCol="1" rtlCol="0" anchor="t" anchorCtr="0" compatLnSpc="1">
+            <a:prstTxWarp prst="textNoShape">
+              <a:avLst/>
+            </a:prstTxWarp>
+          </a:bodyPr>
+          <a:lstStyle/>
+          <a:p>
+            <a:pPr defTabSz="914378" fontAlgn="base">
+              <a:lnSpc>
+                <a:spcPct val="90000"/>
+              </a:lnSpc>
+              <a:spcBef>
+                <a:spcPct val="0"/>
+              </a:spcBef>
+              <a:spcAft>
+                <a:spcPct val="0"/>
+              </a:spcAft>
+            </a:pPr>
+            <a:r>
+              <a:rPr lang="en-US" sz="1000" dirty="0">
+                <a:solidFill>
+                  <a:srgbClr val="191919"/>
+                </a:solidFill>
+                <a:latin typeface="Helvetica Neue Light" charset="0"/>
+                <a:ea typeface="Helvetica Neue Light" charset="0"/>
+                <a:cs typeface="Helvetica Neue Light" charset="0"/>
+              </a:rPr>
+              <a:t>9</a:t>
+            </a:r>
+            <a:r>
+              <a:rPr lang="en-US" sz="1000" dirty="0">
+                <a:solidFill>
+                  <a:srgbClr val="191919"/>
+                </a:solidFill>
+                <a:latin typeface="Helvetica Neue Light" charset="0"/>
+                <a:ea typeface="Helvetica Neue Light" charset="0"/>
+                <a:cs typeface="Helvetica Neue Light" charset="0"/>
+              </a:rPr>
+              <a:t>. Call to integration resource on App Connect</a:t>
+            </a:r>
+          </a:p>
+        </p:txBody>
+      </p:sp>
+      <p:cxnSp>
+        <p:nvCxnSpPr>
+          <p:cNvPr id="32" name="Straight Connector 31"/>
+          <p:cNvCxnSpPr/>
+          <p:nvPr/>
+        </p:nvCxnSpPr>
+        <p:spPr bwMode="auto">
+          <a:xfrm>
+            <a:off x="8483163" y="2116281"/>
+            <a:ext cx="397193" cy="0"/>
+          </a:xfrm>
+          <a:prstGeom prst="line">
+            <a:avLst/>
+          </a:prstGeom>
+          <a:noFill/>
+          <a:ln w="38100" cap="flat" cmpd="sng" algn="ctr">
+            <a:solidFill>
+              <a:srgbClr val="7030A0"/>
+            </a:solidFill>
+            <a:prstDash val="solid"/>
+            <a:round/>
+            <a:headEnd type="none" w="med" len="med"/>
+            <a:tailEnd type="none" w="med" len="med"/>
+          </a:ln>
+          <a:effectLst/>
+        </p:spPr>
+      </p:cxnSp>
+      <p:cxnSp>
+        <p:nvCxnSpPr>
+          <p:cNvPr id="40" name="Straight Connector 39"/>
+          <p:cNvCxnSpPr/>
+          <p:nvPr/>
+        </p:nvCxnSpPr>
+        <p:spPr bwMode="auto">
+          <a:xfrm flipH="1">
+            <a:off x="8848853" y="2116281"/>
+            <a:ext cx="31502" cy="2777982"/>
+          </a:xfrm>
+          <a:prstGeom prst="line">
+            <a:avLst/>
+          </a:prstGeom>
+          <a:noFill/>
+          <a:ln w="38100" cap="flat" cmpd="sng" algn="ctr">
+            <a:solidFill>
+              <a:srgbClr val="7030A0"/>
+            </a:solidFill>
+            <a:prstDash val="solid"/>
+            <a:round/>
+            <a:headEnd type="none" w="med" len="med"/>
+            <a:tailEnd type="none" w="med" len="med"/>
+          </a:ln>
+          <a:effectLst/>
+        </p:spPr>
+      </p:cxnSp>
+      <p:sp>
+        <p:nvSpPr>
+          <p:cNvPr id="41" name="Rectangular Callout 40"/>
+          <p:cNvSpPr/>
+          <p:nvPr/>
+        </p:nvSpPr>
+        <p:spPr bwMode="auto">
+          <a:xfrm>
+            <a:off x="3318573" y="4175161"/>
+            <a:ext cx="1478687" cy="505968"/>
+          </a:xfrm>
+          <a:prstGeom prst="wedgeRectCallout">
+            <a:avLst>
+              <a:gd name="adj1" fmla="val -35171"/>
+              <a:gd name="adj2" fmla="val -89230"/>
+            </a:avLst>
+          </a:prstGeom>
+          <a:solidFill>
+            <a:schemeClr val="accent4">
+              <a:lumMod val="20000"/>
+              <a:lumOff val="80000"/>
+            </a:schemeClr>
+          </a:solidFill>
+          <a:ln w="9525" cap="flat" cmpd="sng" algn="ctr">
+            <a:solidFill>
+              <a:srgbClr val="7030A0"/>
+            </a:solidFill>
+            <a:prstDash val="solid"/>
+            <a:round/>
+            <a:headEnd type="none" w="med" len="med"/>
+            <a:tailEnd type="none" w="med" len="med"/>
+          </a:ln>
+          <a:effectLst/>
+        </p:spPr>
+        <p:txBody>
+          <a:bodyPr vert="horz" wrap="square" lIns="45720" tIns="45720" rIns="45720" bIns="45720" numCol="1" rtlCol="0" anchor="t" anchorCtr="0" compatLnSpc="1">
+            <a:prstTxWarp prst="textNoShape">
+              <a:avLst/>
+            </a:prstTxWarp>
+          </a:bodyPr>
+          <a:lstStyle/>
+          <a:p>
+            <a:pPr defTabSz="914378" fontAlgn="base">
+              <a:lnSpc>
+                <a:spcPct val="90000"/>
+              </a:lnSpc>
+              <a:spcBef>
+                <a:spcPct val="0"/>
+              </a:spcBef>
+              <a:spcAft>
+                <a:spcPct val="0"/>
+              </a:spcAft>
+            </a:pPr>
+            <a:r>
+              <a:rPr lang="en-US" sz="1000" dirty="0">
+                <a:solidFill>
+                  <a:srgbClr val="191919"/>
+                </a:solidFill>
+                <a:latin typeface="Helvetica Neue Light" charset="0"/>
+                <a:ea typeface="Helvetica Neue Light" charset="0"/>
+                <a:cs typeface="Helvetica Neue Light" charset="0"/>
+              </a:rPr>
+              <a:t>8</a:t>
+            </a:r>
+            <a:r>
+              <a:rPr lang="en-US" sz="1000" dirty="0">
+                <a:solidFill>
+                  <a:srgbClr val="191919"/>
+                </a:solidFill>
+                <a:latin typeface="Helvetica Neue Light" charset="0"/>
+                <a:ea typeface="Helvetica Neue Light" charset="0"/>
+                <a:cs typeface="Helvetica Neue Light" charset="0"/>
+              </a:rPr>
+              <a:t>. API Call made from Lightning app to create new incident</a:t>
+            </a:r>
+            <a:endParaRPr lang="en-US" sz="1000" b="1" dirty="0">
               <a:solidFill>
                 <a:srgbClr val="191919"/>
               </a:solidFill>
-              <a:effectLst/>
               <a:latin typeface="Helvetica Neue Light" charset="0"/>
               <a:ea typeface="Helvetica Neue Light" charset="0"/>
               <a:cs typeface="Helvetica Neue Light" charset="0"/>
             </a:endParaRPr>
+          </a:p>
+        </p:txBody>
+      </p:sp>
+      <p:cxnSp>
+        <p:nvCxnSpPr>
+          <p:cNvPr id="42" name="Straight Connector 41"/>
+          <p:cNvCxnSpPr/>
+          <p:nvPr/>
+        </p:nvCxnSpPr>
+        <p:spPr bwMode="auto">
+          <a:xfrm flipH="1">
+            <a:off x="1625601" y="4894263"/>
+            <a:ext cx="7254755" cy="0"/>
+          </a:xfrm>
+          <a:prstGeom prst="line">
+            <a:avLst/>
+          </a:prstGeom>
+          <a:noFill/>
+          <a:ln w="38100" cap="flat" cmpd="sng" algn="ctr">
+            <a:solidFill>
+              <a:srgbClr val="7030A0"/>
+            </a:solidFill>
+            <a:prstDash val="solid"/>
+            <a:round/>
+            <a:headEnd type="none" w="med" len="med"/>
+            <a:tailEnd type="none" w="med" len="med"/>
+          </a:ln>
+          <a:effectLst/>
+        </p:spPr>
+      </p:cxnSp>
+      <p:cxnSp>
+        <p:nvCxnSpPr>
+          <p:cNvPr id="44" name="Straight Arrow Connector 43"/>
+          <p:cNvCxnSpPr/>
+          <p:nvPr/>
+        </p:nvCxnSpPr>
+        <p:spPr bwMode="auto">
+          <a:xfrm flipH="1" flipV="1">
+            <a:off x="1625600" y="4339463"/>
+            <a:ext cx="2" cy="538497"/>
+          </a:xfrm>
+          <a:prstGeom prst="straightConnector1">
+            <a:avLst/>
+          </a:prstGeom>
+          <a:noFill/>
+          <a:ln w="25400" cap="flat" cmpd="sng" algn="ctr">
+            <a:solidFill>
+              <a:srgbClr val="7030A0"/>
+            </a:solidFill>
+            <a:prstDash val="solid"/>
+            <a:round/>
+            <a:headEnd type="none" w="med" len="med"/>
+            <a:tailEnd type="triangle"/>
+          </a:ln>
+          <a:effectLst/>
+        </p:spPr>
+      </p:cxnSp>
+      <p:sp>
+        <p:nvSpPr>
+          <p:cNvPr id="45" name="Rectangular Callout 44"/>
+          <p:cNvSpPr/>
+          <p:nvPr/>
+        </p:nvSpPr>
+        <p:spPr bwMode="auto">
+          <a:xfrm>
+            <a:off x="399929" y="4387043"/>
+            <a:ext cx="665777" cy="575498"/>
+          </a:xfrm>
+          <a:prstGeom prst="wedgeRectCallout">
+            <a:avLst>
+              <a:gd name="adj1" fmla="val 58976"/>
+              <a:gd name="adj2" fmla="val -94515"/>
+            </a:avLst>
+          </a:prstGeom>
+          <a:solidFill>
+            <a:schemeClr val="accent4">
+              <a:lumMod val="20000"/>
+              <a:lumOff val="80000"/>
+            </a:schemeClr>
+          </a:solidFill>
+          <a:ln w="9525" cap="flat" cmpd="sng" algn="ctr">
+            <a:solidFill>
+              <a:srgbClr val="7030A0"/>
+            </a:solidFill>
+            <a:prstDash val="solid"/>
+            <a:round/>
+            <a:headEnd type="none" w="med" len="med"/>
+            <a:tailEnd type="none" w="med" len="med"/>
+          </a:ln>
+          <a:effectLst/>
+        </p:spPr>
+        <p:txBody>
+          <a:bodyPr vert="horz" wrap="square" lIns="45720" tIns="45720" rIns="45720" bIns="45720" numCol="1" rtlCol="0" anchor="t" anchorCtr="0" compatLnSpc="1">
+            <a:prstTxWarp prst="textNoShape">
+              <a:avLst/>
+            </a:prstTxWarp>
+          </a:bodyPr>
+          <a:lstStyle/>
+          <a:p>
+            <a:pPr defTabSz="914378" fontAlgn="base">
+              <a:lnSpc>
+                <a:spcPct val="90000"/>
+              </a:lnSpc>
+              <a:spcBef>
+                <a:spcPct val="0"/>
+              </a:spcBef>
+              <a:spcAft>
+                <a:spcPct val="0"/>
+              </a:spcAft>
+            </a:pPr>
+            <a:r>
+              <a:rPr lang="en-US" sz="1000" dirty="0">
+                <a:solidFill>
+                  <a:srgbClr val="191919"/>
+                </a:solidFill>
+                <a:latin typeface="Helvetica Neue Light" charset="0"/>
+                <a:ea typeface="Helvetica Neue Light" charset="0"/>
+                <a:cs typeface="Helvetica Neue Light" charset="0"/>
+              </a:rPr>
+              <a:t>11. Sync  Tickets to Case in SF</a:t>
+            </a:r>
           </a:p>
         </p:txBody>
       </p:sp>
     </p:spTree>
     <p:extLst>
       <p:ext uri="{BB962C8B-B14F-4D97-AF65-F5344CB8AC3E}">
-        <p14:creationId xmlns:p14="http://schemas.microsoft.com/office/powerpoint/2010/main" val="331582441"/>
+        <p14:creationId xmlns:p14="http://schemas.microsoft.com/office/powerpoint/2010/main" val="427855437"/>
       </p:ext>
     </p:extLst>
   </p:cSld>
@@ -12196,11 +12035,7 @@
             </a:r>
             <a:r>
               <a:rPr lang="en-US" sz="1800" dirty="0" smtClean="0"/>
-              <a:t>call (e.g. </a:t>
-            </a:r>
-            <a:r>
-              <a:rPr lang="en-US" sz="1800" dirty="0" smtClean="0"/>
-              <a:t>Salesforce Lightning)</a:t>
+              <a:t>call (e.g. Salesforce Lightning)</a:t>
             </a:r>
             <a:endParaRPr lang="en-US" sz="1800" dirty="0"/>
           </a:p>
@@ -12359,15 +12194,7 @@
             <a:pPr lvl="1"/>
             <a:r>
               <a:rPr lang="en-US" sz="1800" dirty="0" smtClean="0"/>
-              <a:t>Custom Apps using technology layer </a:t>
-            </a:r>
-            <a:r>
-              <a:rPr lang="en-US" sz="1800" dirty="0" smtClean="0"/>
-              <a:t>(JDBC, </a:t>
-            </a:r>
-            <a:r>
-              <a:rPr lang="en-US" sz="1800" dirty="0" smtClean="0"/>
-              <a:t>MQ, JMS, SOAP, REST </a:t>
+              <a:t>Custom Apps using technology layer (JDBC, MQ, JMS, SOAP, REST </a:t>
             </a:r>
             <a:r>
               <a:rPr lang="en-US" sz="1800" dirty="0" err="1" smtClean="0"/>
@@ -12381,11 +12208,7 @@
           <a:p>
             <a:r>
               <a:rPr lang="en-US" sz="1800" dirty="0" smtClean="0"/>
-              <a:t>Support for Real Time/Near-real Time and Batch based synch </a:t>
-            </a:r>
-            <a:r>
-              <a:rPr lang="en-US" sz="1800" dirty="0" smtClean="0"/>
-              <a:t>scenarios</a:t>
+              <a:t>Support for Real Time/Near-real Time and Batch based synch scenarios</a:t>
             </a:r>
           </a:p>
           <a:p>
@@ -12393,7 +12216,6 @@
               <a:rPr lang="en-US" sz="1800" dirty="0" smtClean="0"/>
               <a:t>Support for Salesforce SOAP and REST API</a:t>
             </a:r>
-            <a:endParaRPr lang="en-US" sz="1800" dirty="0" smtClean="0"/>
           </a:p>
           <a:p>
             <a:r>
@@ -12419,11 +12241,7 @@
             </a:r>
             <a:r>
               <a:rPr lang="en-US" sz="1800" dirty="0" smtClean="0"/>
-              <a:t> implement and change rapidly</a:t>
-            </a:r>
-            <a:r>
-              <a:rPr lang="en-US" sz="1800" dirty="0" smtClean="0"/>
-              <a:t>.</a:t>
+              <a:t> implement and change rapidly.</a:t>
             </a:r>
           </a:p>
           <a:p>
@@ -15779,7 +15597,7 @@
             <a:effectLst/>
             <a:extLst>
               <a:ext uri="{AF507438-7753-43e0-B8FC-AC1667EBCBE1}">
-                <a14:hiddenEffects xmlns="" xmlns:a14="http://schemas.microsoft.com/office/drawing/2010/main">
+                <a14:hiddenEffects xmlns:a14="http://schemas.microsoft.com/office/drawing/2010/main" xmlns="">
                   <a:effectLst>
                     <a:outerShdw blurRad="63500" dist="38099" dir="2700000" algn="ctr" rotWithShape="0">
                       <a:schemeClr val="bg2">
@@ -15903,7 +15721,7 @@
             <a:effectLst/>
             <a:extLst>
               <a:ext uri="{AF507438-7753-43e0-B8FC-AC1667EBCBE1}">
-                <a14:hiddenEffects xmlns="" xmlns:a14="http://schemas.microsoft.com/office/drawing/2010/main">
+                <a14:hiddenEffects xmlns:a14="http://schemas.microsoft.com/office/drawing/2010/main" xmlns="">
                   <a:effectLst>
                     <a:outerShdw blurRad="63500" dist="38099" dir="2700000" algn="ctr" rotWithShape="0">
                       <a:schemeClr val="bg2">
@@ -15971,7 +15789,7 @@
             <a:effectLst/>
             <a:extLst>
               <a:ext uri="{AF507438-7753-43e0-B8FC-AC1667EBCBE1}">
-                <a14:hiddenEffects xmlns="" xmlns:a14="http://schemas.microsoft.com/office/drawing/2010/main">
+                <a14:hiddenEffects xmlns:a14="http://schemas.microsoft.com/office/drawing/2010/main" xmlns="">
                   <a:effectLst>
                     <a:outerShdw blurRad="63500" dist="38099" dir="2700000" algn="ctr" rotWithShape="0">
                       <a:schemeClr val="bg2">
@@ -16013,7 +15831,7 @@
             <a:effectLst/>
             <a:extLst>
               <a:ext uri="{AF507438-7753-43e0-B8FC-AC1667EBCBE1}">
-                <a14:hiddenEffects xmlns="" xmlns:a14="http://schemas.microsoft.com/office/drawing/2010/main">
+                <a14:hiddenEffects xmlns:a14="http://schemas.microsoft.com/office/drawing/2010/main" xmlns="">
                   <a:effectLst>
                     <a:outerShdw blurRad="63500" dist="38099" dir="2700000" algn="ctr" rotWithShape="0">
                       <a:schemeClr val="bg2">
@@ -16111,7 +15929,7 @@
             <a:effectLst/>
             <a:extLst>
               <a:ext uri="{AF507438-7753-43e0-B8FC-AC1667EBCBE1}">
-                <a14:hiddenEffects xmlns="" xmlns:a14="http://schemas.microsoft.com/office/drawing/2010/main">
+                <a14:hiddenEffects xmlns:a14="http://schemas.microsoft.com/office/drawing/2010/main" xmlns="">
                   <a:effectLst>
                     <a:outerShdw blurRad="63500" dist="38099" dir="2700000" algn="ctr" rotWithShape="0">
                       <a:schemeClr val="bg2">
@@ -16345,7 +16163,7 @@
             <a:effectLst/>
             <a:extLst>
               <a:ext uri="{AF507438-7753-43e0-B8FC-AC1667EBCBE1}">
-                <a14:hiddenEffects xmlns="" xmlns:a14="http://schemas.microsoft.com/office/drawing/2010/main">
+                <a14:hiddenEffects xmlns:a14="http://schemas.microsoft.com/office/drawing/2010/main" xmlns="">
                   <a:effectLst>
                     <a:outerShdw blurRad="63500" dist="38099" dir="2700000" algn="ctr" rotWithShape="0">
                       <a:schemeClr val="bg2">
@@ -16387,7 +16205,7 @@
             <a:effectLst/>
             <a:extLst>
               <a:ext uri="{AF507438-7753-43e0-B8FC-AC1667EBCBE1}">
-                <a14:hiddenEffects xmlns="" xmlns:a14="http://schemas.microsoft.com/office/drawing/2010/main">
+                <a14:hiddenEffects xmlns:a14="http://schemas.microsoft.com/office/drawing/2010/main" xmlns="">
                   <a:effectLst>
                     <a:outerShdw blurRad="63500" dist="38099" dir="2700000" algn="ctr" rotWithShape="0">
                       <a:schemeClr val="bg2">
@@ -16485,7 +16303,7 @@
             <a:effectLst/>
             <a:extLst>
               <a:ext uri="{AF507438-7753-43e0-B8FC-AC1667EBCBE1}">
-                <a14:hiddenEffects xmlns="" xmlns:a14="http://schemas.microsoft.com/office/drawing/2010/main">
+                <a14:hiddenEffects xmlns:a14="http://schemas.microsoft.com/office/drawing/2010/main" xmlns="">
                   <a:effectLst>
                     <a:outerShdw blurRad="63500" dist="38099" dir="2700000" algn="ctr" rotWithShape="0">
                       <a:schemeClr val="bg2">
@@ -16527,7 +16345,7 @@
             <a:effectLst/>
             <a:extLst>
               <a:ext uri="{AF507438-7753-43e0-B8FC-AC1667EBCBE1}">
-                <a14:hiddenEffects xmlns="" xmlns:a14="http://schemas.microsoft.com/office/drawing/2010/main">
+                <a14:hiddenEffects xmlns:a14="http://schemas.microsoft.com/office/drawing/2010/main" xmlns="">
                   <a:effectLst>
                     <a:outerShdw blurRad="63500" dist="38099" dir="2700000" algn="ctr" rotWithShape="0">
                       <a:schemeClr val="bg2">
@@ -16569,7 +16387,7 @@
             <a:effectLst/>
             <a:extLst>
               <a:ext uri="{AF507438-7753-43e0-B8FC-AC1667EBCBE1}">
-                <a14:hiddenEffects xmlns="" xmlns:a14="http://schemas.microsoft.com/office/drawing/2010/main">
+                <a14:hiddenEffects xmlns:a14="http://schemas.microsoft.com/office/drawing/2010/main" xmlns="">
                   <a:effectLst>
                     <a:outerShdw blurRad="63500" dist="38099" dir="2700000" algn="ctr" rotWithShape="0">
                       <a:schemeClr val="bg2">
@@ -16611,7 +16429,7 @@
             <a:effectLst/>
             <a:extLst>
               <a:ext uri="{AF507438-7753-43e0-B8FC-AC1667EBCBE1}">
-                <a14:hiddenEffects xmlns="" xmlns:a14="http://schemas.microsoft.com/office/drawing/2010/main">
+                <a14:hiddenEffects xmlns:a14="http://schemas.microsoft.com/office/drawing/2010/main" xmlns="">
                   <a:effectLst>
                     <a:outerShdw blurRad="63500" dist="38099" dir="2700000" algn="ctr" rotWithShape="0">
                       <a:schemeClr val="bg2">
@@ -16653,7 +16471,7 @@
             <a:effectLst/>
             <a:extLst>
               <a:ext uri="{AF507438-7753-43e0-B8FC-AC1667EBCBE1}">
-                <a14:hiddenEffects xmlns="" xmlns:a14="http://schemas.microsoft.com/office/drawing/2010/main">
+                <a14:hiddenEffects xmlns:a14="http://schemas.microsoft.com/office/drawing/2010/main" xmlns="">
                   <a:effectLst>
                     <a:outerShdw blurRad="63500" dist="38099" dir="2700000" algn="ctr" rotWithShape="0">
                       <a:schemeClr val="bg2">
@@ -23088,14 +22906,14 @@
           </a:ln>
           <a:extLst>
             <a:ext uri="{909E8E84-426E-40dd-AFC4-6F175D3DCCD1}">
-              <a14:hiddenFill xmlns="" xmlns:a14="http://schemas.microsoft.com/office/drawing/2010/main">
+              <a14:hiddenFill xmlns:a14="http://schemas.microsoft.com/office/drawing/2010/main" xmlns="">
                 <a:solidFill>
                   <a:srgbClr val="FFFFFF"/>
                 </a:solidFill>
               </a14:hiddenFill>
             </a:ext>
             <a:ext uri="{91240B29-F687-4f45-9708-019B960494DF}">
-              <a14:hiddenLine xmlns="" xmlns:a14="http://schemas.microsoft.com/office/drawing/2010/main" w="9525">
+              <a14:hiddenLine xmlns:a14="http://schemas.microsoft.com/office/drawing/2010/main" xmlns="" w="9525">
                 <a:solidFill>
                   <a:srgbClr val="000000"/>
                 </a:solidFill>
@@ -23151,14 +22969,14 @@
           </a:ln>
           <a:extLst>
             <a:ext uri="{909E8E84-426E-40dd-AFC4-6F175D3DCCD1}">
-              <a14:hiddenFill xmlns="" xmlns:a14="http://schemas.microsoft.com/office/drawing/2010/main">
+              <a14:hiddenFill xmlns:a14="http://schemas.microsoft.com/office/drawing/2010/main" xmlns="">
                 <a:solidFill>
                   <a:srgbClr val="FFFFFF"/>
                 </a:solidFill>
               </a14:hiddenFill>
             </a:ext>
             <a:ext uri="{91240B29-F687-4f45-9708-019B960494DF}">
-              <a14:hiddenLine xmlns="" xmlns:a14="http://schemas.microsoft.com/office/drawing/2010/main" w="9525">
+              <a14:hiddenLine xmlns:a14="http://schemas.microsoft.com/office/drawing/2010/main" xmlns="" w="9525">
                 <a:solidFill>
                   <a:srgbClr val="000000"/>
                 </a:solidFill>
@@ -23214,14 +23032,14 @@
           </a:ln>
           <a:extLst>
             <a:ext uri="{909E8E84-426E-40dd-AFC4-6F175D3DCCD1}">
-              <a14:hiddenFill xmlns="" xmlns:a14="http://schemas.microsoft.com/office/drawing/2010/main">
+              <a14:hiddenFill xmlns:a14="http://schemas.microsoft.com/office/drawing/2010/main" xmlns="">
                 <a:solidFill>
                   <a:srgbClr val="FFFFFF"/>
                 </a:solidFill>
               </a14:hiddenFill>
             </a:ext>
             <a:ext uri="{91240B29-F687-4f45-9708-019B960494DF}">
-              <a14:hiddenLine xmlns="" xmlns:a14="http://schemas.microsoft.com/office/drawing/2010/main" w="9525">
+              <a14:hiddenLine xmlns:a14="http://schemas.microsoft.com/office/drawing/2010/main" xmlns="" w="9525">
                 <a:solidFill>
                   <a:srgbClr val="000000"/>
                 </a:solidFill>
@@ -23277,14 +23095,14 @@
           </a:ln>
           <a:extLst>
             <a:ext uri="{909E8E84-426E-40dd-AFC4-6F175D3DCCD1}">
-              <a14:hiddenFill xmlns="" xmlns:a14="http://schemas.microsoft.com/office/drawing/2010/main">
+              <a14:hiddenFill xmlns:a14="http://schemas.microsoft.com/office/drawing/2010/main" xmlns="">
                 <a:solidFill>
                   <a:srgbClr val="FFFFFF"/>
                 </a:solidFill>
               </a14:hiddenFill>
             </a:ext>
             <a:ext uri="{91240B29-F687-4f45-9708-019B960494DF}">
-              <a14:hiddenLine xmlns="" xmlns:a14="http://schemas.microsoft.com/office/drawing/2010/main" w="9525">
+              <a14:hiddenLine xmlns:a14="http://schemas.microsoft.com/office/drawing/2010/main" xmlns="" w="9525">
                 <a:solidFill>
                   <a:srgbClr val="000000"/>
                 </a:solidFill>
@@ -23414,14 +23232,14 @@
           </a:ln>
           <a:extLst>
             <a:ext uri="{909E8E84-426E-40dd-AFC4-6F175D3DCCD1}">
-              <a14:hiddenFill xmlns="" xmlns:a14="http://schemas.microsoft.com/office/drawing/2010/main">
+              <a14:hiddenFill xmlns:a14="http://schemas.microsoft.com/office/drawing/2010/main" xmlns="">
                 <a:solidFill>
                   <a:srgbClr val="FFFFFF"/>
                 </a:solidFill>
               </a14:hiddenFill>
             </a:ext>
             <a:ext uri="{91240B29-F687-4f45-9708-019B960494DF}">
-              <a14:hiddenLine xmlns="" xmlns:a14="http://schemas.microsoft.com/office/drawing/2010/main" w="9525">
+              <a14:hiddenLine xmlns:a14="http://schemas.microsoft.com/office/drawing/2010/main" xmlns="" w="9525">
                 <a:solidFill>
                   <a:srgbClr val="000000"/>
                 </a:solidFill>
@@ -23484,14 +23302,14 @@
           </a:ln>
           <a:extLst>
             <a:ext uri="{909E8E84-426E-40dd-AFC4-6F175D3DCCD1}">
-              <a14:hiddenFill xmlns="" xmlns:a14="http://schemas.microsoft.com/office/drawing/2010/main">
+              <a14:hiddenFill xmlns:a14="http://schemas.microsoft.com/office/drawing/2010/main" xmlns="">
                 <a:solidFill>
                   <a:srgbClr val="FFFFFF"/>
                 </a:solidFill>
               </a14:hiddenFill>
             </a:ext>
             <a:ext uri="{91240B29-F687-4f45-9708-019B960494DF}">
-              <a14:hiddenLine xmlns="" xmlns:a14="http://schemas.microsoft.com/office/drawing/2010/main" w="9525">
+              <a14:hiddenLine xmlns:a14="http://schemas.microsoft.com/office/drawing/2010/main" xmlns="" w="9525">
                 <a:solidFill>
                   <a:srgbClr val="000000"/>
                 </a:solidFill>
@@ -23554,14 +23372,14 @@
           </a:ln>
           <a:extLst>
             <a:ext uri="{909E8E84-426E-40dd-AFC4-6F175D3DCCD1}">
-              <a14:hiddenFill xmlns="" xmlns:a14="http://schemas.microsoft.com/office/drawing/2010/main">
+              <a14:hiddenFill xmlns:a14="http://schemas.microsoft.com/office/drawing/2010/main" xmlns="">
                 <a:solidFill>
                   <a:srgbClr val="FFFFFF"/>
                 </a:solidFill>
               </a14:hiddenFill>
             </a:ext>
             <a:ext uri="{91240B29-F687-4f45-9708-019B960494DF}">
-              <a14:hiddenLine xmlns="" xmlns:a14="http://schemas.microsoft.com/office/drawing/2010/main" w="9525">
+              <a14:hiddenLine xmlns:a14="http://schemas.microsoft.com/office/drawing/2010/main" xmlns="" w="9525">
                 <a:solidFill>
                   <a:srgbClr val="000000"/>
                 </a:solidFill>
@@ -23624,14 +23442,14 @@
           </a:ln>
           <a:extLst>
             <a:ext uri="{909E8E84-426E-40dd-AFC4-6F175D3DCCD1}">
-              <a14:hiddenFill xmlns="" xmlns:a14="http://schemas.microsoft.com/office/drawing/2010/main">
+              <a14:hiddenFill xmlns:a14="http://schemas.microsoft.com/office/drawing/2010/main" xmlns="">
                 <a:solidFill>
                   <a:srgbClr val="FFFFFF"/>
                 </a:solidFill>
               </a14:hiddenFill>
             </a:ext>
             <a:ext uri="{91240B29-F687-4f45-9708-019B960494DF}">
-              <a14:hiddenLine xmlns="" xmlns:a14="http://schemas.microsoft.com/office/drawing/2010/main" w="9525">
+              <a14:hiddenLine xmlns:a14="http://schemas.microsoft.com/office/drawing/2010/main" xmlns="" w="9525">
                 <a:solidFill>
                   <a:srgbClr val="000000"/>
                 </a:solidFill>
@@ -23694,14 +23512,14 @@
           </a:ln>
           <a:extLst>
             <a:ext uri="{909E8E84-426E-40dd-AFC4-6F175D3DCCD1}">
-              <a14:hiddenFill xmlns="" xmlns:a14="http://schemas.microsoft.com/office/drawing/2010/main">
+              <a14:hiddenFill xmlns:a14="http://schemas.microsoft.com/office/drawing/2010/main" xmlns="">
                 <a:solidFill>
                   <a:srgbClr val="FFFFFF"/>
                 </a:solidFill>
               </a14:hiddenFill>
             </a:ext>
             <a:ext uri="{91240B29-F687-4f45-9708-019B960494DF}">
-              <a14:hiddenLine xmlns="" xmlns:a14="http://schemas.microsoft.com/office/drawing/2010/main" w="9525">
+              <a14:hiddenLine xmlns:a14="http://schemas.microsoft.com/office/drawing/2010/main" xmlns="" w="9525">
                 <a:solidFill>
                   <a:srgbClr val="000000"/>
                 </a:solidFill>
@@ -23764,14 +23582,14 @@
           </a:ln>
           <a:extLst>
             <a:ext uri="{909E8E84-426E-40dd-AFC4-6F175D3DCCD1}">
-              <a14:hiddenFill xmlns="" xmlns:a14="http://schemas.microsoft.com/office/drawing/2010/main">
+              <a14:hiddenFill xmlns:a14="http://schemas.microsoft.com/office/drawing/2010/main" xmlns="">
                 <a:solidFill>
                   <a:srgbClr val="FFFFFF"/>
                 </a:solidFill>
               </a14:hiddenFill>
             </a:ext>
             <a:ext uri="{91240B29-F687-4f45-9708-019B960494DF}">
-              <a14:hiddenLine xmlns="" xmlns:a14="http://schemas.microsoft.com/office/drawing/2010/main" w="9525">
+              <a14:hiddenLine xmlns:a14="http://schemas.microsoft.com/office/drawing/2010/main" xmlns="" w="9525">
                 <a:solidFill>
                   <a:srgbClr val="000000"/>
                 </a:solidFill>
@@ -23834,14 +23652,14 @@
           </a:ln>
           <a:extLst>
             <a:ext uri="{909E8E84-426E-40dd-AFC4-6F175D3DCCD1}">
-              <a14:hiddenFill xmlns="" xmlns:a14="http://schemas.microsoft.com/office/drawing/2010/main">
+              <a14:hiddenFill xmlns:a14="http://schemas.microsoft.com/office/drawing/2010/main" xmlns="">
                 <a:solidFill>
                   <a:srgbClr val="FFFFFF"/>
                 </a:solidFill>
               </a14:hiddenFill>
             </a:ext>
             <a:ext uri="{91240B29-F687-4f45-9708-019B960494DF}">
-              <a14:hiddenLine xmlns="" xmlns:a14="http://schemas.microsoft.com/office/drawing/2010/main" w="9525">
+              <a14:hiddenLine xmlns:a14="http://schemas.microsoft.com/office/drawing/2010/main" xmlns="" w="9525">
                 <a:solidFill>
                   <a:srgbClr val="000000"/>
                 </a:solidFill>
@@ -23897,14 +23715,14 @@
           </a:ln>
           <a:extLst>
             <a:ext uri="{909E8E84-426E-40dd-AFC4-6F175D3DCCD1}">
-              <a14:hiddenFill xmlns="" xmlns:a14="http://schemas.microsoft.com/office/drawing/2010/main">
+              <a14:hiddenFill xmlns:a14="http://schemas.microsoft.com/office/drawing/2010/main" xmlns="">
                 <a:solidFill>
                   <a:srgbClr val="FFFFFF"/>
                 </a:solidFill>
               </a14:hiddenFill>
             </a:ext>
             <a:ext uri="{91240B29-F687-4f45-9708-019B960494DF}">
-              <a14:hiddenLine xmlns="" xmlns:a14="http://schemas.microsoft.com/office/drawing/2010/main" w="9525">
+              <a14:hiddenLine xmlns:a14="http://schemas.microsoft.com/office/drawing/2010/main" xmlns="" w="9525">
                 <a:solidFill>
                   <a:srgbClr val="000000"/>
                 </a:solidFill>
@@ -24210,14 +24028,14 @@
           </a:ln>
           <a:extLst>
             <a:ext uri="{909E8E84-426E-40dd-AFC4-6F175D3DCCD1}">
-              <a14:hiddenFill xmlns="" xmlns:a14="http://schemas.microsoft.com/office/drawing/2010/main">
+              <a14:hiddenFill xmlns:a14="http://schemas.microsoft.com/office/drawing/2010/main" xmlns="">
                 <a:solidFill>
                   <a:srgbClr val="FFFFFF"/>
                 </a:solidFill>
               </a14:hiddenFill>
             </a:ext>
             <a:ext uri="{91240B29-F687-4f45-9708-019B960494DF}">
-              <a14:hiddenLine xmlns="" xmlns:a14="http://schemas.microsoft.com/office/drawing/2010/main" w="9525">
+              <a14:hiddenLine xmlns:a14="http://schemas.microsoft.com/office/drawing/2010/main" xmlns="" w="9525">
                 <a:solidFill>
                   <a:srgbClr val="000000"/>
                 </a:solidFill>
@@ -24439,14 +24257,14 @@
           </a:ln>
           <a:extLst>
             <a:ext uri="{909E8E84-426E-40dd-AFC4-6F175D3DCCD1}">
-              <a14:hiddenFill xmlns="" xmlns:a14="http://schemas.microsoft.com/office/drawing/2010/main">
+              <a14:hiddenFill xmlns:a14="http://schemas.microsoft.com/office/drawing/2010/main" xmlns="">
                 <a:solidFill>
                   <a:srgbClr val="FFFFFF"/>
                 </a:solidFill>
               </a14:hiddenFill>
             </a:ext>
             <a:ext uri="{91240B29-F687-4f45-9708-019B960494DF}">
-              <a14:hiddenLine xmlns="" xmlns:a14="http://schemas.microsoft.com/office/drawing/2010/main" w="9525">
+              <a14:hiddenLine xmlns:a14="http://schemas.microsoft.com/office/drawing/2010/main" xmlns="" w="9525">
                 <a:solidFill>
                   <a:srgbClr val="000000"/>
                 </a:solidFill>
@@ -24734,14 +24552,14 @@
           </a:ln>
           <a:extLst>
             <a:ext uri="{909E8E84-426E-40dd-AFC4-6F175D3DCCD1}">
-              <a14:hiddenFill xmlns="" xmlns:a14="http://schemas.microsoft.com/office/drawing/2010/main">
+              <a14:hiddenFill xmlns:a14="http://schemas.microsoft.com/office/drawing/2010/main" xmlns="">
                 <a:solidFill>
                   <a:srgbClr val="FFFFFF"/>
                 </a:solidFill>
               </a14:hiddenFill>
             </a:ext>
             <a:ext uri="{91240B29-F687-4f45-9708-019B960494DF}">
-              <a14:hiddenLine xmlns="" xmlns:a14="http://schemas.microsoft.com/office/drawing/2010/main" w="9525">
+              <a14:hiddenLine xmlns:a14="http://schemas.microsoft.com/office/drawing/2010/main" xmlns="" w="9525">
                 <a:solidFill>
                   <a:srgbClr val="000000"/>
                 </a:solidFill>
@@ -24797,14 +24615,14 @@
           </a:ln>
           <a:extLst>
             <a:ext uri="{909E8E84-426E-40dd-AFC4-6F175D3DCCD1}">
-              <a14:hiddenFill xmlns="" xmlns:a14="http://schemas.microsoft.com/office/drawing/2010/main">
+              <a14:hiddenFill xmlns:a14="http://schemas.microsoft.com/office/drawing/2010/main" xmlns="">
                 <a:solidFill>
                   <a:srgbClr val="FFFFFF"/>
                 </a:solidFill>
               </a14:hiddenFill>
             </a:ext>
             <a:ext uri="{91240B29-F687-4f45-9708-019B960494DF}">
-              <a14:hiddenLine xmlns="" xmlns:a14="http://schemas.microsoft.com/office/drawing/2010/main" w="9525">
+              <a14:hiddenLine xmlns:a14="http://schemas.microsoft.com/office/drawing/2010/main" xmlns="" w="9525">
                 <a:solidFill>
                   <a:srgbClr val="000000"/>
                 </a:solidFill>
@@ -25314,7 +25132,12 @@
             <p:ph type="title"/>
           </p:nvPr>
         </p:nvSpPr>
-        <p:spPr/>
+        <p:spPr>
+          <a:xfrm>
+            <a:off x="221819" y="98649"/>
+            <a:ext cx="8515350" cy="387798"/>
+          </a:xfrm>
+        </p:spPr>
         <p:txBody>
           <a:bodyPr/>
           <a:lstStyle/>
@@ -25343,8 +25166,8 @@
         </p:nvSpPr>
         <p:spPr>
           <a:xfrm>
-            <a:off x="328613" y="1092820"/>
-            <a:ext cx="5003783" cy="2862322"/>
+            <a:off x="328614" y="1092821"/>
+            <a:ext cx="5003783" cy="2831544"/>
           </a:xfrm>
           <a:prstGeom prst="rect">
             <a:avLst/>
@@ -25358,7 +25181,7 @@
           <a:lstStyle/>
           <a:p>
             <a:r>
-              <a:rPr lang="en-US" b="1" dirty="0" smtClean="0">
+              <a:rPr lang="en-US" b="1" dirty="0">
                 <a:latin typeface="Helvetica Neue" charset="0"/>
                 <a:ea typeface="Helvetica Neue" charset="0"/>
                 <a:cs typeface="Helvetica Neue" charset="0"/>
@@ -25374,12 +25197,12 @@
             </a:endParaRPr>
           </a:p>
           <a:p>
-            <a:pPr marL="285750" indent="-163513">
+            <a:pPr marL="285743" indent="-163509">
               <a:buFont typeface="Arial" charset="0"/>
               <a:buChar char="•"/>
             </a:pPr>
             <a:r>
-              <a:rPr lang="en-US" sz="1600" dirty="0" smtClean="0">
+              <a:rPr lang="en-US" sz="1600" dirty="0">
                 <a:solidFill>
                   <a:srgbClr val="002060"/>
                 </a:solidFill>
@@ -25391,12 +25214,12 @@
             </a:r>
           </a:p>
           <a:p>
-            <a:pPr marL="285750" indent="-163513">
+            <a:pPr marL="285743" indent="-163509">
               <a:buFont typeface="Arial" charset="0"/>
               <a:buChar char="•"/>
             </a:pPr>
             <a:r>
-              <a:rPr lang="en-US" sz="1600" dirty="0" smtClean="0">
+              <a:rPr lang="en-US" sz="1600" dirty="0">
                 <a:solidFill>
                   <a:srgbClr val="002060"/>
                 </a:solidFill>
@@ -25408,12 +25231,12 @@
             </a:r>
           </a:p>
           <a:p>
-            <a:pPr marL="285750" indent="-163513">
+            <a:pPr marL="285743" indent="-163509">
               <a:buFont typeface="Arial" charset="0"/>
               <a:buChar char="•"/>
             </a:pPr>
             <a:r>
-              <a:rPr lang="en-US" sz="1600" dirty="0" smtClean="0">
+              <a:rPr lang="en-US" sz="1600" dirty="0">
                 <a:solidFill>
                   <a:srgbClr val="002060"/>
                 </a:solidFill>
@@ -25425,12 +25248,12 @@
             </a:r>
           </a:p>
           <a:p>
-            <a:pPr marL="285750" indent="-163513">
+            <a:pPr marL="285743" indent="-163509">
               <a:buFont typeface="Arial" charset="0"/>
               <a:buChar char="•"/>
             </a:pPr>
             <a:r>
-              <a:rPr lang="en-US" sz="1600" dirty="0" smtClean="0">
+              <a:rPr lang="en-US" sz="1600" dirty="0">
                 <a:solidFill>
                   <a:srgbClr val="002060"/>
                 </a:solidFill>
@@ -25442,12 +25265,12 @@
             </a:r>
           </a:p>
           <a:p>
-            <a:pPr marL="285750" indent="-163513">
+            <a:pPr marL="285743" indent="-163509">
               <a:buFont typeface="Arial" charset="0"/>
               <a:buChar char="•"/>
             </a:pPr>
             <a:r>
-              <a:rPr lang="en-US" sz="1600" dirty="0" smtClean="0">
+              <a:rPr lang="en-US" sz="1600" dirty="0">
                 <a:solidFill>
                   <a:srgbClr val="002060"/>
                 </a:solidFill>
@@ -25459,12 +25282,12 @@
             </a:r>
           </a:p>
           <a:p>
-            <a:pPr marL="285750" indent="-163513">
+            <a:pPr marL="285743" indent="-163509">
               <a:buFont typeface="Arial" charset="0"/>
               <a:buChar char="•"/>
             </a:pPr>
             <a:r>
-              <a:rPr lang="en-US" sz="1600" dirty="0" smtClean="0">
+              <a:rPr lang="en-US" sz="1600" dirty="0">
                 <a:solidFill>
                   <a:srgbClr val="002060"/>
                 </a:solidFill>
@@ -25493,8 +25316,8 @@
         </p:nvSpPr>
         <p:spPr>
           <a:xfrm>
-            <a:off x="5332396" y="1092820"/>
-            <a:ext cx="3683017" cy="2092881"/>
+            <a:off x="5332397" y="1092821"/>
+            <a:ext cx="3683017" cy="3077766"/>
           </a:xfrm>
           <a:prstGeom prst="rect">
             <a:avLst/>
@@ -25508,7 +25331,7 @@
           <a:lstStyle/>
           <a:p>
             <a:r>
-              <a:rPr lang="en-US" b="1" dirty="0" smtClean="0">
+              <a:rPr lang="en-US" b="1" dirty="0">
                 <a:latin typeface="Helvetica Neue" charset="0"/>
                 <a:ea typeface="Helvetica Neue" charset="0"/>
                 <a:cs typeface="Helvetica Neue" charset="0"/>
@@ -25527,12 +25350,12 @@
             </a:endParaRPr>
           </a:p>
           <a:p>
-            <a:pPr marL="285750" indent="-171450">
+            <a:pPr marL="285743" indent="-171446">
               <a:buFont typeface="Arial" charset="0"/>
               <a:buChar char="•"/>
             </a:pPr>
             <a:r>
-              <a:rPr lang="en-US" sz="1600" dirty="0" smtClean="0">
+              <a:rPr lang="en-US" sz="1600" dirty="0">
                 <a:solidFill>
                   <a:srgbClr val="002060"/>
                 </a:solidFill>
@@ -25554,7 +25377,7 @@
               <a:t>connectivity options for enterprise and SaaS </a:t>
             </a:r>
             <a:r>
-              <a:rPr lang="en-US" sz="1600" dirty="0" smtClean="0">
+              <a:rPr lang="en-US" sz="1600" dirty="0">
                 <a:solidFill>
                   <a:srgbClr val="002060"/>
                 </a:solidFill>
@@ -25566,12 +25389,12 @@
             </a:r>
           </a:p>
           <a:p>
-            <a:pPr marL="285750" indent="-171450">
+            <a:pPr marL="285743" indent="-171446">
               <a:buFont typeface="Arial" charset="0"/>
               <a:buChar char="•"/>
             </a:pPr>
             <a:r>
-              <a:rPr lang="en-US" sz="1600" dirty="0" smtClean="0">
+              <a:rPr lang="en-US" sz="1600" dirty="0">
                 <a:solidFill>
                   <a:srgbClr val="002060"/>
                 </a:solidFill>
@@ -25579,16 +25402,16 @@
                 <a:ea typeface="Helvetica Neue" charset="0"/>
                 <a:cs typeface="Helvetica Neue" charset="0"/>
               </a:rPr>
-              <a:t>Real-time Salesforce change processing</a:t>
-            </a:r>
-          </a:p>
-          <a:p>
-            <a:pPr marL="285750" indent="-171450">
+              <a:t>Real-time Salesforce change processing using streaming API</a:t>
+            </a:r>
+          </a:p>
+          <a:p>
+            <a:pPr marL="285743" indent="-171446">
               <a:buFont typeface="Arial" charset="0"/>
               <a:buChar char="•"/>
             </a:pPr>
             <a:r>
-              <a:rPr lang="en-US" sz="1600" dirty="0" smtClean="0">
+              <a:rPr lang="en-US" sz="1600" dirty="0">
                 <a:solidFill>
                   <a:srgbClr val="002060"/>
                 </a:solidFill>
@@ -25596,8 +25419,53 @@
                 <a:ea typeface="Helvetica Neue" charset="0"/>
                 <a:cs typeface="Helvetica Neue" charset="0"/>
               </a:rPr>
-              <a:t>Simple configuration for Salesforce data synchronization</a:t>
-            </a:r>
+              <a:t>Rapid configuration for Salesforce data synchronization</a:t>
+            </a:r>
+          </a:p>
+          <a:p>
+            <a:pPr marL="285743" indent="-171446">
+              <a:buFont typeface="Arial" charset="0"/>
+              <a:buChar char="•"/>
+            </a:pPr>
+            <a:r>
+              <a:rPr lang="en-US" sz="1600" dirty="0">
+                <a:solidFill>
+                  <a:srgbClr val="002060"/>
+                </a:solidFill>
+                <a:latin typeface="Helvetica Neue" charset="0"/>
+                <a:ea typeface="Helvetica Neue" charset="0"/>
+                <a:cs typeface="Helvetica Neue" charset="0"/>
+              </a:rPr>
+              <a:t>Quickly expose enterprise assets as APIs, including support for </a:t>
+            </a:r>
+            <a:r>
+              <a:rPr lang="en-US" sz="1600" dirty="0" err="1">
+                <a:solidFill>
+                  <a:srgbClr val="002060"/>
+                </a:solidFill>
+                <a:latin typeface="Helvetica Neue" charset="0"/>
+                <a:ea typeface="Helvetica Neue" charset="0"/>
+                <a:cs typeface="Helvetica Neue" charset="0"/>
+              </a:rPr>
+              <a:t>Odata</a:t>
+            </a:r>
+            <a:r>
+              <a:rPr lang="en-US" sz="1600" dirty="0">
+                <a:solidFill>
+                  <a:srgbClr val="002060"/>
+                </a:solidFill>
+                <a:latin typeface="Helvetica Neue" charset="0"/>
+                <a:ea typeface="Helvetica Neue" charset="0"/>
+                <a:cs typeface="Helvetica Neue" charset="0"/>
+              </a:rPr>
+              <a:t> 4.0</a:t>
+            </a:r>
+          </a:p>
+          <a:p>
+            <a:pPr marL="285743" indent="-171446">
+              <a:buFont typeface="Arial" charset="0"/>
+              <a:buChar char="•"/>
+            </a:pPr>
             <a:endParaRPr lang="en-US" sz="1600" dirty="0">
               <a:solidFill>
                 <a:srgbClr val="002060"/>
@@ -25643,7 +25511,7 @@
     </p:spTree>
     <p:extLst>
       <p:ext uri="{BB962C8B-B14F-4D97-AF65-F5344CB8AC3E}">
-        <p14:creationId xmlns:p14="http://schemas.microsoft.com/office/powerpoint/2010/main" val="1108249663"/>
+        <p14:creationId xmlns:p14="http://schemas.microsoft.com/office/powerpoint/2010/main" val="139805048"/>
       </p:ext>
     </p:extLst>
   </p:cSld>
@@ -25702,7 +25570,9 @@
           </a:xfrm>
         </p:spPr>
         <p:txBody>
-          <a:bodyPr/>
+          <a:bodyPr>
+            <a:normAutofit/>
+          </a:bodyPr>
           <a:lstStyle/>
           <a:p>
             <a:r>
@@ -25721,135 +25591,6 @@
               <a:ea typeface="Helvetica Neue" charset="0"/>
               <a:cs typeface="Helvetica Neue" charset="0"/>
             </a:endParaRPr>
-          </a:p>
-        </p:txBody>
-      </p:sp>
-      <p:sp>
-        <p:nvSpPr>
-          <p:cNvPr id="5" name="Rounded Rectangle 4"/>
-          <p:cNvSpPr/>
-          <p:nvPr/>
-        </p:nvSpPr>
-        <p:spPr bwMode="auto">
-          <a:xfrm>
-            <a:off x="3331819" y="1674866"/>
-            <a:ext cx="2706880" cy="1110126"/>
-          </a:xfrm>
-          <a:prstGeom prst="roundRect">
-            <a:avLst/>
-          </a:prstGeom>
-          <a:ln>
-            <a:solidFill>
-              <a:srgbClr val="002060"/>
-            </a:solidFill>
-            <a:headEnd type="none" w="med" len="med"/>
-            <a:tailEnd type="none" w="med" len="med"/>
-          </a:ln>
-        </p:spPr>
-        <p:style>
-          <a:lnRef idx="2">
-            <a:schemeClr val="dk1"/>
-          </a:lnRef>
-          <a:fillRef idx="1">
-            <a:schemeClr val="lt1"/>
-          </a:fillRef>
-          <a:effectRef idx="0">
-            <a:schemeClr val="dk1"/>
-          </a:effectRef>
-          <a:fontRef idx="minor">
-            <a:schemeClr val="dk1"/>
-          </a:fontRef>
-        </p:style>
-        <p:txBody>
-          <a:bodyPr vert="horz" wrap="square" lIns="914400" tIns="0" rIns="0" bIns="0" numCol="1" rtlCol="0" anchor="ctr" anchorCtr="0" compatLnSpc="1">
-            <a:prstTxWarp prst="textNoShape">
-              <a:avLst/>
-            </a:prstTxWarp>
-          </a:bodyPr>
-          <a:lstStyle/>
-          <a:p>
-            <a:pPr marL="0" marR="0" indent="0" defTabSz="914400" rtl="0" eaLnBrk="1" fontAlgn="base" latinLnBrk="0" hangingPunct="1">
-              <a:lnSpc>
-                <a:spcPct val="90000"/>
-              </a:lnSpc>
-              <a:spcBef>
-                <a:spcPct val="0"/>
-              </a:spcBef>
-              <a:spcAft>
-                <a:spcPct val="0"/>
-              </a:spcAft>
-              <a:buClrTx/>
-              <a:buSzTx/>
-              <a:buFontTx/>
-              <a:buNone/>
-              <a:tabLst/>
-            </a:pPr>
-            <a:r>
-              <a:rPr kumimoji="0" lang="en-US" b="1" u="none" strike="noStrike" cap="none" normalizeH="0" baseline="0" smtClean="0">
-                <a:ln>
-                  <a:noFill/>
-                </a:ln>
-                <a:solidFill>
-                  <a:schemeClr val="tx2">
-                    <a:lumMod val="75000"/>
-                  </a:schemeClr>
-                </a:solidFill>
-                <a:effectLst/>
-                <a:latin typeface="Helvetica Neue Light" charset="0"/>
-                <a:ea typeface="Helvetica Neue Light" charset="0"/>
-                <a:cs typeface="Helvetica Neue Light" charset="0"/>
-              </a:rPr>
-              <a:t>App</a:t>
-            </a:r>
-            <a:endParaRPr kumimoji="0" lang="en-US" b="1" u="none" strike="noStrike" cap="none" normalizeH="0" baseline="0" dirty="0" smtClean="0">
-              <a:ln>
-                <a:noFill/>
-              </a:ln>
-              <a:solidFill>
-                <a:schemeClr val="tx2">
-                  <a:lumMod val="75000"/>
-                </a:schemeClr>
-              </a:solidFill>
-              <a:effectLst/>
-              <a:latin typeface="Helvetica Neue Light" charset="0"/>
-              <a:ea typeface="Helvetica Neue Light" charset="0"/>
-              <a:cs typeface="Helvetica Neue Light" charset="0"/>
-            </a:endParaRPr>
-          </a:p>
-          <a:p>
-            <a:pPr marL="0" marR="0" indent="0" defTabSz="914400" rtl="0" eaLnBrk="1" fontAlgn="base" latinLnBrk="0" hangingPunct="1">
-              <a:lnSpc>
-                <a:spcPct val="90000"/>
-              </a:lnSpc>
-              <a:spcBef>
-                <a:spcPct val="0"/>
-              </a:spcBef>
-              <a:spcAft>
-                <a:spcPct val="0"/>
-              </a:spcAft>
-              <a:buClrTx/>
-              <a:buSzTx/>
-              <a:buFontTx/>
-              <a:buNone/>
-              <a:tabLst/>
-            </a:pPr>
-            <a:r>
-              <a:rPr kumimoji="0" lang="en-US" u="none" strike="noStrike" cap="none" normalizeH="0" baseline="0" dirty="0" smtClean="0">
-                <a:ln>
-                  <a:noFill/>
-                </a:ln>
-                <a:solidFill>
-                  <a:schemeClr val="tx2">
-                    <a:lumMod val="75000"/>
-                  </a:schemeClr>
-                </a:solidFill>
-                <a:effectLst/>
-                <a:latin typeface="Helvetica Neue Light" charset="0"/>
-                <a:ea typeface="Helvetica Neue Light" charset="0"/>
-                <a:cs typeface="Helvetica Neue Light" charset="0"/>
-              </a:rPr>
-              <a:t>Connect</a:t>
-            </a:r>
           </a:p>
         </p:txBody>
       </p:sp>
@@ -25861,8 +25602,8 @@
         </p:nvSpPr>
         <p:spPr bwMode="auto">
           <a:xfrm>
-            <a:off x="4120452" y="3504483"/>
-            <a:ext cx="1046177" cy="654628"/>
+            <a:off x="4931839" y="2858454"/>
+            <a:ext cx="926521" cy="705683"/>
           </a:xfrm>
           <a:prstGeom prst="roundRect">
             <a:avLst/>
@@ -25897,7 +25638,7 @@
           </a:bodyPr>
           <a:lstStyle/>
           <a:p>
-            <a:pPr marL="0" marR="0" indent="0" algn="ctr" defTabSz="914400" rtl="0" eaLnBrk="1" fontAlgn="base" latinLnBrk="0" hangingPunct="1">
+            <a:pPr algn="ctr" defTabSz="914378" fontAlgn="base">
               <a:lnSpc>
                 <a:spcPct val="90000"/>
               </a:lnSpc>
@@ -25907,28 +25648,19 @@
               <a:spcAft>
                 <a:spcPct val="0"/>
               </a:spcAft>
-              <a:buClrTx/>
-              <a:buSzTx/>
-              <a:buFontTx/>
-              <a:buNone/>
-              <a:tabLst/>
             </a:pPr>
             <a:r>
-              <a:rPr kumimoji="0" lang="en-US" sz="1600" b="1" u="none" strike="noStrike" cap="none" normalizeH="0" baseline="0" dirty="0" smtClean="0">
-                <a:ln>
-                  <a:noFill/>
-                </a:ln>
+              <a:rPr lang="en-US" sz="1600" b="1" dirty="0">
                 <a:solidFill>
                   <a:schemeClr val="tx2">
                     <a:lumMod val="75000"/>
                   </a:schemeClr>
                 </a:solidFill>
-                <a:effectLst/>
                 <a:latin typeface="Helvetica Neue Light" charset="0"/>
                 <a:ea typeface="Helvetica Neue Light" charset="0"/>
                 <a:cs typeface="Helvetica Neue Light" charset="0"/>
               </a:rPr>
-              <a:t>MQ</a:t>
+              <a:t>API Connect</a:t>
             </a:r>
           </a:p>
         </p:txBody>
@@ -25949,44 +25681,166 @@
         </p:blipFill>
         <p:spPr>
           <a:xfrm>
-            <a:off x="762990" y="3140118"/>
-            <a:ext cx="1833847" cy="1151248"/>
+            <a:off x="979496" y="3324132"/>
+            <a:ext cx="1617341" cy="1015331"/>
           </a:xfrm>
           <a:prstGeom prst="rect">
             <a:avLst/>
           </a:prstGeom>
         </p:spPr>
       </p:pic>
-      <p:pic>
-        <p:nvPicPr>
-          <p:cNvPr id="26" name="Picture 25"/>
-          <p:cNvPicPr>
-            <a:picLocks noChangeAspect="1"/>
-          </p:cNvPicPr>
+      <p:grpSp>
+        <p:nvGrpSpPr>
+          <p:cNvPr id="6" name="Group 5"/>
+          <p:cNvGrpSpPr/>
           <p:nvPr/>
-        </p:nvPicPr>
-        <p:blipFill>
-          <a:blip r:embed="rId3" cstate="hqprint">
-            <a:extLst>
-              <a:ext uri="{28A0092B-C50C-407E-A947-70E740481C1C}">
-                <a14:useLocalDpi xmlns:a14="http://schemas.microsoft.com/office/drawing/2010/main"/>
-              </a:ext>
-            </a:extLst>
-          </a:blip>
-          <a:stretch>
-            <a:fillRect/>
-          </a:stretch>
-        </p:blipFill>
-        <p:spPr>
-          <a:xfrm>
-            <a:off x="3448188" y="1782098"/>
-            <a:ext cx="501795" cy="501795"/>
-          </a:xfrm>
-          <a:prstGeom prst="rect">
-            <a:avLst/>
-          </a:prstGeom>
-        </p:spPr>
-      </p:pic>
+        </p:nvGrpSpPr>
+        <p:grpSpPr>
+          <a:xfrm>
+            <a:off x="3318573" y="1389168"/>
+            <a:ext cx="2706880" cy="1110126"/>
+            <a:chOff x="4424764" y="1852224"/>
+            <a:chExt cx="3609173" cy="1480168"/>
+          </a:xfrm>
+        </p:grpSpPr>
+        <p:sp>
+          <p:nvSpPr>
+            <p:cNvPr id="5" name="Rounded Rectangle 4"/>
+            <p:cNvSpPr/>
+            <p:nvPr/>
+          </p:nvSpPr>
+          <p:spPr bwMode="auto">
+            <a:xfrm>
+              <a:off x="4424764" y="1852224"/>
+              <a:ext cx="3609173" cy="1480168"/>
+            </a:xfrm>
+            <a:prstGeom prst="roundRect">
+              <a:avLst/>
+            </a:prstGeom>
+            <a:ln>
+              <a:solidFill>
+                <a:srgbClr val="002060"/>
+              </a:solidFill>
+              <a:headEnd type="none" w="med" len="med"/>
+              <a:tailEnd type="none" w="med" len="med"/>
+            </a:ln>
+          </p:spPr>
+          <p:style>
+            <a:lnRef idx="2">
+              <a:schemeClr val="dk1"/>
+            </a:lnRef>
+            <a:fillRef idx="1">
+              <a:schemeClr val="lt1"/>
+            </a:fillRef>
+            <a:effectRef idx="0">
+              <a:schemeClr val="dk1"/>
+            </a:effectRef>
+            <a:fontRef idx="minor">
+              <a:schemeClr val="dk1"/>
+            </a:fontRef>
+          </p:style>
+          <p:txBody>
+            <a:bodyPr vert="horz" wrap="square" lIns="914400" tIns="0" rIns="0" bIns="0" numCol="1" rtlCol="0" anchor="ctr" anchorCtr="0" compatLnSpc="1">
+              <a:prstTxWarp prst="textNoShape">
+                <a:avLst/>
+              </a:prstTxWarp>
+            </a:bodyPr>
+            <a:lstStyle/>
+            <a:p>
+              <a:pPr defTabSz="914378" fontAlgn="base">
+                <a:lnSpc>
+                  <a:spcPct val="90000"/>
+                </a:lnSpc>
+                <a:spcBef>
+                  <a:spcPct val="0"/>
+                </a:spcBef>
+                <a:spcAft>
+                  <a:spcPct val="0"/>
+                </a:spcAft>
+              </a:pPr>
+              <a:r>
+                <a:rPr lang="en-US" b="1">
+                  <a:solidFill>
+                    <a:schemeClr val="tx2">
+                      <a:lumMod val="75000"/>
+                    </a:schemeClr>
+                  </a:solidFill>
+                  <a:latin typeface="Helvetica Neue Light" charset="0"/>
+                  <a:ea typeface="Helvetica Neue Light" charset="0"/>
+                  <a:cs typeface="Helvetica Neue Light" charset="0"/>
+                </a:rPr>
+                <a:t>App</a:t>
+              </a:r>
+              <a:endParaRPr lang="en-US" b="1" dirty="0">
+                <a:solidFill>
+                  <a:schemeClr val="tx2">
+                    <a:lumMod val="75000"/>
+                  </a:schemeClr>
+                </a:solidFill>
+                <a:latin typeface="Helvetica Neue Light" charset="0"/>
+                <a:ea typeface="Helvetica Neue Light" charset="0"/>
+                <a:cs typeface="Helvetica Neue Light" charset="0"/>
+              </a:endParaRPr>
+            </a:p>
+            <a:p>
+              <a:pPr defTabSz="914378" fontAlgn="base">
+                <a:lnSpc>
+                  <a:spcPct val="90000"/>
+                </a:lnSpc>
+                <a:spcBef>
+                  <a:spcPct val="0"/>
+                </a:spcBef>
+                <a:spcAft>
+                  <a:spcPct val="0"/>
+                </a:spcAft>
+              </a:pPr>
+              <a:r>
+                <a:rPr lang="en-US" dirty="0">
+                  <a:solidFill>
+                    <a:schemeClr val="tx2">
+                      <a:lumMod val="75000"/>
+                    </a:schemeClr>
+                  </a:solidFill>
+                  <a:latin typeface="Helvetica Neue Light" charset="0"/>
+                  <a:ea typeface="Helvetica Neue Light" charset="0"/>
+                  <a:cs typeface="Helvetica Neue Light" charset="0"/>
+                </a:rPr>
+                <a:t>Connect</a:t>
+              </a:r>
+            </a:p>
+          </p:txBody>
+        </p:sp>
+        <p:pic>
+          <p:nvPicPr>
+            <p:cNvPr id="26" name="Picture 25"/>
+            <p:cNvPicPr>
+              <a:picLocks noChangeAspect="1"/>
+            </p:cNvPicPr>
+            <p:nvPr/>
+          </p:nvPicPr>
+          <p:blipFill>
+            <a:blip r:embed="rId3" cstate="hqprint">
+              <a:extLst>
+                <a:ext uri="{28A0092B-C50C-407E-A947-70E740481C1C}">
+                  <a14:useLocalDpi xmlns:a14="http://schemas.microsoft.com/office/drawing/2010/main"/>
+                </a:ext>
+              </a:extLst>
+            </a:blip>
+            <a:stretch>
+              <a:fillRect/>
+            </a:stretch>
+          </p:blipFill>
+          <p:spPr>
+            <a:xfrm>
+              <a:off x="4652170" y="2055963"/>
+              <a:ext cx="669060" cy="669060"/>
+            </a:xfrm>
+            <a:prstGeom prst="rect">
+              <a:avLst/>
+            </a:prstGeom>
+          </p:spPr>
+        </p:pic>
+      </p:grpSp>
       <p:pic>
         <p:nvPicPr>
           <p:cNvPr id="43" name="Picture 42"/>
@@ -26009,7 +25863,7 @@
         </p:blipFill>
         <p:spPr>
           <a:xfrm>
-            <a:off x="1043836" y="1487812"/>
+            <a:off x="1020502" y="1403601"/>
             <a:ext cx="841682" cy="841682"/>
           </a:xfrm>
           <a:prstGeom prst="rect">
@@ -26024,9 +25878,9 @@
           <p:nvPr/>
         </p:nvCxnSpPr>
         <p:spPr bwMode="auto">
-          <a:xfrm>
-            <a:off x="2596837" y="3831797"/>
-            <a:ext cx="1353146" cy="3603"/>
+          <a:xfrm flipH="1" flipV="1">
+            <a:off x="3955298" y="3561420"/>
+            <a:ext cx="6840" cy="426770"/>
           </a:xfrm>
           <a:prstGeom prst="straightConnector1">
             <a:avLst/>
@@ -26049,13 +25903,15 @@
       <p:cxnSp>
         <p:nvCxnSpPr>
           <p:cNvPr id="52" name="Straight Arrow Connector 51"/>
-          <p:cNvCxnSpPr/>
+          <p:cNvCxnSpPr>
+            <a:stCxn id="22" idx="0"/>
+          </p:cNvCxnSpPr>
           <p:nvPr/>
         </p:nvCxnSpPr>
         <p:spPr bwMode="auto">
-          <a:xfrm flipV="1">
-            <a:off x="4636631" y="2921621"/>
-            <a:ext cx="3717" cy="457199"/>
+          <a:xfrm flipH="1" flipV="1">
+            <a:off x="3962138" y="2499294"/>
+            <a:ext cx="1" cy="359160"/>
           </a:xfrm>
           <a:prstGeom prst="straightConnector1">
             <a:avLst/>
@@ -26083,8 +25939,8 @@
         </p:nvCxnSpPr>
         <p:spPr bwMode="auto">
           <a:xfrm>
-            <a:off x="1754215" y="1941454"/>
-            <a:ext cx="1485389" cy="0"/>
+            <a:off x="1885518" y="1712485"/>
+            <a:ext cx="1201918" cy="0"/>
           </a:xfrm>
           <a:prstGeom prst="straightConnector1">
             <a:avLst/>
@@ -26092,9 +25948,7 @@
           <a:noFill/>
           <a:ln w="12700" cap="flat" cmpd="sng" algn="ctr">
             <a:solidFill>
-              <a:schemeClr val="bg1">
-                <a:lumMod val="50000"/>
-              </a:schemeClr>
+              <a:srgbClr val="7030A0"/>
             </a:solidFill>
             <a:prstDash val="solid"/>
             <a:round/>
@@ -26112,8 +25966,8 @@
         </p:nvGrpSpPr>
         <p:grpSpPr>
           <a:xfrm>
-            <a:off x="2011486" y="2534306"/>
-            <a:ext cx="1201918" cy="454268"/>
+            <a:off x="1965099" y="2230398"/>
+            <a:ext cx="1219084" cy="953451"/>
             <a:chOff x="2011486" y="2534306"/>
             <a:chExt cx="1201918" cy="454268"/>
           </a:xfrm>
@@ -26184,9 +26038,9 @@
           <p:nvPr/>
         </p:nvCxnSpPr>
         <p:spPr bwMode="auto">
-          <a:xfrm>
-            <a:off x="1464677" y="2458147"/>
-            <a:ext cx="0" cy="528484"/>
+          <a:xfrm flipH="1">
+            <a:off x="1441344" y="2499294"/>
+            <a:ext cx="6457" cy="673984"/>
           </a:xfrm>
           <a:prstGeom prst="straightConnector1">
             <a:avLst/>
@@ -26214,7 +26068,7 @@
         </p:nvSpPr>
         <p:spPr bwMode="auto">
           <a:xfrm>
-            <a:off x="7026294" y="1723817"/>
+            <a:off x="6967385" y="1389168"/>
             <a:ext cx="1494504" cy="435274"/>
           </a:xfrm>
           <a:prstGeom prst="roundRect">
@@ -26253,7 +26107,7 @@
           </a:bodyPr>
           <a:lstStyle/>
           <a:p>
-            <a:pPr marL="0" marR="0" indent="0" algn="ctr" defTabSz="914400" rtl="0" eaLnBrk="1" fontAlgn="base" latinLnBrk="0" hangingPunct="1">
+            <a:pPr algn="ctr" defTabSz="914378" fontAlgn="base">
               <a:lnSpc>
                 <a:spcPct val="90000"/>
               </a:lnSpc>
@@ -26263,29 +26117,20 @@
               <a:spcAft>
                 <a:spcPct val="0"/>
               </a:spcAft>
-              <a:buClrTx/>
-              <a:buSzTx/>
-              <a:buFontTx/>
-              <a:buNone/>
-              <a:tabLst/>
             </a:pPr>
             <a:r>
-              <a:rPr kumimoji="0" lang="en-US" sz="1400" u="none" strike="noStrike" cap="none" normalizeH="0" baseline="0" smtClean="0">
-                <a:ln>
-                  <a:noFill/>
-                </a:ln>
+              <a:rPr lang="en-US" sz="1400" dirty="0">
                 <a:solidFill>
                   <a:schemeClr val="tx1">
                     <a:lumMod val="50000"/>
                     <a:lumOff val="50000"/>
                   </a:schemeClr>
                 </a:solidFill>
-                <a:effectLst/>
                 <a:latin typeface="Helvetica Neue Light" charset="0"/>
                 <a:ea typeface="Helvetica Neue Light" charset="0"/>
                 <a:cs typeface="Helvetica Neue Light" charset="0"/>
               </a:rPr>
-              <a:t>Shipping Vendor</a:t>
+              <a:t>Shipping System</a:t>
             </a:r>
           </a:p>
         </p:txBody>
@@ -26298,7 +26143,7 @@
         </p:nvCxnSpPr>
         <p:spPr bwMode="auto">
           <a:xfrm>
-            <a:off x="6142934" y="1941454"/>
+            <a:off x="6120583" y="1606805"/>
             <a:ext cx="751673" cy="0"/>
           </a:xfrm>
           <a:prstGeom prst="straightConnector1">
@@ -26350,30 +26195,234 @@
           </a:p>
         </p:txBody>
       </p:sp>
+      <p:cxnSp>
+        <p:nvCxnSpPr>
+          <p:cNvPr id="19" name="Straight Arrow Connector 18"/>
+          <p:cNvCxnSpPr/>
+          <p:nvPr/>
+        </p:nvCxnSpPr>
+        <p:spPr bwMode="auto">
+          <a:xfrm>
+            <a:off x="6101717" y="2116281"/>
+            <a:ext cx="751673" cy="0"/>
+          </a:xfrm>
+          <a:prstGeom prst="straightConnector1">
+            <a:avLst/>
+          </a:prstGeom>
+          <a:noFill/>
+          <a:ln w="12700" cap="flat" cmpd="sng" algn="ctr">
+            <a:solidFill>
+              <a:schemeClr val="bg1">
+                <a:lumMod val="50000"/>
+              </a:schemeClr>
+            </a:solidFill>
+            <a:prstDash val="solid"/>
+            <a:round/>
+            <a:headEnd type="none" w="med" len="med"/>
+            <a:tailEnd type="triangle"/>
+          </a:ln>
+          <a:effectLst/>
+        </p:spPr>
+      </p:cxnSp>
+      <p:sp>
+        <p:nvSpPr>
+          <p:cNvPr id="20" name="Rounded Rectangle 19"/>
+          <p:cNvSpPr/>
+          <p:nvPr/>
+        </p:nvSpPr>
+        <p:spPr bwMode="auto">
+          <a:xfrm>
+            <a:off x="6967385" y="1945362"/>
+            <a:ext cx="1494504" cy="435274"/>
+          </a:xfrm>
+          <a:prstGeom prst="roundRect">
+            <a:avLst/>
+          </a:prstGeom>
+          <a:noFill/>
+          <a:ln>
+            <a:solidFill>
+              <a:schemeClr val="bg1">
+                <a:lumMod val="65000"/>
+              </a:schemeClr>
+            </a:solidFill>
+            <a:headEnd type="none" w="med" len="med"/>
+            <a:tailEnd type="none" w="med" len="med"/>
+          </a:ln>
+        </p:spPr>
+        <p:style>
+          <a:lnRef idx="2">
+            <a:schemeClr val="dk1"/>
+          </a:lnRef>
+          <a:fillRef idx="1">
+            <a:schemeClr val="lt1"/>
+          </a:fillRef>
+          <a:effectRef idx="0">
+            <a:schemeClr val="dk1"/>
+          </a:effectRef>
+          <a:fontRef idx="minor">
+            <a:schemeClr val="dk1"/>
+          </a:fontRef>
+        </p:style>
+        <p:txBody>
+          <a:bodyPr vert="horz" wrap="square" lIns="0" tIns="0" rIns="0" bIns="0" numCol="1" rtlCol="0" anchor="ctr" anchorCtr="0" compatLnSpc="1">
+            <a:prstTxWarp prst="textNoShape">
+              <a:avLst/>
+            </a:prstTxWarp>
+          </a:bodyPr>
+          <a:lstStyle/>
+          <a:p>
+            <a:pPr algn="ctr" defTabSz="914378" fontAlgn="base">
+              <a:lnSpc>
+                <a:spcPct val="90000"/>
+              </a:lnSpc>
+              <a:spcBef>
+                <a:spcPct val="0"/>
+              </a:spcBef>
+              <a:spcAft>
+                <a:spcPct val="0"/>
+              </a:spcAft>
+            </a:pPr>
+            <a:r>
+              <a:rPr lang="en-US" sz="1400" dirty="0">
+                <a:solidFill>
+                  <a:schemeClr val="tx1">
+                    <a:lumMod val="50000"/>
+                    <a:lumOff val="50000"/>
+                  </a:schemeClr>
+                </a:solidFill>
+                <a:latin typeface="Helvetica Neue Light" charset="0"/>
+                <a:ea typeface="Helvetica Neue Light" charset="0"/>
+                <a:cs typeface="Helvetica Neue Light" charset="0"/>
+              </a:rPr>
+              <a:t>Trouble Ticket System</a:t>
+            </a:r>
+          </a:p>
+        </p:txBody>
+      </p:sp>
+      <p:sp>
+        <p:nvSpPr>
+          <p:cNvPr id="22" name="Rounded Rectangle 21"/>
+          <p:cNvSpPr/>
+          <p:nvPr/>
+        </p:nvSpPr>
+        <p:spPr bwMode="auto">
+          <a:xfrm>
+            <a:off x="3492858" y="2858454"/>
+            <a:ext cx="938560" cy="705683"/>
+          </a:xfrm>
+          <a:prstGeom prst="roundRect">
+            <a:avLst/>
+          </a:prstGeom>
+          <a:ln>
+            <a:solidFill>
+              <a:srgbClr val="002060"/>
+            </a:solidFill>
+            <a:headEnd type="none" w="med" len="med"/>
+            <a:tailEnd type="none" w="med" len="med"/>
+          </a:ln>
+        </p:spPr>
+        <p:style>
+          <a:lnRef idx="2">
+            <a:schemeClr val="dk1"/>
+          </a:lnRef>
+          <a:fillRef idx="1">
+            <a:schemeClr val="lt1"/>
+          </a:fillRef>
+          <a:effectRef idx="0">
+            <a:schemeClr val="dk1"/>
+          </a:effectRef>
+          <a:fontRef idx="minor">
+            <a:schemeClr val="dk1"/>
+          </a:fontRef>
+        </p:style>
+        <p:txBody>
+          <a:bodyPr vert="horz" wrap="square" lIns="0" tIns="0" rIns="0" bIns="0" numCol="1" rtlCol="0" anchor="ctr" anchorCtr="0" compatLnSpc="1">
+            <a:prstTxWarp prst="textNoShape">
+              <a:avLst/>
+            </a:prstTxWarp>
+          </a:bodyPr>
+          <a:lstStyle/>
+          <a:p>
+            <a:pPr algn="ctr" defTabSz="914378" fontAlgn="base">
+              <a:lnSpc>
+                <a:spcPct val="90000"/>
+              </a:lnSpc>
+              <a:spcBef>
+                <a:spcPct val="0"/>
+              </a:spcBef>
+              <a:spcAft>
+                <a:spcPct val="0"/>
+              </a:spcAft>
+            </a:pPr>
+            <a:r>
+              <a:rPr lang="en-US" sz="1600" b="1" dirty="0">
+                <a:solidFill>
+                  <a:schemeClr val="tx2">
+                    <a:lumMod val="75000"/>
+                  </a:schemeClr>
+                </a:solidFill>
+                <a:latin typeface="Helvetica Neue Light" charset="0"/>
+                <a:ea typeface="Helvetica Neue Light" charset="0"/>
+                <a:cs typeface="Helvetica Neue Light" charset="0"/>
+              </a:rPr>
+              <a:t>MQ</a:t>
+            </a:r>
+          </a:p>
+        </p:txBody>
+      </p:sp>
+      <p:cxnSp>
+        <p:nvCxnSpPr>
+          <p:cNvPr id="30" name="Straight Arrow Connector 29"/>
+          <p:cNvCxnSpPr/>
+          <p:nvPr/>
+        </p:nvCxnSpPr>
+        <p:spPr bwMode="auto">
+          <a:xfrm flipH="1" flipV="1">
+            <a:off x="5441724" y="2490822"/>
+            <a:ext cx="4183" cy="376106"/>
+          </a:xfrm>
+          <a:prstGeom prst="straightConnector1">
+            <a:avLst/>
+          </a:prstGeom>
+          <a:noFill/>
+          <a:ln w="12700" cap="flat" cmpd="sng" algn="ctr">
+            <a:solidFill>
+              <a:schemeClr val="bg1">
+                <a:lumMod val="50000"/>
+              </a:schemeClr>
+            </a:solidFill>
+            <a:prstDash val="solid"/>
+            <a:round/>
+            <a:headEnd type="none" w="med" len="med"/>
+            <a:tailEnd type="triangle"/>
+          </a:ln>
+          <a:effectLst/>
+        </p:spPr>
+      </p:cxnSp>
       <p:grpSp>
         <p:nvGrpSpPr>
-          <p:cNvPr id="18" name="Group 17"/>
+          <p:cNvPr id="31" name="Group 30"/>
           <p:cNvGrpSpPr/>
           <p:nvPr/>
         </p:nvGrpSpPr>
         <p:grpSpPr>
-          <a:xfrm>
-            <a:off x="6096215" y="2362256"/>
-            <a:ext cx="2424583" cy="435274"/>
-            <a:chOff x="6096215" y="2362256"/>
-            <a:chExt cx="2424583" cy="435274"/>
+          <a:xfrm flipH="1" flipV="1">
+            <a:off x="2596837" y="3609420"/>
+            <a:ext cx="2798262" cy="378770"/>
+            <a:chOff x="2011486" y="2534306"/>
+            <a:chExt cx="1201918" cy="454268"/>
           </a:xfrm>
         </p:grpSpPr>
         <p:cxnSp>
           <p:nvCxnSpPr>
-            <p:cNvPr id="19" name="Straight Arrow Connector 18"/>
+            <p:cNvPr id="32" name="Straight Arrow Connector 31"/>
             <p:cNvCxnSpPr/>
             <p:nvPr/>
           </p:nvCxnSpPr>
           <p:spPr bwMode="auto">
             <a:xfrm>
-              <a:off x="6096215" y="2534306"/>
-              <a:ext cx="751673" cy="0"/>
+              <a:off x="2011486" y="2534306"/>
+              <a:ext cx="3532" cy="454268"/>
             </a:xfrm>
             <a:prstGeom prst="straightConnector1">
               <a:avLst/>
@@ -26393,128 +26442,40 @@
             <a:effectLst/>
           </p:spPr>
         </p:cxnSp>
-        <p:sp>
-          <p:nvSpPr>
-            <p:cNvPr id="20" name="Rounded Rectangle 19"/>
-            <p:cNvSpPr/>
+        <p:cxnSp>
+          <p:nvCxnSpPr>
+            <p:cNvPr id="33" name="Straight Arrow Connector 32"/>
+            <p:cNvCxnSpPr/>
             <p:nvPr/>
-          </p:nvSpPr>
+          </p:nvCxnSpPr>
           <p:spPr bwMode="auto">
-            <a:xfrm>
-              <a:off x="7026294" y="2362256"/>
-              <a:ext cx="1494504" cy="435274"/>
+            <a:xfrm flipH="1">
+              <a:off x="2011486" y="2534306"/>
+              <a:ext cx="1201918" cy="0"/>
             </a:xfrm>
-            <a:prstGeom prst="roundRect">
+            <a:prstGeom prst="straightConnector1">
               <a:avLst/>
             </a:prstGeom>
             <a:noFill/>
-            <a:ln>
+            <a:ln w="12700" cap="flat" cmpd="sng" algn="ctr">
               <a:solidFill>
                 <a:schemeClr val="bg1">
-                  <a:lumMod val="65000"/>
+                  <a:lumMod val="50000"/>
                 </a:schemeClr>
               </a:solidFill>
+              <a:prstDash val="solid"/>
+              <a:round/>
               <a:headEnd type="none" w="med" len="med"/>
               <a:tailEnd type="none" w="med" len="med"/>
             </a:ln>
+            <a:effectLst/>
           </p:spPr>
-          <p:style>
-            <a:lnRef idx="2">
-              <a:schemeClr val="dk1"/>
-            </a:lnRef>
-            <a:fillRef idx="1">
-              <a:schemeClr val="lt1"/>
-            </a:fillRef>
-            <a:effectRef idx="0">
-              <a:schemeClr val="dk1"/>
-            </a:effectRef>
-            <a:fontRef idx="minor">
-              <a:schemeClr val="dk1"/>
-            </a:fontRef>
-          </p:style>
-          <p:txBody>
-            <a:bodyPr vert="horz" wrap="square" lIns="0" tIns="0" rIns="0" bIns="0" numCol="1" rtlCol="0" anchor="ctr" anchorCtr="0" compatLnSpc="1">
-              <a:prstTxWarp prst="textNoShape">
-                <a:avLst/>
-              </a:prstTxWarp>
-            </a:bodyPr>
-            <a:lstStyle/>
-            <a:p>
-              <a:pPr marL="0" marR="0" indent="0" algn="ctr" defTabSz="914400" rtl="0" eaLnBrk="1" fontAlgn="base" latinLnBrk="0" hangingPunct="1">
-                <a:lnSpc>
-                  <a:spcPct val="90000"/>
-                </a:lnSpc>
-                <a:spcBef>
-                  <a:spcPct val="0"/>
-                </a:spcBef>
-                <a:spcAft>
-                  <a:spcPct val="0"/>
-                </a:spcAft>
-                <a:buClrTx/>
-                <a:buSzTx/>
-                <a:buFontTx/>
-                <a:buNone/>
-                <a:tabLst/>
-              </a:pPr>
-              <a:r>
-                <a:rPr kumimoji="0" lang="en-US" sz="1400" u="none" strike="noStrike" cap="none" normalizeH="0" baseline="0" dirty="0" smtClean="0">
-                  <a:ln>
-                    <a:noFill/>
-                  </a:ln>
-                  <a:solidFill>
-                    <a:schemeClr val="tx1">
-                      <a:lumMod val="50000"/>
-                      <a:lumOff val="50000"/>
-                    </a:schemeClr>
-                  </a:solidFill>
-                  <a:effectLst/>
-                  <a:latin typeface="Helvetica Neue Light" charset="0"/>
-                  <a:ea typeface="Helvetica Neue Light" charset="0"/>
-                  <a:cs typeface="Helvetica Neue Light" charset="0"/>
-                </a:rPr>
-                <a:t>Trouble</a:t>
-              </a:r>
-              <a:r>
-                <a:rPr kumimoji="0" lang="en-US" sz="1400" u="none" strike="noStrike" cap="none" normalizeH="0" dirty="0" smtClean="0">
-                  <a:ln>
-                    <a:noFill/>
-                  </a:ln>
-                  <a:solidFill>
-                    <a:schemeClr val="tx1">
-                      <a:lumMod val="50000"/>
-                      <a:lumOff val="50000"/>
-                    </a:schemeClr>
-                  </a:solidFill>
-                  <a:effectLst/>
-                  <a:latin typeface="Helvetica Neue Light" charset="0"/>
-                  <a:ea typeface="Helvetica Neue Light" charset="0"/>
-                  <a:cs typeface="Helvetica Neue Light" charset="0"/>
-                </a:rPr>
-                <a:t> Ticket System</a:t>
-              </a:r>
-              <a:endParaRPr kumimoji="0" lang="en-US" sz="1400" u="none" strike="noStrike" cap="none" normalizeH="0" baseline="0" dirty="0" smtClean="0">
-                <a:ln>
-                  <a:noFill/>
-                </a:ln>
-                <a:solidFill>
-                  <a:schemeClr val="tx1">
-                    <a:lumMod val="50000"/>
-                    <a:lumOff val="50000"/>
-                  </a:schemeClr>
-                </a:solidFill>
-                <a:effectLst/>
-                <a:latin typeface="Helvetica Neue Light" charset="0"/>
-                <a:ea typeface="Helvetica Neue Light" charset="0"/>
-                <a:cs typeface="Helvetica Neue Light" charset="0"/>
-              </a:endParaRPr>
-            </a:p>
-          </p:txBody>
-        </p:sp>
+        </p:cxnSp>
       </p:grpSp>
     </p:spTree>
     <p:extLst>
       <p:ext uri="{BB962C8B-B14F-4D97-AF65-F5344CB8AC3E}">
-        <p14:creationId xmlns:p14="http://schemas.microsoft.com/office/powerpoint/2010/main" val="1823526014"/>
+        <p14:creationId xmlns:p14="http://schemas.microsoft.com/office/powerpoint/2010/main" val="356331918"/>
       </p:ext>
     </p:extLst>
   </p:cSld>
@@ -26569,11 +26530,13 @@
         <p:spPr>
           <a:xfrm>
             <a:off x="328613" y="219075"/>
-            <a:ext cx="8686800" cy="637097"/>
+            <a:ext cx="8686800" cy="387798"/>
           </a:xfrm>
         </p:spPr>
         <p:txBody>
-          <a:bodyPr/>
+          <a:bodyPr>
+            <a:normAutofit fontScale="90000"/>
+          </a:bodyPr>
           <a:lstStyle/>
           <a:p>
             <a:r>
@@ -26582,7 +26545,15 @@
                 <a:ea typeface="Helvetica Neue" charset="0"/>
                 <a:cs typeface="Helvetica Neue" charset="0"/>
               </a:rPr>
-              <a:t>IBM Cloud Integration for Salesforce Demo</a:t>
+              <a:t>IBM Cloud Integration for Salesforce </a:t>
+            </a:r>
+            <a:r>
+              <a:rPr lang="en-US" dirty="0" smtClean="0">
+                <a:latin typeface="Helvetica Neue" charset="0"/>
+                <a:ea typeface="Helvetica Neue" charset="0"/>
+                <a:cs typeface="Helvetica Neue" charset="0"/>
+              </a:rPr>
+              <a:t>Demo</a:t>
             </a:r>
             <a:br>
               <a:rPr lang="en-US" dirty="0" smtClean="0">
@@ -26592,7 +26563,7 @@
               </a:rPr>
             </a:br>
             <a:r>
-              <a:rPr lang="en-US" sz="1800" dirty="0" smtClean="0">
+              <a:rPr lang="en-US" sz="1800" dirty="0">
                 <a:solidFill>
                   <a:srgbClr val="7030A0"/>
                 </a:solidFill>
@@ -26600,20 +26571,9 @@
                 <a:ea typeface="Helvetica Neue" charset="0"/>
                 <a:cs typeface="Helvetica Neue" charset="0"/>
               </a:rPr>
-              <a:t>Field </a:t>
-            </a:r>
-            <a:r>
-              <a:rPr lang="en-US" sz="1800" dirty="0">
-                <a:solidFill>
-                  <a:srgbClr val="7030A0"/>
-                </a:solidFill>
-                <a:latin typeface="Helvetica Neue" charset="0"/>
-                <a:ea typeface="Helvetica Neue" charset="0"/>
-                <a:cs typeface="Helvetica Neue" charset="0"/>
-              </a:rPr>
-              <a:t>Rep retrieves additional customer information</a:t>
-            </a:r>
-            <a:endParaRPr lang="en-US" sz="2400" dirty="0">
+              <a:t>Field Rep retrieves additional customer information</a:t>
+            </a:r>
+            <a:endParaRPr lang="en-US" sz="1800" dirty="0">
               <a:solidFill>
                 <a:srgbClr val="7030A0"/>
               </a:solidFill>
@@ -26626,14 +26586,14 @@
       </p:sp>
       <p:sp>
         <p:nvSpPr>
-          <p:cNvPr id="5" name="Rounded Rectangle 4"/>
+          <p:cNvPr id="23" name="Rounded Rectangle 22"/>
           <p:cNvSpPr/>
           <p:nvPr/>
         </p:nvSpPr>
         <p:spPr bwMode="auto">
           <a:xfrm>
-            <a:off x="3331819" y="1674866"/>
-            <a:ext cx="2706880" cy="1110126"/>
+            <a:off x="4931839" y="2858454"/>
+            <a:ext cx="926521" cy="705683"/>
           </a:xfrm>
           <a:prstGeom prst="roundRect">
             <a:avLst/>
@@ -26661,14 +26621,14 @@
           </a:fontRef>
         </p:style>
         <p:txBody>
-          <a:bodyPr vert="horz" wrap="square" lIns="914400" tIns="0" rIns="0" bIns="0" numCol="1" rtlCol="0" anchor="ctr" anchorCtr="0" compatLnSpc="1">
+          <a:bodyPr vert="horz" wrap="square" lIns="0" tIns="0" rIns="0" bIns="0" numCol="1" rtlCol="0" anchor="ctr" anchorCtr="0" compatLnSpc="1">
             <a:prstTxWarp prst="textNoShape">
               <a:avLst/>
             </a:prstTxWarp>
           </a:bodyPr>
           <a:lstStyle/>
           <a:p>
-            <a:pPr marL="0" marR="0" indent="0" defTabSz="914400" rtl="0" eaLnBrk="1" fontAlgn="base" latinLnBrk="0" hangingPunct="1">
+            <a:pPr algn="ctr" defTabSz="914378" fontAlgn="base">
               <a:lnSpc>
                 <a:spcPct val="90000"/>
               </a:lnSpc>
@@ -26678,63 +26638,19 @@
               <a:spcAft>
                 <a:spcPct val="0"/>
               </a:spcAft>
-              <a:buClrTx/>
-              <a:buSzTx/>
-              <a:buFontTx/>
-              <a:buNone/>
-              <a:tabLst/>
             </a:pPr>
             <a:r>
-              <a:rPr kumimoji="0" lang="en-US" b="1" u="none" strike="noStrike" cap="none" normalizeH="0" baseline="0" dirty="0" smtClean="0">
-                <a:ln>
-                  <a:noFill/>
-                </a:ln>
+              <a:rPr lang="en-US" sz="1600" b="1" dirty="0">
                 <a:solidFill>
                   <a:schemeClr val="tx2">
                     <a:lumMod val="75000"/>
                   </a:schemeClr>
                 </a:solidFill>
-                <a:effectLst/>
                 <a:latin typeface="Helvetica Neue Light" charset="0"/>
                 <a:ea typeface="Helvetica Neue Light" charset="0"/>
                 <a:cs typeface="Helvetica Neue Light" charset="0"/>
               </a:rPr>
-              <a:t>App</a:t>
-            </a:r>
-          </a:p>
-          <a:p>
-            <a:pPr marL="0" marR="0" indent="0" defTabSz="914400" rtl="0" eaLnBrk="1" fontAlgn="base" latinLnBrk="0" hangingPunct="1">
-              <a:lnSpc>
-                <a:spcPct val="90000"/>
-              </a:lnSpc>
-              <a:spcBef>
-                <a:spcPct val="0"/>
-              </a:spcBef>
-              <a:spcAft>
-                <a:spcPct val="0"/>
-              </a:spcAft>
-              <a:buClrTx/>
-              <a:buSzTx/>
-              <a:buFontTx/>
-              <a:buNone/>
-              <a:tabLst/>
-            </a:pPr>
-            <a:r>
-              <a:rPr kumimoji="0" lang="en-US" u="none" strike="noStrike" cap="none" normalizeH="0" baseline="0" dirty="0" smtClean="0">
-                <a:ln>
-                  <a:noFill/>
-                </a:ln>
-                <a:solidFill>
-                  <a:schemeClr val="tx2">
-                    <a:lumMod val="75000"/>
-                  </a:schemeClr>
-                </a:solidFill>
-                <a:effectLst/>
-                <a:latin typeface="Helvetica Neue Light" charset="0"/>
-                <a:ea typeface="Helvetica Neue Light" charset="0"/>
-                <a:cs typeface="Helvetica Neue Light" charset="0"/>
-              </a:rPr>
-              <a:t>Connect</a:t>
+              <a:t>API Connect</a:t>
             </a:r>
           </a:p>
         </p:txBody>
@@ -26755,44 +26671,166 @@
         </p:blipFill>
         <p:spPr>
           <a:xfrm>
-            <a:off x="762990" y="3140118"/>
-            <a:ext cx="1833847" cy="1151248"/>
+            <a:off x="979496" y="3324132"/>
+            <a:ext cx="1617341" cy="1015331"/>
           </a:xfrm>
           <a:prstGeom prst="rect">
             <a:avLst/>
           </a:prstGeom>
         </p:spPr>
       </p:pic>
-      <p:pic>
-        <p:nvPicPr>
-          <p:cNvPr id="26" name="Picture 25"/>
-          <p:cNvPicPr>
-            <a:picLocks noChangeAspect="1"/>
-          </p:cNvPicPr>
+      <p:grpSp>
+        <p:nvGrpSpPr>
+          <p:cNvPr id="6" name="Group 5"/>
+          <p:cNvGrpSpPr/>
           <p:nvPr/>
-        </p:nvPicPr>
-        <p:blipFill>
-          <a:blip r:embed="rId3" cstate="hqprint">
-            <a:extLst>
-              <a:ext uri="{28A0092B-C50C-407E-A947-70E740481C1C}">
-                <a14:useLocalDpi xmlns:a14="http://schemas.microsoft.com/office/drawing/2010/main"/>
-              </a:ext>
-            </a:extLst>
-          </a:blip>
-          <a:stretch>
-            <a:fillRect/>
-          </a:stretch>
-        </p:blipFill>
-        <p:spPr>
-          <a:xfrm>
-            <a:off x="3448188" y="1782098"/>
-            <a:ext cx="501795" cy="501795"/>
-          </a:xfrm>
-          <a:prstGeom prst="rect">
-            <a:avLst/>
-          </a:prstGeom>
-        </p:spPr>
-      </p:pic>
+        </p:nvGrpSpPr>
+        <p:grpSpPr>
+          <a:xfrm>
+            <a:off x="3318573" y="1389168"/>
+            <a:ext cx="2706880" cy="1110126"/>
+            <a:chOff x="4424764" y="1852224"/>
+            <a:chExt cx="3609173" cy="1480168"/>
+          </a:xfrm>
+        </p:grpSpPr>
+        <p:sp>
+          <p:nvSpPr>
+            <p:cNvPr id="5" name="Rounded Rectangle 4"/>
+            <p:cNvSpPr/>
+            <p:nvPr/>
+          </p:nvSpPr>
+          <p:spPr bwMode="auto">
+            <a:xfrm>
+              <a:off x="4424764" y="1852224"/>
+              <a:ext cx="3609173" cy="1480168"/>
+            </a:xfrm>
+            <a:prstGeom prst="roundRect">
+              <a:avLst/>
+            </a:prstGeom>
+            <a:ln>
+              <a:solidFill>
+                <a:srgbClr val="002060"/>
+              </a:solidFill>
+              <a:headEnd type="none" w="med" len="med"/>
+              <a:tailEnd type="none" w="med" len="med"/>
+            </a:ln>
+          </p:spPr>
+          <p:style>
+            <a:lnRef idx="2">
+              <a:schemeClr val="dk1"/>
+            </a:lnRef>
+            <a:fillRef idx="1">
+              <a:schemeClr val="lt1"/>
+            </a:fillRef>
+            <a:effectRef idx="0">
+              <a:schemeClr val="dk1"/>
+            </a:effectRef>
+            <a:fontRef idx="minor">
+              <a:schemeClr val="dk1"/>
+            </a:fontRef>
+          </p:style>
+          <p:txBody>
+            <a:bodyPr vert="horz" wrap="square" lIns="914400" tIns="0" rIns="0" bIns="0" numCol="1" rtlCol="0" anchor="ctr" anchorCtr="0" compatLnSpc="1">
+              <a:prstTxWarp prst="textNoShape">
+                <a:avLst/>
+              </a:prstTxWarp>
+            </a:bodyPr>
+            <a:lstStyle/>
+            <a:p>
+              <a:pPr defTabSz="914378" fontAlgn="base">
+                <a:lnSpc>
+                  <a:spcPct val="90000"/>
+                </a:lnSpc>
+                <a:spcBef>
+                  <a:spcPct val="0"/>
+                </a:spcBef>
+                <a:spcAft>
+                  <a:spcPct val="0"/>
+                </a:spcAft>
+              </a:pPr>
+              <a:r>
+                <a:rPr lang="en-US" b="1">
+                  <a:solidFill>
+                    <a:schemeClr val="tx2">
+                      <a:lumMod val="75000"/>
+                    </a:schemeClr>
+                  </a:solidFill>
+                  <a:latin typeface="Helvetica Neue Light" charset="0"/>
+                  <a:ea typeface="Helvetica Neue Light" charset="0"/>
+                  <a:cs typeface="Helvetica Neue Light" charset="0"/>
+                </a:rPr>
+                <a:t>App</a:t>
+              </a:r>
+              <a:endParaRPr lang="en-US" b="1" dirty="0">
+                <a:solidFill>
+                  <a:schemeClr val="tx2">
+                    <a:lumMod val="75000"/>
+                  </a:schemeClr>
+                </a:solidFill>
+                <a:latin typeface="Helvetica Neue Light" charset="0"/>
+                <a:ea typeface="Helvetica Neue Light" charset="0"/>
+                <a:cs typeface="Helvetica Neue Light" charset="0"/>
+              </a:endParaRPr>
+            </a:p>
+            <a:p>
+              <a:pPr defTabSz="914378" fontAlgn="base">
+                <a:lnSpc>
+                  <a:spcPct val="90000"/>
+                </a:lnSpc>
+                <a:spcBef>
+                  <a:spcPct val="0"/>
+                </a:spcBef>
+                <a:spcAft>
+                  <a:spcPct val="0"/>
+                </a:spcAft>
+              </a:pPr>
+              <a:r>
+                <a:rPr lang="en-US" dirty="0">
+                  <a:solidFill>
+                    <a:schemeClr val="tx2">
+                      <a:lumMod val="75000"/>
+                    </a:schemeClr>
+                  </a:solidFill>
+                  <a:latin typeface="Helvetica Neue Light" charset="0"/>
+                  <a:ea typeface="Helvetica Neue Light" charset="0"/>
+                  <a:cs typeface="Helvetica Neue Light" charset="0"/>
+                </a:rPr>
+                <a:t>Connect</a:t>
+              </a:r>
+            </a:p>
+          </p:txBody>
+        </p:sp>
+        <p:pic>
+          <p:nvPicPr>
+            <p:cNvPr id="26" name="Picture 25"/>
+            <p:cNvPicPr>
+              <a:picLocks noChangeAspect="1"/>
+            </p:cNvPicPr>
+            <p:nvPr/>
+          </p:nvPicPr>
+          <p:blipFill>
+            <a:blip r:embed="rId3" cstate="hqprint">
+              <a:extLst>
+                <a:ext uri="{28A0092B-C50C-407E-A947-70E740481C1C}">
+                  <a14:useLocalDpi xmlns:a14="http://schemas.microsoft.com/office/drawing/2010/main"/>
+                </a:ext>
+              </a:extLst>
+            </a:blip>
+            <a:stretch>
+              <a:fillRect/>
+            </a:stretch>
+          </p:blipFill>
+          <p:spPr>
+            <a:xfrm>
+              <a:off x="4652170" y="2055963"/>
+              <a:ext cx="669060" cy="669060"/>
+            </a:xfrm>
+            <a:prstGeom prst="rect">
+              <a:avLst/>
+            </a:prstGeom>
+          </p:spPr>
+        </p:pic>
+      </p:grpSp>
       <p:pic>
         <p:nvPicPr>
           <p:cNvPr id="43" name="Picture 42"/>
@@ -26815,7 +26853,7 @@
         </p:blipFill>
         <p:spPr>
           <a:xfrm>
-            <a:off x="1043836" y="1487812"/>
+            <a:off x="1033756" y="1436983"/>
             <a:ext cx="841682" cy="841682"/>
           </a:xfrm>
           <a:prstGeom prst="rect">
@@ -26825,41 +26863,14 @@
       </p:pic>
       <p:cxnSp>
         <p:nvCxnSpPr>
-          <p:cNvPr id="63" name="Straight Arrow Connector 62"/>
+          <p:cNvPr id="48" name="Straight Arrow Connector 47"/>
           <p:cNvCxnSpPr/>
           <p:nvPr/>
         </p:nvCxnSpPr>
         <p:spPr bwMode="auto">
-          <a:xfrm>
-            <a:off x="1754215" y="1941454"/>
-            <a:ext cx="1485389" cy="0"/>
-          </a:xfrm>
-          <a:prstGeom prst="straightConnector1">
-            <a:avLst/>
-          </a:prstGeom>
-          <a:noFill/>
-          <a:ln w="38100" cap="flat" cmpd="sng" algn="ctr">
-            <a:solidFill>
-              <a:srgbClr val="7030A0"/>
-            </a:solidFill>
-            <a:prstDash val="solid"/>
-            <a:round/>
-            <a:headEnd type="none" w="med" len="med"/>
-            <a:tailEnd type="triangle"/>
-          </a:ln>
-          <a:effectLst/>
-        </p:spPr>
-      </p:cxnSp>
-      <p:cxnSp>
-        <p:nvCxnSpPr>
-          <p:cNvPr id="49" name="Straight Arrow Connector 48"/>
-          <p:cNvCxnSpPr/>
-          <p:nvPr/>
-        </p:nvCxnSpPr>
-        <p:spPr bwMode="auto">
-          <a:xfrm>
-            <a:off x="2011486" y="2534306"/>
-            <a:ext cx="3532" cy="454268"/>
+          <a:xfrm flipH="1" flipV="1">
+            <a:off x="3955298" y="3561420"/>
+            <a:ext cx="6840" cy="426770"/>
           </a:xfrm>
           <a:prstGeom prst="straightConnector1">
             <a:avLst/>
@@ -26881,43 +26892,16 @@
       </p:cxnSp>
       <p:cxnSp>
         <p:nvCxnSpPr>
-          <p:cNvPr id="51" name="Straight Arrow Connector 50"/>
-          <p:cNvCxnSpPr/>
+          <p:cNvPr id="52" name="Straight Arrow Connector 51"/>
+          <p:cNvCxnSpPr>
+            <a:stCxn id="22" idx="0"/>
+          </p:cNvCxnSpPr>
           <p:nvPr/>
         </p:nvCxnSpPr>
         <p:spPr bwMode="auto">
-          <a:xfrm flipH="1">
-            <a:off x="2011486" y="2534306"/>
-            <a:ext cx="1201918" cy="0"/>
-          </a:xfrm>
-          <a:prstGeom prst="straightConnector1">
-            <a:avLst/>
-          </a:prstGeom>
-          <a:noFill/>
-          <a:ln w="12700" cap="flat" cmpd="sng" algn="ctr">
-            <a:solidFill>
-              <a:schemeClr val="bg1">
-                <a:lumMod val="50000"/>
-              </a:schemeClr>
-            </a:solidFill>
-            <a:prstDash val="solid"/>
-            <a:round/>
-            <a:headEnd type="none" w="med" len="med"/>
-            <a:tailEnd type="none" w="med" len="med"/>
-          </a:ln>
-          <a:effectLst/>
-        </p:spPr>
-      </p:cxnSp>
-      <p:cxnSp>
-        <p:nvCxnSpPr>
-          <p:cNvPr id="66" name="Straight Arrow Connector 65"/>
-          <p:cNvCxnSpPr/>
-          <p:nvPr/>
-        </p:nvCxnSpPr>
-        <p:spPr bwMode="auto">
-          <a:xfrm>
-            <a:off x="1464677" y="2458147"/>
-            <a:ext cx="0" cy="528484"/>
+          <a:xfrm flipV="1">
+            <a:off x="3979111" y="2508111"/>
+            <a:ext cx="1028" cy="350343"/>
           </a:xfrm>
           <a:prstGeom prst="straightConnector1">
             <a:avLst/>
@@ -26939,20 +26923,20 @@
       </p:cxnSp>
       <p:cxnSp>
         <p:nvCxnSpPr>
-          <p:cNvPr id="28" name="Straight Arrow Connector 27"/>
+          <p:cNvPr id="63" name="Straight Arrow Connector 62"/>
           <p:cNvCxnSpPr/>
           <p:nvPr/>
         </p:nvCxnSpPr>
         <p:spPr bwMode="auto">
           <a:xfrm>
-            <a:off x="6142934" y="1941454"/>
-            <a:ext cx="751673" cy="0"/>
+            <a:off x="1885518" y="1712485"/>
+            <a:ext cx="1201918" cy="0"/>
           </a:xfrm>
           <a:prstGeom prst="straightConnector1">
             <a:avLst/>
           </a:prstGeom>
           <a:noFill/>
-          <a:ln w="38100" cap="flat" cmpd="sng" algn="ctr">
+          <a:ln w="25400" cap="flat" cmpd="sng" algn="ctr">
             <a:solidFill>
               <a:srgbClr val="7030A0"/>
             </a:solidFill>
@@ -26964,15 +26948,607 @@
           <a:effectLst/>
         </p:spPr>
       </p:cxnSp>
+      <p:grpSp>
+        <p:nvGrpSpPr>
+          <p:cNvPr id="4" name="Group 3"/>
+          <p:cNvGrpSpPr/>
+          <p:nvPr/>
+        </p:nvGrpSpPr>
+        <p:grpSpPr>
+          <a:xfrm>
+            <a:off x="1965099" y="2230398"/>
+            <a:ext cx="1219084" cy="953451"/>
+            <a:chOff x="2011486" y="2534306"/>
+            <a:chExt cx="1201918" cy="454268"/>
+          </a:xfrm>
+        </p:grpSpPr>
+        <p:cxnSp>
+          <p:nvCxnSpPr>
+            <p:cNvPr id="49" name="Straight Arrow Connector 48"/>
+            <p:cNvCxnSpPr/>
+            <p:nvPr/>
+          </p:nvCxnSpPr>
+          <p:spPr bwMode="auto">
+            <a:xfrm>
+              <a:off x="2011486" y="2534306"/>
+              <a:ext cx="3532" cy="454268"/>
+            </a:xfrm>
+            <a:prstGeom prst="straightConnector1">
+              <a:avLst/>
+            </a:prstGeom>
+            <a:noFill/>
+            <a:ln w="12700" cap="flat" cmpd="sng" algn="ctr">
+              <a:solidFill>
+                <a:schemeClr val="bg1">
+                  <a:lumMod val="50000"/>
+                </a:schemeClr>
+              </a:solidFill>
+              <a:prstDash val="solid"/>
+              <a:round/>
+              <a:headEnd type="none" w="med" len="med"/>
+              <a:tailEnd type="triangle"/>
+            </a:ln>
+            <a:effectLst/>
+          </p:spPr>
+        </p:cxnSp>
+        <p:cxnSp>
+          <p:nvCxnSpPr>
+            <p:cNvPr id="51" name="Straight Arrow Connector 50"/>
+            <p:cNvCxnSpPr/>
+            <p:nvPr/>
+          </p:nvCxnSpPr>
+          <p:spPr bwMode="auto">
+            <a:xfrm flipH="1">
+              <a:off x="2011486" y="2534306"/>
+              <a:ext cx="1201918" cy="0"/>
+            </a:xfrm>
+            <a:prstGeom prst="straightConnector1">
+              <a:avLst/>
+            </a:prstGeom>
+            <a:noFill/>
+            <a:ln w="12700" cap="flat" cmpd="sng" algn="ctr">
+              <a:solidFill>
+                <a:schemeClr val="bg1">
+                  <a:lumMod val="50000"/>
+                </a:schemeClr>
+              </a:solidFill>
+              <a:prstDash val="solid"/>
+              <a:round/>
+              <a:headEnd type="none" w="med" len="med"/>
+              <a:tailEnd type="none" w="med" len="med"/>
+            </a:ln>
+            <a:effectLst/>
+          </p:spPr>
+        </p:cxnSp>
+      </p:grpSp>
+      <p:cxnSp>
+        <p:nvCxnSpPr>
+          <p:cNvPr id="66" name="Straight Arrow Connector 65"/>
+          <p:cNvCxnSpPr/>
+          <p:nvPr/>
+        </p:nvCxnSpPr>
+        <p:spPr bwMode="auto">
+          <a:xfrm>
+            <a:off x="1441342" y="2487037"/>
+            <a:ext cx="2" cy="686241"/>
+          </a:xfrm>
+          <a:prstGeom prst="straightConnector1">
+            <a:avLst/>
+          </a:prstGeom>
+          <a:noFill/>
+          <a:ln w="12700" cap="flat" cmpd="sng" algn="ctr">
+            <a:solidFill>
+              <a:schemeClr val="bg1">
+                <a:lumMod val="50000"/>
+              </a:schemeClr>
+            </a:solidFill>
+            <a:prstDash val="solid"/>
+            <a:round/>
+            <a:headEnd type="none" w="med" len="med"/>
+            <a:tailEnd type="triangle"/>
+          </a:ln>
+          <a:effectLst/>
+        </p:spPr>
+      </p:cxnSp>
       <p:sp>
         <p:nvSpPr>
-          <p:cNvPr id="21" name="Rectangular Callout 20"/>
+          <p:cNvPr id="27" name="Rounded Rectangle 26"/>
           <p:cNvSpPr/>
           <p:nvPr/>
         </p:nvSpPr>
         <p:spPr bwMode="auto">
           <a:xfrm>
-            <a:off x="1853086" y="1134360"/>
+            <a:off x="6985700" y="1389168"/>
+            <a:ext cx="1494504" cy="435274"/>
+          </a:xfrm>
+          <a:prstGeom prst="roundRect">
+            <a:avLst/>
+          </a:prstGeom>
+          <a:noFill/>
+          <a:ln>
+            <a:solidFill>
+              <a:schemeClr val="bg1">
+                <a:lumMod val="65000"/>
+              </a:schemeClr>
+            </a:solidFill>
+            <a:headEnd type="none" w="med" len="med"/>
+            <a:tailEnd type="none" w="med" len="med"/>
+          </a:ln>
+        </p:spPr>
+        <p:style>
+          <a:lnRef idx="2">
+            <a:schemeClr val="dk1"/>
+          </a:lnRef>
+          <a:fillRef idx="1">
+            <a:schemeClr val="lt1"/>
+          </a:fillRef>
+          <a:effectRef idx="0">
+            <a:schemeClr val="dk1"/>
+          </a:effectRef>
+          <a:fontRef idx="minor">
+            <a:schemeClr val="dk1"/>
+          </a:fontRef>
+        </p:style>
+        <p:txBody>
+          <a:bodyPr vert="horz" wrap="square" lIns="0" tIns="0" rIns="0" bIns="0" numCol="1" rtlCol="0" anchor="ctr" anchorCtr="0" compatLnSpc="1">
+            <a:prstTxWarp prst="textNoShape">
+              <a:avLst/>
+            </a:prstTxWarp>
+          </a:bodyPr>
+          <a:lstStyle/>
+          <a:p>
+            <a:pPr algn="ctr" defTabSz="914378" fontAlgn="base">
+              <a:lnSpc>
+                <a:spcPct val="90000"/>
+              </a:lnSpc>
+              <a:spcBef>
+                <a:spcPct val="0"/>
+              </a:spcBef>
+              <a:spcAft>
+                <a:spcPct val="0"/>
+              </a:spcAft>
+            </a:pPr>
+            <a:r>
+              <a:rPr lang="en-US" sz="1400" dirty="0">
+                <a:solidFill>
+                  <a:schemeClr val="tx1">
+                    <a:lumMod val="50000"/>
+                    <a:lumOff val="50000"/>
+                  </a:schemeClr>
+                </a:solidFill>
+                <a:latin typeface="Helvetica Neue Light" charset="0"/>
+                <a:ea typeface="Helvetica Neue Light" charset="0"/>
+                <a:cs typeface="Helvetica Neue Light" charset="0"/>
+              </a:rPr>
+              <a:t>Shipping System</a:t>
+            </a:r>
+          </a:p>
+        </p:txBody>
+      </p:sp>
+      <p:cxnSp>
+        <p:nvCxnSpPr>
+          <p:cNvPr id="28" name="Straight Arrow Connector 27"/>
+          <p:cNvCxnSpPr/>
+          <p:nvPr/>
+        </p:nvCxnSpPr>
+        <p:spPr bwMode="auto">
+          <a:xfrm>
+            <a:off x="6120582" y="1638809"/>
+            <a:ext cx="751673" cy="0"/>
+          </a:xfrm>
+          <a:prstGeom prst="straightConnector1">
+            <a:avLst/>
+          </a:prstGeom>
+          <a:noFill/>
+          <a:ln w="25400" cap="flat" cmpd="sng" algn="ctr">
+            <a:solidFill>
+              <a:srgbClr val="7030A0"/>
+            </a:solidFill>
+            <a:prstDash val="solid"/>
+            <a:round/>
+            <a:headEnd type="none" w="med" len="med"/>
+            <a:tailEnd type="triangle"/>
+          </a:ln>
+          <a:effectLst/>
+        </p:spPr>
+      </p:cxnSp>
+      <p:sp>
+        <p:nvSpPr>
+          <p:cNvPr id="29" name="Slide Number Placeholder 1"/>
+          <p:cNvSpPr>
+            <a:spLocks noGrp="1"/>
+          </p:cNvSpPr>
+          <p:nvPr>
+            <p:ph type="sldNum" sz="quarter" idx="10"/>
+          </p:nvPr>
+        </p:nvSpPr>
+        <p:spPr>
+          <a:xfrm>
+            <a:off x="328613" y="4894263"/>
+            <a:ext cx="2124075" cy="171450"/>
+          </a:xfrm>
+        </p:spPr>
+        <p:txBody>
+          <a:bodyPr/>
+          <a:lstStyle/>
+          <a:p>
+            <a:pPr algn="l">
+              <a:defRPr/>
+            </a:pPr>
+            <a:r>
+              <a:rPr lang="en-US" dirty="0" smtClean="0"/>
+              <a:t>11</a:t>
+            </a:r>
+            <a:endParaRPr lang="en-US" dirty="0"/>
+          </a:p>
+        </p:txBody>
+      </p:sp>
+      <p:cxnSp>
+        <p:nvCxnSpPr>
+          <p:cNvPr id="19" name="Straight Arrow Connector 18"/>
+          <p:cNvCxnSpPr/>
+          <p:nvPr/>
+        </p:nvCxnSpPr>
+        <p:spPr bwMode="auto">
+          <a:xfrm>
+            <a:off x="6120582" y="2134739"/>
+            <a:ext cx="751673" cy="0"/>
+          </a:xfrm>
+          <a:prstGeom prst="straightConnector1">
+            <a:avLst/>
+          </a:prstGeom>
+          <a:noFill/>
+          <a:ln w="12700" cap="flat" cmpd="sng" algn="ctr">
+            <a:solidFill>
+              <a:schemeClr val="bg1">
+                <a:lumMod val="50000"/>
+              </a:schemeClr>
+            </a:solidFill>
+            <a:prstDash val="solid"/>
+            <a:round/>
+            <a:headEnd type="none" w="med" len="med"/>
+            <a:tailEnd type="triangle"/>
+          </a:ln>
+          <a:effectLst/>
+        </p:spPr>
+      </p:cxnSp>
+      <p:sp>
+        <p:nvSpPr>
+          <p:cNvPr id="20" name="Rounded Rectangle 19"/>
+          <p:cNvSpPr/>
+          <p:nvPr/>
+        </p:nvSpPr>
+        <p:spPr bwMode="auto">
+          <a:xfrm>
+            <a:off x="6985700" y="1976605"/>
+            <a:ext cx="1494504" cy="435274"/>
+          </a:xfrm>
+          <a:prstGeom prst="roundRect">
+            <a:avLst/>
+          </a:prstGeom>
+          <a:noFill/>
+          <a:ln>
+            <a:solidFill>
+              <a:schemeClr val="bg1">
+                <a:lumMod val="65000"/>
+              </a:schemeClr>
+            </a:solidFill>
+            <a:headEnd type="none" w="med" len="med"/>
+            <a:tailEnd type="none" w="med" len="med"/>
+          </a:ln>
+        </p:spPr>
+        <p:style>
+          <a:lnRef idx="2">
+            <a:schemeClr val="dk1"/>
+          </a:lnRef>
+          <a:fillRef idx="1">
+            <a:schemeClr val="lt1"/>
+          </a:fillRef>
+          <a:effectRef idx="0">
+            <a:schemeClr val="dk1"/>
+          </a:effectRef>
+          <a:fontRef idx="minor">
+            <a:schemeClr val="dk1"/>
+          </a:fontRef>
+        </p:style>
+        <p:txBody>
+          <a:bodyPr vert="horz" wrap="square" lIns="0" tIns="0" rIns="0" bIns="0" numCol="1" rtlCol="0" anchor="ctr" anchorCtr="0" compatLnSpc="1">
+            <a:prstTxWarp prst="textNoShape">
+              <a:avLst/>
+            </a:prstTxWarp>
+          </a:bodyPr>
+          <a:lstStyle/>
+          <a:p>
+            <a:pPr algn="ctr" defTabSz="914378" fontAlgn="base">
+              <a:lnSpc>
+                <a:spcPct val="90000"/>
+              </a:lnSpc>
+              <a:spcBef>
+                <a:spcPct val="0"/>
+              </a:spcBef>
+              <a:spcAft>
+                <a:spcPct val="0"/>
+              </a:spcAft>
+            </a:pPr>
+            <a:r>
+              <a:rPr lang="en-US" sz="1400" dirty="0">
+                <a:solidFill>
+                  <a:schemeClr val="tx1">
+                    <a:lumMod val="50000"/>
+                    <a:lumOff val="50000"/>
+                  </a:schemeClr>
+                </a:solidFill>
+                <a:latin typeface="Helvetica Neue Light" charset="0"/>
+                <a:ea typeface="Helvetica Neue Light" charset="0"/>
+                <a:cs typeface="Helvetica Neue Light" charset="0"/>
+              </a:rPr>
+              <a:t>Trouble Ticket System</a:t>
+            </a:r>
+          </a:p>
+        </p:txBody>
+      </p:sp>
+      <p:sp>
+        <p:nvSpPr>
+          <p:cNvPr id="22" name="Rounded Rectangle 21"/>
+          <p:cNvSpPr/>
+          <p:nvPr/>
+        </p:nvSpPr>
+        <p:spPr bwMode="auto">
+          <a:xfrm>
+            <a:off x="3492858" y="2858454"/>
+            <a:ext cx="938560" cy="705683"/>
+          </a:xfrm>
+          <a:prstGeom prst="roundRect">
+            <a:avLst/>
+          </a:prstGeom>
+          <a:ln>
+            <a:solidFill>
+              <a:srgbClr val="002060"/>
+            </a:solidFill>
+            <a:headEnd type="none" w="med" len="med"/>
+            <a:tailEnd type="none" w="med" len="med"/>
+          </a:ln>
+        </p:spPr>
+        <p:style>
+          <a:lnRef idx="2">
+            <a:schemeClr val="dk1"/>
+          </a:lnRef>
+          <a:fillRef idx="1">
+            <a:schemeClr val="lt1"/>
+          </a:fillRef>
+          <a:effectRef idx="0">
+            <a:schemeClr val="dk1"/>
+          </a:effectRef>
+          <a:fontRef idx="minor">
+            <a:schemeClr val="dk1"/>
+          </a:fontRef>
+        </p:style>
+        <p:txBody>
+          <a:bodyPr vert="horz" wrap="square" lIns="0" tIns="0" rIns="0" bIns="0" numCol="1" rtlCol="0" anchor="ctr" anchorCtr="0" compatLnSpc="1">
+            <a:prstTxWarp prst="textNoShape">
+              <a:avLst/>
+            </a:prstTxWarp>
+          </a:bodyPr>
+          <a:lstStyle/>
+          <a:p>
+            <a:pPr algn="ctr" defTabSz="914378" fontAlgn="base">
+              <a:lnSpc>
+                <a:spcPct val="90000"/>
+              </a:lnSpc>
+              <a:spcBef>
+                <a:spcPct val="0"/>
+              </a:spcBef>
+              <a:spcAft>
+                <a:spcPct val="0"/>
+              </a:spcAft>
+            </a:pPr>
+            <a:r>
+              <a:rPr lang="en-US" sz="1600" b="1" dirty="0">
+                <a:solidFill>
+                  <a:schemeClr val="tx2">
+                    <a:lumMod val="75000"/>
+                  </a:schemeClr>
+                </a:solidFill>
+                <a:latin typeface="Helvetica Neue Light" charset="0"/>
+                <a:ea typeface="Helvetica Neue Light" charset="0"/>
+                <a:cs typeface="Helvetica Neue Light" charset="0"/>
+              </a:rPr>
+              <a:t>MQ</a:t>
+            </a:r>
+          </a:p>
+        </p:txBody>
+      </p:sp>
+      <p:cxnSp>
+        <p:nvCxnSpPr>
+          <p:cNvPr id="30" name="Straight Arrow Connector 29"/>
+          <p:cNvCxnSpPr/>
+          <p:nvPr/>
+        </p:nvCxnSpPr>
+        <p:spPr bwMode="auto">
+          <a:xfrm flipV="1">
+            <a:off x="5412211" y="2499294"/>
+            <a:ext cx="935" cy="350343"/>
+          </a:xfrm>
+          <a:prstGeom prst="straightConnector1">
+            <a:avLst/>
+          </a:prstGeom>
+          <a:noFill/>
+          <a:ln w="12700" cap="flat" cmpd="sng" algn="ctr">
+            <a:solidFill>
+              <a:schemeClr val="bg1">
+                <a:lumMod val="50000"/>
+              </a:schemeClr>
+            </a:solidFill>
+            <a:prstDash val="solid"/>
+            <a:round/>
+            <a:headEnd type="none" w="med" len="med"/>
+            <a:tailEnd type="triangle"/>
+          </a:ln>
+          <a:effectLst/>
+        </p:spPr>
+      </p:cxnSp>
+      <p:grpSp>
+        <p:nvGrpSpPr>
+          <p:cNvPr id="31" name="Group 30"/>
+          <p:cNvGrpSpPr/>
+          <p:nvPr/>
+        </p:nvGrpSpPr>
+        <p:grpSpPr>
+          <a:xfrm flipH="1" flipV="1">
+            <a:off x="2596837" y="3609420"/>
+            <a:ext cx="2798262" cy="378770"/>
+            <a:chOff x="2011486" y="2534306"/>
+            <a:chExt cx="1201918" cy="454268"/>
+          </a:xfrm>
+        </p:grpSpPr>
+        <p:cxnSp>
+          <p:nvCxnSpPr>
+            <p:cNvPr id="32" name="Straight Arrow Connector 31"/>
+            <p:cNvCxnSpPr/>
+            <p:nvPr/>
+          </p:nvCxnSpPr>
+          <p:spPr bwMode="auto">
+            <a:xfrm>
+              <a:off x="2011486" y="2534306"/>
+              <a:ext cx="3532" cy="454268"/>
+            </a:xfrm>
+            <a:prstGeom prst="straightConnector1">
+              <a:avLst/>
+            </a:prstGeom>
+            <a:noFill/>
+            <a:ln w="12700" cap="flat" cmpd="sng" algn="ctr">
+              <a:solidFill>
+                <a:schemeClr val="bg1">
+                  <a:lumMod val="50000"/>
+                </a:schemeClr>
+              </a:solidFill>
+              <a:prstDash val="solid"/>
+              <a:round/>
+              <a:headEnd type="none" w="med" len="med"/>
+              <a:tailEnd type="triangle"/>
+            </a:ln>
+            <a:effectLst/>
+          </p:spPr>
+        </p:cxnSp>
+        <p:cxnSp>
+          <p:nvCxnSpPr>
+            <p:cNvPr id="33" name="Straight Arrow Connector 32"/>
+            <p:cNvCxnSpPr/>
+            <p:nvPr/>
+          </p:nvCxnSpPr>
+          <p:spPr bwMode="auto">
+            <a:xfrm flipH="1">
+              <a:off x="2011486" y="2534306"/>
+              <a:ext cx="1201918" cy="0"/>
+            </a:xfrm>
+            <a:prstGeom prst="straightConnector1">
+              <a:avLst/>
+            </a:prstGeom>
+            <a:noFill/>
+            <a:ln w="12700" cap="flat" cmpd="sng" algn="ctr">
+              <a:solidFill>
+                <a:schemeClr val="bg1">
+                  <a:lumMod val="50000"/>
+                </a:schemeClr>
+              </a:solidFill>
+              <a:prstDash val="solid"/>
+              <a:round/>
+              <a:headEnd type="none" w="med" len="med"/>
+              <a:tailEnd type="none" w="med" len="med"/>
+            </a:ln>
+            <a:effectLst/>
+          </p:spPr>
+        </p:cxnSp>
+      </p:grpSp>
+      <p:sp>
+        <p:nvSpPr>
+          <p:cNvPr id="35" name="Rectangular Callout 34"/>
+          <p:cNvSpPr/>
+          <p:nvPr/>
+        </p:nvSpPr>
+        <p:spPr bwMode="auto">
+          <a:xfrm>
+            <a:off x="6065073" y="849541"/>
+            <a:ext cx="1948627" cy="334520"/>
+          </a:xfrm>
+          <a:prstGeom prst="wedgeRectCallout">
+            <a:avLst>
+              <a:gd name="adj1" fmla="val -37919"/>
+              <a:gd name="adj2" fmla="val 158568"/>
+            </a:avLst>
+          </a:prstGeom>
+          <a:solidFill>
+            <a:schemeClr val="accent4">
+              <a:lumMod val="20000"/>
+              <a:lumOff val="80000"/>
+            </a:schemeClr>
+          </a:solidFill>
+          <a:ln w="9525" cap="flat" cmpd="sng" algn="ctr">
+            <a:solidFill>
+              <a:schemeClr val="accent4">
+                <a:lumMod val="50000"/>
+              </a:schemeClr>
+            </a:solidFill>
+            <a:prstDash val="solid"/>
+            <a:round/>
+            <a:headEnd type="none" w="med" len="med"/>
+            <a:tailEnd type="none" w="med" len="med"/>
+          </a:ln>
+          <a:effectLst/>
+        </p:spPr>
+        <p:txBody>
+          <a:bodyPr vert="horz" wrap="square" lIns="45720" tIns="45720" rIns="45720" bIns="45720" numCol="1" rtlCol="0" anchor="t" anchorCtr="0" compatLnSpc="1">
+            <a:prstTxWarp prst="textNoShape">
+              <a:avLst/>
+            </a:prstTxWarp>
+          </a:bodyPr>
+          <a:lstStyle/>
+          <a:p>
+            <a:pPr defTabSz="914378" fontAlgn="base">
+              <a:lnSpc>
+                <a:spcPct val="90000"/>
+              </a:lnSpc>
+              <a:spcBef>
+                <a:spcPct val="0"/>
+              </a:spcBef>
+              <a:spcAft>
+                <a:spcPct val="0"/>
+              </a:spcAft>
+            </a:pPr>
+            <a:r>
+              <a:rPr lang="en-US" sz="1000" dirty="0">
+                <a:solidFill>
+                  <a:srgbClr val="191919"/>
+                </a:solidFill>
+                <a:latin typeface="Helvetica Neue Light" charset="0"/>
+                <a:ea typeface="Helvetica Neue Light" charset="0"/>
+                <a:cs typeface="Helvetica Neue Light" charset="0"/>
+              </a:rPr>
+              <a:t>2</a:t>
+            </a:r>
+            <a:r>
+              <a:rPr lang="en-US" sz="1000" dirty="0">
+                <a:solidFill>
+                  <a:srgbClr val="191919"/>
+                </a:solidFill>
+                <a:latin typeface="Helvetica Neue Light" charset="0"/>
+                <a:ea typeface="Helvetica Neue Light" charset="0"/>
+                <a:cs typeface="Helvetica Neue Light" charset="0"/>
+              </a:rPr>
+              <a:t>. Retrieve shipment status and return to mobile app.</a:t>
+            </a:r>
+          </a:p>
+        </p:txBody>
+      </p:sp>
+      <p:sp>
+        <p:nvSpPr>
+          <p:cNvPr id="36" name="Rectangular Callout 35"/>
+          <p:cNvSpPr/>
+          <p:nvPr/>
+        </p:nvSpPr>
+        <p:spPr bwMode="auto">
+          <a:xfrm>
+            <a:off x="2104197" y="916422"/>
             <a:ext cx="989276" cy="535276"/>
           </a:xfrm>
           <a:prstGeom prst="wedgeRectCallout">
@@ -27008,7 +27584,7 @@
           </a:bodyPr>
           <a:lstStyle/>
           <a:p>
-            <a:pPr marL="0" marR="0" indent="0" algn="l" defTabSz="914400" rtl="0" eaLnBrk="1" fontAlgn="base" latinLnBrk="0" hangingPunct="1">
+            <a:pPr defTabSz="914378" fontAlgn="base">
               <a:lnSpc>
                 <a:spcPct val="90000"/>
               </a:lnSpc>
@@ -27018,21 +27594,12 @@
               <a:spcAft>
                 <a:spcPct val="0"/>
               </a:spcAft>
-              <a:buClrTx/>
-              <a:buSzTx/>
-              <a:buFontTx/>
-              <a:buNone/>
-              <a:tabLst/>
             </a:pPr>
             <a:r>
-              <a:rPr kumimoji="0" lang="en-US" sz="1000" u="none" strike="noStrike" cap="none" normalizeH="0" baseline="0" dirty="0" smtClean="0">
-                <a:ln>
-                  <a:noFill/>
-                </a:ln>
+              <a:rPr lang="en-US" sz="1000" dirty="0">
                 <a:solidFill>
                   <a:srgbClr val="191919"/>
                 </a:solidFill>
-                <a:effectLst/>
                 <a:latin typeface="Helvetica Neue Light" charset="0"/>
                 <a:ea typeface="Helvetica Neue Light" charset="0"/>
                 <a:cs typeface="Helvetica Neue Light" charset="0"/>
@@ -27042,521 +27609,10 @@
           </a:p>
         </p:txBody>
       </p:sp>
-      <p:sp>
-        <p:nvSpPr>
-          <p:cNvPr id="29" name="Rectangular Callout 28"/>
-          <p:cNvSpPr/>
-          <p:nvPr/>
-        </p:nvSpPr>
-        <p:spPr bwMode="auto">
-          <a:xfrm>
-            <a:off x="6142934" y="1134360"/>
-            <a:ext cx="1933444" cy="334520"/>
-          </a:xfrm>
-          <a:prstGeom prst="wedgeRectCallout">
-            <a:avLst>
-              <a:gd name="adj1" fmla="val -37919"/>
-              <a:gd name="adj2" fmla="val 158568"/>
-            </a:avLst>
-          </a:prstGeom>
-          <a:solidFill>
-            <a:schemeClr val="accent4">
-              <a:lumMod val="20000"/>
-              <a:lumOff val="80000"/>
-            </a:schemeClr>
-          </a:solidFill>
-          <a:ln w="9525" cap="flat" cmpd="sng" algn="ctr">
-            <a:solidFill>
-              <a:schemeClr val="accent4">
-                <a:lumMod val="50000"/>
-              </a:schemeClr>
-            </a:solidFill>
-            <a:prstDash val="solid"/>
-            <a:round/>
-            <a:headEnd type="none" w="med" len="med"/>
-            <a:tailEnd type="none" w="med" len="med"/>
-          </a:ln>
-          <a:effectLst/>
-        </p:spPr>
-        <p:txBody>
-          <a:bodyPr vert="horz" wrap="square" lIns="45720" tIns="45720" rIns="45720" bIns="45720" numCol="1" rtlCol="0" anchor="t" anchorCtr="0" compatLnSpc="1">
-            <a:prstTxWarp prst="textNoShape">
-              <a:avLst/>
-            </a:prstTxWarp>
-          </a:bodyPr>
-          <a:lstStyle/>
-          <a:p>
-            <a:pPr marL="0" marR="0" indent="0" algn="l" defTabSz="914400" rtl="0" eaLnBrk="1" fontAlgn="base" latinLnBrk="0" hangingPunct="1">
-              <a:lnSpc>
-                <a:spcPct val="90000"/>
-              </a:lnSpc>
-              <a:spcBef>
-                <a:spcPct val="0"/>
-              </a:spcBef>
-              <a:spcAft>
-                <a:spcPct val="0"/>
-              </a:spcAft>
-              <a:buClrTx/>
-              <a:buSzTx/>
-              <a:buFontTx/>
-              <a:buNone/>
-              <a:tabLst/>
-            </a:pPr>
-            <a:r>
-              <a:rPr lang="en-US" sz="1000" dirty="0">
-                <a:solidFill>
-                  <a:srgbClr val="191919"/>
-                </a:solidFill>
-                <a:latin typeface="Helvetica Neue Light" charset="0"/>
-                <a:ea typeface="Helvetica Neue Light" charset="0"/>
-                <a:cs typeface="Helvetica Neue Light" charset="0"/>
-              </a:rPr>
-              <a:t>2</a:t>
-            </a:r>
-            <a:r>
-              <a:rPr lang="en-US" sz="1000" dirty="0" smtClean="0">
-                <a:solidFill>
-                  <a:srgbClr val="191919"/>
-                </a:solidFill>
-                <a:latin typeface="Helvetica Neue Light" charset="0"/>
-                <a:ea typeface="Helvetica Neue Light" charset="0"/>
-                <a:cs typeface="Helvetica Neue Light" charset="0"/>
-              </a:rPr>
-              <a:t>. Retrieve pending shipment status and return to mobile app.</a:t>
-            </a:r>
-            <a:endParaRPr kumimoji="0" lang="en-US" sz="1000" u="none" strike="noStrike" cap="none" normalizeH="0" baseline="0" dirty="0" smtClean="0">
-              <a:ln>
-                <a:noFill/>
-              </a:ln>
-              <a:solidFill>
-                <a:srgbClr val="191919"/>
-              </a:solidFill>
-              <a:effectLst/>
-              <a:latin typeface="Helvetica Neue Light" charset="0"/>
-              <a:ea typeface="Helvetica Neue Light" charset="0"/>
-              <a:cs typeface="Helvetica Neue Light" charset="0"/>
-            </a:endParaRPr>
-          </a:p>
-        </p:txBody>
-      </p:sp>
-      <p:sp>
-        <p:nvSpPr>
-          <p:cNvPr id="32" name="Rounded Rectangle 31"/>
-          <p:cNvSpPr/>
-          <p:nvPr/>
-        </p:nvSpPr>
-        <p:spPr bwMode="auto">
-          <a:xfrm>
-            <a:off x="4120452" y="3504483"/>
-            <a:ext cx="1046177" cy="654628"/>
-          </a:xfrm>
-          <a:prstGeom prst="roundRect">
-            <a:avLst/>
-          </a:prstGeom>
-          <a:ln>
-            <a:solidFill>
-              <a:srgbClr val="002060"/>
-            </a:solidFill>
-            <a:headEnd type="none" w="med" len="med"/>
-            <a:tailEnd type="none" w="med" len="med"/>
-          </a:ln>
-        </p:spPr>
-        <p:style>
-          <a:lnRef idx="2">
-            <a:schemeClr val="dk1"/>
-          </a:lnRef>
-          <a:fillRef idx="1">
-            <a:schemeClr val="lt1"/>
-          </a:fillRef>
-          <a:effectRef idx="0">
-            <a:schemeClr val="dk1"/>
-          </a:effectRef>
-          <a:fontRef idx="minor">
-            <a:schemeClr val="dk1"/>
-          </a:fontRef>
-        </p:style>
-        <p:txBody>
-          <a:bodyPr vert="horz" wrap="square" lIns="0" tIns="0" rIns="0" bIns="0" numCol="1" rtlCol="0" anchor="ctr" anchorCtr="0" compatLnSpc="1">
-            <a:prstTxWarp prst="textNoShape">
-              <a:avLst/>
-            </a:prstTxWarp>
-          </a:bodyPr>
-          <a:lstStyle/>
-          <a:p>
-            <a:pPr marL="0" marR="0" indent="0" algn="ctr" defTabSz="914400" rtl="0" eaLnBrk="1" fontAlgn="base" latinLnBrk="0" hangingPunct="1">
-              <a:lnSpc>
-                <a:spcPct val="90000"/>
-              </a:lnSpc>
-              <a:spcBef>
-                <a:spcPct val="0"/>
-              </a:spcBef>
-              <a:spcAft>
-                <a:spcPct val="0"/>
-              </a:spcAft>
-              <a:buClrTx/>
-              <a:buSzTx/>
-              <a:buFontTx/>
-              <a:buNone/>
-              <a:tabLst/>
-            </a:pPr>
-            <a:r>
-              <a:rPr kumimoji="0" lang="en-US" sz="1600" b="1" u="none" strike="noStrike" cap="none" normalizeH="0" baseline="0" dirty="0" smtClean="0">
-                <a:ln>
-                  <a:noFill/>
-                </a:ln>
-                <a:solidFill>
-                  <a:schemeClr val="tx2">
-                    <a:lumMod val="75000"/>
-                  </a:schemeClr>
-                </a:solidFill>
-                <a:effectLst/>
-                <a:latin typeface="Helvetica Neue Light" charset="0"/>
-                <a:ea typeface="Helvetica Neue Light" charset="0"/>
-                <a:cs typeface="Helvetica Neue Light" charset="0"/>
-              </a:rPr>
-              <a:t>MQ</a:t>
-            </a:r>
-          </a:p>
-        </p:txBody>
-      </p:sp>
-      <p:cxnSp>
-        <p:nvCxnSpPr>
-          <p:cNvPr id="33" name="Straight Arrow Connector 32"/>
-          <p:cNvCxnSpPr/>
-          <p:nvPr/>
-        </p:nvCxnSpPr>
-        <p:spPr bwMode="auto">
-          <a:xfrm>
-            <a:off x="2596837" y="3831797"/>
-            <a:ext cx="1353146" cy="3603"/>
-          </a:xfrm>
-          <a:prstGeom prst="straightConnector1">
-            <a:avLst/>
-          </a:prstGeom>
-          <a:noFill/>
-          <a:ln w="12700" cap="flat" cmpd="sng" algn="ctr">
-            <a:solidFill>
-              <a:schemeClr val="bg1">
-                <a:lumMod val="50000"/>
-              </a:schemeClr>
-            </a:solidFill>
-            <a:prstDash val="solid"/>
-            <a:round/>
-            <a:headEnd type="none" w="med" len="med"/>
-            <a:tailEnd type="triangle"/>
-          </a:ln>
-          <a:effectLst/>
-        </p:spPr>
-      </p:cxnSp>
-      <p:cxnSp>
-        <p:nvCxnSpPr>
-          <p:cNvPr id="34" name="Straight Arrow Connector 33"/>
-          <p:cNvCxnSpPr/>
-          <p:nvPr/>
-        </p:nvCxnSpPr>
-        <p:spPr bwMode="auto">
-          <a:xfrm flipV="1">
-            <a:off x="4636631" y="2921621"/>
-            <a:ext cx="3717" cy="457199"/>
-          </a:xfrm>
-          <a:prstGeom prst="straightConnector1">
-            <a:avLst/>
-          </a:prstGeom>
-          <a:noFill/>
-          <a:ln w="12700" cap="flat" cmpd="sng" algn="ctr">
-            <a:solidFill>
-              <a:schemeClr val="bg1">
-                <a:lumMod val="50000"/>
-              </a:schemeClr>
-            </a:solidFill>
-            <a:prstDash val="solid"/>
-            <a:round/>
-            <a:headEnd type="none" w="med" len="med"/>
-            <a:tailEnd type="triangle"/>
-          </a:ln>
-          <a:effectLst/>
-        </p:spPr>
-      </p:cxnSp>
-      <p:sp>
-        <p:nvSpPr>
-          <p:cNvPr id="35" name="Slide Number Placeholder 1"/>
-          <p:cNvSpPr>
-            <a:spLocks noGrp="1"/>
-          </p:cNvSpPr>
-          <p:nvPr>
-            <p:ph type="sldNum" sz="quarter" idx="10"/>
-          </p:nvPr>
-        </p:nvSpPr>
-        <p:spPr>
-          <a:xfrm>
-            <a:off x="328613" y="4894263"/>
-            <a:ext cx="2124075" cy="171450"/>
-          </a:xfrm>
-        </p:spPr>
-        <p:txBody>
-          <a:bodyPr/>
-          <a:lstStyle/>
-          <a:p>
-            <a:pPr algn="l">
-              <a:defRPr/>
-            </a:pPr>
-            <a:r>
-              <a:rPr lang="en-US" smtClean="0"/>
-              <a:t>12</a:t>
-            </a:r>
-            <a:endParaRPr lang="en-US" dirty="0"/>
-          </a:p>
-        </p:txBody>
-      </p:sp>
-      <p:sp>
-        <p:nvSpPr>
-          <p:cNvPr id="23" name="Rounded Rectangle 22"/>
-          <p:cNvSpPr/>
-          <p:nvPr/>
-        </p:nvSpPr>
-        <p:spPr bwMode="auto">
-          <a:xfrm>
-            <a:off x="7026294" y="1723817"/>
-            <a:ext cx="1494504" cy="435274"/>
-          </a:xfrm>
-          <a:prstGeom prst="roundRect">
-            <a:avLst/>
-          </a:prstGeom>
-          <a:noFill/>
-          <a:ln>
-            <a:solidFill>
-              <a:schemeClr val="bg1">
-                <a:lumMod val="65000"/>
-              </a:schemeClr>
-            </a:solidFill>
-            <a:headEnd type="none" w="med" len="med"/>
-            <a:tailEnd type="none" w="med" len="med"/>
-          </a:ln>
-        </p:spPr>
-        <p:style>
-          <a:lnRef idx="2">
-            <a:schemeClr val="dk1"/>
-          </a:lnRef>
-          <a:fillRef idx="1">
-            <a:schemeClr val="lt1"/>
-          </a:fillRef>
-          <a:effectRef idx="0">
-            <a:schemeClr val="dk1"/>
-          </a:effectRef>
-          <a:fontRef idx="minor">
-            <a:schemeClr val="dk1"/>
-          </a:fontRef>
-        </p:style>
-        <p:txBody>
-          <a:bodyPr vert="horz" wrap="square" lIns="0" tIns="0" rIns="0" bIns="0" numCol="1" rtlCol="0" anchor="ctr" anchorCtr="0" compatLnSpc="1">
-            <a:prstTxWarp prst="textNoShape">
-              <a:avLst/>
-            </a:prstTxWarp>
-          </a:bodyPr>
-          <a:lstStyle/>
-          <a:p>
-            <a:pPr marL="0" marR="0" indent="0" algn="ctr" defTabSz="914400" rtl="0" eaLnBrk="1" fontAlgn="base" latinLnBrk="0" hangingPunct="1">
-              <a:lnSpc>
-                <a:spcPct val="90000"/>
-              </a:lnSpc>
-              <a:spcBef>
-                <a:spcPct val="0"/>
-              </a:spcBef>
-              <a:spcAft>
-                <a:spcPct val="0"/>
-              </a:spcAft>
-              <a:buClrTx/>
-              <a:buSzTx/>
-              <a:buFontTx/>
-              <a:buNone/>
-              <a:tabLst/>
-            </a:pPr>
-            <a:r>
-              <a:rPr kumimoji="0" lang="en-US" sz="1400" u="none" strike="noStrike" cap="none" normalizeH="0" baseline="0" smtClean="0">
-                <a:ln>
-                  <a:noFill/>
-                </a:ln>
-                <a:solidFill>
-                  <a:schemeClr val="tx1">
-                    <a:lumMod val="50000"/>
-                    <a:lumOff val="50000"/>
-                  </a:schemeClr>
-                </a:solidFill>
-                <a:effectLst/>
-                <a:latin typeface="Helvetica Neue Light" charset="0"/>
-                <a:ea typeface="Helvetica Neue Light" charset="0"/>
-                <a:cs typeface="Helvetica Neue Light" charset="0"/>
-              </a:rPr>
-              <a:t>Shipping Vendor</a:t>
-            </a:r>
-          </a:p>
-        </p:txBody>
-      </p:sp>
-      <p:grpSp>
-        <p:nvGrpSpPr>
-          <p:cNvPr id="19" name="Group 18"/>
-          <p:cNvGrpSpPr/>
-          <p:nvPr/>
-        </p:nvGrpSpPr>
-        <p:grpSpPr>
-          <a:xfrm>
-            <a:off x="6096215" y="2362256"/>
-            <a:ext cx="2424583" cy="435274"/>
-            <a:chOff x="6096215" y="2362256"/>
-            <a:chExt cx="2424583" cy="435274"/>
-          </a:xfrm>
-        </p:grpSpPr>
-        <p:cxnSp>
-          <p:nvCxnSpPr>
-            <p:cNvPr id="20" name="Straight Arrow Connector 19"/>
-            <p:cNvCxnSpPr/>
-            <p:nvPr/>
-          </p:nvCxnSpPr>
-          <p:spPr bwMode="auto">
-            <a:xfrm>
-              <a:off x="6096215" y="2534306"/>
-              <a:ext cx="751673" cy="0"/>
-            </a:xfrm>
-            <a:prstGeom prst="straightConnector1">
-              <a:avLst/>
-            </a:prstGeom>
-            <a:noFill/>
-            <a:ln w="12700" cap="flat" cmpd="sng" algn="ctr">
-              <a:solidFill>
-                <a:schemeClr val="bg1">
-                  <a:lumMod val="50000"/>
-                </a:schemeClr>
-              </a:solidFill>
-              <a:prstDash val="solid"/>
-              <a:round/>
-              <a:headEnd type="none" w="med" len="med"/>
-              <a:tailEnd type="triangle"/>
-            </a:ln>
-            <a:effectLst/>
-          </p:spPr>
-        </p:cxnSp>
-        <p:sp>
-          <p:nvSpPr>
-            <p:cNvPr id="22" name="Rounded Rectangle 21"/>
-            <p:cNvSpPr/>
-            <p:nvPr/>
-          </p:nvSpPr>
-          <p:spPr bwMode="auto">
-            <a:xfrm>
-              <a:off x="7026294" y="2362256"/>
-              <a:ext cx="1494504" cy="435274"/>
-            </a:xfrm>
-            <a:prstGeom prst="roundRect">
-              <a:avLst/>
-            </a:prstGeom>
-            <a:noFill/>
-            <a:ln>
-              <a:solidFill>
-                <a:schemeClr val="bg1">
-                  <a:lumMod val="65000"/>
-                </a:schemeClr>
-              </a:solidFill>
-              <a:headEnd type="none" w="med" len="med"/>
-              <a:tailEnd type="none" w="med" len="med"/>
-            </a:ln>
-          </p:spPr>
-          <p:style>
-            <a:lnRef idx="2">
-              <a:schemeClr val="dk1"/>
-            </a:lnRef>
-            <a:fillRef idx="1">
-              <a:schemeClr val="lt1"/>
-            </a:fillRef>
-            <a:effectRef idx="0">
-              <a:schemeClr val="dk1"/>
-            </a:effectRef>
-            <a:fontRef idx="minor">
-              <a:schemeClr val="dk1"/>
-            </a:fontRef>
-          </p:style>
-          <p:txBody>
-            <a:bodyPr vert="horz" wrap="square" lIns="0" tIns="0" rIns="0" bIns="0" numCol="1" rtlCol="0" anchor="ctr" anchorCtr="0" compatLnSpc="1">
-              <a:prstTxWarp prst="textNoShape">
-                <a:avLst/>
-              </a:prstTxWarp>
-            </a:bodyPr>
-            <a:lstStyle/>
-            <a:p>
-              <a:pPr marL="0" marR="0" indent="0" algn="ctr" defTabSz="914400" rtl="0" eaLnBrk="1" fontAlgn="base" latinLnBrk="0" hangingPunct="1">
-                <a:lnSpc>
-                  <a:spcPct val="90000"/>
-                </a:lnSpc>
-                <a:spcBef>
-                  <a:spcPct val="0"/>
-                </a:spcBef>
-                <a:spcAft>
-                  <a:spcPct val="0"/>
-                </a:spcAft>
-                <a:buClrTx/>
-                <a:buSzTx/>
-                <a:buFontTx/>
-                <a:buNone/>
-                <a:tabLst/>
-              </a:pPr>
-              <a:r>
-                <a:rPr kumimoji="0" lang="en-US" sz="1400" u="none" strike="noStrike" cap="none" normalizeH="0" baseline="0" dirty="0" smtClean="0">
-                  <a:ln>
-                    <a:noFill/>
-                  </a:ln>
-                  <a:solidFill>
-                    <a:schemeClr val="tx1">
-                      <a:lumMod val="50000"/>
-                      <a:lumOff val="50000"/>
-                    </a:schemeClr>
-                  </a:solidFill>
-                  <a:effectLst/>
-                  <a:latin typeface="Helvetica Neue Light" charset="0"/>
-                  <a:ea typeface="Helvetica Neue Light" charset="0"/>
-                  <a:cs typeface="Helvetica Neue Light" charset="0"/>
-                </a:rPr>
-                <a:t>Trouble</a:t>
-              </a:r>
-              <a:r>
-                <a:rPr kumimoji="0" lang="en-US" sz="1400" u="none" strike="noStrike" cap="none" normalizeH="0" dirty="0" smtClean="0">
-                  <a:ln>
-                    <a:noFill/>
-                  </a:ln>
-                  <a:solidFill>
-                    <a:schemeClr val="tx1">
-                      <a:lumMod val="50000"/>
-                      <a:lumOff val="50000"/>
-                    </a:schemeClr>
-                  </a:solidFill>
-                  <a:effectLst/>
-                  <a:latin typeface="Helvetica Neue Light" charset="0"/>
-                  <a:ea typeface="Helvetica Neue Light" charset="0"/>
-                  <a:cs typeface="Helvetica Neue Light" charset="0"/>
-                </a:rPr>
-                <a:t> Ticket System</a:t>
-              </a:r>
-              <a:endParaRPr kumimoji="0" lang="en-US" sz="1400" u="none" strike="noStrike" cap="none" normalizeH="0" baseline="0" dirty="0" smtClean="0">
-                <a:ln>
-                  <a:noFill/>
-                </a:ln>
-                <a:solidFill>
-                  <a:schemeClr val="tx1">
-                    <a:lumMod val="50000"/>
-                    <a:lumOff val="50000"/>
-                  </a:schemeClr>
-                </a:solidFill>
-                <a:effectLst/>
-                <a:latin typeface="Helvetica Neue Light" charset="0"/>
-                <a:ea typeface="Helvetica Neue Light" charset="0"/>
-                <a:cs typeface="Helvetica Neue Light" charset="0"/>
-              </a:endParaRPr>
-            </a:p>
-          </p:txBody>
-        </p:sp>
-      </p:grpSp>
     </p:spTree>
     <p:extLst>
       <p:ext uri="{BB962C8B-B14F-4D97-AF65-F5344CB8AC3E}">
-        <p14:creationId xmlns:p14="http://schemas.microsoft.com/office/powerpoint/2010/main" val="425733117"/>
+        <p14:creationId xmlns:p14="http://schemas.microsoft.com/office/powerpoint/2010/main" val="1686137990"/>
       </p:ext>
     </p:extLst>
   </p:cSld>
